--- a/Writing/Thesis_Figures/Coverage vs Potential.pptx
+++ b/Writing/Thesis_Figures/Coverage vs Potential.pptx
@@ -2,15 +2,15 @@
 <file path=ppt/presentation.xml><?xml version="1.0" encoding="utf-8"?>
 <p:presentation xmlns:a="http://schemas.openxmlformats.org/drawingml/2006/main" xmlns:r="http://schemas.openxmlformats.org/officeDocument/2006/relationships" xmlns:p="http://schemas.openxmlformats.org/presentationml/2006/main" saveSubsetFonts="1" autoCompressPictures="0">
   <p:sldMasterIdLst>
-    <p:sldMasterId id="2147483672" r:id="rId1"/>
+    <p:sldMasterId id="2147483720" r:id="rId1"/>
   </p:sldMasterIdLst>
   <p:notesMasterIdLst>
     <p:notesMasterId r:id="rId3"/>
   </p:notesMasterIdLst>
   <p:sldIdLst>
-    <p:sldId id="256" r:id="rId2"/>
+    <p:sldId id="257" r:id="rId2"/>
   </p:sldIdLst>
-  <p:sldSz cx="5040313" cy="5040313"/>
+  <p:sldSz cx="4679950" cy="1800225"/>
   <p:notesSz cx="6858000" cy="9144000"/>
   <p:defaultTextStyle>
     <a:defPPr>
@@ -210,8 +210,8 @@
         </p:nvSpPr>
         <p:spPr>
           <a:xfrm>
-            <a:off x="1885950" y="1143000"/>
-            <a:ext cx="3086100" cy="3086100"/>
+            <a:off x="-581025" y="1143000"/>
+            <a:ext cx="8020050" cy="3086100"/>
           </a:xfrm>
           <a:prstGeom prst="rect">
             <a:avLst/>
@@ -366,8 +366,8 @@
   </p:cSld>
   <p:clrMap bg1="lt1" tx1="dk1" bg2="lt2" tx2="dk2" accent1="accent1" accent2="accent2" accent3="accent3" accent4="accent4" accent5="accent5" accent6="accent6" hlink="hlink" folHlink="folHlink"/>
   <p:notesStyle>
-    <a:lvl1pPr marL="0" algn="l" defTabSz="483849" rtl="0" eaLnBrk="1" latinLnBrk="0" hangingPunct="1">
-      <a:defRPr sz="635" kern="1200">
+    <a:lvl1pPr marL="0" algn="l" defTabSz="437787" rtl="0" eaLnBrk="1" latinLnBrk="0" hangingPunct="1">
+      <a:defRPr sz="575" kern="1200">
         <a:solidFill>
           <a:schemeClr val="tx1"/>
         </a:solidFill>
@@ -376,8 +376,8 @@
         <a:cs typeface="+mn-cs"/>
       </a:defRPr>
     </a:lvl1pPr>
-    <a:lvl2pPr marL="241924" algn="l" defTabSz="483849" rtl="0" eaLnBrk="1" latinLnBrk="0" hangingPunct="1">
-      <a:defRPr sz="635" kern="1200">
+    <a:lvl2pPr marL="218893" algn="l" defTabSz="437787" rtl="0" eaLnBrk="1" latinLnBrk="0" hangingPunct="1">
+      <a:defRPr sz="575" kern="1200">
         <a:solidFill>
           <a:schemeClr val="tx1"/>
         </a:solidFill>
@@ -386,8 +386,8 @@
         <a:cs typeface="+mn-cs"/>
       </a:defRPr>
     </a:lvl2pPr>
-    <a:lvl3pPr marL="483849" algn="l" defTabSz="483849" rtl="0" eaLnBrk="1" latinLnBrk="0" hangingPunct="1">
-      <a:defRPr sz="635" kern="1200">
+    <a:lvl3pPr marL="437787" algn="l" defTabSz="437787" rtl="0" eaLnBrk="1" latinLnBrk="0" hangingPunct="1">
+      <a:defRPr sz="575" kern="1200">
         <a:solidFill>
           <a:schemeClr val="tx1"/>
         </a:solidFill>
@@ -396,8 +396,8 @@
         <a:cs typeface="+mn-cs"/>
       </a:defRPr>
     </a:lvl3pPr>
-    <a:lvl4pPr marL="725774" algn="l" defTabSz="483849" rtl="0" eaLnBrk="1" latinLnBrk="0" hangingPunct="1">
-      <a:defRPr sz="635" kern="1200">
+    <a:lvl4pPr marL="656680" algn="l" defTabSz="437787" rtl="0" eaLnBrk="1" latinLnBrk="0" hangingPunct="1">
+      <a:defRPr sz="575" kern="1200">
         <a:solidFill>
           <a:schemeClr val="tx1"/>
         </a:solidFill>
@@ -406,8 +406,8 @@
         <a:cs typeface="+mn-cs"/>
       </a:defRPr>
     </a:lvl4pPr>
-    <a:lvl5pPr marL="967698" algn="l" defTabSz="483849" rtl="0" eaLnBrk="1" latinLnBrk="0" hangingPunct="1">
-      <a:defRPr sz="635" kern="1200">
+    <a:lvl5pPr marL="875573" algn="l" defTabSz="437787" rtl="0" eaLnBrk="1" latinLnBrk="0" hangingPunct="1">
+      <a:defRPr sz="575" kern="1200">
         <a:solidFill>
           <a:schemeClr val="tx1"/>
         </a:solidFill>
@@ -416,8 +416,8 @@
         <a:cs typeface="+mn-cs"/>
       </a:defRPr>
     </a:lvl5pPr>
-    <a:lvl6pPr marL="1209623" algn="l" defTabSz="483849" rtl="0" eaLnBrk="1" latinLnBrk="0" hangingPunct="1">
-      <a:defRPr sz="635" kern="1200">
+    <a:lvl6pPr marL="1094467" algn="l" defTabSz="437787" rtl="0" eaLnBrk="1" latinLnBrk="0" hangingPunct="1">
+      <a:defRPr sz="575" kern="1200">
         <a:solidFill>
           <a:schemeClr val="tx1"/>
         </a:solidFill>
@@ -426,8 +426,8 @@
         <a:cs typeface="+mn-cs"/>
       </a:defRPr>
     </a:lvl6pPr>
-    <a:lvl7pPr marL="1451547" algn="l" defTabSz="483849" rtl="0" eaLnBrk="1" latinLnBrk="0" hangingPunct="1">
-      <a:defRPr sz="635" kern="1200">
+    <a:lvl7pPr marL="1313360" algn="l" defTabSz="437787" rtl="0" eaLnBrk="1" latinLnBrk="0" hangingPunct="1">
+      <a:defRPr sz="575" kern="1200">
         <a:solidFill>
           <a:schemeClr val="tx1"/>
         </a:solidFill>
@@ -436,8 +436,8 @@
         <a:cs typeface="+mn-cs"/>
       </a:defRPr>
     </a:lvl7pPr>
-    <a:lvl8pPr marL="1693471" algn="l" defTabSz="483849" rtl="0" eaLnBrk="1" latinLnBrk="0" hangingPunct="1">
-      <a:defRPr sz="635" kern="1200">
+    <a:lvl8pPr marL="1532253" algn="l" defTabSz="437787" rtl="0" eaLnBrk="1" latinLnBrk="0" hangingPunct="1">
+      <a:defRPr sz="575" kern="1200">
         <a:solidFill>
           <a:schemeClr val="tx1"/>
         </a:solidFill>
@@ -446,8 +446,8 @@
         <a:cs typeface="+mn-cs"/>
       </a:defRPr>
     </a:lvl8pPr>
-    <a:lvl9pPr marL="1935397" algn="l" defTabSz="483849" rtl="0" eaLnBrk="1" latinLnBrk="0" hangingPunct="1">
-      <a:defRPr sz="635" kern="1200">
+    <a:lvl9pPr marL="1751147" algn="l" defTabSz="437787" rtl="0" eaLnBrk="1" latinLnBrk="0" hangingPunct="1">
+      <a:defRPr sz="575" kern="1200">
         <a:solidFill>
           <a:schemeClr val="tx1"/>
         </a:solidFill>
@@ -487,7 +487,12 @@
             <p:ph type="sldImg"/>
           </p:nvPr>
         </p:nvSpPr>
-        <p:spPr/>
+        <p:spPr>
+          <a:xfrm>
+            <a:off x="-581025" y="1143000"/>
+            <a:ext cx="8020050" cy="3086100"/>
+          </a:xfrm>
+        </p:spPr>
       </p:sp>
       <p:sp>
         <p:nvSpPr>
@@ -715,6 +720,12 @@
               <a:rPr lang="da-DK" dirty="0"/>
               <a:t>.</a:t>
             </a:r>
+          </a:p>
+          <a:p>
+            <a:endParaRPr lang="da-DK" dirty="0"/>
+          </a:p>
+          <a:p>
+            <a:endParaRPr lang="da-DK" dirty="0"/>
           </a:p>
         </p:txBody>
       </p:sp>
@@ -744,7 +755,7 @@
     </p:spTree>
     <p:extLst>
       <p:ext uri="{BB962C8B-B14F-4D97-AF65-F5344CB8AC3E}">
-        <p14:creationId xmlns:p14="http://schemas.microsoft.com/office/powerpoint/2010/main" val="1277451476"/>
+        <p14:creationId xmlns:p14="http://schemas.microsoft.com/office/powerpoint/2010/main" val="4036208806"/>
       </p:ext>
     </p:extLst>
   </p:cSld>
@@ -783,15 +794,15 @@
         </p:nvSpPr>
         <p:spPr>
           <a:xfrm>
-            <a:off x="378024" y="824885"/>
-            <a:ext cx="4284266" cy="1754776"/>
+            <a:off x="584994" y="294620"/>
+            <a:ext cx="3509963" cy="626745"/>
           </a:xfrm>
         </p:spPr>
         <p:txBody>
           <a:bodyPr anchor="b"/>
           <a:lstStyle>
             <a:lvl1pPr algn="ctr">
-              <a:defRPr sz="3307"/>
+              <a:defRPr sz="1575"/>
             </a:lvl1pPr>
           </a:lstStyle>
           <a:p>
@@ -815,8 +826,8 @@
         </p:nvSpPr>
         <p:spPr>
           <a:xfrm>
-            <a:off x="630039" y="2647331"/>
-            <a:ext cx="3780235" cy="1216909"/>
+            <a:off x="584994" y="945535"/>
+            <a:ext cx="3509963" cy="434638"/>
           </a:xfrm>
         </p:spPr>
         <p:txBody>
@@ -824,39 +835,39 @@
           <a:lstStyle>
             <a:lvl1pPr marL="0" indent="0" algn="ctr">
               <a:buNone/>
-              <a:defRPr sz="1323"/>
+              <a:defRPr sz="630"/>
             </a:lvl1pPr>
-            <a:lvl2pPr marL="252009" indent="0" algn="ctr">
+            <a:lvl2pPr marL="120015" indent="0" algn="ctr">
               <a:buNone/>
-              <a:defRPr sz="1102"/>
+              <a:defRPr sz="525"/>
             </a:lvl2pPr>
-            <a:lvl3pPr marL="504017" indent="0" algn="ctr">
+            <a:lvl3pPr marL="240030" indent="0" algn="ctr">
               <a:buNone/>
-              <a:defRPr sz="992"/>
+              <a:defRPr sz="472"/>
             </a:lvl3pPr>
-            <a:lvl4pPr marL="756026" indent="0" algn="ctr">
+            <a:lvl4pPr marL="360045" indent="0" algn="ctr">
               <a:buNone/>
-              <a:defRPr sz="882"/>
+              <a:defRPr sz="420"/>
             </a:lvl4pPr>
-            <a:lvl5pPr marL="1008035" indent="0" algn="ctr">
+            <a:lvl5pPr marL="480060" indent="0" algn="ctr">
               <a:buNone/>
-              <a:defRPr sz="882"/>
+              <a:defRPr sz="420"/>
             </a:lvl5pPr>
-            <a:lvl6pPr marL="1260043" indent="0" algn="ctr">
+            <a:lvl6pPr marL="600075" indent="0" algn="ctr">
               <a:buNone/>
-              <a:defRPr sz="882"/>
+              <a:defRPr sz="420"/>
             </a:lvl6pPr>
-            <a:lvl7pPr marL="1512052" indent="0" algn="ctr">
+            <a:lvl7pPr marL="720090" indent="0" algn="ctr">
               <a:buNone/>
-              <a:defRPr sz="882"/>
+              <a:defRPr sz="420"/>
             </a:lvl7pPr>
-            <a:lvl8pPr marL="1764060" indent="0" algn="ctr">
+            <a:lvl8pPr marL="840105" indent="0" algn="ctr">
               <a:buNone/>
-              <a:defRPr sz="882"/>
+              <a:defRPr sz="420"/>
             </a:lvl8pPr>
-            <a:lvl9pPr marL="2016069" indent="0" algn="ctr">
+            <a:lvl9pPr marL="960120" indent="0" algn="ctr">
               <a:buNone/>
-              <a:defRPr sz="882"/>
+              <a:defRPr sz="420"/>
             </a:lvl9pPr>
           </a:lstStyle>
           <a:p>
@@ -936,7 +947,7 @@
     </p:spTree>
     <p:extLst>
       <p:ext uri="{BB962C8B-B14F-4D97-AF65-F5344CB8AC3E}">
-        <p14:creationId xmlns:p14="http://schemas.microsoft.com/office/powerpoint/2010/main" val="2819275699"/>
+        <p14:creationId xmlns:p14="http://schemas.microsoft.com/office/powerpoint/2010/main" val="4191270631"/>
       </p:ext>
     </p:extLst>
   </p:cSld>
@@ -1106,7 +1117,7 @@
     </p:spTree>
     <p:extLst>
       <p:ext uri="{BB962C8B-B14F-4D97-AF65-F5344CB8AC3E}">
-        <p14:creationId xmlns:p14="http://schemas.microsoft.com/office/powerpoint/2010/main" val="2213766378"/>
+        <p14:creationId xmlns:p14="http://schemas.microsoft.com/office/powerpoint/2010/main" val="3583353153"/>
       </p:ext>
     </p:extLst>
   </p:cSld>
@@ -1145,8 +1156,8 @@
         </p:nvSpPr>
         <p:spPr>
           <a:xfrm>
-            <a:off x="3606975" y="268350"/>
-            <a:ext cx="1086817" cy="4271432"/>
+            <a:off x="3349089" y="95846"/>
+            <a:ext cx="1009114" cy="1525607"/>
           </a:xfrm>
         </p:spPr>
         <p:txBody>
@@ -1173,8 +1184,8 @@
         </p:nvSpPr>
         <p:spPr>
           <a:xfrm>
-            <a:off x="346522" y="268350"/>
-            <a:ext cx="3197449" cy="4271432"/>
+            <a:off x="321747" y="95846"/>
+            <a:ext cx="2968843" cy="1525607"/>
           </a:xfrm>
         </p:spPr>
         <p:txBody>
@@ -1286,7 +1297,7 @@
     </p:spTree>
     <p:extLst>
       <p:ext uri="{BB962C8B-B14F-4D97-AF65-F5344CB8AC3E}">
-        <p14:creationId xmlns:p14="http://schemas.microsoft.com/office/powerpoint/2010/main" val="4222088899"/>
+        <p14:creationId xmlns:p14="http://schemas.microsoft.com/office/powerpoint/2010/main" val="142850664"/>
       </p:ext>
     </p:extLst>
   </p:cSld>
@@ -1456,7 +1467,7 @@
     </p:spTree>
     <p:extLst>
       <p:ext uri="{BB962C8B-B14F-4D97-AF65-F5344CB8AC3E}">
-        <p14:creationId xmlns:p14="http://schemas.microsoft.com/office/powerpoint/2010/main" val="3229026735"/>
+        <p14:creationId xmlns:p14="http://schemas.microsoft.com/office/powerpoint/2010/main" val="6485824"/>
       </p:ext>
     </p:extLst>
   </p:cSld>
@@ -1495,15 +1506,15 @@
         </p:nvSpPr>
         <p:spPr>
           <a:xfrm>
-            <a:off x="343897" y="1256579"/>
-            <a:ext cx="4347270" cy="2096630"/>
+            <a:off x="319309" y="448807"/>
+            <a:ext cx="4036457" cy="748843"/>
           </a:xfrm>
         </p:spPr>
         <p:txBody>
           <a:bodyPr anchor="b"/>
           <a:lstStyle>
             <a:lvl1pPr>
-              <a:defRPr sz="3307"/>
+              <a:defRPr sz="1575"/>
             </a:lvl1pPr>
           </a:lstStyle>
           <a:p>
@@ -1527,8 +1538,8 @@
         </p:nvSpPr>
         <p:spPr>
           <a:xfrm>
-            <a:off x="343897" y="3373044"/>
-            <a:ext cx="4347270" cy="1102568"/>
+            <a:off x="319309" y="1204734"/>
+            <a:ext cx="4036457" cy="393799"/>
           </a:xfrm>
         </p:spPr>
         <p:txBody>
@@ -1536,15 +1547,17 @@
           <a:lstStyle>
             <a:lvl1pPr marL="0" indent="0">
               <a:buNone/>
-              <a:defRPr sz="1323">
+              <a:defRPr sz="630">
                 <a:solidFill>
-                  <a:schemeClr val="tx1"/>
+                  <a:schemeClr val="tx1">
+                    <a:tint val="75000"/>
+                  </a:schemeClr>
                 </a:solidFill>
               </a:defRPr>
             </a:lvl1pPr>
-            <a:lvl2pPr marL="252009" indent="0">
+            <a:lvl2pPr marL="120015" indent="0">
               <a:buNone/>
-              <a:defRPr sz="1102">
+              <a:defRPr sz="525">
                 <a:solidFill>
                   <a:schemeClr val="tx1">
                     <a:tint val="75000"/>
@@ -1552,9 +1565,9 @@
                 </a:solidFill>
               </a:defRPr>
             </a:lvl2pPr>
-            <a:lvl3pPr marL="504017" indent="0">
+            <a:lvl3pPr marL="240030" indent="0">
               <a:buNone/>
-              <a:defRPr sz="992">
+              <a:defRPr sz="472">
                 <a:solidFill>
                   <a:schemeClr val="tx1">
                     <a:tint val="75000"/>
@@ -1562,9 +1575,9 @@
                 </a:solidFill>
               </a:defRPr>
             </a:lvl3pPr>
-            <a:lvl4pPr marL="756026" indent="0">
+            <a:lvl4pPr marL="360045" indent="0">
               <a:buNone/>
-              <a:defRPr sz="882">
+              <a:defRPr sz="420">
                 <a:solidFill>
                   <a:schemeClr val="tx1">
                     <a:tint val="75000"/>
@@ -1572,9 +1585,9 @@
                 </a:solidFill>
               </a:defRPr>
             </a:lvl4pPr>
-            <a:lvl5pPr marL="1008035" indent="0">
+            <a:lvl5pPr marL="480060" indent="0">
               <a:buNone/>
-              <a:defRPr sz="882">
+              <a:defRPr sz="420">
                 <a:solidFill>
                   <a:schemeClr val="tx1">
                     <a:tint val="75000"/>
@@ -1582,9 +1595,9 @@
                 </a:solidFill>
               </a:defRPr>
             </a:lvl5pPr>
-            <a:lvl6pPr marL="1260043" indent="0">
+            <a:lvl6pPr marL="600075" indent="0">
               <a:buNone/>
-              <a:defRPr sz="882">
+              <a:defRPr sz="420">
                 <a:solidFill>
                   <a:schemeClr val="tx1">
                     <a:tint val="75000"/>
@@ -1592,9 +1605,9 @@
                 </a:solidFill>
               </a:defRPr>
             </a:lvl6pPr>
-            <a:lvl7pPr marL="1512052" indent="0">
+            <a:lvl7pPr marL="720090" indent="0">
               <a:buNone/>
-              <a:defRPr sz="882">
+              <a:defRPr sz="420">
                 <a:solidFill>
                   <a:schemeClr val="tx1">
                     <a:tint val="75000"/>
@@ -1602,9 +1615,9 @@
                 </a:solidFill>
               </a:defRPr>
             </a:lvl7pPr>
-            <a:lvl8pPr marL="1764060" indent="0">
+            <a:lvl8pPr marL="840105" indent="0">
               <a:buNone/>
-              <a:defRPr sz="882">
+              <a:defRPr sz="420">
                 <a:solidFill>
                   <a:schemeClr val="tx1">
                     <a:tint val="75000"/>
@@ -1612,9 +1625,9 @@
                 </a:solidFill>
               </a:defRPr>
             </a:lvl8pPr>
-            <a:lvl9pPr marL="2016069" indent="0">
+            <a:lvl9pPr marL="960120" indent="0">
               <a:buNone/>
-              <a:defRPr sz="882">
+              <a:defRPr sz="420">
                 <a:solidFill>
                   <a:schemeClr val="tx1">
                     <a:tint val="75000"/>
@@ -1700,7 +1713,7 @@
     </p:spTree>
     <p:extLst>
       <p:ext uri="{BB962C8B-B14F-4D97-AF65-F5344CB8AC3E}">
-        <p14:creationId xmlns:p14="http://schemas.microsoft.com/office/powerpoint/2010/main" val="2771479554"/>
+        <p14:creationId xmlns:p14="http://schemas.microsoft.com/office/powerpoint/2010/main" val="2315678860"/>
       </p:ext>
     </p:extLst>
   </p:cSld>
@@ -1762,8 +1775,8 @@
         </p:nvSpPr>
         <p:spPr>
           <a:xfrm>
-            <a:off x="346522" y="1341750"/>
-            <a:ext cx="2142133" cy="3198032"/>
+            <a:off x="321746" y="479227"/>
+            <a:ext cx="1988979" cy="1142226"/>
           </a:xfrm>
         </p:spPr>
         <p:txBody>
@@ -1819,8 +1832,8 @@
         </p:nvSpPr>
         <p:spPr>
           <a:xfrm>
-            <a:off x="2551658" y="1341750"/>
-            <a:ext cx="2142133" cy="3198032"/>
+            <a:off x="2369225" y="479227"/>
+            <a:ext cx="1988979" cy="1142226"/>
           </a:xfrm>
         </p:spPr>
         <p:txBody>
@@ -1932,7 +1945,7 @@
     </p:spTree>
     <p:extLst>
       <p:ext uri="{BB962C8B-B14F-4D97-AF65-F5344CB8AC3E}">
-        <p14:creationId xmlns:p14="http://schemas.microsoft.com/office/powerpoint/2010/main" val="2728014740"/>
+        <p14:creationId xmlns:p14="http://schemas.microsoft.com/office/powerpoint/2010/main" val="713974761"/>
       </p:ext>
     </p:extLst>
   </p:cSld>
@@ -1971,8 +1984,8 @@
         </p:nvSpPr>
         <p:spPr>
           <a:xfrm>
-            <a:off x="347178" y="268351"/>
-            <a:ext cx="4347270" cy="974228"/>
+            <a:off x="322356" y="95846"/>
+            <a:ext cx="4036457" cy="347960"/>
           </a:xfrm>
         </p:spPr>
         <p:txBody>
@@ -1999,8 +2012,8 @@
         </p:nvSpPr>
         <p:spPr>
           <a:xfrm>
-            <a:off x="347179" y="1235577"/>
-            <a:ext cx="2132288" cy="605537"/>
+            <a:off x="322356" y="441305"/>
+            <a:ext cx="1979838" cy="216277"/>
           </a:xfrm>
         </p:spPr>
         <p:txBody>
@@ -2008,39 +2021,39 @@
           <a:lstStyle>
             <a:lvl1pPr marL="0" indent="0">
               <a:buNone/>
-              <a:defRPr sz="1323" b="1"/>
+              <a:defRPr sz="630" b="1"/>
             </a:lvl1pPr>
-            <a:lvl2pPr marL="252009" indent="0">
+            <a:lvl2pPr marL="120015" indent="0">
               <a:buNone/>
-              <a:defRPr sz="1102" b="1"/>
+              <a:defRPr sz="525" b="1"/>
             </a:lvl2pPr>
-            <a:lvl3pPr marL="504017" indent="0">
+            <a:lvl3pPr marL="240030" indent="0">
               <a:buNone/>
-              <a:defRPr sz="992" b="1"/>
+              <a:defRPr sz="472" b="1"/>
             </a:lvl3pPr>
-            <a:lvl4pPr marL="756026" indent="0">
+            <a:lvl4pPr marL="360045" indent="0">
               <a:buNone/>
-              <a:defRPr sz="882" b="1"/>
+              <a:defRPr sz="420" b="1"/>
             </a:lvl4pPr>
-            <a:lvl5pPr marL="1008035" indent="0">
+            <a:lvl5pPr marL="480060" indent="0">
               <a:buNone/>
-              <a:defRPr sz="882" b="1"/>
+              <a:defRPr sz="420" b="1"/>
             </a:lvl5pPr>
-            <a:lvl6pPr marL="1260043" indent="0">
+            <a:lvl6pPr marL="600075" indent="0">
               <a:buNone/>
-              <a:defRPr sz="882" b="1"/>
+              <a:defRPr sz="420" b="1"/>
             </a:lvl6pPr>
-            <a:lvl7pPr marL="1512052" indent="0">
+            <a:lvl7pPr marL="720090" indent="0">
               <a:buNone/>
-              <a:defRPr sz="882" b="1"/>
+              <a:defRPr sz="420" b="1"/>
             </a:lvl7pPr>
-            <a:lvl8pPr marL="1764060" indent="0">
+            <a:lvl8pPr marL="840105" indent="0">
               <a:buNone/>
-              <a:defRPr sz="882" b="1"/>
+              <a:defRPr sz="420" b="1"/>
             </a:lvl8pPr>
-            <a:lvl9pPr marL="2016069" indent="0">
+            <a:lvl9pPr marL="960120" indent="0">
               <a:buNone/>
-              <a:defRPr sz="882" b="1"/>
+              <a:defRPr sz="420" b="1"/>
             </a:lvl9pPr>
           </a:lstStyle>
           <a:p>
@@ -2064,8 +2077,8 @@
         </p:nvSpPr>
         <p:spPr>
           <a:xfrm>
-            <a:off x="347179" y="1841114"/>
-            <a:ext cx="2132288" cy="2708002"/>
+            <a:off x="322356" y="657582"/>
+            <a:ext cx="1979838" cy="967204"/>
           </a:xfrm>
         </p:spPr>
         <p:txBody>
@@ -2121,8 +2134,8 @@
         </p:nvSpPr>
         <p:spPr>
           <a:xfrm>
-            <a:off x="2551658" y="1235577"/>
-            <a:ext cx="2142790" cy="605537"/>
+            <a:off x="2369225" y="441305"/>
+            <a:ext cx="1989588" cy="216277"/>
           </a:xfrm>
         </p:spPr>
         <p:txBody>
@@ -2130,39 +2143,39 @@
           <a:lstStyle>
             <a:lvl1pPr marL="0" indent="0">
               <a:buNone/>
-              <a:defRPr sz="1323" b="1"/>
+              <a:defRPr sz="630" b="1"/>
             </a:lvl1pPr>
-            <a:lvl2pPr marL="252009" indent="0">
+            <a:lvl2pPr marL="120015" indent="0">
               <a:buNone/>
-              <a:defRPr sz="1102" b="1"/>
+              <a:defRPr sz="525" b="1"/>
             </a:lvl2pPr>
-            <a:lvl3pPr marL="504017" indent="0">
+            <a:lvl3pPr marL="240030" indent="0">
               <a:buNone/>
-              <a:defRPr sz="992" b="1"/>
+              <a:defRPr sz="472" b="1"/>
             </a:lvl3pPr>
-            <a:lvl4pPr marL="756026" indent="0">
+            <a:lvl4pPr marL="360045" indent="0">
               <a:buNone/>
-              <a:defRPr sz="882" b="1"/>
+              <a:defRPr sz="420" b="1"/>
             </a:lvl4pPr>
-            <a:lvl5pPr marL="1008035" indent="0">
+            <a:lvl5pPr marL="480060" indent="0">
               <a:buNone/>
-              <a:defRPr sz="882" b="1"/>
+              <a:defRPr sz="420" b="1"/>
             </a:lvl5pPr>
-            <a:lvl6pPr marL="1260043" indent="0">
+            <a:lvl6pPr marL="600075" indent="0">
               <a:buNone/>
-              <a:defRPr sz="882" b="1"/>
+              <a:defRPr sz="420" b="1"/>
             </a:lvl6pPr>
-            <a:lvl7pPr marL="1512052" indent="0">
+            <a:lvl7pPr marL="720090" indent="0">
               <a:buNone/>
-              <a:defRPr sz="882" b="1"/>
+              <a:defRPr sz="420" b="1"/>
             </a:lvl7pPr>
-            <a:lvl8pPr marL="1764060" indent="0">
+            <a:lvl8pPr marL="840105" indent="0">
               <a:buNone/>
-              <a:defRPr sz="882" b="1"/>
+              <a:defRPr sz="420" b="1"/>
             </a:lvl8pPr>
-            <a:lvl9pPr marL="2016069" indent="0">
+            <a:lvl9pPr marL="960120" indent="0">
               <a:buNone/>
-              <a:defRPr sz="882" b="1"/>
+              <a:defRPr sz="420" b="1"/>
             </a:lvl9pPr>
           </a:lstStyle>
           <a:p>
@@ -2186,8 +2199,8 @@
         </p:nvSpPr>
         <p:spPr>
           <a:xfrm>
-            <a:off x="2551658" y="1841114"/>
-            <a:ext cx="2142790" cy="2708002"/>
+            <a:off x="2369225" y="657582"/>
+            <a:ext cx="1989588" cy="967204"/>
           </a:xfrm>
         </p:spPr>
         <p:txBody>
@@ -2299,7 +2312,7 @@
     </p:spTree>
     <p:extLst>
       <p:ext uri="{BB962C8B-B14F-4D97-AF65-F5344CB8AC3E}">
-        <p14:creationId xmlns:p14="http://schemas.microsoft.com/office/powerpoint/2010/main" val="4134522273"/>
+        <p14:creationId xmlns:p14="http://schemas.microsoft.com/office/powerpoint/2010/main" val="4045730675"/>
       </p:ext>
     </p:extLst>
   </p:cSld>
@@ -2417,7 +2430,7 @@
     </p:spTree>
     <p:extLst>
       <p:ext uri="{BB962C8B-B14F-4D97-AF65-F5344CB8AC3E}">
-        <p14:creationId xmlns:p14="http://schemas.microsoft.com/office/powerpoint/2010/main" val="4237569006"/>
+        <p14:creationId xmlns:p14="http://schemas.microsoft.com/office/powerpoint/2010/main" val="280375272"/>
       </p:ext>
     </p:extLst>
   </p:cSld>
@@ -2512,7 +2525,7 @@
     </p:spTree>
     <p:extLst>
       <p:ext uri="{BB962C8B-B14F-4D97-AF65-F5344CB8AC3E}">
-        <p14:creationId xmlns:p14="http://schemas.microsoft.com/office/powerpoint/2010/main" val="2395962757"/>
+        <p14:creationId xmlns:p14="http://schemas.microsoft.com/office/powerpoint/2010/main" val="585048947"/>
       </p:ext>
     </p:extLst>
   </p:cSld>
@@ -2551,15 +2564,15 @@
         </p:nvSpPr>
         <p:spPr>
           <a:xfrm>
-            <a:off x="347178" y="336021"/>
-            <a:ext cx="1625632" cy="1176073"/>
+            <a:off x="322356" y="120015"/>
+            <a:ext cx="1509406" cy="420053"/>
           </a:xfrm>
         </p:spPr>
         <p:txBody>
           <a:bodyPr anchor="b"/>
           <a:lstStyle>
             <a:lvl1pPr>
-              <a:defRPr sz="1764"/>
+              <a:defRPr sz="840"/>
             </a:lvl1pPr>
           </a:lstStyle>
           <a:p>
@@ -2583,39 +2596,39 @@
         </p:nvSpPr>
         <p:spPr>
           <a:xfrm>
-            <a:off x="2142790" y="725713"/>
-            <a:ext cx="2551658" cy="3581889"/>
+            <a:off x="1989588" y="259199"/>
+            <a:ext cx="2369225" cy="1279327"/>
           </a:xfrm>
         </p:spPr>
         <p:txBody>
           <a:bodyPr/>
           <a:lstStyle>
             <a:lvl1pPr>
-              <a:defRPr sz="1764"/>
+              <a:defRPr sz="840"/>
             </a:lvl1pPr>
             <a:lvl2pPr>
-              <a:defRPr sz="1543"/>
+              <a:defRPr sz="735"/>
             </a:lvl2pPr>
             <a:lvl3pPr>
-              <a:defRPr sz="1323"/>
+              <a:defRPr sz="630"/>
             </a:lvl3pPr>
             <a:lvl4pPr>
-              <a:defRPr sz="1102"/>
+              <a:defRPr sz="525"/>
             </a:lvl4pPr>
             <a:lvl5pPr>
-              <a:defRPr sz="1102"/>
+              <a:defRPr sz="525"/>
             </a:lvl5pPr>
             <a:lvl6pPr>
-              <a:defRPr sz="1102"/>
+              <a:defRPr sz="525"/>
             </a:lvl6pPr>
             <a:lvl7pPr>
-              <a:defRPr sz="1102"/>
+              <a:defRPr sz="525"/>
             </a:lvl7pPr>
             <a:lvl8pPr>
-              <a:defRPr sz="1102"/>
+              <a:defRPr sz="525"/>
             </a:lvl8pPr>
             <a:lvl9pPr>
-              <a:defRPr sz="1102"/>
+              <a:defRPr sz="525"/>
             </a:lvl9pPr>
           </a:lstStyle>
           <a:p>
@@ -2668,8 +2681,8 @@
         </p:nvSpPr>
         <p:spPr>
           <a:xfrm>
-            <a:off x="347178" y="1512094"/>
-            <a:ext cx="1625632" cy="2801341"/>
+            <a:off x="322356" y="540067"/>
+            <a:ext cx="1509406" cy="1000542"/>
           </a:xfrm>
         </p:spPr>
         <p:txBody>
@@ -2677,39 +2690,39 @@
           <a:lstStyle>
             <a:lvl1pPr marL="0" indent="0">
               <a:buNone/>
-              <a:defRPr sz="882"/>
+              <a:defRPr sz="420"/>
             </a:lvl1pPr>
-            <a:lvl2pPr marL="252009" indent="0">
+            <a:lvl2pPr marL="120015" indent="0">
               <a:buNone/>
-              <a:defRPr sz="772"/>
+              <a:defRPr sz="368"/>
             </a:lvl2pPr>
-            <a:lvl3pPr marL="504017" indent="0">
+            <a:lvl3pPr marL="240030" indent="0">
               <a:buNone/>
-              <a:defRPr sz="661"/>
+              <a:defRPr sz="315"/>
             </a:lvl3pPr>
-            <a:lvl4pPr marL="756026" indent="0">
+            <a:lvl4pPr marL="360045" indent="0">
               <a:buNone/>
-              <a:defRPr sz="551"/>
+              <a:defRPr sz="263"/>
             </a:lvl4pPr>
-            <a:lvl5pPr marL="1008035" indent="0">
+            <a:lvl5pPr marL="480060" indent="0">
               <a:buNone/>
-              <a:defRPr sz="551"/>
+              <a:defRPr sz="263"/>
             </a:lvl5pPr>
-            <a:lvl6pPr marL="1260043" indent="0">
+            <a:lvl6pPr marL="600075" indent="0">
               <a:buNone/>
-              <a:defRPr sz="551"/>
+              <a:defRPr sz="263"/>
             </a:lvl6pPr>
-            <a:lvl7pPr marL="1512052" indent="0">
+            <a:lvl7pPr marL="720090" indent="0">
               <a:buNone/>
-              <a:defRPr sz="551"/>
+              <a:defRPr sz="263"/>
             </a:lvl7pPr>
-            <a:lvl8pPr marL="1764060" indent="0">
+            <a:lvl8pPr marL="840105" indent="0">
               <a:buNone/>
-              <a:defRPr sz="551"/>
+              <a:defRPr sz="263"/>
             </a:lvl8pPr>
-            <a:lvl9pPr marL="2016069" indent="0">
+            <a:lvl9pPr marL="960120" indent="0">
               <a:buNone/>
-              <a:defRPr sz="551"/>
+              <a:defRPr sz="263"/>
             </a:lvl9pPr>
           </a:lstStyle>
           <a:p>
@@ -2789,7 +2802,7 @@
     </p:spTree>
     <p:extLst>
       <p:ext uri="{BB962C8B-B14F-4D97-AF65-F5344CB8AC3E}">
-        <p14:creationId xmlns:p14="http://schemas.microsoft.com/office/powerpoint/2010/main" val="2250778298"/>
+        <p14:creationId xmlns:p14="http://schemas.microsoft.com/office/powerpoint/2010/main" val="1853912505"/>
       </p:ext>
     </p:extLst>
   </p:cSld>
@@ -2828,15 +2841,15 @@
         </p:nvSpPr>
         <p:spPr>
           <a:xfrm>
-            <a:off x="347178" y="336021"/>
-            <a:ext cx="1625632" cy="1176073"/>
+            <a:off x="322356" y="120015"/>
+            <a:ext cx="1509406" cy="420053"/>
           </a:xfrm>
         </p:spPr>
         <p:txBody>
           <a:bodyPr anchor="b"/>
           <a:lstStyle>
             <a:lvl1pPr>
-              <a:defRPr sz="1764"/>
+              <a:defRPr sz="840"/>
             </a:lvl1pPr>
           </a:lstStyle>
           <a:p>
@@ -2860,8 +2873,8 @@
         </p:nvSpPr>
         <p:spPr>
           <a:xfrm>
-            <a:off x="2142790" y="725713"/>
-            <a:ext cx="2551658" cy="3581889"/>
+            <a:off x="1989588" y="259199"/>
+            <a:ext cx="2369225" cy="1279327"/>
           </a:xfrm>
         </p:spPr>
         <p:txBody>
@@ -2869,39 +2882,39 @@
           <a:lstStyle>
             <a:lvl1pPr marL="0" indent="0">
               <a:buNone/>
-              <a:defRPr sz="1764"/>
+              <a:defRPr sz="840"/>
             </a:lvl1pPr>
-            <a:lvl2pPr marL="252009" indent="0">
+            <a:lvl2pPr marL="120015" indent="0">
               <a:buNone/>
-              <a:defRPr sz="1543"/>
+              <a:defRPr sz="735"/>
             </a:lvl2pPr>
-            <a:lvl3pPr marL="504017" indent="0">
+            <a:lvl3pPr marL="240030" indent="0">
               <a:buNone/>
-              <a:defRPr sz="1323"/>
+              <a:defRPr sz="630"/>
             </a:lvl3pPr>
-            <a:lvl4pPr marL="756026" indent="0">
+            <a:lvl4pPr marL="360045" indent="0">
               <a:buNone/>
-              <a:defRPr sz="1102"/>
+              <a:defRPr sz="525"/>
             </a:lvl4pPr>
-            <a:lvl5pPr marL="1008035" indent="0">
+            <a:lvl5pPr marL="480060" indent="0">
               <a:buNone/>
-              <a:defRPr sz="1102"/>
+              <a:defRPr sz="525"/>
             </a:lvl5pPr>
-            <a:lvl6pPr marL="1260043" indent="0">
+            <a:lvl6pPr marL="600075" indent="0">
               <a:buNone/>
-              <a:defRPr sz="1102"/>
+              <a:defRPr sz="525"/>
             </a:lvl6pPr>
-            <a:lvl7pPr marL="1512052" indent="0">
+            <a:lvl7pPr marL="720090" indent="0">
               <a:buNone/>
-              <a:defRPr sz="1102"/>
+              <a:defRPr sz="525"/>
             </a:lvl7pPr>
-            <a:lvl8pPr marL="1764060" indent="0">
+            <a:lvl8pPr marL="840105" indent="0">
               <a:buNone/>
-              <a:defRPr sz="1102"/>
+              <a:defRPr sz="525"/>
             </a:lvl8pPr>
-            <a:lvl9pPr marL="2016069" indent="0">
+            <a:lvl9pPr marL="960120" indent="0">
               <a:buNone/>
-              <a:defRPr sz="1102"/>
+              <a:defRPr sz="525"/>
             </a:lvl9pPr>
           </a:lstStyle>
           <a:p>
@@ -2925,8 +2938,8 @@
         </p:nvSpPr>
         <p:spPr>
           <a:xfrm>
-            <a:off x="347178" y="1512094"/>
-            <a:ext cx="1625632" cy="2801341"/>
+            <a:off x="322356" y="540067"/>
+            <a:ext cx="1509406" cy="1000542"/>
           </a:xfrm>
         </p:spPr>
         <p:txBody>
@@ -2934,39 +2947,39 @@
           <a:lstStyle>
             <a:lvl1pPr marL="0" indent="0">
               <a:buNone/>
-              <a:defRPr sz="882"/>
+              <a:defRPr sz="420"/>
             </a:lvl1pPr>
-            <a:lvl2pPr marL="252009" indent="0">
+            <a:lvl2pPr marL="120015" indent="0">
               <a:buNone/>
-              <a:defRPr sz="772"/>
+              <a:defRPr sz="368"/>
             </a:lvl2pPr>
-            <a:lvl3pPr marL="504017" indent="0">
+            <a:lvl3pPr marL="240030" indent="0">
               <a:buNone/>
-              <a:defRPr sz="661"/>
+              <a:defRPr sz="315"/>
             </a:lvl3pPr>
-            <a:lvl4pPr marL="756026" indent="0">
+            <a:lvl4pPr marL="360045" indent="0">
               <a:buNone/>
-              <a:defRPr sz="551"/>
+              <a:defRPr sz="263"/>
             </a:lvl4pPr>
-            <a:lvl5pPr marL="1008035" indent="0">
+            <a:lvl5pPr marL="480060" indent="0">
               <a:buNone/>
-              <a:defRPr sz="551"/>
+              <a:defRPr sz="263"/>
             </a:lvl5pPr>
-            <a:lvl6pPr marL="1260043" indent="0">
+            <a:lvl6pPr marL="600075" indent="0">
               <a:buNone/>
-              <a:defRPr sz="551"/>
+              <a:defRPr sz="263"/>
             </a:lvl6pPr>
-            <a:lvl7pPr marL="1512052" indent="0">
+            <a:lvl7pPr marL="720090" indent="0">
               <a:buNone/>
-              <a:defRPr sz="551"/>
+              <a:defRPr sz="263"/>
             </a:lvl7pPr>
-            <a:lvl8pPr marL="1764060" indent="0">
+            <a:lvl8pPr marL="840105" indent="0">
               <a:buNone/>
-              <a:defRPr sz="551"/>
+              <a:defRPr sz="263"/>
             </a:lvl8pPr>
-            <a:lvl9pPr marL="2016069" indent="0">
+            <a:lvl9pPr marL="960120" indent="0">
               <a:buNone/>
-              <a:defRPr sz="551"/>
+              <a:defRPr sz="263"/>
             </a:lvl9pPr>
           </a:lstStyle>
           <a:p>
@@ -3046,7 +3059,7 @@
     </p:spTree>
     <p:extLst>
       <p:ext uri="{BB962C8B-B14F-4D97-AF65-F5344CB8AC3E}">
-        <p14:creationId xmlns:p14="http://schemas.microsoft.com/office/powerpoint/2010/main" val="1957163985"/>
+        <p14:creationId xmlns:p14="http://schemas.microsoft.com/office/powerpoint/2010/main" val="1360739736"/>
       </p:ext>
     </p:extLst>
   </p:cSld>
@@ -3090,8 +3103,8 @@
         </p:nvSpPr>
         <p:spPr>
           <a:xfrm>
-            <a:off x="346522" y="268351"/>
-            <a:ext cx="4347270" cy="974228"/>
+            <a:off x="321747" y="95846"/>
+            <a:ext cx="4036457" cy="347960"/>
           </a:xfrm>
           <a:prstGeom prst="rect">
             <a:avLst/>
@@ -3123,8 +3136,8 @@
         </p:nvSpPr>
         <p:spPr>
           <a:xfrm>
-            <a:off x="346522" y="1341750"/>
-            <a:ext cx="4347270" cy="3198032"/>
+            <a:off x="321747" y="479227"/>
+            <a:ext cx="4036457" cy="1142226"/>
           </a:xfrm>
           <a:prstGeom prst="rect">
             <a:avLst/>
@@ -3185,8 +3198,8 @@
         </p:nvSpPr>
         <p:spPr>
           <a:xfrm>
-            <a:off x="346522" y="4671625"/>
-            <a:ext cx="1134070" cy="268350"/>
+            <a:off x="321746" y="1668542"/>
+            <a:ext cx="1052989" cy="95845"/>
           </a:xfrm>
           <a:prstGeom prst="rect">
             <a:avLst/>
@@ -3196,7 +3209,7 @@
           <a:bodyPr vert="horz" lIns="91440" tIns="45720" rIns="91440" bIns="45720" rtlCol="0" anchor="ctr"/>
           <a:lstStyle>
             <a:lvl1pPr algn="l">
-              <a:defRPr sz="661">
+              <a:defRPr sz="315">
                 <a:solidFill>
                   <a:schemeClr val="tx1">
                     <a:tint val="75000"/>
@@ -3226,8 +3239,8 @@
         </p:nvSpPr>
         <p:spPr>
           <a:xfrm>
-            <a:off x="1669604" y="4671625"/>
-            <a:ext cx="1701106" cy="268350"/>
+            <a:off x="1550234" y="1668542"/>
+            <a:ext cx="1579483" cy="95845"/>
           </a:xfrm>
           <a:prstGeom prst="rect">
             <a:avLst/>
@@ -3237,7 +3250,7 @@
           <a:bodyPr vert="horz" lIns="91440" tIns="45720" rIns="91440" bIns="45720" rtlCol="0" anchor="ctr"/>
           <a:lstStyle>
             <a:lvl1pPr algn="ctr">
-              <a:defRPr sz="661">
+              <a:defRPr sz="315">
                 <a:solidFill>
                   <a:schemeClr val="tx1">
                     <a:tint val="75000"/>
@@ -3263,8 +3276,8 @@
         </p:nvSpPr>
         <p:spPr>
           <a:xfrm>
-            <a:off x="3559721" y="4671625"/>
-            <a:ext cx="1134070" cy="268350"/>
+            <a:off x="3305215" y="1668542"/>
+            <a:ext cx="1052989" cy="95845"/>
           </a:xfrm>
           <a:prstGeom prst="rect">
             <a:avLst/>
@@ -3274,7 +3287,7 @@
           <a:bodyPr vert="horz" lIns="91440" tIns="45720" rIns="91440" bIns="45720" rtlCol="0" anchor="ctr"/>
           <a:lstStyle>
             <a:lvl1pPr algn="r">
-              <a:defRPr sz="661">
+              <a:defRPr sz="315">
                 <a:solidFill>
                   <a:schemeClr val="tx1">
                     <a:tint val="75000"/>
@@ -3295,27 +3308,27 @@
     </p:spTree>
     <p:extLst>
       <p:ext uri="{BB962C8B-B14F-4D97-AF65-F5344CB8AC3E}">
-        <p14:creationId xmlns:p14="http://schemas.microsoft.com/office/powerpoint/2010/main" val="3333248805"/>
+        <p14:creationId xmlns:p14="http://schemas.microsoft.com/office/powerpoint/2010/main" val="2210528312"/>
       </p:ext>
     </p:extLst>
   </p:cSld>
   <p:clrMap bg1="lt1" tx1="dk1" bg2="lt2" tx2="dk2" accent1="accent1" accent2="accent2" accent3="accent3" accent4="accent4" accent5="accent5" accent6="accent6" hlink="hlink" folHlink="folHlink"/>
   <p:sldLayoutIdLst>
-    <p:sldLayoutId id="2147483673" r:id="rId1"/>
-    <p:sldLayoutId id="2147483674" r:id="rId2"/>
-    <p:sldLayoutId id="2147483675" r:id="rId3"/>
-    <p:sldLayoutId id="2147483676" r:id="rId4"/>
-    <p:sldLayoutId id="2147483677" r:id="rId5"/>
-    <p:sldLayoutId id="2147483678" r:id="rId6"/>
-    <p:sldLayoutId id="2147483679" r:id="rId7"/>
-    <p:sldLayoutId id="2147483680" r:id="rId8"/>
-    <p:sldLayoutId id="2147483681" r:id="rId9"/>
-    <p:sldLayoutId id="2147483682" r:id="rId10"/>
-    <p:sldLayoutId id="2147483683" r:id="rId11"/>
+    <p:sldLayoutId id="2147483721" r:id="rId1"/>
+    <p:sldLayoutId id="2147483722" r:id="rId2"/>
+    <p:sldLayoutId id="2147483723" r:id="rId3"/>
+    <p:sldLayoutId id="2147483724" r:id="rId4"/>
+    <p:sldLayoutId id="2147483725" r:id="rId5"/>
+    <p:sldLayoutId id="2147483726" r:id="rId6"/>
+    <p:sldLayoutId id="2147483727" r:id="rId7"/>
+    <p:sldLayoutId id="2147483728" r:id="rId8"/>
+    <p:sldLayoutId id="2147483729" r:id="rId9"/>
+    <p:sldLayoutId id="2147483730" r:id="rId10"/>
+    <p:sldLayoutId id="2147483731" r:id="rId11"/>
   </p:sldLayoutIdLst>
   <p:txStyles>
     <p:titleStyle>
-      <a:lvl1pPr algn="l" defTabSz="504017" rtl="0" eaLnBrk="1" latinLnBrk="0" hangingPunct="1">
+      <a:lvl1pPr algn="l" defTabSz="240030" rtl="0" eaLnBrk="1" latinLnBrk="0" hangingPunct="1">
         <a:lnSpc>
           <a:spcPct val="90000"/>
         </a:lnSpc>
@@ -3323,7 +3336,7 @@
           <a:spcPct val="0"/>
         </a:spcBef>
         <a:buNone/>
-        <a:defRPr sz="2425" kern="1200">
+        <a:defRPr sz="1155" kern="1200">
           <a:solidFill>
             <a:schemeClr val="tx1"/>
           </a:solidFill>
@@ -3334,16 +3347,16 @@
       </a:lvl1pPr>
     </p:titleStyle>
     <p:bodyStyle>
-      <a:lvl1pPr marL="126004" indent="-126004" algn="l" defTabSz="504017" rtl="0" eaLnBrk="1" latinLnBrk="0" hangingPunct="1">
+      <a:lvl1pPr marL="60008" indent="-60008" algn="l" defTabSz="240030" rtl="0" eaLnBrk="1" latinLnBrk="0" hangingPunct="1">
         <a:lnSpc>
           <a:spcPct val="90000"/>
         </a:lnSpc>
         <a:spcBef>
-          <a:spcPts val="551"/>
+          <a:spcPts val="263"/>
         </a:spcBef>
         <a:buFont typeface="Arial" panose="020B0604020202020204" pitchFamily="34" charset="0"/>
         <a:buChar char="•"/>
-        <a:defRPr sz="1543" kern="1200">
+        <a:defRPr sz="735" kern="1200">
           <a:solidFill>
             <a:schemeClr val="tx1"/>
           </a:solidFill>
@@ -3352,16 +3365,16 @@
           <a:cs typeface="+mn-cs"/>
         </a:defRPr>
       </a:lvl1pPr>
-      <a:lvl2pPr marL="378013" indent="-126004" algn="l" defTabSz="504017" rtl="0" eaLnBrk="1" latinLnBrk="0" hangingPunct="1">
+      <a:lvl2pPr marL="180023" indent="-60008" algn="l" defTabSz="240030" rtl="0" eaLnBrk="1" latinLnBrk="0" hangingPunct="1">
         <a:lnSpc>
           <a:spcPct val="90000"/>
         </a:lnSpc>
         <a:spcBef>
-          <a:spcPts val="276"/>
+          <a:spcPts val="131"/>
         </a:spcBef>
         <a:buFont typeface="Arial" panose="020B0604020202020204" pitchFamily="34" charset="0"/>
         <a:buChar char="•"/>
-        <a:defRPr sz="1323" kern="1200">
+        <a:defRPr sz="630" kern="1200">
           <a:solidFill>
             <a:schemeClr val="tx1"/>
           </a:solidFill>
@@ -3370,16 +3383,16 @@
           <a:cs typeface="+mn-cs"/>
         </a:defRPr>
       </a:lvl2pPr>
-      <a:lvl3pPr marL="630022" indent="-126004" algn="l" defTabSz="504017" rtl="0" eaLnBrk="1" latinLnBrk="0" hangingPunct="1">
+      <a:lvl3pPr marL="300038" indent="-60008" algn="l" defTabSz="240030" rtl="0" eaLnBrk="1" latinLnBrk="0" hangingPunct="1">
         <a:lnSpc>
           <a:spcPct val="90000"/>
         </a:lnSpc>
         <a:spcBef>
-          <a:spcPts val="276"/>
+          <a:spcPts val="131"/>
         </a:spcBef>
         <a:buFont typeface="Arial" panose="020B0604020202020204" pitchFamily="34" charset="0"/>
         <a:buChar char="•"/>
-        <a:defRPr sz="1102" kern="1200">
+        <a:defRPr sz="525" kern="1200">
           <a:solidFill>
             <a:schemeClr val="tx1"/>
           </a:solidFill>
@@ -3388,16 +3401,16 @@
           <a:cs typeface="+mn-cs"/>
         </a:defRPr>
       </a:lvl3pPr>
-      <a:lvl4pPr marL="882030" indent="-126004" algn="l" defTabSz="504017" rtl="0" eaLnBrk="1" latinLnBrk="0" hangingPunct="1">
+      <a:lvl4pPr marL="420053" indent="-60008" algn="l" defTabSz="240030" rtl="0" eaLnBrk="1" latinLnBrk="0" hangingPunct="1">
         <a:lnSpc>
           <a:spcPct val="90000"/>
         </a:lnSpc>
         <a:spcBef>
-          <a:spcPts val="276"/>
+          <a:spcPts val="131"/>
         </a:spcBef>
         <a:buFont typeface="Arial" panose="020B0604020202020204" pitchFamily="34" charset="0"/>
         <a:buChar char="•"/>
-        <a:defRPr sz="992" kern="1200">
+        <a:defRPr sz="472" kern="1200">
           <a:solidFill>
             <a:schemeClr val="tx1"/>
           </a:solidFill>
@@ -3406,16 +3419,16 @@
           <a:cs typeface="+mn-cs"/>
         </a:defRPr>
       </a:lvl4pPr>
-      <a:lvl5pPr marL="1134039" indent="-126004" algn="l" defTabSz="504017" rtl="0" eaLnBrk="1" latinLnBrk="0" hangingPunct="1">
+      <a:lvl5pPr marL="540068" indent="-60008" algn="l" defTabSz="240030" rtl="0" eaLnBrk="1" latinLnBrk="0" hangingPunct="1">
         <a:lnSpc>
           <a:spcPct val="90000"/>
         </a:lnSpc>
         <a:spcBef>
-          <a:spcPts val="276"/>
+          <a:spcPts val="131"/>
         </a:spcBef>
         <a:buFont typeface="Arial" panose="020B0604020202020204" pitchFamily="34" charset="0"/>
         <a:buChar char="•"/>
-        <a:defRPr sz="992" kern="1200">
+        <a:defRPr sz="472" kern="1200">
           <a:solidFill>
             <a:schemeClr val="tx1"/>
           </a:solidFill>
@@ -3424,16 +3437,16 @@
           <a:cs typeface="+mn-cs"/>
         </a:defRPr>
       </a:lvl5pPr>
-      <a:lvl6pPr marL="1386048" indent="-126004" algn="l" defTabSz="504017" rtl="0" eaLnBrk="1" latinLnBrk="0" hangingPunct="1">
+      <a:lvl6pPr marL="660083" indent="-60008" algn="l" defTabSz="240030" rtl="0" eaLnBrk="1" latinLnBrk="0" hangingPunct="1">
         <a:lnSpc>
           <a:spcPct val="90000"/>
         </a:lnSpc>
         <a:spcBef>
-          <a:spcPts val="276"/>
+          <a:spcPts val="131"/>
         </a:spcBef>
         <a:buFont typeface="Arial" panose="020B0604020202020204" pitchFamily="34" charset="0"/>
         <a:buChar char="•"/>
-        <a:defRPr sz="992" kern="1200">
+        <a:defRPr sz="472" kern="1200">
           <a:solidFill>
             <a:schemeClr val="tx1"/>
           </a:solidFill>
@@ -3442,16 +3455,16 @@
           <a:cs typeface="+mn-cs"/>
         </a:defRPr>
       </a:lvl6pPr>
-      <a:lvl7pPr marL="1638056" indent="-126004" algn="l" defTabSz="504017" rtl="0" eaLnBrk="1" latinLnBrk="0" hangingPunct="1">
+      <a:lvl7pPr marL="780098" indent="-60008" algn="l" defTabSz="240030" rtl="0" eaLnBrk="1" latinLnBrk="0" hangingPunct="1">
         <a:lnSpc>
           <a:spcPct val="90000"/>
         </a:lnSpc>
         <a:spcBef>
-          <a:spcPts val="276"/>
+          <a:spcPts val="131"/>
         </a:spcBef>
         <a:buFont typeface="Arial" panose="020B0604020202020204" pitchFamily="34" charset="0"/>
         <a:buChar char="•"/>
-        <a:defRPr sz="992" kern="1200">
+        <a:defRPr sz="472" kern="1200">
           <a:solidFill>
             <a:schemeClr val="tx1"/>
           </a:solidFill>
@@ -3460,16 +3473,16 @@
           <a:cs typeface="+mn-cs"/>
         </a:defRPr>
       </a:lvl7pPr>
-      <a:lvl8pPr marL="1890065" indent="-126004" algn="l" defTabSz="504017" rtl="0" eaLnBrk="1" latinLnBrk="0" hangingPunct="1">
+      <a:lvl8pPr marL="900113" indent="-60008" algn="l" defTabSz="240030" rtl="0" eaLnBrk="1" latinLnBrk="0" hangingPunct="1">
         <a:lnSpc>
           <a:spcPct val="90000"/>
         </a:lnSpc>
         <a:spcBef>
-          <a:spcPts val="276"/>
+          <a:spcPts val="131"/>
         </a:spcBef>
         <a:buFont typeface="Arial" panose="020B0604020202020204" pitchFamily="34" charset="0"/>
         <a:buChar char="•"/>
-        <a:defRPr sz="992" kern="1200">
+        <a:defRPr sz="472" kern="1200">
           <a:solidFill>
             <a:schemeClr val="tx1"/>
           </a:solidFill>
@@ -3478,16 +3491,16 @@
           <a:cs typeface="+mn-cs"/>
         </a:defRPr>
       </a:lvl8pPr>
-      <a:lvl9pPr marL="2142073" indent="-126004" algn="l" defTabSz="504017" rtl="0" eaLnBrk="1" latinLnBrk="0" hangingPunct="1">
+      <a:lvl9pPr marL="1020128" indent="-60008" algn="l" defTabSz="240030" rtl="0" eaLnBrk="1" latinLnBrk="0" hangingPunct="1">
         <a:lnSpc>
           <a:spcPct val="90000"/>
         </a:lnSpc>
         <a:spcBef>
-          <a:spcPts val="276"/>
+          <a:spcPts val="131"/>
         </a:spcBef>
         <a:buFont typeface="Arial" panose="020B0604020202020204" pitchFamily="34" charset="0"/>
         <a:buChar char="•"/>
-        <a:defRPr sz="992" kern="1200">
+        <a:defRPr sz="472" kern="1200">
           <a:solidFill>
             <a:schemeClr val="tx1"/>
           </a:solidFill>
@@ -3501,8 +3514,8 @@
       <a:defPPr>
         <a:defRPr lang="en-US"/>
       </a:defPPr>
-      <a:lvl1pPr marL="0" algn="l" defTabSz="504017" rtl="0" eaLnBrk="1" latinLnBrk="0" hangingPunct="1">
-        <a:defRPr sz="992" kern="1200">
+      <a:lvl1pPr marL="0" algn="l" defTabSz="240030" rtl="0" eaLnBrk="1" latinLnBrk="0" hangingPunct="1">
+        <a:defRPr sz="472" kern="1200">
           <a:solidFill>
             <a:schemeClr val="tx1"/>
           </a:solidFill>
@@ -3511,8 +3524,8 @@
           <a:cs typeface="+mn-cs"/>
         </a:defRPr>
       </a:lvl1pPr>
-      <a:lvl2pPr marL="252009" algn="l" defTabSz="504017" rtl="0" eaLnBrk="1" latinLnBrk="0" hangingPunct="1">
-        <a:defRPr sz="992" kern="1200">
+      <a:lvl2pPr marL="120015" algn="l" defTabSz="240030" rtl="0" eaLnBrk="1" latinLnBrk="0" hangingPunct="1">
+        <a:defRPr sz="472" kern="1200">
           <a:solidFill>
             <a:schemeClr val="tx1"/>
           </a:solidFill>
@@ -3521,8 +3534,8 @@
           <a:cs typeface="+mn-cs"/>
         </a:defRPr>
       </a:lvl2pPr>
-      <a:lvl3pPr marL="504017" algn="l" defTabSz="504017" rtl="0" eaLnBrk="1" latinLnBrk="0" hangingPunct="1">
-        <a:defRPr sz="992" kern="1200">
+      <a:lvl3pPr marL="240030" algn="l" defTabSz="240030" rtl="0" eaLnBrk="1" latinLnBrk="0" hangingPunct="1">
+        <a:defRPr sz="472" kern="1200">
           <a:solidFill>
             <a:schemeClr val="tx1"/>
           </a:solidFill>
@@ -3531,8 +3544,8 @@
           <a:cs typeface="+mn-cs"/>
         </a:defRPr>
       </a:lvl3pPr>
-      <a:lvl4pPr marL="756026" algn="l" defTabSz="504017" rtl="0" eaLnBrk="1" latinLnBrk="0" hangingPunct="1">
-        <a:defRPr sz="992" kern="1200">
+      <a:lvl4pPr marL="360045" algn="l" defTabSz="240030" rtl="0" eaLnBrk="1" latinLnBrk="0" hangingPunct="1">
+        <a:defRPr sz="472" kern="1200">
           <a:solidFill>
             <a:schemeClr val="tx1"/>
           </a:solidFill>
@@ -3541,8 +3554,8 @@
           <a:cs typeface="+mn-cs"/>
         </a:defRPr>
       </a:lvl4pPr>
-      <a:lvl5pPr marL="1008035" algn="l" defTabSz="504017" rtl="0" eaLnBrk="1" latinLnBrk="0" hangingPunct="1">
-        <a:defRPr sz="992" kern="1200">
+      <a:lvl5pPr marL="480060" algn="l" defTabSz="240030" rtl="0" eaLnBrk="1" latinLnBrk="0" hangingPunct="1">
+        <a:defRPr sz="472" kern="1200">
           <a:solidFill>
             <a:schemeClr val="tx1"/>
           </a:solidFill>
@@ -3551,8 +3564,8 @@
           <a:cs typeface="+mn-cs"/>
         </a:defRPr>
       </a:lvl5pPr>
-      <a:lvl6pPr marL="1260043" algn="l" defTabSz="504017" rtl="0" eaLnBrk="1" latinLnBrk="0" hangingPunct="1">
-        <a:defRPr sz="992" kern="1200">
+      <a:lvl6pPr marL="600075" algn="l" defTabSz="240030" rtl="0" eaLnBrk="1" latinLnBrk="0" hangingPunct="1">
+        <a:defRPr sz="472" kern="1200">
           <a:solidFill>
             <a:schemeClr val="tx1"/>
           </a:solidFill>
@@ -3561,8 +3574,8 @@
           <a:cs typeface="+mn-cs"/>
         </a:defRPr>
       </a:lvl6pPr>
-      <a:lvl7pPr marL="1512052" algn="l" defTabSz="504017" rtl="0" eaLnBrk="1" latinLnBrk="0" hangingPunct="1">
-        <a:defRPr sz="992" kern="1200">
+      <a:lvl7pPr marL="720090" algn="l" defTabSz="240030" rtl="0" eaLnBrk="1" latinLnBrk="0" hangingPunct="1">
+        <a:defRPr sz="472" kern="1200">
           <a:solidFill>
             <a:schemeClr val="tx1"/>
           </a:solidFill>
@@ -3571,8 +3584,8 @@
           <a:cs typeface="+mn-cs"/>
         </a:defRPr>
       </a:lvl7pPr>
-      <a:lvl8pPr marL="1764060" algn="l" defTabSz="504017" rtl="0" eaLnBrk="1" latinLnBrk="0" hangingPunct="1">
-        <a:defRPr sz="992" kern="1200">
+      <a:lvl8pPr marL="840105" algn="l" defTabSz="240030" rtl="0" eaLnBrk="1" latinLnBrk="0" hangingPunct="1">
+        <a:defRPr sz="472" kern="1200">
           <a:solidFill>
             <a:schemeClr val="tx1"/>
           </a:solidFill>
@@ -3581,8 +3594,8 @@
           <a:cs typeface="+mn-cs"/>
         </a:defRPr>
       </a:lvl8pPr>
-      <a:lvl9pPr marL="2016069" algn="l" defTabSz="504017" rtl="0" eaLnBrk="1" latinLnBrk="0" hangingPunct="1">
-        <a:defRPr sz="992" kern="1200">
+      <a:lvl9pPr marL="960120" algn="l" defTabSz="240030" rtl="0" eaLnBrk="1" latinLnBrk="0" hangingPunct="1">
+        <a:defRPr sz="472" kern="1200">
           <a:solidFill>
             <a:schemeClr val="tx1"/>
           </a:solidFill>
@@ -3629,8 +3642,8 @@
         </p:nvCxnSpPr>
         <p:spPr>
           <a:xfrm>
-            <a:off x="453903" y="4380614"/>
-            <a:ext cx="4231511" cy="0"/>
+            <a:off x="152973" y="1432620"/>
+            <a:ext cx="4401878" cy="0"/>
           </a:xfrm>
           <a:prstGeom prst="straightConnector1">
             <a:avLst/>
@@ -3639,132 +3652,8 @@
             <a:solidFill>
               <a:schemeClr val="tx1"/>
             </a:solidFill>
-            <a:tailEnd type="triangle"/>
-          </a:ln>
-        </p:spPr>
-        <p:style>
-          <a:lnRef idx="1">
-            <a:schemeClr val="accent1"/>
-          </a:lnRef>
-          <a:fillRef idx="0">
-            <a:schemeClr val="accent1"/>
-          </a:fillRef>
-          <a:effectRef idx="0">
-            <a:schemeClr val="accent1"/>
-          </a:effectRef>
-          <a:fontRef idx="minor">
-            <a:schemeClr val="tx1"/>
-          </a:fontRef>
-        </p:style>
-      </p:cxnSp>
-      <p:cxnSp>
-        <p:nvCxnSpPr>
-          <p:cNvPr id="7" name="Straight Arrow Connector 6">
-            <a:extLst>
-              <a:ext uri="{FF2B5EF4-FFF2-40B4-BE49-F238E27FC236}">
-                <a16:creationId xmlns:a16="http://schemas.microsoft.com/office/drawing/2014/main" id="{9F0DF202-75A4-6EDB-5C46-FC2723045BE0}"/>
-              </a:ext>
-            </a:extLst>
-          </p:cNvPr>
-          <p:cNvCxnSpPr>
-            <a:cxnSpLocks/>
-          </p:cNvCxnSpPr>
-          <p:nvPr/>
-        </p:nvCxnSpPr>
-        <p:spPr>
-          <a:xfrm flipH="1" flipV="1">
-            <a:off x="453903" y="2126512"/>
-            <a:ext cx="7088" cy="2254102"/>
-          </a:xfrm>
-          <a:prstGeom prst="straightConnector1">
-            <a:avLst/>
-          </a:prstGeom>
-          <a:ln w="12700">
-            <a:solidFill>
-              <a:schemeClr val="tx1"/>
-            </a:solidFill>
-            <a:tailEnd type="triangle"/>
-          </a:ln>
-        </p:spPr>
-        <p:style>
-          <a:lnRef idx="1">
-            <a:schemeClr val="accent1"/>
-          </a:lnRef>
-          <a:fillRef idx="0">
-            <a:schemeClr val="accent1"/>
-          </a:fillRef>
-          <a:effectRef idx="0">
-            <a:schemeClr val="accent1"/>
-          </a:effectRef>
-          <a:fontRef idx="minor">
-            <a:schemeClr val="tx1"/>
-          </a:fontRef>
-        </p:style>
-      </p:cxnSp>
-      <p:sp>
-        <p:nvSpPr>
-          <p:cNvPr id="9" name="TextBox 8">
-            <a:extLst>
-              <a:ext uri="{FF2B5EF4-FFF2-40B4-BE49-F238E27FC236}">
-                <a16:creationId xmlns:a16="http://schemas.microsoft.com/office/drawing/2014/main" id="{070FCB6E-EC14-6D79-6989-8B2590825FA6}"/>
-              </a:ext>
-            </a:extLst>
-          </p:cNvPr>
-          <p:cNvSpPr txBox="1"/>
-          <p:nvPr/>
-        </p:nvSpPr>
-        <p:spPr>
-          <a:xfrm>
-            <a:off x="1869978" y="4486609"/>
-            <a:ext cx="1300356" cy="261610"/>
-          </a:xfrm>
-          <a:prstGeom prst="rect">
-            <a:avLst/>
-          </a:prstGeom>
-          <a:noFill/>
-        </p:spPr>
-        <p:txBody>
-          <a:bodyPr wrap="none" rtlCol="0">
-            <a:spAutoFit/>
-          </a:bodyPr>
-          <a:lstStyle/>
-          <a:p>
-            <a:r>
-              <a:rPr lang="da-DK" sz="1100" dirty="0">
-                <a:latin typeface="Times New Roman" panose="02020603050405020304" pitchFamily="18" charset="0"/>
-                <a:cs typeface="Times New Roman" panose="02020603050405020304" pitchFamily="18" charset="0"/>
-              </a:rPr>
-              <a:t>Potential U vs CHE</a:t>
-            </a:r>
-          </a:p>
-        </p:txBody>
-      </p:sp>
-      <p:cxnSp>
-        <p:nvCxnSpPr>
-          <p:cNvPr id="11" name="Straight Connector 10">
-            <a:extLst>
-              <a:ext uri="{FF2B5EF4-FFF2-40B4-BE49-F238E27FC236}">
-                <a16:creationId xmlns:a16="http://schemas.microsoft.com/office/drawing/2014/main" id="{5A58B5F8-5B86-5577-7411-AF58310DA64D}"/>
-              </a:ext>
-            </a:extLst>
-          </p:cNvPr>
-          <p:cNvCxnSpPr>
-            <a:cxnSpLocks/>
-          </p:cNvCxnSpPr>
-          <p:nvPr/>
-        </p:nvCxnSpPr>
-        <p:spPr>
-          <a:xfrm flipV="1">
-            <a:off x="1183766" y="4330995"/>
-            <a:ext cx="0" cy="49619"/>
-          </a:xfrm>
-          <a:prstGeom prst="line">
-            <a:avLst/>
-          </a:prstGeom>
-          <a:ln w="12700">
-            <a:solidFill>
-              <a:schemeClr val="tx1"/>
-            </a:solidFill>
+            <a:headEnd type="triangle" w="med" len="med"/>
+            <a:tailEnd type="triangle" w="med" len="med"/>
           </a:ln>
         </p:spPr>
         <p:style>
@@ -3786,6 +3675,121 @@
         <mc:Choice xmlns:a14="http://schemas.microsoft.com/office/drawing/2010/main" Requires="a14">
           <p:sp>
             <p:nvSpPr>
+              <p:cNvPr id="9" name="TextBox 8">
+                <a:extLst>
+                  <a:ext uri="{FF2B5EF4-FFF2-40B4-BE49-F238E27FC236}">
+                    <a16:creationId xmlns:a16="http://schemas.microsoft.com/office/drawing/2014/main" id="{070FCB6E-EC14-6D79-6989-8B2590825FA6}"/>
+                  </a:ext>
+                </a:extLst>
+              </p:cNvPr>
+              <p:cNvSpPr txBox="1"/>
+              <p:nvPr/>
+            </p:nvSpPr>
+            <p:spPr>
+              <a:xfrm>
+                <a:off x="1675620" y="1538615"/>
+                <a:ext cx="1531188" cy="261610"/>
+              </a:xfrm>
+              <a:prstGeom prst="rect">
+                <a:avLst/>
+              </a:prstGeom>
+              <a:noFill/>
+            </p:spPr>
+            <p:txBody>
+              <a:bodyPr wrap="none" rtlCol="0">
+                <a:spAutoFit/>
+              </a:bodyPr>
+              <a:lstStyle/>
+              <a:p>
+                <a:r>
+                  <a:rPr lang="da-DK" sz="1100" dirty="0">
+                    <a:latin typeface="Times New Roman" panose="02020603050405020304" pitchFamily="18" charset="0"/>
+                    <a:cs typeface="Times New Roman" panose="02020603050405020304" pitchFamily="18" charset="0"/>
+                  </a:rPr>
+                  <a:t>Potential U vs CHE </a:t>
+                </a:r>
+                <a14:m>
+                  <m:oMath xmlns:m="http://schemas.openxmlformats.org/officeDocument/2006/math">
+                    <m:d>
+                      <m:dPr>
+                        <m:begChr m:val="["/>
+                        <m:endChr m:val="]"/>
+                        <m:ctrlPr>
+                          <a:rPr lang="da-DK" sz="1100" i="1" dirty="0">
+                            <a:latin typeface="Cambria Math" panose="02040503050406030204" pitchFamily="18" charset="0"/>
+                            <a:cs typeface="Times New Roman" panose="02020603050405020304" pitchFamily="18" charset="0"/>
+                          </a:rPr>
+                        </m:ctrlPr>
+                      </m:dPr>
+                      <m:e>
+                        <m:r>
+                          <a:rPr lang="da-DK" sz="1100" i="1" dirty="0">
+                            <a:latin typeface="Cambria Math" panose="02040503050406030204" pitchFamily="18" charset="0"/>
+                            <a:cs typeface="Times New Roman" panose="02020603050405020304" pitchFamily="18" charset="0"/>
+                          </a:rPr>
+                          <m:t>𝑉</m:t>
+                        </m:r>
+                      </m:e>
+                    </m:d>
+                  </m:oMath>
+                </a14:m>
+                <a:endParaRPr lang="da-DK" sz="1100" dirty="0">
+                  <a:latin typeface="Times New Roman" panose="02020603050405020304" pitchFamily="18" charset="0"/>
+                  <a:cs typeface="Times New Roman" panose="02020603050405020304" pitchFamily="18" charset="0"/>
+                </a:endParaRPr>
+              </a:p>
+            </p:txBody>
+          </p:sp>
+        </mc:Choice>
+        <mc:Fallback>
+          <p:sp>
+            <p:nvSpPr>
+              <p:cNvPr id="9" name="TextBox 8">
+                <a:extLst>
+                  <a:ext uri="{FF2B5EF4-FFF2-40B4-BE49-F238E27FC236}">
+                    <a16:creationId xmlns:a16="http://schemas.microsoft.com/office/drawing/2014/main" id="{070FCB6E-EC14-6D79-6989-8B2590825FA6}"/>
+                  </a:ext>
+                </a:extLst>
+              </p:cNvPr>
+              <p:cNvSpPr txBox="1">
+                <a:spLocks noRot="1" noChangeAspect="1" noMove="1" noResize="1" noEditPoints="1" noAdjustHandles="1" noChangeArrowheads="1" noChangeShapeType="1" noTextEdit="1"/>
+              </p:cNvSpPr>
+              <p:nvPr/>
+            </p:nvSpPr>
+            <p:spPr>
+              <a:xfrm>
+                <a:off x="1675620" y="1538615"/>
+                <a:ext cx="1531188" cy="261610"/>
+              </a:xfrm>
+              <a:prstGeom prst="rect">
+                <a:avLst/>
+              </a:prstGeom>
+              <a:blipFill>
+                <a:blip r:embed="rId3"/>
+                <a:stretch>
+                  <a:fillRect b="-18182"/>
+                </a:stretch>
+              </a:blipFill>
+            </p:spPr>
+            <p:txBody>
+              <a:bodyPr/>
+              <a:lstStyle/>
+              <a:p>
+                <a:r>
+                  <a:rPr lang="da-DK">
+                    <a:noFill/>
+                  </a:rPr>
+                  <a:t> </a:t>
+                </a:r>
+              </a:p>
+            </p:txBody>
+          </p:sp>
+        </mc:Fallback>
+      </mc:AlternateContent>
+      <mc:AlternateContent xmlns:mc="http://schemas.openxmlformats.org/markup-compatibility/2006">
+        <mc:Choice xmlns:a14="http://schemas.microsoft.com/office/drawing/2010/main" Requires="a14">
+          <p:sp>
+            <p:nvSpPr>
               <p:cNvPr id="14" name="TextBox 13">
                 <a:extLst>
                   <a:ext uri="{FF2B5EF4-FFF2-40B4-BE49-F238E27FC236}">
@@ -3798,8 +3802,8 @@
             </p:nvSpPr>
             <p:spPr>
               <a:xfrm>
-                <a:off x="981662" y="4355804"/>
-                <a:ext cx="418384" cy="261610"/>
+                <a:off x="817621" y="1420791"/>
+                <a:ext cx="295274" cy="261610"/>
               </a:xfrm>
               <a:prstGeom prst="rect">
                 <a:avLst/>
@@ -3819,16 +3823,10 @@
                     </m:oMathParaPr>
                     <m:oMath xmlns:m="http://schemas.openxmlformats.org/officeDocument/2006/math">
                       <m:r>
-                        <a:rPr lang="da-DK" sz="1100" b="0" i="1" smtClean="0">
+                        <a:rPr lang="da-DK" sz="1100" i="1">
                           <a:latin typeface="Cambria Math" panose="02040503050406030204" pitchFamily="18" charset="0"/>
                         </a:rPr>
-                        <m:t>0 </m:t>
-                      </m:r>
-                      <m:r>
-                        <a:rPr lang="da-DK" sz="1100" b="0" i="1" smtClean="0">
-                          <a:latin typeface="Cambria Math" panose="02040503050406030204" pitchFamily="18" charset="0"/>
-                        </a:rPr>
-                        <m:t>𝑉</m:t>
+                        <m:t>0</m:t>
                       </m:r>
                     </m:oMath>
                   </m:oMathPara>
@@ -3855,16 +3853,16 @@
             </p:nvSpPr>
             <p:spPr>
               <a:xfrm>
-                <a:off x="981662" y="4355804"/>
-                <a:ext cx="418384" cy="261610"/>
+                <a:off x="817621" y="1420791"/>
+                <a:ext cx="295274" cy="261610"/>
               </a:xfrm>
               <a:prstGeom prst="rect">
                 <a:avLst/>
               </a:prstGeom>
               <a:blipFill>
-                <a:blip r:embed="rId3"/>
+                <a:blip r:embed="rId4"/>
                 <a:stretch>
-                  <a:fillRect b="-4762"/>
+                  <a:fillRect/>
                 </a:stretch>
               </a:blipFill>
             </p:spPr>
@@ -3885,88 +3883,6 @@
       </mc:AlternateContent>
       <p:cxnSp>
         <p:nvCxnSpPr>
-          <p:cNvPr id="16" name="Straight Connector 15">
-            <a:extLst>
-              <a:ext uri="{FF2B5EF4-FFF2-40B4-BE49-F238E27FC236}">
-                <a16:creationId xmlns:a16="http://schemas.microsoft.com/office/drawing/2014/main" id="{F87B3677-087E-B9C6-A52E-B9E447CFF6DB}"/>
-              </a:ext>
-            </a:extLst>
-          </p:cNvPr>
-          <p:cNvCxnSpPr>
-            <a:cxnSpLocks/>
-          </p:cNvCxnSpPr>
-          <p:nvPr/>
-        </p:nvCxnSpPr>
-        <p:spPr>
-          <a:xfrm flipV="1">
-            <a:off x="3671776" y="2126512"/>
-            <a:ext cx="0" cy="2254102"/>
-          </a:xfrm>
-          <a:prstGeom prst="line">
-            <a:avLst/>
-          </a:prstGeom>
-          <a:ln w="6350">
-            <a:solidFill>
-              <a:schemeClr val="tx1"/>
-            </a:solidFill>
-            <a:prstDash val="lgDashDot"/>
-          </a:ln>
-        </p:spPr>
-        <p:style>
-          <a:lnRef idx="1">
-            <a:schemeClr val="dk1"/>
-          </a:lnRef>
-          <a:fillRef idx="0">
-            <a:schemeClr val="dk1"/>
-          </a:fillRef>
-          <a:effectRef idx="0">
-            <a:schemeClr val="dk1"/>
-          </a:effectRef>
-          <a:fontRef idx="minor">
-            <a:schemeClr val="tx1"/>
-          </a:fontRef>
-        </p:style>
-      </p:cxnSp>
-      <p:sp>
-        <p:nvSpPr>
-          <p:cNvPr id="19" name="TextBox 18">
-            <a:extLst>
-              <a:ext uri="{FF2B5EF4-FFF2-40B4-BE49-F238E27FC236}">
-                <a16:creationId xmlns:a16="http://schemas.microsoft.com/office/drawing/2014/main" id="{0A6E3A98-EC82-E5DF-5518-9D0B871712C9}"/>
-              </a:ext>
-            </a:extLst>
-          </p:cNvPr>
-          <p:cNvSpPr txBox="1"/>
-          <p:nvPr/>
-        </p:nvSpPr>
-        <p:spPr>
-          <a:xfrm>
-            <a:off x="2817258" y="1840680"/>
-            <a:ext cx="1659429" cy="261610"/>
-          </a:xfrm>
-          <a:prstGeom prst="rect">
-            <a:avLst/>
-          </a:prstGeom>
-          <a:noFill/>
-        </p:spPr>
-        <p:txBody>
-          <a:bodyPr wrap="none" rtlCol="0">
-            <a:spAutoFit/>
-          </a:bodyPr>
-          <a:lstStyle/>
-          <a:p>
-            <a:r>
-              <a:rPr lang="da-DK" sz="1100" dirty="0">
-                <a:latin typeface="Times New Roman" panose="02020603050405020304" pitchFamily="18" charset="0"/>
-                <a:cs typeface="Times New Roman" panose="02020603050405020304" pitchFamily="18" charset="0"/>
-              </a:rPr>
-              <a:t>Cathode potential vs CHE</a:t>
-            </a:r>
-          </a:p>
-        </p:txBody>
-      </p:sp>
-      <p:cxnSp>
-        <p:nvCxnSpPr>
           <p:cNvPr id="21" name="Straight Connector 20">
             <a:extLst>
               <a:ext uri="{FF2B5EF4-FFF2-40B4-BE49-F238E27FC236}">
@@ -3981,7 +3897,7 @@
         </p:nvCxnSpPr>
         <p:spPr>
           <a:xfrm flipV="1">
-            <a:off x="3668238" y="4327453"/>
+            <a:off x="3473880" y="1379463"/>
             <a:ext cx="0" cy="49619"/>
           </a:xfrm>
           <a:prstGeom prst="line">
@@ -4024,8 +3940,8 @@
             </p:nvSpPr>
             <p:spPr>
               <a:xfrm>
-                <a:off x="3434232" y="4352262"/>
-                <a:ext cx="608628" cy="261610"/>
+                <a:off x="3277811" y="1404268"/>
+                <a:ext cx="402674" cy="261610"/>
               </a:xfrm>
               <a:prstGeom prst="rect">
                 <a:avLst/>
@@ -4045,28 +3961,10 @@
                     </m:oMathParaPr>
                     <m:oMath xmlns:m="http://schemas.openxmlformats.org/officeDocument/2006/math">
                       <m:r>
-                        <a:rPr lang="da-DK" sz="1100" i="1" smtClean="0">
+                        <a:rPr lang="da-DK" sz="1100" i="1">
                           <a:latin typeface="Cambria Math" panose="02040503050406030204" pitchFamily="18" charset="0"/>
                         </a:rPr>
-                        <m:t>1</m:t>
-                      </m:r>
-                      <m:r>
-                        <a:rPr lang="da-DK" sz="1100" b="0" i="1" smtClean="0">
-                          <a:latin typeface="Cambria Math" panose="02040503050406030204" pitchFamily="18" charset="0"/>
-                        </a:rPr>
-                        <m:t>.2?</m:t>
-                      </m:r>
-                      <m:r>
-                        <a:rPr lang="da-DK" sz="1100" b="0" i="1" smtClean="0">
-                          <a:latin typeface="Cambria Math" panose="02040503050406030204" pitchFamily="18" charset="0"/>
-                        </a:rPr>
-                        <m:t> </m:t>
-                      </m:r>
-                      <m:r>
-                        <a:rPr lang="da-DK" sz="1100" b="0" i="1" smtClean="0">
-                          <a:latin typeface="Cambria Math" panose="02040503050406030204" pitchFamily="18" charset="0"/>
-                        </a:rPr>
-                        <m:t>𝑉</m:t>
+                        <m:t>1.2</m:t>
                       </m:r>
                     </m:oMath>
                   </m:oMathPara>
@@ -4093,400 +3991,14 @@
             </p:nvSpPr>
             <p:spPr>
               <a:xfrm>
-                <a:off x="3434232" y="4352262"/>
-                <a:ext cx="608628" cy="261610"/>
-              </a:xfrm>
-              <a:prstGeom prst="rect">
-                <a:avLst/>
-              </a:prstGeom>
-              <a:blipFill>
-                <a:blip r:embed="rId4"/>
-                <a:stretch>
-                  <a:fillRect b="-4545"/>
-                </a:stretch>
-              </a:blipFill>
-            </p:spPr>
-            <p:txBody>
-              <a:bodyPr/>
-              <a:lstStyle/>
-              <a:p>
-                <a:r>
-                  <a:rPr lang="da-DK">
-                    <a:noFill/>
-                  </a:rPr>
-                  <a:t> </a:t>
-                </a:r>
-              </a:p>
-            </p:txBody>
-          </p:sp>
-        </mc:Fallback>
-      </mc:AlternateContent>
-      <p:cxnSp>
-        <p:nvCxnSpPr>
-          <p:cNvPr id="23" name="Straight Connector 22">
-            <a:extLst>
-              <a:ext uri="{FF2B5EF4-FFF2-40B4-BE49-F238E27FC236}">
-                <a16:creationId xmlns:a16="http://schemas.microsoft.com/office/drawing/2014/main" id="{6D8EFC2D-C423-F4BC-3807-79D30923AF70}"/>
-              </a:ext>
-            </a:extLst>
-          </p:cNvPr>
-          <p:cNvCxnSpPr>
-            <a:cxnSpLocks/>
-          </p:cNvCxnSpPr>
-          <p:nvPr/>
-        </p:nvCxnSpPr>
-        <p:spPr>
-          <a:xfrm flipV="1">
-            <a:off x="896682" y="2126512"/>
-            <a:ext cx="0" cy="2254102"/>
-          </a:xfrm>
-          <a:prstGeom prst="line">
-            <a:avLst/>
-          </a:prstGeom>
-          <a:ln w="6350">
-            <a:solidFill>
-              <a:srgbClr val="00B050"/>
-            </a:solidFill>
-            <a:prstDash val="lgDashDot"/>
-          </a:ln>
-        </p:spPr>
-        <p:style>
-          <a:lnRef idx="1">
-            <a:schemeClr val="dk1"/>
-          </a:lnRef>
-          <a:fillRef idx="0">
-            <a:schemeClr val="dk1"/>
-          </a:fillRef>
-          <a:effectRef idx="0">
-            <a:schemeClr val="dk1"/>
-          </a:effectRef>
-          <a:fontRef idx="minor">
-            <a:schemeClr val="tx1"/>
-          </a:fontRef>
-        </p:style>
-      </p:cxnSp>
-      <mc:AlternateContent xmlns:mc="http://schemas.openxmlformats.org/markup-compatibility/2006">
-        <mc:Choice xmlns:a14="http://schemas.microsoft.com/office/drawing/2010/main" Requires="a14">
-          <p:sp>
-            <p:nvSpPr>
-              <p:cNvPr id="24" name="TextBox 23">
-                <a:extLst>
-                  <a:ext uri="{FF2B5EF4-FFF2-40B4-BE49-F238E27FC236}">
-                    <a16:creationId xmlns:a16="http://schemas.microsoft.com/office/drawing/2014/main" id="{9D433390-A096-8271-C6AC-924E4F54AE4C}"/>
-                  </a:ext>
-                </a:extLst>
-              </p:cNvPr>
-              <p:cNvSpPr txBox="1"/>
-              <p:nvPr/>
-            </p:nvSpPr>
-            <p:spPr>
-              <a:xfrm>
-                <a:off x="507228" y="1804536"/>
-                <a:ext cx="821443" cy="304699"/>
-              </a:xfrm>
-              <a:prstGeom prst="rect">
-                <a:avLst/>
-              </a:prstGeom>
-              <a:noFill/>
-            </p:spPr>
-            <p:txBody>
-              <a:bodyPr wrap="none" rtlCol="0">
-                <a:spAutoFit/>
-              </a:bodyPr>
-              <a:lstStyle/>
-              <a:p>
-                <a14:m>
-                  <m:oMathPara xmlns:m="http://schemas.openxmlformats.org/officeDocument/2006/math">
-                    <m:oMathParaPr>
-                      <m:jc m:val="centerGroup"/>
-                    </m:oMathParaPr>
-                    <m:oMath xmlns:m="http://schemas.openxmlformats.org/officeDocument/2006/math">
-                      <m:r>
-                        <m:rPr>
-                          <m:sty m:val="p"/>
-                        </m:rPr>
-                        <a:rPr lang="da-DK" sz="1100" smtClean="0">
-                          <a:solidFill>
-                            <a:srgbClr val="00B050"/>
-                          </a:solidFill>
-                          <a:latin typeface="Cambria Math" panose="02040503050406030204" pitchFamily="18" charset="0"/>
-                        </a:rPr>
-                        <m:t>Δ</m:t>
-                      </m:r>
-                      <m:sSubSup>
-                        <m:sSubSupPr>
-                          <m:ctrlPr>
-                            <a:rPr lang="da-DK" sz="1100" i="1">
-                              <a:solidFill>
-                                <a:srgbClr val="00B050"/>
-                              </a:solidFill>
-                              <a:latin typeface="Cambria Math" panose="02040503050406030204" pitchFamily="18" charset="0"/>
-                            </a:rPr>
-                          </m:ctrlPr>
-                        </m:sSubSupPr>
-                        <m:e>
-                          <m:r>
-                            <a:rPr lang="da-DK" sz="1100" i="1">
-                              <a:solidFill>
-                                <a:srgbClr val="00B050"/>
-                              </a:solidFill>
-                              <a:latin typeface="Cambria Math" panose="02040503050406030204" pitchFamily="18" charset="0"/>
-                            </a:rPr>
-                            <m:t>𝐺</m:t>
-                          </m:r>
-                        </m:e>
-                        <m:sub>
-                          <m:r>
-                            <a:rPr lang="da-DK" sz="1100" i="1">
-                              <a:solidFill>
-                                <a:srgbClr val="00B050"/>
-                              </a:solidFill>
-                              <a:latin typeface="Cambria Math" panose="02040503050406030204" pitchFamily="18" charset="0"/>
-                            </a:rPr>
-                            <m:t>𝐶𝑂𝑂</m:t>
-                          </m:r>
-                          <m:sSup>
-                            <m:sSupPr>
-                              <m:ctrlPr>
-                                <a:rPr lang="da-DK" sz="1100" i="1">
-                                  <a:solidFill>
-                                    <a:srgbClr val="00B050"/>
-                                  </a:solidFill>
-                                  <a:latin typeface="Cambria Math" panose="02040503050406030204" pitchFamily="18" charset="0"/>
-                                </a:rPr>
-                              </m:ctrlPr>
-                            </m:sSupPr>
-                            <m:e>
-                              <m:r>
-                                <a:rPr lang="da-DK" sz="1100" i="1">
-                                  <a:solidFill>
-                                    <a:srgbClr val="00B050"/>
-                                  </a:solidFill>
-                                  <a:latin typeface="Cambria Math" panose="02040503050406030204" pitchFamily="18" charset="0"/>
-                                </a:rPr>
-                                <m:t>𝐻</m:t>
-                              </m:r>
-                            </m:e>
-                            <m:sup>
-                              <m:r>
-                                <a:rPr lang="da-DK" sz="1100" i="1">
-                                  <a:solidFill>
-                                    <a:srgbClr val="00B050"/>
-                                  </a:solidFill>
-                                  <a:latin typeface="Cambria Math" panose="02040503050406030204" pitchFamily="18" charset="0"/>
-                                </a:rPr>
-                                <m:t>∗</m:t>
-                              </m:r>
-                            </m:sup>
-                          </m:sSup>
-                        </m:sub>
-                        <m:sup>
-                          <m:r>
-                            <a:rPr lang="da-DK" sz="1100" i="1">
-                              <a:solidFill>
-                                <a:srgbClr val="00B050"/>
-                              </a:solidFill>
-                              <a:latin typeface="Cambria Math" panose="02040503050406030204" pitchFamily="18" charset="0"/>
-                            </a:rPr>
-                            <m:t>𝑂𝑝𝑡𝑖𝑚𝑎𝑙</m:t>
-                          </m:r>
-                        </m:sup>
-                      </m:sSubSup>
-                    </m:oMath>
-                  </m:oMathPara>
-                </a14:m>
-                <a:endParaRPr lang="da-DK" sz="1100" dirty="0">
-                  <a:latin typeface="Times New Roman" panose="02020603050405020304" pitchFamily="18" charset="0"/>
-                  <a:cs typeface="Times New Roman" panose="02020603050405020304" pitchFamily="18" charset="0"/>
-                </a:endParaRPr>
-              </a:p>
-            </p:txBody>
-          </p:sp>
-        </mc:Choice>
-        <mc:Fallback>
-          <p:sp>
-            <p:nvSpPr>
-              <p:cNvPr id="24" name="TextBox 23">
-                <a:extLst>
-                  <a:ext uri="{FF2B5EF4-FFF2-40B4-BE49-F238E27FC236}">
-                    <a16:creationId xmlns:a16="http://schemas.microsoft.com/office/drawing/2014/main" id="{9D433390-A096-8271-C6AC-924E4F54AE4C}"/>
-                  </a:ext>
-                </a:extLst>
-              </p:cNvPr>
-              <p:cNvSpPr txBox="1">
-                <a:spLocks noRot="1" noChangeAspect="1" noMove="1" noResize="1" noEditPoints="1" noAdjustHandles="1" noChangeArrowheads="1" noChangeShapeType="1" noTextEdit="1"/>
-              </p:cNvSpPr>
-              <p:nvPr/>
-            </p:nvSpPr>
-            <p:spPr>
-              <a:xfrm>
-                <a:off x="507228" y="1804536"/>
-                <a:ext cx="821443" cy="304699"/>
+                <a:off x="3277811" y="1404268"/>
+                <a:ext cx="402674" cy="261610"/>
               </a:xfrm>
               <a:prstGeom prst="rect">
                 <a:avLst/>
               </a:prstGeom>
               <a:blipFill>
                 <a:blip r:embed="rId5"/>
-                <a:stretch>
-                  <a:fillRect/>
-                </a:stretch>
-              </a:blipFill>
-            </p:spPr>
-            <p:txBody>
-              <a:bodyPr/>
-              <a:lstStyle/>
-              <a:p>
-                <a:r>
-                  <a:rPr lang="da-DK">
-                    <a:noFill/>
-                  </a:rPr>
-                  <a:t> </a:t>
-                </a:r>
-              </a:p>
-            </p:txBody>
-          </p:sp>
-        </mc:Fallback>
-      </mc:AlternateContent>
-      <mc:AlternateContent xmlns:mc="http://schemas.openxmlformats.org/markup-compatibility/2006">
-        <mc:Choice xmlns:a14="http://schemas.microsoft.com/office/drawing/2010/main" Requires="a14">
-          <p:sp>
-            <p:nvSpPr>
-              <p:cNvPr id="25" name="TextBox 24">
-                <a:extLst>
-                  <a:ext uri="{FF2B5EF4-FFF2-40B4-BE49-F238E27FC236}">
-                    <a16:creationId xmlns:a16="http://schemas.microsoft.com/office/drawing/2014/main" id="{82C8BDB6-2F42-AAB6-5C1B-F8BF38382C1E}"/>
-                  </a:ext>
-                </a:extLst>
-              </p:cNvPr>
-              <p:cNvSpPr txBox="1"/>
-              <p:nvPr/>
-            </p:nvSpPr>
-            <p:spPr>
-              <a:xfrm>
-                <a:off x="2091587" y="1824177"/>
-                <a:ext cx="746936" cy="281680"/>
-              </a:xfrm>
-              <a:prstGeom prst="rect">
-                <a:avLst/>
-              </a:prstGeom>
-              <a:noFill/>
-            </p:spPr>
-            <p:txBody>
-              <a:bodyPr wrap="none" rtlCol="0">
-                <a:spAutoFit/>
-              </a:bodyPr>
-              <a:lstStyle/>
-              <a:p>
-                <a14:m>
-                  <m:oMathPara xmlns:m="http://schemas.openxmlformats.org/officeDocument/2006/math">
-                    <m:oMathParaPr>
-                      <m:jc m:val="centerGroup"/>
-                    </m:oMathParaPr>
-                    <m:oMath xmlns:m="http://schemas.openxmlformats.org/officeDocument/2006/math">
-                      <m:r>
-                        <m:rPr>
-                          <m:sty m:val="p"/>
-                        </m:rPr>
-                        <a:rPr lang="da-DK" sz="1100" smtClean="0">
-                          <a:latin typeface="Cambria Math" panose="02040503050406030204" pitchFamily="18" charset="0"/>
-                        </a:rPr>
-                        <m:t>Δ</m:t>
-                      </m:r>
-                      <m:sSubSup>
-                        <m:sSubSupPr>
-                          <m:ctrlPr>
-                            <a:rPr lang="da-DK" sz="1100" i="1">
-                              <a:latin typeface="Cambria Math" panose="02040503050406030204" pitchFamily="18" charset="0"/>
-                            </a:rPr>
-                          </m:ctrlPr>
-                        </m:sSubSupPr>
-                        <m:e>
-                          <m:r>
-                            <a:rPr lang="da-DK" sz="1100" i="1">
-                              <a:latin typeface="Cambria Math" panose="02040503050406030204" pitchFamily="18" charset="0"/>
-                            </a:rPr>
-                            <m:t>𝐺</m:t>
-                          </m:r>
-                        </m:e>
-                        <m:sub>
-                          <m:r>
-                            <a:rPr lang="da-DK" sz="1100" i="1">
-                              <a:latin typeface="Cambria Math" panose="02040503050406030204" pitchFamily="18" charset="0"/>
-                            </a:rPr>
-                            <m:t>𝐶𝑂𝑂</m:t>
-                          </m:r>
-                          <m:sSup>
-                            <m:sSupPr>
-                              <m:ctrlPr>
-                                <a:rPr lang="da-DK" sz="1100" i="1">
-                                  <a:latin typeface="Cambria Math" panose="02040503050406030204" pitchFamily="18" charset="0"/>
-                                </a:rPr>
-                              </m:ctrlPr>
-                            </m:sSupPr>
-                            <m:e>
-                              <m:r>
-                                <a:rPr lang="da-DK" sz="1100" i="1">
-                                  <a:latin typeface="Cambria Math" panose="02040503050406030204" pitchFamily="18" charset="0"/>
-                                </a:rPr>
-                                <m:t>𝐻</m:t>
-                              </m:r>
-                            </m:e>
-                            <m:sup>
-                              <m:r>
-                                <a:rPr lang="da-DK" sz="1100" i="1">
-                                  <a:latin typeface="Cambria Math" panose="02040503050406030204" pitchFamily="18" charset="0"/>
-                                </a:rPr>
-                                <m:t>∗</m:t>
-                              </m:r>
-                            </m:sup>
-                          </m:sSup>
-                        </m:sub>
-                        <m:sup>
-                          <m:r>
-                            <a:rPr lang="da-DK" sz="1100" b="0" i="1" smtClean="0">
-                              <a:latin typeface="Cambria Math" panose="02040503050406030204" pitchFamily="18" charset="0"/>
-                            </a:rPr>
-                            <m:t>𝐴𝑐𝑡𝑢𝑎𝑙</m:t>
-                          </m:r>
-                        </m:sup>
-                      </m:sSubSup>
-                    </m:oMath>
-                  </m:oMathPara>
-                </a14:m>
-                <a:endParaRPr lang="da-DK" sz="1100" dirty="0">
-                  <a:latin typeface="Times New Roman" panose="02020603050405020304" pitchFamily="18" charset="0"/>
-                  <a:cs typeface="Times New Roman" panose="02020603050405020304" pitchFamily="18" charset="0"/>
-                </a:endParaRPr>
-              </a:p>
-            </p:txBody>
-          </p:sp>
-        </mc:Choice>
-        <mc:Fallback>
-          <p:sp>
-            <p:nvSpPr>
-              <p:cNvPr id="25" name="TextBox 24">
-                <a:extLst>
-                  <a:ext uri="{FF2B5EF4-FFF2-40B4-BE49-F238E27FC236}">
-                    <a16:creationId xmlns:a16="http://schemas.microsoft.com/office/drawing/2014/main" id="{82C8BDB6-2F42-AAB6-5C1B-F8BF38382C1E}"/>
-                  </a:ext>
-                </a:extLst>
-              </p:cNvPr>
-              <p:cNvSpPr txBox="1">
-                <a:spLocks noRot="1" noChangeAspect="1" noMove="1" noResize="1" noEditPoints="1" noAdjustHandles="1" noChangeArrowheads="1" noChangeShapeType="1" noTextEdit="1"/>
-              </p:cNvSpPr>
-              <p:nvPr/>
-            </p:nvSpPr>
-            <p:spPr>
-              <a:xfrm>
-                <a:off x="2091587" y="1824177"/>
-                <a:ext cx="746936" cy="281680"/>
-              </a:xfrm>
-              <a:prstGeom prst="rect">
-                <a:avLst/>
-              </a:prstGeom>
-              <a:blipFill>
-                <a:blip r:embed="rId6"/>
                 <a:stretch>
                   <a:fillRect/>
                 </a:stretch>
@@ -4523,8 +4035,8 @@
         </p:nvCxnSpPr>
         <p:spPr>
           <a:xfrm flipV="1">
-            <a:off x="2466752" y="2122970"/>
-            <a:ext cx="0" cy="2254102"/>
+            <a:off x="2272394" y="489866"/>
+            <a:ext cx="0" cy="939212"/>
           </a:xfrm>
           <a:prstGeom prst="line">
             <a:avLst/>
@@ -4567,8 +4079,8 @@
         </p:nvCxnSpPr>
         <p:spPr>
           <a:xfrm>
-            <a:off x="2505980" y="2346251"/>
-            <a:ext cx="1140993" cy="0"/>
+            <a:off x="2528963" y="311081"/>
+            <a:ext cx="702000" cy="0"/>
           </a:xfrm>
           <a:prstGeom prst="straightConnector1">
             <a:avLst/>
@@ -4596,456 +4108,6 @@
           </a:fontRef>
         </p:style>
       </p:cxnSp>
-      <p:sp>
-        <p:nvSpPr>
-          <p:cNvPr id="29" name="Freeform 28">
-            <a:extLst>
-              <a:ext uri="{FF2B5EF4-FFF2-40B4-BE49-F238E27FC236}">
-                <a16:creationId xmlns:a16="http://schemas.microsoft.com/office/drawing/2014/main" id="{651F745D-9A47-A36B-A277-335B6D2FA831}"/>
-              </a:ext>
-            </a:extLst>
-          </p:cNvPr>
-          <p:cNvSpPr/>
-          <p:nvPr/>
-        </p:nvSpPr>
-        <p:spPr>
-          <a:xfrm>
-            <a:off x="467833" y="3331537"/>
-            <a:ext cx="1034902" cy="1049079"/>
-          </a:xfrm>
-          <a:custGeom>
-            <a:avLst/>
-            <a:gdLst>
-              <a:gd name="connsiteX0" fmla="*/ 0 w 1034902"/>
-              <a:gd name="connsiteY0" fmla="*/ 0 h 1049079"/>
-              <a:gd name="connsiteX1" fmla="*/ 70883 w 1034902"/>
-              <a:gd name="connsiteY1" fmla="*/ 49618 h 1049079"/>
-              <a:gd name="connsiteX2" fmla="*/ 92148 w 1034902"/>
-              <a:gd name="connsiteY2" fmla="*/ 56707 h 1049079"/>
-              <a:gd name="connsiteX3" fmla="*/ 113414 w 1034902"/>
-              <a:gd name="connsiteY3" fmla="*/ 70883 h 1049079"/>
-              <a:gd name="connsiteX4" fmla="*/ 155944 w 1034902"/>
-              <a:gd name="connsiteY4" fmla="*/ 85060 h 1049079"/>
-              <a:gd name="connsiteX5" fmla="*/ 177209 w 1034902"/>
-              <a:gd name="connsiteY5" fmla="*/ 99237 h 1049079"/>
-              <a:gd name="connsiteX6" fmla="*/ 198474 w 1034902"/>
-              <a:gd name="connsiteY6" fmla="*/ 106325 h 1049079"/>
-              <a:gd name="connsiteX7" fmla="*/ 241004 w 1034902"/>
-              <a:gd name="connsiteY7" fmla="*/ 134679 h 1049079"/>
-              <a:gd name="connsiteX8" fmla="*/ 262269 w 1034902"/>
-              <a:gd name="connsiteY8" fmla="*/ 148856 h 1049079"/>
-              <a:gd name="connsiteX9" fmla="*/ 304800 w 1034902"/>
-              <a:gd name="connsiteY9" fmla="*/ 184297 h 1049079"/>
-              <a:gd name="connsiteX10" fmla="*/ 318976 w 1034902"/>
-              <a:gd name="connsiteY10" fmla="*/ 205563 h 1049079"/>
-              <a:gd name="connsiteX11" fmla="*/ 340241 w 1034902"/>
-              <a:gd name="connsiteY11" fmla="*/ 219739 h 1049079"/>
-              <a:gd name="connsiteX12" fmla="*/ 368595 w 1034902"/>
-              <a:gd name="connsiteY12" fmla="*/ 241004 h 1049079"/>
-              <a:gd name="connsiteX13" fmla="*/ 411125 w 1034902"/>
-              <a:gd name="connsiteY13" fmla="*/ 276446 h 1049079"/>
-              <a:gd name="connsiteX14" fmla="*/ 446567 w 1034902"/>
-              <a:gd name="connsiteY14" fmla="*/ 311888 h 1049079"/>
-              <a:gd name="connsiteX15" fmla="*/ 482009 w 1034902"/>
-              <a:gd name="connsiteY15" fmla="*/ 347330 h 1049079"/>
-              <a:gd name="connsiteX16" fmla="*/ 510362 w 1034902"/>
-              <a:gd name="connsiteY16" fmla="*/ 389860 h 1049079"/>
-              <a:gd name="connsiteX17" fmla="*/ 524539 w 1034902"/>
-              <a:gd name="connsiteY17" fmla="*/ 411125 h 1049079"/>
-              <a:gd name="connsiteX18" fmla="*/ 567069 w 1034902"/>
-              <a:gd name="connsiteY18" fmla="*/ 446567 h 1049079"/>
-              <a:gd name="connsiteX19" fmla="*/ 609600 w 1034902"/>
-              <a:gd name="connsiteY19" fmla="*/ 474921 h 1049079"/>
-              <a:gd name="connsiteX20" fmla="*/ 630865 w 1034902"/>
-              <a:gd name="connsiteY20" fmla="*/ 489097 h 1049079"/>
-              <a:gd name="connsiteX21" fmla="*/ 652130 w 1034902"/>
-              <a:gd name="connsiteY21" fmla="*/ 503274 h 1049079"/>
-              <a:gd name="connsiteX22" fmla="*/ 687572 w 1034902"/>
-              <a:gd name="connsiteY22" fmla="*/ 524539 h 1049079"/>
-              <a:gd name="connsiteX23" fmla="*/ 708837 w 1034902"/>
-              <a:gd name="connsiteY23" fmla="*/ 531628 h 1049079"/>
-              <a:gd name="connsiteX24" fmla="*/ 751367 w 1034902"/>
-              <a:gd name="connsiteY24" fmla="*/ 559981 h 1049079"/>
-              <a:gd name="connsiteX25" fmla="*/ 793897 w 1034902"/>
-              <a:gd name="connsiteY25" fmla="*/ 574158 h 1049079"/>
-              <a:gd name="connsiteX26" fmla="*/ 815162 w 1034902"/>
-              <a:gd name="connsiteY26" fmla="*/ 581246 h 1049079"/>
-              <a:gd name="connsiteX27" fmla="*/ 836427 w 1034902"/>
-              <a:gd name="connsiteY27" fmla="*/ 595423 h 1049079"/>
-              <a:gd name="connsiteX28" fmla="*/ 850604 w 1034902"/>
-              <a:gd name="connsiteY28" fmla="*/ 652130 h 1049079"/>
-              <a:gd name="connsiteX29" fmla="*/ 864781 w 1034902"/>
-              <a:gd name="connsiteY29" fmla="*/ 737190 h 1049079"/>
-              <a:gd name="connsiteX30" fmla="*/ 878958 w 1034902"/>
-              <a:gd name="connsiteY30" fmla="*/ 779721 h 1049079"/>
-              <a:gd name="connsiteX31" fmla="*/ 886046 w 1034902"/>
-              <a:gd name="connsiteY31" fmla="*/ 800986 h 1049079"/>
-              <a:gd name="connsiteX32" fmla="*/ 914400 w 1034902"/>
-              <a:gd name="connsiteY32" fmla="*/ 850604 h 1049079"/>
-              <a:gd name="connsiteX33" fmla="*/ 942753 w 1034902"/>
-              <a:gd name="connsiteY33" fmla="*/ 893135 h 1049079"/>
-              <a:gd name="connsiteX34" fmla="*/ 956930 w 1034902"/>
-              <a:gd name="connsiteY34" fmla="*/ 914400 h 1049079"/>
-              <a:gd name="connsiteX35" fmla="*/ 971107 w 1034902"/>
-              <a:gd name="connsiteY35" fmla="*/ 942753 h 1049079"/>
-              <a:gd name="connsiteX36" fmla="*/ 999460 w 1034902"/>
-              <a:gd name="connsiteY36" fmla="*/ 985283 h 1049079"/>
-              <a:gd name="connsiteX37" fmla="*/ 1013637 w 1034902"/>
-              <a:gd name="connsiteY37" fmla="*/ 1027814 h 1049079"/>
-              <a:gd name="connsiteX38" fmla="*/ 1020725 w 1034902"/>
-              <a:gd name="connsiteY38" fmla="*/ 1049079 h 1049079"/>
-              <a:gd name="connsiteX39" fmla="*/ 1034902 w 1034902"/>
-              <a:gd name="connsiteY39" fmla="*/ 1049079 h 1049079"/>
-            </a:gdLst>
-            <a:ahLst/>
-            <a:cxnLst>
-              <a:cxn ang="0">
-                <a:pos x="connsiteX0" y="connsiteY0"/>
-              </a:cxn>
-              <a:cxn ang="0">
-                <a:pos x="connsiteX1" y="connsiteY1"/>
-              </a:cxn>
-              <a:cxn ang="0">
-                <a:pos x="connsiteX2" y="connsiteY2"/>
-              </a:cxn>
-              <a:cxn ang="0">
-                <a:pos x="connsiteX3" y="connsiteY3"/>
-              </a:cxn>
-              <a:cxn ang="0">
-                <a:pos x="connsiteX4" y="connsiteY4"/>
-              </a:cxn>
-              <a:cxn ang="0">
-                <a:pos x="connsiteX5" y="connsiteY5"/>
-              </a:cxn>
-              <a:cxn ang="0">
-                <a:pos x="connsiteX6" y="connsiteY6"/>
-              </a:cxn>
-              <a:cxn ang="0">
-                <a:pos x="connsiteX7" y="connsiteY7"/>
-              </a:cxn>
-              <a:cxn ang="0">
-                <a:pos x="connsiteX8" y="connsiteY8"/>
-              </a:cxn>
-              <a:cxn ang="0">
-                <a:pos x="connsiteX9" y="connsiteY9"/>
-              </a:cxn>
-              <a:cxn ang="0">
-                <a:pos x="connsiteX10" y="connsiteY10"/>
-              </a:cxn>
-              <a:cxn ang="0">
-                <a:pos x="connsiteX11" y="connsiteY11"/>
-              </a:cxn>
-              <a:cxn ang="0">
-                <a:pos x="connsiteX12" y="connsiteY12"/>
-              </a:cxn>
-              <a:cxn ang="0">
-                <a:pos x="connsiteX13" y="connsiteY13"/>
-              </a:cxn>
-              <a:cxn ang="0">
-                <a:pos x="connsiteX14" y="connsiteY14"/>
-              </a:cxn>
-              <a:cxn ang="0">
-                <a:pos x="connsiteX15" y="connsiteY15"/>
-              </a:cxn>
-              <a:cxn ang="0">
-                <a:pos x="connsiteX16" y="connsiteY16"/>
-              </a:cxn>
-              <a:cxn ang="0">
-                <a:pos x="connsiteX17" y="connsiteY17"/>
-              </a:cxn>
-              <a:cxn ang="0">
-                <a:pos x="connsiteX18" y="connsiteY18"/>
-              </a:cxn>
-              <a:cxn ang="0">
-                <a:pos x="connsiteX19" y="connsiteY19"/>
-              </a:cxn>
-              <a:cxn ang="0">
-                <a:pos x="connsiteX20" y="connsiteY20"/>
-              </a:cxn>
-              <a:cxn ang="0">
-                <a:pos x="connsiteX21" y="connsiteY21"/>
-              </a:cxn>
-              <a:cxn ang="0">
-                <a:pos x="connsiteX22" y="connsiteY22"/>
-              </a:cxn>
-              <a:cxn ang="0">
-                <a:pos x="connsiteX23" y="connsiteY23"/>
-              </a:cxn>
-              <a:cxn ang="0">
-                <a:pos x="connsiteX24" y="connsiteY24"/>
-              </a:cxn>
-              <a:cxn ang="0">
-                <a:pos x="connsiteX25" y="connsiteY25"/>
-              </a:cxn>
-              <a:cxn ang="0">
-                <a:pos x="connsiteX26" y="connsiteY26"/>
-              </a:cxn>
-              <a:cxn ang="0">
-                <a:pos x="connsiteX27" y="connsiteY27"/>
-              </a:cxn>
-              <a:cxn ang="0">
-                <a:pos x="connsiteX28" y="connsiteY28"/>
-              </a:cxn>
-              <a:cxn ang="0">
-                <a:pos x="connsiteX29" y="connsiteY29"/>
-              </a:cxn>
-              <a:cxn ang="0">
-                <a:pos x="connsiteX30" y="connsiteY30"/>
-              </a:cxn>
-              <a:cxn ang="0">
-                <a:pos x="connsiteX31" y="connsiteY31"/>
-              </a:cxn>
-              <a:cxn ang="0">
-                <a:pos x="connsiteX32" y="connsiteY32"/>
-              </a:cxn>
-              <a:cxn ang="0">
-                <a:pos x="connsiteX33" y="connsiteY33"/>
-              </a:cxn>
-              <a:cxn ang="0">
-                <a:pos x="connsiteX34" y="connsiteY34"/>
-              </a:cxn>
-              <a:cxn ang="0">
-                <a:pos x="connsiteX35" y="connsiteY35"/>
-              </a:cxn>
-              <a:cxn ang="0">
-                <a:pos x="connsiteX36" y="connsiteY36"/>
-              </a:cxn>
-              <a:cxn ang="0">
-                <a:pos x="connsiteX37" y="connsiteY37"/>
-              </a:cxn>
-              <a:cxn ang="0">
-                <a:pos x="connsiteX38" y="connsiteY38"/>
-              </a:cxn>
-              <a:cxn ang="0">
-                <a:pos x="connsiteX39" y="connsiteY39"/>
-              </a:cxn>
-            </a:cxnLst>
-            <a:rect l="l" t="t" r="r" b="b"/>
-            <a:pathLst>
-              <a:path w="1034902" h="1049079">
-                <a:moveTo>
-                  <a:pt x="0" y="0"/>
-                </a:moveTo>
-                <a:cubicBezTo>
-                  <a:pt x="23628" y="16539"/>
-                  <a:pt x="43522" y="40497"/>
-                  <a:pt x="70883" y="49618"/>
-                </a:cubicBezTo>
-                <a:cubicBezTo>
-                  <a:pt x="77971" y="51981"/>
-                  <a:pt x="85465" y="53366"/>
-                  <a:pt x="92148" y="56707"/>
-                </a:cubicBezTo>
-                <a:cubicBezTo>
-                  <a:pt x="99768" y="60517"/>
-                  <a:pt x="105629" y="67423"/>
-                  <a:pt x="113414" y="70883"/>
-                </a:cubicBezTo>
-                <a:cubicBezTo>
-                  <a:pt x="127070" y="76952"/>
-                  <a:pt x="155944" y="85060"/>
-                  <a:pt x="155944" y="85060"/>
-                </a:cubicBezTo>
-                <a:cubicBezTo>
-                  <a:pt x="163032" y="89786"/>
-                  <a:pt x="169589" y="95427"/>
-                  <a:pt x="177209" y="99237"/>
-                </a:cubicBezTo>
-                <a:cubicBezTo>
-                  <a:pt x="183892" y="102578"/>
-                  <a:pt x="191943" y="102696"/>
-                  <a:pt x="198474" y="106325"/>
-                </a:cubicBezTo>
-                <a:cubicBezTo>
-                  <a:pt x="213368" y="114600"/>
-                  <a:pt x="226827" y="125228"/>
-                  <a:pt x="241004" y="134679"/>
-                </a:cubicBezTo>
-                <a:cubicBezTo>
-                  <a:pt x="248092" y="139405"/>
-                  <a:pt x="256245" y="142832"/>
-                  <a:pt x="262269" y="148856"/>
-                </a:cubicBezTo>
-                <a:cubicBezTo>
-                  <a:pt x="289558" y="176145"/>
-                  <a:pt x="275193" y="164561"/>
-                  <a:pt x="304800" y="184297"/>
-                </a:cubicBezTo>
-                <a:cubicBezTo>
-                  <a:pt x="309525" y="191386"/>
-                  <a:pt x="312952" y="199539"/>
-                  <a:pt x="318976" y="205563"/>
-                </a:cubicBezTo>
-                <a:cubicBezTo>
-                  <a:pt x="325000" y="211587"/>
-                  <a:pt x="333309" y="214788"/>
-                  <a:pt x="340241" y="219739"/>
-                </a:cubicBezTo>
-                <a:cubicBezTo>
-                  <a:pt x="349855" y="226606"/>
-                  <a:pt x="359625" y="233315"/>
-                  <a:pt x="368595" y="241004"/>
-                </a:cubicBezTo>
-                <a:cubicBezTo>
-                  <a:pt x="416351" y="281938"/>
-                  <a:pt x="364125" y="245114"/>
-                  <a:pt x="411125" y="276446"/>
-                </a:cubicBezTo>
-                <a:cubicBezTo>
-                  <a:pt x="448930" y="333153"/>
-                  <a:pt x="399311" y="264632"/>
-                  <a:pt x="446567" y="311888"/>
-                </a:cubicBezTo>
-                <a:cubicBezTo>
-                  <a:pt x="493823" y="359144"/>
-                  <a:pt x="425302" y="309525"/>
-                  <a:pt x="482009" y="347330"/>
-                </a:cubicBezTo>
-                <a:lnTo>
-                  <a:pt x="510362" y="389860"/>
-                </a:lnTo>
-                <a:cubicBezTo>
-                  <a:pt x="515088" y="396948"/>
-                  <a:pt x="517451" y="406399"/>
-                  <a:pt x="524539" y="411125"/>
-                </a:cubicBezTo>
-                <a:cubicBezTo>
-                  <a:pt x="600535" y="461790"/>
-                  <a:pt x="485193" y="382886"/>
-                  <a:pt x="567069" y="446567"/>
-                </a:cubicBezTo>
-                <a:cubicBezTo>
-                  <a:pt x="580518" y="457028"/>
-                  <a:pt x="595423" y="465470"/>
-                  <a:pt x="609600" y="474921"/>
-                </a:cubicBezTo>
-                <a:lnTo>
-                  <a:pt x="630865" y="489097"/>
-                </a:lnTo>
-                <a:cubicBezTo>
-                  <a:pt x="637953" y="493823"/>
-                  <a:pt x="644825" y="498891"/>
-                  <a:pt x="652130" y="503274"/>
-                </a:cubicBezTo>
-                <a:cubicBezTo>
-                  <a:pt x="663944" y="510362"/>
-                  <a:pt x="675249" y="518377"/>
-                  <a:pt x="687572" y="524539"/>
-                </a:cubicBezTo>
-                <a:cubicBezTo>
-                  <a:pt x="694255" y="527881"/>
-                  <a:pt x="702305" y="527999"/>
-                  <a:pt x="708837" y="531628"/>
-                </a:cubicBezTo>
-                <a:cubicBezTo>
-                  <a:pt x="723731" y="539903"/>
-                  <a:pt x="736128" y="552361"/>
-                  <a:pt x="751367" y="559981"/>
-                </a:cubicBezTo>
-                <a:cubicBezTo>
-                  <a:pt x="764733" y="566664"/>
-                  <a:pt x="779720" y="569432"/>
-                  <a:pt x="793897" y="574158"/>
-                </a:cubicBezTo>
-                <a:lnTo>
-                  <a:pt x="815162" y="581246"/>
-                </a:lnTo>
-                <a:cubicBezTo>
-                  <a:pt x="822250" y="585972"/>
-                  <a:pt x="831105" y="588771"/>
-                  <a:pt x="836427" y="595423"/>
-                </a:cubicBezTo>
-                <a:cubicBezTo>
-                  <a:pt x="842195" y="602633"/>
-                  <a:pt x="850325" y="650454"/>
-                  <a:pt x="850604" y="652130"/>
-                </a:cubicBezTo>
-                <a:cubicBezTo>
-                  <a:pt x="854949" y="678200"/>
-                  <a:pt x="857624" y="710947"/>
-                  <a:pt x="864781" y="737190"/>
-                </a:cubicBezTo>
-                <a:cubicBezTo>
-                  <a:pt x="868713" y="751607"/>
-                  <a:pt x="874232" y="765544"/>
-                  <a:pt x="878958" y="779721"/>
-                </a:cubicBezTo>
-                <a:cubicBezTo>
-                  <a:pt x="881321" y="786809"/>
-                  <a:pt x="881901" y="794769"/>
-                  <a:pt x="886046" y="800986"/>
-                </a:cubicBezTo>
-                <a:cubicBezTo>
-                  <a:pt x="935072" y="874523"/>
-                  <a:pt x="860459" y="760702"/>
-                  <a:pt x="914400" y="850604"/>
-                </a:cubicBezTo>
-                <a:cubicBezTo>
-                  <a:pt x="923166" y="865214"/>
-                  <a:pt x="933302" y="878958"/>
-                  <a:pt x="942753" y="893135"/>
-                </a:cubicBezTo>
-                <a:cubicBezTo>
-                  <a:pt x="947479" y="900223"/>
-                  <a:pt x="953120" y="906780"/>
-                  <a:pt x="956930" y="914400"/>
-                </a:cubicBezTo>
-                <a:cubicBezTo>
-                  <a:pt x="961656" y="923851"/>
-                  <a:pt x="965671" y="933692"/>
-                  <a:pt x="971107" y="942753"/>
-                </a:cubicBezTo>
-                <a:cubicBezTo>
-                  <a:pt x="979873" y="957363"/>
-                  <a:pt x="999460" y="985283"/>
-                  <a:pt x="999460" y="985283"/>
-                </a:cubicBezTo>
-                <a:lnTo>
-                  <a:pt x="1013637" y="1027814"/>
-                </a:lnTo>
-                <a:cubicBezTo>
-                  <a:pt x="1016000" y="1034902"/>
-                  <a:pt x="1013253" y="1049079"/>
-                  <a:pt x="1020725" y="1049079"/>
-                </a:cubicBezTo>
-                <a:lnTo>
-                  <a:pt x="1034902" y="1049079"/>
-                </a:lnTo>
-              </a:path>
-            </a:pathLst>
-          </a:custGeom>
-          <a:noFill/>
-          <a:ln>
-            <a:solidFill>
-              <a:srgbClr val="00B0F0"/>
-            </a:solidFill>
-          </a:ln>
-        </p:spPr>
-        <p:style>
-          <a:lnRef idx="2">
-            <a:schemeClr val="accent1">
-              <a:shade val="15000"/>
-            </a:schemeClr>
-          </a:lnRef>
-          <a:fillRef idx="1">
-            <a:schemeClr val="accent1"/>
-          </a:fillRef>
-          <a:effectRef idx="0">
-            <a:schemeClr val="accent1"/>
-          </a:effectRef>
-          <a:fontRef idx="minor">
-            <a:schemeClr val="lt1"/>
-          </a:fontRef>
-        </p:style>
-        <p:txBody>
-          <a:bodyPr rtlCol="0" anchor="ctr"/>
-          <a:lstStyle/>
-          <a:p>
-            <a:pPr algn="ctr"/>
-            <a:endParaRPr lang="da-DK"/>
-          </a:p>
-        </p:txBody>
-      </p:sp>
       <p:cxnSp>
         <p:nvCxnSpPr>
           <p:cNvPr id="30" name="Straight Arrow Connector 29">
@@ -5062,8 +4124,8 @@
         </p:nvCxnSpPr>
         <p:spPr>
           <a:xfrm>
-            <a:off x="917946" y="2346251"/>
-            <a:ext cx="1506276" cy="0"/>
+            <a:off x="1046980" y="296987"/>
+            <a:ext cx="979200" cy="0"/>
           </a:xfrm>
           <a:prstGeom prst="straightConnector1">
             <a:avLst/>
@@ -5091,47 +4153,138 @@
           </a:fontRef>
         </p:style>
       </p:cxnSp>
-      <p:sp>
-        <p:nvSpPr>
-          <p:cNvPr id="32" name="TextBox 31">
-            <a:extLst>
-              <a:ext uri="{FF2B5EF4-FFF2-40B4-BE49-F238E27FC236}">
-                <a16:creationId xmlns:a16="http://schemas.microsoft.com/office/drawing/2014/main" id="{0CC69E6D-10AF-74C8-13B1-13C81825D54E}"/>
-              </a:ext>
-            </a:extLst>
-          </p:cNvPr>
-          <p:cNvSpPr txBox="1"/>
-          <p:nvPr/>
-        </p:nvSpPr>
-        <p:spPr>
-          <a:xfrm>
-            <a:off x="1306094" y="2487136"/>
-            <a:ext cx="1024143" cy="261610"/>
-          </a:xfrm>
-          <a:prstGeom prst="rect">
-            <a:avLst/>
-          </a:prstGeom>
-          <a:noFill/>
-        </p:spPr>
-        <p:txBody>
-          <a:bodyPr wrap="square" rtlCol="0">
-            <a:spAutoFit/>
-          </a:bodyPr>
-          <a:lstStyle/>
-          <a:p>
-            <a:r>
-              <a:rPr lang="da-DK" sz="1100" dirty="0">
-                <a:solidFill>
-                  <a:srgbClr val="FF0000"/>
-                </a:solidFill>
-                <a:latin typeface="Times New Roman" panose="02020603050405020304" pitchFamily="18" charset="0"/>
-                <a:cs typeface="Times New Roman" panose="02020603050405020304" pitchFamily="18" charset="0"/>
-              </a:rPr>
-              <a:t>Overpotential</a:t>
-            </a:r>
-          </a:p>
-        </p:txBody>
-      </p:sp>
+      <mc:AlternateContent xmlns:mc="http://schemas.openxmlformats.org/markup-compatibility/2006">
+        <mc:Choice xmlns:a14="http://schemas.microsoft.com/office/drawing/2010/main" Requires="a14">
+          <p:sp>
+            <p:nvSpPr>
+              <p:cNvPr id="32" name="TextBox 31">
+                <a:extLst>
+                  <a:ext uri="{FF2B5EF4-FFF2-40B4-BE49-F238E27FC236}">
+                    <a16:creationId xmlns:a16="http://schemas.microsoft.com/office/drawing/2014/main" id="{0CC69E6D-10AF-74C8-13B1-13C81825D54E}"/>
+                  </a:ext>
+                </a:extLst>
+              </p:cNvPr>
+              <p:cNvSpPr txBox="1"/>
+              <p:nvPr/>
+            </p:nvSpPr>
+            <p:spPr>
+              <a:xfrm>
+                <a:off x="1193528" y="293174"/>
+                <a:ext cx="658986" cy="246221"/>
+              </a:xfrm>
+              <a:prstGeom prst="rect">
+                <a:avLst/>
+              </a:prstGeom>
+              <a:noFill/>
+            </p:spPr>
+            <p:txBody>
+              <a:bodyPr wrap="square" rtlCol="0">
+                <a:spAutoFit/>
+              </a:bodyPr>
+              <a:lstStyle/>
+              <a:p>
+                <a14:m>
+                  <m:oMathPara xmlns:m="http://schemas.openxmlformats.org/officeDocument/2006/math">
+                    <m:oMathParaPr>
+                      <m:jc m:val="centerGroup"/>
+                    </m:oMathParaPr>
+                    <m:oMath xmlns:m="http://schemas.openxmlformats.org/officeDocument/2006/math">
+                      <m:sSub>
+                        <m:sSubPr>
+                          <m:ctrlPr>
+                            <a:rPr lang="da-DK" sz="1000" b="1" i="1">
+                              <a:solidFill>
+                                <a:srgbClr val="FF0000"/>
+                              </a:solidFill>
+                              <a:latin typeface="Cambria Math" panose="02040503050406030204" pitchFamily="18" charset="0"/>
+                              <a:cs typeface="Times New Roman" panose="02020603050405020304" pitchFamily="18" charset="0"/>
+                            </a:rPr>
+                          </m:ctrlPr>
+                        </m:sSubPr>
+                        <m:e>
+                          <m:r>
+                            <a:rPr lang="da-DK" sz="1000" b="1" i="1">
+                              <a:solidFill>
+                                <a:srgbClr val="FF0000"/>
+                              </a:solidFill>
+                              <a:latin typeface="Cambria Math" panose="02040503050406030204" pitchFamily="18" charset="0"/>
+                              <a:cs typeface="Times New Roman" panose="02020603050405020304" pitchFamily="18" charset="0"/>
+                            </a:rPr>
+                            <m:t>𝑼</m:t>
+                          </m:r>
+                        </m:e>
+                        <m:sub>
+                          <m:r>
+                            <a:rPr lang="da-DK" sz="1000" b="1" i="1">
+                              <a:solidFill>
+                                <a:srgbClr val="FF0000"/>
+                              </a:solidFill>
+                              <a:latin typeface="Cambria Math" panose="02040503050406030204" pitchFamily="18" charset="0"/>
+                              <a:cs typeface="Times New Roman" panose="02020603050405020304" pitchFamily="18" charset="0"/>
+                            </a:rPr>
+                            <m:t>𝑶𝑷</m:t>
+                          </m:r>
+                        </m:sub>
+                      </m:sSub>
+                    </m:oMath>
+                  </m:oMathPara>
+                </a14:m>
+                <a:endParaRPr lang="da-DK" sz="1000" b="1" dirty="0">
+                  <a:solidFill>
+                    <a:srgbClr val="FF0000"/>
+                  </a:solidFill>
+                  <a:latin typeface="Times New Roman" panose="02020603050405020304" pitchFamily="18" charset="0"/>
+                  <a:cs typeface="Times New Roman" panose="02020603050405020304" pitchFamily="18" charset="0"/>
+                </a:endParaRPr>
+              </a:p>
+            </p:txBody>
+          </p:sp>
+        </mc:Choice>
+        <mc:Fallback>
+          <p:sp>
+            <p:nvSpPr>
+              <p:cNvPr id="32" name="TextBox 31">
+                <a:extLst>
+                  <a:ext uri="{FF2B5EF4-FFF2-40B4-BE49-F238E27FC236}">
+                    <a16:creationId xmlns:a16="http://schemas.microsoft.com/office/drawing/2014/main" id="{0CC69E6D-10AF-74C8-13B1-13C81825D54E}"/>
+                  </a:ext>
+                </a:extLst>
+              </p:cNvPr>
+              <p:cNvSpPr txBox="1">
+                <a:spLocks noRot="1" noChangeAspect="1" noMove="1" noResize="1" noEditPoints="1" noAdjustHandles="1" noChangeArrowheads="1" noChangeShapeType="1" noTextEdit="1"/>
+              </p:cNvSpPr>
+              <p:nvPr/>
+            </p:nvSpPr>
+            <p:spPr>
+              <a:xfrm>
+                <a:off x="1193528" y="293174"/>
+                <a:ext cx="658986" cy="246221"/>
+              </a:xfrm>
+              <a:prstGeom prst="rect">
+                <a:avLst/>
+              </a:prstGeom>
+              <a:blipFill>
+                <a:blip r:embed="rId6"/>
+                <a:stretch>
+                  <a:fillRect/>
+                </a:stretch>
+              </a:blipFill>
+            </p:spPr>
+            <p:txBody>
+              <a:bodyPr/>
+              <a:lstStyle/>
+              <a:p>
+                <a:r>
+                  <a:rPr lang="da-DK">
+                    <a:noFill/>
+                  </a:rPr>
+                  <a:t> </a:t>
+                </a:r>
+              </a:p>
+            </p:txBody>
+          </p:sp>
+        </mc:Fallback>
+      </mc:AlternateContent>
       <mc:AlternateContent xmlns:mc="http://schemas.openxmlformats.org/markup-compatibility/2006">
         <mc:Choice xmlns:a14="http://schemas.microsoft.com/office/drawing/2010/main" Requires="a14">
           <p:sp>
@@ -5148,8 +4301,8 @@
             </p:nvSpPr>
             <p:spPr>
               <a:xfrm>
-                <a:off x="2585891" y="2478505"/>
-                <a:ext cx="1024143" cy="430887"/>
+                <a:off x="2671411" y="293175"/>
+                <a:ext cx="376723" cy="246221"/>
               </a:xfrm>
               <a:prstGeom prst="rect">
                 <a:avLst/>
@@ -5162,87 +4315,59 @@
               </a:bodyPr>
               <a:lstStyle/>
               <a:p>
-                <a:r>
-                  <a:rPr lang="da-DK" sz="1100" dirty="0">
-                    <a:solidFill>
-                      <a:srgbClr val="00B050"/>
-                    </a:solidFill>
-                    <a:latin typeface="Times New Roman" panose="02020603050405020304" pitchFamily="18" charset="0"/>
-                    <a:cs typeface="Times New Roman" panose="02020603050405020304" pitchFamily="18" charset="0"/>
-                  </a:rPr>
-                  <a:t>Open-</a:t>
-                </a:r>
-                <a:r>
-                  <a:rPr lang="da-DK" sz="1100" dirty="0" err="1">
-                    <a:solidFill>
-                      <a:srgbClr val="00B050"/>
-                    </a:solidFill>
-                    <a:latin typeface="Times New Roman" panose="02020603050405020304" pitchFamily="18" charset="0"/>
-                    <a:cs typeface="Times New Roman" panose="02020603050405020304" pitchFamily="18" charset="0"/>
-                  </a:rPr>
-                  <a:t>circuit</a:t>
-                </a:r>
-                <a:r>
-                  <a:rPr lang="da-DK" sz="1100" dirty="0">
-                    <a:solidFill>
-                      <a:srgbClr val="00B050"/>
-                    </a:solidFill>
-                    <a:latin typeface="Times New Roman" panose="02020603050405020304" pitchFamily="18" charset="0"/>
-                    <a:cs typeface="Times New Roman" panose="02020603050405020304" pitchFamily="18" charset="0"/>
-                  </a:rPr>
-                  <a:t> voltage (</a:t>
-                </a:r>
                 <a14:m>
-                  <m:oMath xmlns:m="http://schemas.openxmlformats.org/officeDocument/2006/math">
-                    <m:sSub>
-                      <m:sSubPr>
-                        <m:ctrlPr>
-                          <a:rPr lang="da-DK" sz="1100" b="1" i="1" smtClean="0">
-                            <a:solidFill>
-                              <a:srgbClr val="00B050"/>
-                            </a:solidFill>
-                            <a:latin typeface="Cambria Math" panose="02040503050406030204" pitchFamily="18" charset="0"/>
-                            <a:cs typeface="Times New Roman" panose="02020603050405020304" pitchFamily="18" charset="0"/>
-                          </a:rPr>
-                        </m:ctrlPr>
-                      </m:sSubPr>
-                      <m:e>
-                        <m:r>
-                          <a:rPr lang="da-DK" sz="1100" b="1" i="1" smtClean="0">
-                            <a:solidFill>
-                              <a:srgbClr val="00B050"/>
-                            </a:solidFill>
-                            <a:latin typeface="Cambria Math" panose="02040503050406030204" pitchFamily="18" charset="0"/>
-                            <a:cs typeface="Times New Roman" panose="02020603050405020304" pitchFamily="18" charset="0"/>
-                          </a:rPr>
-                          <m:t>𝑼</m:t>
-                        </m:r>
-                      </m:e>
-                      <m:sub>
-                        <m:r>
-                          <a:rPr lang="da-DK" sz="1100" b="1" i="1" smtClean="0">
-                            <a:solidFill>
-                              <a:srgbClr val="00B050"/>
-                            </a:solidFill>
-                            <a:latin typeface="Cambria Math" panose="02040503050406030204" pitchFamily="18" charset="0"/>
-                            <a:cs typeface="Times New Roman" panose="02020603050405020304" pitchFamily="18" charset="0"/>
-                          </a:rPr>
-                          <m:t>𝑶𝑪</m:t>
-                        </m:r>
-                      </m:sub>
-                    </m:sSub>
-                  </m:oMath>
+                  <m:oMathPara xmlns:m="http://schemas.openxmlformats.org/officeDocument/2006/math">
+                    <m:oMathParaPr>
+                      <m:jc m:val="centerGroup"/>
+                    </m:oMathParaPr>
+                    <m:oMath xmlns:m="http://schemas.openxmlformats.org/officeDocument/2006/math">
+                      <m:sSub>
+                        <m:sSubPr>
+                          <m:ctrlPr>
+                            <a:rPr lang="da-DK" sz="1000" b="1" i="1">
+                              <a:solidFill>
+                                <a:srgbClr val="00B050"/>
+                              </a:solidFill>
+                              <a:latin typeface="Cambria Math" panose="02040503050406030204" pitchFamily="18" charset="0"/>
+                              <a:cs typeface="Times New Roman" panose="02020603050405020304" pitchFamily="18" charset="0"/>
+                            </a:rPr>
+                          </m:ctrlPr>
+                        </m:sSubPr>
+                        <m:e>
+                          <m:r>
+                            <a:rPr lang="da-DK" sz="1000" b="1" i="1">
+                              <a:solidFill>
+                                <a:srgbClr val="00B050"/>
+                              </a:solidFill>
+                              <a:latin typeface="Cambria Math" panose="02040503050406030204" pitchFamily="18" charset="0"/>
+                              <a:cs typeface="Times New Roman" panose="02020603050405020304" pitchFamily="18" charset="0"/>
+                            </a:rPr>
+                            <m:t>𝑼</m:t>
+                          </m:r>
+                        </m:e>
+                        <m:sub>
+                          <m:r>
+                            <a:rPr lang="da-DK" sz="1000" b="1" i="1">
+                              <a:solidFill>
+                                <a:srgbClr val="00B050"/>
+                              </a:solidFill>
+                              <a:latin typeface="Cambria Math" panose="02040503050406030204" pitchFamily="18" charset="0"/>
+                              <a:cs typeface="Times New Roman" panose="02020603050405020304" pitchFamily="18" charset="0"/>
+                            </a:rPr>
+                            <m:t>𝑶𝑪</m:t>
+                          </m:r>
+                        </m:sub>
+                      </m:sSub>
+                    </m:oMath>
+                  </m:oMathPara>
                 </a14:m>
-                <a:r>
-                  <a:rPr lang="da-DK" sz="1100" dirty="0">
-                    <a:solidFill>
-                      <a:srgbClr val="00B050"/>
-                    </a:solidFill>
-                    <a:latin typeface="Times New Roman" panose="02020603050405020304" pitchFamily="18" charset="0"/>
-                    <a:cs typeface="Times New Roman" panose="02020603050405020304" pitchFamily="18" charset="0"/>
-                  </a:rPr>
-                  <a:t>)</a:t>
-                </a:r>
+                <a:endParaRPr lang="da-DK" sz="1000" dirty="0">
+                  <a:solidFill>
+                    <a:srgbClr val="00B050"/>
+                  </a:solidFill>
+                  <a:latin typeface="Times New Roman" panose="02020603050405020304" pitchFamily="18" charset="0"/>
+                  <a:cs typeface="Times New Roman" panose="02020603050405020304" pitchFamily="18" charset="0"/>
+                </a:endParaRPr>
               </a:p>
             </p:txBody>
           </p:sp>
@@ -5264,8 +4389,8 @@
             </p:nvSpPr>
             <p:spPr>
               <a:xfrm>
-                <a:off x="2585891" y="2478505"/>
-                <a:ext cx="1024143" cy="430887"/>
+                <a:off x="2671411" y="293175"/>
+                <a:ext cx="376723" cy="246221"/>
               </a:xfrm>
               <a:prstGeom prst="rect">
                 <a:avLst/>
@@ -5273,7 +4398,7 @@
               <a:blipFill>
                 <a:blip r:embed="rId7"/>
                 <a:stretch>
-                  <a:fillRect b="-11765"/>
+                  <a:fillRect/>
                 </a:stretch>
               </a:blipFill>
             </p:spPr>
@@ -5308,8 +4433,8 @@
             </p:nvSpPr>
             <p:spPr>
               <a:xfrm>
-                <a:off x="557814" y="3768350"/>
-                <a:ext cx="503919" cy="369332"/>
+                <a:off x="349153" y="1125554"/>
+                <a:ext cx="378950" cy="261610"/>
               </a:xfrm>
               <a:prstGeom prst="rect">
                 <a:avLst/>
@@ -5331,7 +4456,7 @@
                       <m:sSup>
                         <m:sSupPr>
                           <m:ctrlPr>
-                            <a:rPr lang="da-DK" b="0" i="1" smtClean="0">
+                            <a:rPr lang="da-DK" sz="1100" i="1">
                               <a:solidFill>
                                 <a:srgbClr val="00B0F0"/>
                               </a:solidFill>
@@ -5341,7 +4466,7 @@
                         </m:sSupPr>
                         <m:e>
                           <m:r>
-                            <a:rPr lang="da-DK" b="0" i="1" smtClean="0">
+                            <a:rPr lang="da-DK" sz="1100" i="1">
                               <a:solidFill>
                                 <a:srgbClr val="00B0F0"/>
                               </a:solidFill>
@@ -5352,7 +4477,7 @@
                         </m:e>
                         <m:sup>
                           <m:r>
-                            <a:rPr lang="da-DK" b="0" i="1" smtClean="0">
+                            <a:rPr lang="da-DK" sz="1100" i="1">
                               <a:solidFill>
                                 <a:srgbClr val="00B0F0"/>
                               </a:solidFill>
@@ -5365,7 +4490,7 @@
                     </m:oMath>
                   </m:oMathPara>
                 </a14:m>
-                <a:endParaRPr lang="da-DK" dirty="0"/>
+                <a:endParaRPr lang="da-DK" sz="1100" dirty="0"/>
               </a:p>
             </p:txBody>
           </p:sp>
@@ -5387,8 +4512,8 @@
             </p:nvSpPr>
             <p:spPr>
               <a:xfrm>
-                <a:off x="557814" y="3768350"/>
-                <a:ext cx="503919" cy="369332"/>
+                <a:off x="349153" y="1125554"/>
+                <a:ext cx="378950" cy="261610"/>
               </a:xfrm>
               <a:prstGeom prst="rect">
                 <a:avLst/>
@@ -5415,822 +4540,6 @@
           </p:sp>
         </mc:Fallback>
       </mc:AlternateContent>
-      <p:sp>
-        <p:nvSpPr>
-          <p:cNvPr id="36" name="Freeform 35">
-            <a:extLst>
-              <a:ext uri="{FF2B5EF4-FFF2-40B4-BE49-F238E27FC236}">
-                <a16:creationId xmlns:a16="http://schemas.microsoft.com/office/drawing/2014/main" id="{79FF2F8D-2DE1-8E52-411D-A302B363578D}"/>
-              </a:ext>
-            </a:extLst>
-          </p:cNvPr>
-          <p:cNvSpPr/>
-          <p:nvPr/>
-        </p:nvSpPr>
-        <p:spPr>
-          <a:xfrm>
-            <a:off x="1063259" y="3047162"/>
-            <a:ext cx="3430772" cy="1333452"/>
-          </a:xfrm>
-          <a:custGeom>
-            <a:avLst/>
-            <a:gdLst>
-              <a:gd name="connsiteX0" fmla="*/ 0 w 3430772"/>
-              <a:gd name="connsiteY0" fmla="*/ 1333452 h 1333452"/>
-              <a:gd name="connsiteX1" fmla="*/ 49619 w 3430772"/>
-              <a:gd name="connsiteY1" fmla="*/ 1312187 h 1333452"/>
-              <a:gd name="connsiteX2" fmla="*/ 70884 w 3430772"/>
-              <a:gd name="connsiteY2" fmla="*/ 1305098 h 1333452"/>
-              <a:gd name="connsiteX3" fmla="*/ 113414 w 3430772"/>
-              <a:gd name="connsiteY3" fmla="*/ 1269657 h 1333452"/>
-              <a:gd name="connsiteX4" fmla="*/ 141768 w 3430772"/>
-              <a:gd name="connsiteY4" fmla="*/ 1227126 h 1333452"/>
-              <a:gd name="connsiteX5" fmla="*/ 184298 w 3430772"/>
-              <a:gd name="connsiteY5" fmla="*/ 1198773 h 1333452"/>
-              <a:gd name="connsiteX6" fmla="*/ 219740 w 3430772"/>
-              <a:gd name="connsiteY6" fmla="*/ 1170419 h 1333452"/>
-              <a:gd name="connsiteX7" fmla="*/ 283535 w 3430772"/>
-              <a:gd name="connsiteY7" fmla="*/ 1134978 h 1333452"/>
-              <a:gd name="connsiteX8" fmla="*/ 304800 w 3430772"/>
-              <a:gd name="connsiteY8" fmla="*/ 1120801 h 1333452"/>
-              <a:gd name="connsiteX9" fmla="*/ 318977 w 3430772"/>
-              <a:gd name="connsiteY9" fmla="*/ 1099536 h 1333452"/>
-              <a:gd name="connsiteX10" fmla="*/ 361507 w 3430772"/>
-              <a:gd name="connsiteY10" fmla="*/ 1071182 h 1333452"/>
-              <a:gd name="connsiteX11" fmla="*/ 411126 w 3430772"/>
-              <a:gd name="connsiteY11" fmla="*/ 1035740 h 1333452"/>
-              <a:gd name="connsiteX12" fmla="*/ 425302 w 3430772"/>
-              <a:gd name="connsiteY12" fmla="*/ 1014475 h 1333452"/>
-              <a:gd name="connsiteX13" fmla="*/ 446568 w 3430772"/>
-              <a:gd name="connsiteY13" fmla="*/ 1000298 h 1333452"/>
-              <a:gd name="connsiteX14" fmla="*/ 474921 w 3430772"/>
-              <a:gd name="connsiteY14" fmla="*/ 964857 h 1333452"/>
-              <a:gd name="connsiteX15" fmla="*/ 489098 w 3430772"/>
-              <a:gd name="connsiteY15" fmla="*/ 943591 h 1333452"/>
-              <a:gd name="connsiteX16" fmla="*/ 531628 w 3430772"/>
-              <a:gd name="connsiteY16" fmla="*/ 915238 h 1333452"/>
-              <a:gd name="connsiteX17" fmla="*/ 552893 w 3430772"/>
-              <a:gd name="connsiteY17" fmla="*/ 901061 h 1333452"/>
-              <a:gd name="connsiteX18" fmla="*/ 588335 w 3430772"/>
-              <a:gd name="connsiteY18" fmla="*/ 886885 h 1333452"/>
-              <a:gd name="connsiteX19" fmla="*/ 609600 w 3430772"/>
-              <a:gd name="connsiteY19" fmla="*/ 872708 h 1333452"/>
-              <a:gd name="connsiteX20" fmla="*/ 673396 w 3430772"/>
-              <a:gd name="connsiteY20" fmla="*/ 851443 h 1333452"/>
-              <a:gd name="connsiteX21" fmla="*/ 737191 w 3430772"/>
-              <a:gd name="connsiteY21" fmla="*/ 830178 h 1333452"/>
-              <a:gd name="connsiteX22" fmla="*/ 758456 w 3430772"/>
-              <a:gd name="connsiteY22" fmla="*/ 823089 h 1333452"/>
-              <a:gd name="connsiteX23" fmla="*/ 779721 w 3430772"/>
-              <a:gd name="connsiteY23" fmla="*/ 816001 h 1333452"/>
-              <a:gd name="connsiteX24" fmla="*/ 800986 w 3430772"/>
-              <a:gd name="connsiteY24" fmla="*/ 801824 h 1333452"/>
-              <a:gd name="connsiteX25" fmla="*/ 843516 w 3430772"/>
-              <a:gd name="connsiteY25" fmla="*/ 787647 h 1333452"/>
-              <a:gd name="connsiteX26" fmla="*/ 886047 w 3430772"/>
-              <a:gd name="connsiteY26" fmla="*/ 766382 h 1333452"/>
-              <a:gd name="connsiteX27" fmla="*/ 907312 w 3430772"/>
-              <a:gd name="connsiteY27" fmla="*/ 752205 h 1333452"/>
-              <a:gd name="connsiteX28" fmla="*/ 956930 w 3430772"/>
-              <a:gd name="connsiteY28" fmla="*/ 730940 h 1333452"/>
-              <a:gd name="connsiteX29" fmla="*/ 1020726 w 3430772"/>
-              <a:gd name="connsiteY29" fmla="*/ 688410 h 1333452"/>
-              <a:gd name="connsiteX30" fmla="*/ 1041991 w 3430772"/>
-              <a:gd name="connsiteY30" fmla="*/ 674233 h 1333452"/>
-              <a:gd name="connsiteX31" fmla="*/ 1063256 w 3430772"/>
-              <a:gd name="connsiteY31" fmla="*/ 660057 h 1333452"/>
-              <a:gd name="connsiteX32" fmla="*/ 1084521 w 3430772"/>
-              <a:gd name="connsiteY32" fmla="*/ 638791 h 1333452"/>
-              <a:gd name="connsiteX33" fmla="*/ 1127051 w 3430772"/>
-              <a:gd name="connsiteY33" fmla="*/ 610438 h 1333452"/>
-              <a:gd name="connsiteX34" fmla="*/ 1148316 w 3430772"/>
-              <a:gd name="connsiteY34" fmla="*/ 596261 h 1333452"/>
-              <a:gd name="connsiteX35" fmla="*/ 1205023 w 3430772"/>
-              <a:gd name="connsiteY35" fmla="*/ 546643 h 1333452"/>
-              <a:gd name="connsiteX36" fmla="*/ 1226289 w 3430772"/>
-              <a:gd name="connsiteY36" fmla="*/ 532466 h 1333452"/>
-              <a:gd name="connsiteX37" fmla="*/ 1240465 w 3430772"/>
-              <a:gd name="connsiteY37" fmla="*/ 511201 h 1333452"/>
-              <a:gd name="connsiteX38" fmla="*/ 1261730 w 3430772"/>
-              <a:gd name="connsiteY38" fmla="*/ 504112 h 1333452"/>
-              <a:gd name="connsiteX39" fmla="*/ 1304261 w 3430772"/>
-              <a:gd name="connsiteY39" fmla="*/ 475759 h 1333452"/>
-              <a:gd name="connsiteX40" fmla="*/ 1346791 w 3430772"/>
-              <a:gd name="connsiteY40" fmla="*/ 447405 h 1333452"/>
-              <a:gd name="connsiteX41" fmla="*/ 1368056 w 3430772"/>
-              <a:gd name="connsiteY41" fmla="*/ 433229 h 1333452"/>
-              <a:gd name="connsiteX42" fmla="*/ 1389321 w 3430772"/>
-              <a:gd name="connsiteY42" fmla="*/ 426140 h 1333452"/>
-              <a:gd name="connsiteX43" fmla="*/ 1410586 w 3430772"/>
-              <a:gd name="connsiteY43" fmla="*/ 411964 h 1333452"/>
-              <a:gd name="connsiteX44" fmla="*/ 1453116 w 3430772"/>
-              <a:gd name="connsiteY44" fmla="*/ 390698 h 1333452"/>
-              <a:gd name="connsiteX45" fmla="*/ 1495647 w 3430772"/>
-              <a:gd name="connsiteY45" fmla="*/ 376522 h 1333452"/>
-              <a:gd name="connsiteX46" fmla="*/ 1538177 w 3430772"/>
-              <a:gd name="connsiteY46" fmla="*/ 362345 h 1333452"/>
-              <a:gd name="connsiteX47" fmla="*/ 1601972 w 3430772"/>
-              <a:gd name="connsiteY47" fmla="*/ 341080 h 1333452"/>
-              <a:gd name="connsiteX48" fmla="*/ 1623237 w 3430772"/>
-              <a:gd name="connsiteY48" fmla="*/ 333991 h 1333452"/>
-              <a:gd name="connsiteX49" fmla="*/ 1644502 w 3430772"/>
-              <a:gd name="connsiteY49" fmla="*/ 319815 h 1333452"/>
-              <a:gd name="connsiteX50" fmla="*/ 1687033 w 3430772"/>
-              <a:gd name="connsiteY50" fmla="*/ 305638 h 1333452"/>
-              <a:gd name="connsiteX51" fmla="*/ 1729563 w 3430772"/>
-              <a:gd name="connsiteY51" fmla="*/ 284373 h 1333452"/>
-              <a:gd name="connsiteX52" fmla="*/ 1750828 w 3430772"/>
-              <a:gd name="connsiteY52" fmla="*/ 270196 h 1333452"/>
-              <a:gd name="connsiteX53" fmla="*/ 1814623 w 3430772"/>
-              <a:gd name="connsiteY53" fmla="*/ 248931 h 1333452"/>
-              <a:gd name="connsiteX54" fmla="*/ 1878419 w 3430772"/>
-              <a:gd name="connsiteY54" fmla="*/ 227666 h 1333452"/>
-              <a:gd name="connsiteX55" fmla="*/ 1928037 w 3430772"/>
-              <a:gd name="connsiteY55" fmla="*/ 213489 h 1333452"/>
-              <a:gd name="connsiteX56" fmla="*/ 1970568 w 3430772"/>
-              <a:gd name="connsiteY56" fmla="*/ 206401 h 1333452"/>
-              <a:gd name="connsiteX57" fmla="*/ 2091070 w 3430772"/>
-              <a:gd name="connsiteY57" fmla="*/ 192224 h 1333452"/>
-              <a:gd name="connsiteX58" fmla="*/ 2133600 w 3430772"/>
-              <a:gd name="connsiteY58" fmla="*/ 192224 h 1333452"/>
-              <a:gd name="connsiteX59" fmla="*/ 2197396 w 3430772"/>
-              <a:gd name="connsiteY59" fmla="*/ 185136 h 1333452"/>
-              <a:gd name="connsiteX60" fmla="*/ 2232837 w 3430772"/>
-              <a:gd name="connsiteY60" fmla="*/ 178047 h 1333452"/>
-              <a:gd name="connsiteX61" fmla="*/ 2275368 w 3430772"/>
-              <a:gd name="connsiteY61" fmla="*/ 170959 h 1333452"/>
-              <a:gd name="connsiteX62" fmla="*/ 2431312 w 3430772"/>
-              <a:gd name="connsiteY62" fmla="*/ 149694 h 1333452"/>
-              <a:gd name="connsiteX63" fmla="*/ 2509284 w 3430772"/>
-              <a:gd name="connsiteY63" fmla="*/ 135517 h 1333452"/>
-              <a:gd name="connsiteX64" fmla="*/ 2551814 w 3430772"/>
-              <a:gd name="connsiteY64" fmla="*/ 128429 h 1333452"/>
-              <a:gd name="connsiteX65" fmla="*/ 2587256 w 3430772"/>
-              <a:gd name="connsiteY65" fmla="*/ 121340 h 1333452"/>
-              <a:gd name="connsiteX66" fmla="*/ 2643963 w 3430772"/>
-              <a:gd name="connsiteY66" fmla="*/ 107164 h 1333452"/>
-              <a:gd name="connsiteX67" fmla="*/ 2821172 w 3430772"/>
-              <a:gd name="connsiteY67" fmla="*/ 92987 h 1333452"/>
-              <a:gd name="connsiteX68" fmla="*/ 2934586 w 3430772"/>
-              <a:gd name="connsiteY68" fmla="*/ 71722 h 1333452"/>
-              <a:gd name="connsiteX69" fmla="*/ 2970028 w 3430772"/>
-              <a:gd name="connsiteY69" fmla="*/ 64633 h 1333452"/>
-              <a:gd name="connsiteX70" fmla="*/ 3019647 w 3430772"/>
-              <a:gd name="connsiteY70" fmla="*/ 57545 h 1333452"/>
-              <a:gd name="connsiteX71" fmla="*/ 3076354 w 3430772"/>
-              <a:gd name="connsiteY71" fmla="*/ 43368 h 1333452"/>
-              <a:gd name="connsiteX72" fmla="*/ 3133061 w 3430772"/>
-              <a:gd name="connsiteY72" fmla="*/ 36280 h 1333452"/>
-              <a:gd name="connsiteX73" fmla="*/ 3175591 w 3430772"/>
-              <a:gd name="connsiteY73" fmla="*/ 29191 h 1333452"/>
-              <a:gd name="connsiteX74" fmla="*/ 3274828 w 3430772"/>
-              <a:gd name="connsiteY74" fmla="*/ 22103 h 1333452"/>
-              <a:gd name="connsiteX75" fmla="*/ 3324447 w 3430772"/>
-              <a:gd name="connsiteY75" fmla="*/ 7926 h 1333452"/>
-              <a:gd name="connsiteX76" fmla="*/ 3345712 w 3430772"/>
-              <a:gd name="connsiteY76" fmla="*/ 838 h 1333452"/>
-              <a:gd name="connsiteX77" fmla="*/ 3430772 w 3430772"/>
-              <a:gd name="connsiteY77" fmla="*/ 838 h 1333452"/>
-            </a:gdLst>
-            <a:ahLst/>
-            <a:cxnLst>
-              <a:cxn ang="0">
-                <a:pos x="connsiteX0" y="connsiteY0"/>
-              </a:cxn>
-              <a:cxn ang="0">
-                <a:pos x="connsiteX1" y="connsiteY1"/>
-              </a:cxn>
-              <a:cxn ang="0">
-                <a:pos x="connsiteX2" y="connsiteY2"/>
-              </a:cxn>
-              <a:cxn ang="0">
-                <a:pos x="connsiteX3" y="connsiteY3"/>
-              </a:cxn>
-              <a:cxn ang="0">
-                <a:pos x="connsiteX4" y="connsiteY4"/>
-              </a:cxn>
-              <a:cxn ang="0">
-                <a:pos x="connsiteX5" y="connsiteY5"/>
-              </a:cxn>
-              <a:cxn ang="0">
-                <a:pos x="connsiteX6" y="connsiteY6"/>
-              </a:cxn>
-              <a:cxn ang="0">
-                <a:pos x="connsiteX7" y="connsiteY7"/>
-              </a:cxn>
-              <a:cxn ang="0">
-                <a:pos x="connsiteX8" y="connsiteY8"/>
-              </a:cxn>
-              <a:cxn ang="0">
-                <a:pos x="connsiteX9" y="connsiteY9"/>
-              </a:cxn>
-              <a:cxn ang="0">
-                <a:pos x="connsiteX10" y="connsiteY10"/>
-              </a:cxn>
-              <a:cxn ang="0">
-                <a:pos x="connsiteX11" y="connsiteY11"/>
-              </a:cxn>
-              <a:cxn ang="0">
-                <a:pos x="connsiteX12" y="connsiteY12"/>
-              </a:cxn>
-              <a:cxn ang="0">
-                <a:pos x="connsiteX13" y="connsiteY13"/>
-              </a:cxn>
-              <a:cxn ang="0">
-                <a:pos x="connsiteX14" y="connsiteY14"/>
-              </a:cxn>
-              <a:cxn ang="0">
-                <a:pos x="connsiteX15" y="connsiteY15"/>
-              </a:cxn>
-              <a:cxn ang="0">
-                <a:pos x="connsiteX16" y="connsiteY16"/>
-              </a:cxn>
-              <a:cxn ang="0">
-                <a:pos x="connsiteX17" y="connsiteY17"/>
-              </a:cxn>
-              <a:cxn ang="0">
-                <a:pos x="connsiteX18" y="connsiteY18"/>
-              </a:cxn>
-              <a:cxn ang="0">
-                <a:pos x="connsiteX19" y="connsiteY19"/>
-              </a:cxn>
-              <a:cxn ang="0">
-                <a:pos x="connsiteX20" y="connsiteY20"/>
-              </a:cxn>
-              <a:cxn ang="0">
-                <a:pos x="connsiteX21" y="connsiteY21"/>
-              </a:cxn>
-              <a:cxn ang="0">
-                <a:pos x="connsiteX22" y="connsiteY22"/>
-              </a:cxn>
-              <a:cxn ang="0">
-                <a:pos x="connsiteX23" y="connsiteY23"/>
-              </a:cxn>
-              <a:cxn ang="0">
-                <a:pos x="connsiteX24" y="connsiteY24"/>
-              </a:cxn>
-              <a:cxn ang="0">
-                <a:pos x="connsiteX25" y="connsiteY25"/>
-              </a:cxn>
-              <a:cxn ang="0">
-                <a:pos x="connsiteX26" y="connsiteY26"/>
-              </a:cxn>
-              <a:cxn ang="0">
-                <a:pos x="connsiteX27" y="connsiteY27"/>
-              </a:cxn>
-              <a:cxn ang="0">
-                <a:pos x="connsiteX28" y="connsiteY28"/>
-              </a:cxn>
-              <a:cxn ang="0">
-                <a:pos x="connsiteX29" y="connsiteY29"/>
-              </a:cxn>
-              <a:cxn ang="0">
-                <a:pos x="connsiteX30" y="connsiteY30"/>
-              </a:cxn>
-              <a:cxn ang="0">
-                <a:pos x="connsiteX31" y="connsiteY31"/>
-              </a:cxn>
-              <a:cxn ang="0">
-                <a:pos x="connsiteX32" y="connsiteY32"/>
-              </a:cxn>
-              <a:cxn ang="0">
-                <a:pos x="connsiteX33" y="connsiteY33"/>
-              </a:cxn>
-              <a:cxn ang="0">
-                <a:pos x="connsiteX34" y="connsiteY34"/>
-              </a:cxn>
-              <a:cxn ang="0">
-                <a:pos x="connsiteX35" y="connsiteY35"/>
-              </a:cxn>
-              <a:cxn ang="0">
-                <a:pos x="connsiteX36" y="connsiteY36"/>
-              </a:cxn>
-              <a:cxn ang="0">
-                <a:pos x="connsiteX37" y="connsiteY37"/>
-              </a:cxn>
-              <a:cxn ang="0">
-                <a:pos x="connsiteX38" y="connsiteY38"/>
-              </a:cxn>
-              <a:cxn ang="0">
-                <a:pos x="connsiteX39" y="connsiteY39"/>
-              </a:cxn>
-              <a:cxn ang="0">
-                <a:pos x="connsiteX40" y="connsiteY40"/>
-              </a:cxn>
-              <a:cxn ang="0">
-                <a:pos x="connsiteX41" y="connsiteY41"/>
-              </a:cxn>
-              <a:cxn ang="0">
-                <a:pos x="connsiteX42" y="connsiteY42"/>
-              </a:cxn>
-              <a:cxn ang="0">
-                <a:pos x="connsiteX43" y="connsiteY43"/>
-              </a:cxn>
-              <a:cxn ang="0">
-                <a:pos x="connsiteX44" y="connsiteY44"/>
-              </a:cxn>
-              <a:cxn ang="0">
-                <a:pos x="connsiteX45" y="connsiteY45"/>
-              </a:cxn>
-              <a:cxn ang="0">
-                <a:pos x="connsiteX46" y="connsiteY46"/>
-              </a:cxn>
-              <a:cxn ang="0">
-                <a:pos x="connsiteX47" y="connsiteY47"/>
-              </a:cxn>
-              <a:cxn ang="0">
-                <a:pos x="connsiteX48" y="connsiteY48"/>
-              </a:cxn>
-              <a:cxn ang="0">
-                <a:pos x="connsiteX49" y="connsiteY49"/>
-              </a:cxn>
-              <a:cxn ang="0">
-                <a:pos x="connsiteX50" y="connsiteY50"/>
-              </a:cxn>
-              <a:cxn ang="0">
-                <a:pos x="connsiteX51" y="connsiteY51"/>
-              </a:cxn>
-              <a:cxn ang="0">
-                <a:pos x="connsiteX52" y="connsiteY52"/>
-              </a:cxn>
-              <a:cxn ang="0">
-                <a:pos x="connsiteX53" y="connsiteY53"/>
-              </a:cxn>
-              <a:cxn ang="0">
-                <a:pos x="connsiteX54" y="connsiteY54"/>
-              </a:cxn>
-              <a:cxn ang="0">
-                <a:pos x="connsiteX55" y="connsiteY55"/>
-              </a:cxn>
-              <a:cxn ang="0">
-                <a:pos x="connsiteX56" y="connsiteY56"/>
-              </a:cxn>
-              <a:cxn ang="0">
-                <a:pos x="connsiteX57" y="connsiteY57"/>
-              </a:cxn>
-              <a:cxn ang="0">
-                <a:pos x="connsiteX58" y="connsiteY58"/>
-              </a:cxn>
-              <a:cxn ang="0">
-                <a:pos x="connsiteX59" y="connsiteY59"/>
-              </a:cxn>
-              <a:cxn ang="0">
-                <a:pos x="connsiteX60" y="connsiteY60"/>
-              </a:cxn>
-              <a:cxn ang="0">
-                <a:pos x="connsiteX61" y="connsiteY61"/>
-              </a:cxn>
-              <a:cxn ang="0">
-                <a:pos x="connsiteX62" y="connsiteY62"/>
-              </a:cxn>
-              <a:cxn ang="0">
-                <a:pos x="connsiteX63" y="connsiteY63"/>
-              </a:cxn>
-              <a:cxn ang="0">
-                <a:pos x="connsiteX64" y="connsiteY64"/>
-              </a:cxn>
-              <a:cxn ang="0">
-                <a:pos x="connsiteX65" y="connsiteY65"/>
-              </a:cxn>
-              <a:cxn ang="0">
-                <a:pos x="connsiteX66" y="connsiteY66"/>
-              </a:cxn>
-              <a:cxn ang="0">
-                <a:pos x="connsiteX67" y="connsiteY67"/>
-              </a:cxn>
-              <a:cxn ang="0">
-                <a:pos x="connsiteX68" y="connsiteY68"/>
-              </a:cxn>
-              <a:cxn ang="0">
-                <a:pos x="connsiteX69" y="connsiteY69"/>
-              </a:cxn>
-              <a:cxn ang="0">
-                <a:pos x="connsiteX70" y="connsiteY70"/>
-              </a:cxn>
-              <a:cxn ang="0">
-                <a:pos x="connsiteX71" y="connsiteY71"/>
-              </a:cxn>
-              <a:cxn ang="0">
-                <a:pos x="connsiteX72" y="connsiteY72"/>
-              </a:cxn>
-              <a:cxn ang="0">
-                <a:pos x="connsiteX73" y="connsiteY73"/>
-              </a:cxn>
-              <a:cxn ang="0">
-                <a:pos x="connsiteX74" y="connsiteY74"/>
-              </a:cxn>
-              <a:cxn ang="0">
-                <a:pos x="connsiteX75" y="connsiteY75"/>
-              </a:cxn>
-              <a:cxn ang="0">
-                <a:pos x="connsiteX76" y="connsiteY76"/>
-              </a:cxn>
-              <a:cxn ang="0">
-                <a:pos x="connsiteX77" y="connsiteY77"/>
-              </a:cxn>
-            </a:cxnLst>
-            <a:rect l="l" t="t" r="r" b="b"/>
-            <a:pathLst>
-              <a:path w="3430772" h="1333452">
-                <a:moveTo>
-                  <a:pt x="0" y="1333452"/>
-                </a:moveTo>
-                <a:cubicBezTo>
-                  <a:pt x="16540" y="1326364"/>
-                  <a:pt x="32911" y="1318870"/>
-                  <a:pt x="49619" y="1312187"/>
-                </a:cubicBezTo>
-                <a:cubicBezTo>
-                  <a:pt x="56556" y="1309412"/>
-                  <a:pt x="64201" y="1308440"/>
-                  <a:pt x="70884" y="1305098"/>
-                </a:cubicBezTo>
-                <a:cubicBezTo>
-                  <a:pt x="85778" y="1297651"/>
-                  <a:pt x="103437" y="1282485"/>
-                  <a:pt x="113414" y="1269657"/>
-                </a:cubicBezTo>
-                <a:cubicBezTo>
-                  <a:pt x="123875" y="1256208"/>
-                  <a:pt x="127591" y="1236577"/>
-                  <a:pt x="141768" y="1227126"/>
-                </a:cubicBezTo>
-                <a:lnTo>
-                  <a:pt x="184298" y="1198773"/>
-                </a:lnTo>
-                <a:cubicBezTo>
-                  <a:pt x="210492" y="1159483"/>
-                  <a:pt x="183488" y="1190559"/>
-                  <a:pt x="219740" y="1170419"/>
-                </a:cubicBezTo>
-                <a:cubicBezTo>
-                  <a:pt x="292855" y="1129799"/>
-                  <a:pt x="235420" y="1151016"/>
-                  <a:pt x="283535" y="1134978"/>
-                </a:cubicBezTo>
-                <a:cubicBezTo>
-                  <a:pt x="290623" y="1130252"/>
-                  <a:pt x="298776" y="1126825"/>
-                  <a:pt x="304800" y="1120801"/>
-                </a:cubicBezTo>
-                <a:cubicBezTo>
-                  <a:pt x="310824" y="1114777"/>
-                  <a:pt x="312566" y="1105146"/>
-                  <a:pt x="318977" y="1099536"/>
-                </a:cubicBezTo>
-                <a:cubicBezTo>
-                  <a:pt x="331800" y="1088316"/>
-                  <a:pt x="347876" y="1081405"/>
-                  <a:pt x="361507" y="1071182"/>
-                </a:cubicBezTo>
-                <a:cubicBezTo>
-                  <a:pt x="396676" y="1044806"/>
-                  <a:pt x="380031" y="1056470"/>
-                  <a:pt x="411126" y="1035740"/>
-                </a:cubicBezTo>
-                <a:cubicBezTo>
-                  <a:pt x="415851" y="1028652"/>
-                  <a:pt x="419278" y="1020499"/>
-                  <a:pt x="425302" y="1014475"/>
-                </a:cubicBezTo>
-                <a:cubicBezTo>
-                  <a:pt x="431326" y="1008451"/>
-                  <a:pt x="441246" y="1006951"/>
-                  <a:pt x="446568" y="1000298"/>
-                </a:cubicBezTo>
-                <a:cubicBezTo>
-                  <a:pt x="485697" y="951387"/>
-                  <a:pt x="413978" y="1005484"/>
-                  <a:pt x="474921" y="964857"/>
-                </a:cubicBezTo>
-                <a:cubicBezTo>
-                  <a:pt x="479647" y="957768"/>
-                  <a:pt x="482686" y="949201"/>
-                  <a:pt x="489098" y="943591"/>
-                </a:cubicBezTo>
-                <a:cubicBezTo>
-                  <a:pt x="501920" y="932371"/>
-                  <a:pt x="517451" y="924689"/>
-                  <a:pt x="531628" y="915238"/>
-                </a:cubicBezTo>
-                <a:cubicBezTo>
-                  <a:pt x="538716" y="910512"/>
-                  <a:pt x="544983" y="904225"/>
-                  <a:pt x="552893" y="901061"/>
-                </a:cubicBezTo>
-                <a:cubicBezTo>
-                  <a:pt x="564707" y="896336"/>
-                  <a:pt x="576954" y="892575"/>
-                  <a:pt x="588335" y="886885"/>
-                </a:cubicBezTo>
-                <a:cubicBezTo>
-                  <a:pt x="595955" y="883075"/>
-                  <a:pt x="601815" y="876168"/>
-                  <a:pt x="609600" y="872708"/>
-                </a:cubicBezTo>
-                <a:cubicBezTo>
-                  <a:pt x="609623" y="872698"/>
-                  <a:pt x="662752" y="854991"/>
-                  <a:pt x="673396" y="851443"/>
-                </a:cubicBezTo>
-                <a:lnTo>
-                  <a:pt x="737191" y="830178"/>
-                </a:lnTo>
-                <a:lnTo>
-                  <a:pt x="758456" y="823089"/>
-                </a:lnTo>
-                <a:lnTo>
-                  <a:pt x="779721" y="816001"/>
-                </a:lnTo>
-                <a:cubicBezTo>
-                  <a:pt x="786809" y="811275"/>
-                  <a:pt x="793201" y="805284"/>
-                  <a:pt x="800986" y="801824"/>
-                </a:cubicBezTo>
-                <a:cubicBezTo>
-                  <a:pt x="814642" y="795755"/>
-                  <a:pt x="831082" y="795936"/>
-                  <a:pt x="843516" y="787647"/>
-                </a:cubicBezTo>
-                <a:cubicBezTo>
-                  <a:pt x="904476" y="747011"/>
-                  <a:pt x="827339" y="795737"/>
-                  <a:pt x="886047" y="766382"/>
-                </a:cubicBezTo>
-                <a:cubicBezTo>
-                  <a:pt x="893667" y="762572"/>
-                  <a:pt x="899692" y="756015"/>
-                  <a:pt x="907312" y="752205"/>
-                </a:cubicBezTo>
-                <a:cubicBezTo>
-                  <a:pt x="965989" y="722867"/>
-                  <a:pt x="883163" y="775200"/>
-                  <a:pt x="956930" y="730940"/>
-                </a:cubicBezTo>
-                <a:cubicBezTo>
-                  <a:pt x="956959" y="730923"/>
-                  <a:pt x="1010079" y="695508"/>
-                  <a:pt x="1020726" y="688410"/>
-                </a:cubicBezTo>
-                <a:lnTo>
-                  <a:pt x="1041991" y="674233"/>
-                </a:lnTo>
-                <a:cubicBezTo>
-                  <a:pt x="1049079" y="669508"/>
-                  <a:pt x="1057232" y="666081"/>
-                  <a:pt x="1063256" y="660057"/>
-                </a:cubicBezTo>
-                <a:cubicBezTo>
-                  <a:pt x="1070344" y="652968"/>
-                  <a:pt x="1076608" y="644946"/>
-                  <a:pt x="1084521" y="638791"/>
-                </a:cubicBezTo>
-                <a:cubicBezTo>
-                  <a:pt x="1097970" y="628330"/>
-                  <a:pt x="1112874" y="619889"/>
-                  <a:pt x="1127051" y="610438"/>
-                </a:cubicBezTo>
-                <a:lnTo>
-                  <a:pt x="1148316" y="596261"/>
-                </a:lnTo>
-                <a:cubicBezTo>
-                  <a:pt x="1171944" y="560820"/>
-                  <a:pt x="1155405" y="579721"/>
-                  <a:pt x="1205023" y="546643"/>
-                </a:cubicBezTo>
-                <a:lnTo>
-                  <a:pt x="1226289" y="532466"/>
-                </a:lnTo>
-                <a:cubicBezTo>
-                  <a:pt x="1231014" y="525378"/>
-                  <a:pt x="1233813" y="516523"/>
-                  <a:pt x="1240465" y="511201"/>
-                </a:cubicBezTo>
-                <a:cubicBezTo>
-                  <a:pt x="1246299" y="506533"/>
-                  <a:pt x="1255198" y="507741"/>
-                  <a:pt x="1261730" y="504112"/>
-                </a:cubicBezTo>
-                <a:cubicBezTo>
-                  <a:pt x="1276624" y="495837"/>
-                  <a:pt x="1290084" y="485210"/>
-                  <a:pt x="1304261" y="475759"/>
-                </a:cubicBezTo>
-                <a:lnTo>
-                  <a:pt x="1346791" y="447405"/>
-                </a:lnTo>
-                <a:cubicBezTo>
-                  <a:pt x="1353879" y="442680"/>
-                  <a:pt x="1359974" y="435923"/>
-                  <a:pt x="1368056" y="433229"/>
-                </a:cubicBezTo>
-                <a:cubicBezTo>
-                  <a:pt x="1375144" y="430866"/>
-                  <a:pt x="1382638" y="429482"/>
-                  <a:pt x="1389321" y="426140"/>
-                </a:cubicBezTo>
-                <a:cubicBezTo>
-                  <a:pt x="1396941" y="422330"/>
-                  <a:pt x="1403139" y="416101"/>
-                  <a:pt x="1410586" y="411964"/>
-                </a:cubicBezTo>
-                <a:cubicBezTo>
-                  <a:pt x="1424441" y="404266"/>
-                  <a:pt x="1438485" y="396794"/>
-                  <a:pt x="1453116" y="390698"/>
-                </a:cubicBezTo>
-                <a:cubicBezTo>
-                  <a:pt x="1466910" y="384950"/>
-                  <a:pt x="1481470" y="381248"/>
-                  <a:pt x="1495647" y="376522"/>
-                </a:cubicBezTo>
-                <a:lnTo>
-                  <a:pt x="1538177" y="362345"/>
-                </a:lnTo>
-                <a:lnTo>
-                  <a:pt x="1601972" y="341080"/>
-                </a:lnTo>
-                <a:cubicBezTo>
-                  <a:pt x="1609060" y="338717"/>
-                  <a:pt x="1617020" y="338135"/>
-                  <a:pt x="1623237" y="333991"/>
-                </a:cubicBezTo>
-                <a:cubicBezTo>
-                  <a:pt x="1630325" y="329266"/>
-                  <a:pt x="1636717" y="323275"/>
-                  <a:pt x="1644502" y="319815"/>
-                </a:cubicBezTo>
-                <a:cubicBezTo>
-                  <a:pt x="1658158" y="313746"/>
-                  <a:pt x="1687033" y="305638"/>
-                  <a:pt x="1687033" y="305638"/>
-                </a:cubicBezTo>
-                <a:cubicBezTo>
-                  <a:pt x="1747976" y="265008"/>
-                  <a:pt x="1670869" y="313720"/>
-                  <a:pt x="1729563" y="284373"/>
-                </a:cubicBezTo>
-                <a:cubicBezTo>
-                  <a:pt x="1737183" y="280563"/>
-                  <a:pt x="1743043" y="273656"/>
-                  <a:pt x="1750828" y="270196"/>
-                </a:cubicBezTo>
-                <a:cubicBezTo>
-                  <a:pt x="1750837" y="270192"/>
-                  <a:pt x="1803986" y="252477"/>
-                  <a:pt x="1814623" y="248931"/>
-                </a:cubicBezTo>
-                <a:lnTo>
-                  <a:pt x="1878419" y="227666"/>
-                </a:lnTo>
-                <a:cubicBezTo>
-                  <a:pt x="1898680" y="220913"/>
-                  <a:pt x="1905794" y="217938"/>
-                  <a:pt x="1928037" y="213489"/>
-                </a:cubicBezTo>
-                <a:cubicBezTo>
-                  <a:pt x="1942130" y="210670"/>
-                  <a:pt x="1956363" y="208586"/>
-                  <a:pt x="1970568" y="206401"/>
-                </a:cubicBezTo>
-                <a:cubicBezTo>
-                  <a:pt x="2028788" y="197444"/>
-                  <a:pt x="2024746" y="198856"/>
-                  <a:pt x="2091070" y="192224"/>
-                </a:cubicBezTo>
-                <a:cubicBezTo>
-                  <a:pt x="2128875" y="204825"/>
-                  <a:pt x="2095795" y="198524"/>
-                  <a:pt x="2133600" y="192224"/>
-                </a:cubicBezTo>
-                <a:cubicBezTo>
-                  <a:pt x="2154705" y="188707"/>
-                  <a:pt x="2176215" y="188162"/>
-                  <a:pt x="2197396" y="185136"/>
-                </a:cubicBezTo>
-                <a:cubicBezTo>
-                  <a:pt x="2209323" y="183432"/>
-                  <a:pt x="2220984" y="180202"/>
-                  <a:pt x="2232837" y="178047"/>
-                </a:cubicBezTo>
-                <a:cubicBezTo>
-                  <a:pt x="2246978" y="175476"/>
-                  <a:pt x="2261163" y="173144"/>
-                  <a:pt x="2275368" y="170959"/>
-                </a:cubicBezTo>
-                <a:cubicBezTo>
-                  <a:pt x="2327239" y="162979"/>
-                  <a:pt x="2379441" y="157674"/>
-                  <a:pt x="2431312" y="149694"/>
-                </a:cubicBezTo>
-                <a:cubicBezTo>
-                  <a:pt x="2499172" y="139254"/>
-                  <a:pt x="2448478" y="146572"/>
-                  <a:pt x="2509284" y="135517"/>
-                </a:cubicBezTo>
-                <a:cubicBezTo>
-                  <a:pt x="2523424" y="132946"/>
-                  <a:pt x="2537674" y="131000"/>
-                  <a:pt x="2551814" y="128429"/>
-                </a:cubicBezTo>
-                <a:cubicBezTo>
-                  <a:pt x="2563668" y="126274"/>
-                  <a:pt x="2575517" y="124049"/>
-                  <a:pt x="2587256" y="121340"/>
-                </a:cubicBezTo>
-                <a:cubicBezTo>
-                  <a:pt x="2606241" y="116959"/>
-                  <a:pt x="2624576" y="109103"/>
-                  <a:pt x="2643963" y="107164"/>
-                </a:cubicBezTo>
-                <a:cubicBezTo>
-                  <a:pt x="2750191" y="96540"/>
-                  <a:pt x="2691154" y="101654"/>
-                  <a:pt x="2821172" y="92987"/>
-                </a:cubicBezTo>
-                <a:cubicBezTo>
-                  <a:pt x="2898818" y="73574"/>
-                  <a:pt x="2776757" y="103290"/>
-                  <a:pt x="2934586" y="71722"/>
-                </a:cubicBezTo>
-                <a:cubicBezTo>
-                  <a:pt x="2946400" y="69359"/>
-                  <a:pt x="2958144" y="66614"/>
-                  <a:pt x="2970028" y="64633"/>
-                </a:cubicBezTo>
-                <a:cubicBezTo>
-                  <a:pt x="2986508" y="61886"/>
-                  <a:pt x="3003264" y="60822"/>
-                  <a:pt x="3019647" y="57545"/>
-                </a:cubicBezTo>
-                <a:cubicBezTo>
-                  <a:pt x="3038753" y="53724"/>
-                  <a:pt x="3057020" y="45785"/>
-                  <a:pt x="3076354" y="43368"/>
-                </a:cubicBezTo>
-                <a:lnTo>
-                  <a:pt x="3133061" y="36280"/>
-                </a:lnTo>
-                <a:cubicBezTo>
-                  <a:pt x="3147289" y="34247"/>
-                  <a:pt x="3161290" y="30621"/>
-                  <a:pt x="3175591" y="29191"/>
-                </a:cubicBezTo>
-                <a:cubicBezTo>
-                  <a:pt x="3208590" y="25891"/>
-                  <a:pt x="3241749" y="24466"/>
-                  <a:pt x="3274828" y="22103"/>
-                </a:cubicBezTo>
-                <a:cubicBezTo>
-                  <a:pt x="3325814" y="5109"/>
-                  <a:pt x="3262143" y="25727"/>
-                  <a:pt x="3324447" y="7926"/>
-                </a:cubicBezTo>
-                <a:cubicBezTo>
-                  <a:pt x="3331631" y="5873"/>
-                  <a:pt x="3338257" y="1335"/>
-                  <a:pt x="3345712" y="838"/>
-                </a:cubicBezTo>
-                <a:cubicBezTo>
-                  <a:pt x="3374003" y="-1048"/>
-                  <a:pt x="3402419" y="838"/>
-                  <a:pt x="3430772" y="838"/>
-                </a:cubicBezTo>
-              </a:path>
-            </a:pathLst>
-          </a:custGeom>
-          <a:noFill/>
-          <a:ln>
-            <a:solidFill>
-              <a:srgbClr val="FD7201"/>
-            </a:solidFill>
-          </a:ln>
-        </p:spPr>
-        <p:style>
-          <a:lnRef idx="2">
-            <a:schemeClr val="accent1">
-              <a:shade val="15000"/>
-            </a:schemeClr>
-          </a:lnRef>
-          <a:fillRef idx="1">
-            <a:schemeClr val="accent1"/>
-          </a:fillRef>
-          <a:effectRef idx="0">
-            <a:schemeClr val="accent1"/>
-          </a:effectRef>
-          <a:fontRef idx="minor">
-            <a:schemeClr val="lt1"/>
-          </a:fontRef>
-        </p:style>
-        <p:txBody>
-          <a:bodyPr rtlCol="0" anchor="ctr"/>
-          <a:lstStyle/>
-          <a:p>
-            <a:pPr algn="ctr"/>
-            <a:endParaRPr lang="da-DK"/>
-          </a:p>
-        </p:txBody>
-      </p:sp>
       <mc:AlternateContent xmlns:mc="http://schemas.openxmlformats.org/markup-compatibility/2006">
         <mc:Choice xmlns:a14="http://schemas.microsoft.com/office/drawing/2010/main" Requires="a14">
           <p:sp>
@@ -6247,8 +4556,8 @@
             </p:nvSpPr>
             <p:spPr>
               <a:xfrm>
-                <a:off x="1672771" y="3788660"/>
-                <a:ext cx="952761" cy="369332"/>
+                <a:off x="1336755" y="1120030"/>
+                <a:ext cx="654666" cy="261610"/>
               </a:xfrm>
               <a:prstGeom prst="rect">
                 <a:avLst/>
@@ -6267,40 +4576,31 @@
                       <m:jc m:val="centerGroup"/>
                     </m:oMathParaPr>
                     <m:oMath xmlns:m="http://schemas.openxmlformats.org/officeDocument/2006/math">
-                      <m:sSup>
-                        <m:sSupPr>
+                      <m:sPre>
+                        <m:sPrePr>
                           <m:ctrlPr>
-                            <a:rPr lang="da-DK" b="0" i="1" smtClean="0">
+                            <a:rPr lang="da-DK" sz="1100" i="1">
                               <a:solidFill>
                                 <a:srgbClr val="FD7201"/>
                               </a:solidFill>
                               <a:latin typeface="Cambria Math" panose="02040503050406030204" pitchFamily="18" charset="0"/>
                             </a:rPr>
                           </m:ctrlPr>
-                        </m:sSupPr>
-                        <m:e>
+                        </m:sPrePr>
+                        <m:sub>
                           <m:r>
-                            <a:rPr lang="da-DK" b="0" i="1" smtClean="0">
+                            <a:rPr lang="da-DK" sz="1100" i="1">
                               <a:solidFill>
                                 <a:srgbClr val="FD7201"/>
                               </a:solidFill>
                               <a:latin typeface="Cambria Math" panose="02040503050406030204" pitchFamily="18" charset="0"/>
                             </a:rPr>
-                            <m:t>𝐶𝑂𝑂</m:t>
+                            <m:t> </m:t>
                           </m:r>
-                          <m:r>
-                            <a:rPr lang="da-DK" b="0" i="1" smtClean="0">
-                              <a:solidFill>
-                                <a:srgbClr val="FD7201"/>
-                              </a:solidFill>
-                              <a:latin typeface="Cambria Math" panose="02040503050406030204" pitchFamily="18" charset="0"/>
-                            </a:rPr>
-                            <m:t>𝐻</m:t>
-                          </m:r>
-                        </m:e>
+                        </m:sub>
                         <m:sup>
                           <m:r>
-                            <a:rPr lang="da-DK" b="0" i="1" smtClean="0">
+                            <a:rPr lang="da-DK" sz="1100" i="1">
                               <a:solidFill>
                                 <a:srgbClr val="FD7201"/>
                               </a:solidFill>
@@ -6309,11 +4609,26 @@
                             <m:t>∗</m:t>
                           </m:r>
                         </m:sup>
-                      </m:sSup>
+                        <m:e>
+                          <m:r>
+                            <a:rPr lang="da-DK" sz="1100" i="1">
+                              <a:solidFill>
+                                <a:srgbClr val="FD7201"/>
+                              </a:solidFill>
+                              <a:latin typeface="Cambria Math" panose="02040503050406030204" pitchFamily="18" charset="0"/>
+                            </a:rPr>
+                            <m:t>𝐶𝑂𝑂𝐻</m:t>
+                          </m:r>
+                        </m:e>
+                      </m:sPre>
                     </m:oMath>
                   </m:oMathPara>
                 </a14:m>
-                <a:endParaRPr lang="da-DK" dirty="0"/>
+                <a:endParaRPr lang="da-DK" sz="1100" dirty="0">
+                  <a:solidFill>
+                    <a:srgbClr val="FD7201"/>
+                  </a:solidFill>
+                </a:endParaRPr>
               </a:p>
             </p:txBody>
           </p:sp>
@@ -6335,8 +4650,8 @@
             </p:nvSpPr>
             <p:spPr>
               <a:xfrm>
-                <a:off x="1672771" y="3788660"/>
-                <a:ext cx="952761" cy="369332"/>
+                <a:off x="1336755" y="1120030"/>
+                <a:ext cx="654666" cy="261610"/>
               </a:xfrm>
               <a:prstGeom prst="rect">
                 <a:avLst/>
@@ -6344,7 +4659,7 @@
               <a:blipFill>
                 <a:blip r:embed="rId9"/>
                 <a:stretch>
-                  <a:fillRect/>
+                  <a:fillRect b="-4762"/>
                 </a:stretch>
               </a:blipFill>
             </p:spPr>
@@ -6363,102 +4678,14 @@
           </p:sp>
         </mc:Fallback>
       </mc:AlternateContent>
-      <p:cxnSp>
-        <p:nvCxnSpPr>
-          <p:cNvPr id="39" name="Straight Connector 38">
-            <a:extLst>
-              <a:ext uri="{FF2B5EF4-FFF2-40B4-BE49-F238E27FC236}">
-                <a16:creationId xmlns:a16="http://schemas.microsoft.com/office/drawing/2014/main" id="{D6E7CC49-4BA8-ACC6-8572-4E5D41FA67B5}"/>
-              </a:ext>
-            </a:extLst>
-          </p:cNvPr>
-          <p:cNvCxnSpPr>
-            <a:cxnSpLocks/>
-          </p:cNvCxnSpPr>
-          <p:nvPr/>
-        </p:nvCxnSpPr>
-        <p:spPr>
-          <a:xfrm>
-            <a:off x="1495647" y="3437860"/>
-            <a:ext cx="0" cy="939212"/>
-          </a:xfrm>
-          <a:prstGeom prst="line">
-            <a:avLst/>
-          </a:prstGeom>
-          <a:ln>
-            <a:solidFill>
-              <a:schemeClr val="tx1"/>
-            </a:solidFill>
-            <a:prstDash val="sysDash"/>
-          </a:ln>
-        </p:spPr>
-        <p:style>
-          <a:lnRef idx="1">
-            <a:schemeClr val="accent1"/>
-          </a:lnRef>
-          <a:fillRef idx="0">
-            <a:schemeClr val="accent1"/>
-          </a:fillRef>
-          <a:effectRef idx="0">
-            <a:schemeClr val="accent1"/>
-          </a:effectRef>
-          <a:fontRef idx="minor">
-            <a:schemeClr val="tx1"/>
-          </a:fontRef>
-        </p:style>
-      </p:cxnSp>
-      <p:cxnSp>
-        <p:nvCxnSpPr>
-          <p:cNvPr id="41" name="Straight Connector 40">
-            <a:extLst>
-              <a:ext uri="{FF2B5EF4-FFF2-40B4-BE49-F238E27FC236}">
-                <a16:creationId xmlns:a16="http://schemas.microsoft.com/office/drawing/2014/main" id="{77E4D62A-68F1-533A-D778-9AC37D9C2836}"/>
-              </a:ext>
-            </a:extLst>
-          </p:cNvPr>
-          <p:cNvCxnSpPr>
-            <a:cxnSpLocks/>
-          </p:cNvCxnSpPr>
-          <p:nvPr/>
-        </p:nvCxnSpPr>
-        <p:spPr>
-          <a:xfrm>
-            <a:off x="1056171" y="3444948"/>
-            <a:ext cx="0" cy="939212"/>
-          </a:xfrm>
-          <a:prstGeom prst="line">
-            <a:avLst/>
-          </a:prstGeom>
-          <a:ln>
-            <a:solidFill>
-              <a:schemeClr val="tx1"/>
-            </a:solidFill>
-            <a:prstDash val="sysDash"/>
-          </a:ln>
-        </p:spPr>
-        <p:style>
-          <a:lnRef idx="1">
-            <a:schemeClr val="accent1"/>
-          </a:lnRef>
-          <a:fillRef idx="0">
-            <a:schemeClr val="accent1"/>
-          </a:fillRef>
-          <a:effectRef idx="0">
-            <a:schemeClr val="accent1"/>
-          </a:effectRef>
-          <a:fontRef idx="minor">
-            <a:schemeClr val="tx1"/>
-          </a:fontRef>
-        </p:style>
-      </p:cxnSp>
       <mc:AlternateContent xmlns:mc="http://schemas.openxmlformats.org/markup-compatibility/2006">
         <mc:Choice xmlns:a14="http://schemas.microsoft.com/office/drawing/2010/main" Requires="a14">
           <p:sp>
             <p:nvSpPr>
-              <p:cNvPr id="43" name="TextBox 42">
+              <p:cNvPr id="38" name="TextBox 37">
                 <a:extLst>
                   <a:ext uri="{FF2B5EF4-FFF2-40B4-BE49-F238E27FC236}">
-                    <a16:creationId xmlns:a16="http://schemas.microsoft.com/office/drawing/2014/main" id="{8942F5A8-BD8C-8CE2-1A1B-27A74401C055}"/>
+                    <a16:creationId xmlns:a16="http://schemas.microsoft.com/office/drawing/2014/main" id="{C55C42BA-760C-D714-401C-A77B5E3482E9}"/>
                   </a:ext>
                 </a:extLst>
               </p:cNvPr>
@@ -6467,8 +4694,8 @@
             </p:nvSpPr>
             <p:spPr>
               <a:xfrm>
-                <a:off x="991227" y="3414434"/>
-                <a:ext cx="527209" cy="261610"/>
+                <a:off x="352997" y="144028"/>
+                <a:ext cx="748345" cy="305918"/>
               </a:xfrm>
               <a:prstGeom prst="rect">
                 <a:avLst/>
@@ -6476,7 +4703,7 @@
               <a:noFill/>
             </p:spPr>
             <p:txBody>
-              <a:bodyPr wrap="square" rtlCol="0">
+              <a:bodyPr wrap="none" rtlCol="0">
                 <a:spAutoFit/>
               </a:bodyPr>
               <a:lstStyle/>
@@ -6487,70 +4714,47 @@
                       <m:jc m:val="centerGroup"/>
                     </m:oMathParaPr>
                     <m:oMath xmlns:m="http://schemas.openxmlformats.org/officeDocument/2006/math">
-                      <m:r>
-                        <a:rPr lang="da-DK" sz="1100" i="1" dirty="0" smtClean="0">
-                          <a:solidFill>
-                            <a:srgbClr val="FF0000"/>
-                          </a:solidFill>
-                          <a:latin typeface="Cambria Math" panose="02040503050406030204" pitchFamily="18" charset="0"/>
-                          <a:cs typeface="Times New Roman" panose="02020603050405020304" pitchFamily="18" charset="0"/>
-                        </a:rPr>
-                        <m:t>→</m:t>
-                      </m:r>
-                      <m:r>
-                        <a:rPr lang="da-DK" sz="1100" i="1" dirty="0" smtClean="0">
-                          <a:solidFill>
-                            <a:srgbClr val="FF0000"/>
-                          </a:solidFill>
-                          <a:latin typeface="Cambria Math" panose="02040503050406030204" pitchFamily="18" charset="0"/>
-                          <a:cs typeface="Times New Roman" panose="02020603050405020304" pitchFamily="18" charset="0"/>
-                        </a:rPr>
-                        <m:t>𝐶</m:t>
-                      </m:r>
-                      <m:sSup>
-                        <m:sSupPr>
+                      <m:sSubSup>
+                        <m:sSubSupPr>
                           <m:ctrlPr>
-                            <a:rPr lang="da-DK" sz="1100" i="1" dirty="0" smtClean="0">
-                              <a:solidFill>
-                                <a:srgbClr val="FF0000"/>
-                              </a:solidFill>
+                            <a:rPr lang="da-DK" sz="1100" b="1" i="1">
                               <a:latin typeface="Cambria Math" panose="02040503050406030204" pitchFamily="18" charset="0"/>
                               <a:cs typeface="Times New Roman" panose="02020603050405020304" pitchFamily="18" charset="0"/>
                             </a:rPr>
                           </m:ctrlPr>
-                        </m:sSupPr>
+                        </m:sSubSupPr>
                         <m:e>
                           <m:r>
-                            <a:rPr lang="da-DK" sz="1100" i="1" dirty="0" smtClean="0">
-                              <a:solidFill>
-                                <a:srgbClr val="FF0000"/>
-                              </a:solidFill>
+                            <a:rPr lang="da-DK" sz="1100" b="1" i="1">
                               <a:latin typeface="Cambria Math" panose="02040503050406030204" pitchFamily="18" charset="0"/>
                               <a:cs typeface="Times New Roman" panose="02020603050405020304" pitchFamily="18" charset="0"/>
                             </a:rPr>
-                            <m:t>𝑂</m:t>
+                            <m:t>𝑼</m:t>
                           </m:r>
                         </m:e>
-                        <m:sup>
+                        <m:sub>
                           <m:r>
-                            <a:rPr lang="da-DK" sz="1100" b="0" i="1" dirty="0" smtClean="0">
-                              <a:solidFill>
-                                <a:srgbClr val="FF0000"/>
-                              </a:solidFill>
+                            <a:rPr lang="da-DK" sz="1100" b="1" i="1">
                               <a:latin typeface="Cambria Math" panose="02040503050406030204" pitchFamily="18" charset="0"/>
                               <a:cs typeface="Times New Roman" panose="02020603050405020304" pitchFamily="18" charset="0"/>
                             </a:rPr>
-                            <m:t>∗</m:t>
+                            <m:t>𝑨𝒏𝒐𝒅𝒆</m:t>
+                          </m:r>
+                        </m:sub>
+                        <m:sup>
+                          <m:r>
+                            <a:rPr lang="da-DK" sz="1100" b="1" i="1">
+                              <a:latin typeface="Cambria Math" panose="02040503050406030204" pitchFamily="18" charset="0"/>
+                              <a:cs typeface="Times New Roman" panose="02020603050405020304" pitchFamily="18" charset="0"/>
+                            </a:rPr>
+                            <m:t>𝑶𝒑𝒕𝒊𝒎𝒂𝒍</m:t>
                           </m:r>
                         </m:sup>
-                      </m:sSup>
+                      </m:sSubSup>
                     </m:oMath>
                   </m:oMathPara>
                 </a14:m>
-                <a:endParaRPr lang="da-DK" sz="1100" dirty="0">
-                  <a:solidFill>
-                    <a:srgbClr val="FF0000"/>
-                  </a:solidFill>
+                <a:endParaRPr lang="da-DK" sz="1100" b="1" dirty="0">
                   <a:latin typeface="Times New Roman" panose="02020603050405020304" pitchFamily="18" charset="0"/>
                   <a:cs typeface="Times New Roman" panose="02020603050405020304" pitchFamily="18" charset="0"/>
                 </a:endParaRPr>
@@ -6561,10 +4765,10 @@
         <mc:Fallback>
           <p:sp>
             <p:nvSpPr>
-              <p:cNvPr id="43" name="TextBox 42">
+              <p:cNvPr id="38" name="TextBox 37">
                 <a:extLst>
                   <a:ext uri="{FF2B5EF4-FFF2-40B4-BE49-F238E27FC236}">
-                    <a16:creationId xmlns:a16="http://schemas.microsoft.com/office/drawing/2014/main" id="{8942F5A8-BD8C-8CE2-1A1B-27A74401C055}"/>
+                    <a16:creationId xmlns:a16="http://schemas.microsoft.com/office/drawing/2014/main" id="{C55C42BA-760C-D714-401C-A77B5E3482E9}"/>
                   </a:ext>
                 </a:extLst>
               </p:cNvPr>
@@ -6575,8 +4779,8 @@
             </p:nvSpPr>
             <p:spPr>
               <a:xfrm>
-                <a:off x="991227" y="3414434"/>
-                <a:ext cx="527209" cy="261610"/>
+                <a:off x="352997" y="144028"/>
+                <a:ext cx="748345" cy="305918"/>
               </a:xfrm>
               <a:prstGeom prst="rect">
                 <a:avLst/>
@@ -6603,708 +4807,14 @@
           </p:sp>
         </mc:Fallback>
       </mc:AlternateContent>
-      <p:sp>
-        <p:nvSpPr>
-          <p:cNvPr id="51" name="Freeform 50">
-            <a:extLst>
-              <a:ext uri="{FF2B5EF4-FFF2-40B4-BE49-F238E27FC236}">
-                <a16:creationId xmlns:a16="http://schemas.microsoft.com/office/drawing/2014/main" id="{B1FF6626-2065-3D6B-4204-F4103629A4CD}"/>
-              </a:ext>
-            </a:extLst>
-          </p:cNvPr>
-          <p:cNvSpPr/>
-          <p:nvPr/>
-        </p:nvSpPr>
-        <p:spPr>
-          <a:xfrm>
-            <a:off x="2218660" y="3060266"/>
-            <a:ext cx="2289545" cy="1320348"/>
-          </a:xfrm>
-          <a:custGeom>
-            <a:avLst/>
-            <a:gdLst>
-              <a:gd name="connsiteX0" fmla="*/ 0 w 2289545"/>
-              <a:gd name="connsiteY0" fmla="*/ 1375144 h 1375144"/>
-              <a:gd name="connsiteX1" fmla="*/ 49619 w 2289545"/>
-              <a:gd name="connsiteY1" fmla="*/ 1368056 h 1375144"/>
-              <a:gd name="connsiteX2" fmla="*/ 63796 w 2289545"/>
-              <a:gd name="connsiteY2" fmla="*/ 1346790 h 1375144"/>
-              <a:gd name="connsiteX3" fmla="*/ 85061 w 2289545"/>
-              <a:gd name="connsiteY3" fmla="*/ 1332614 h 1375144"/>
-              <a:gd name="connsiteX4" fmla="*/ 113414 w 2289545"/>
-              <a:gd name="connsiteY4" fmla="*/ 1290083 h 1375144"/>
-              <a:gd name="connsiteX5" fmla="*/ 127591 w 2289545"/>
-              <a:gd name="connsiteY5" fmla="*/ 1268818 h 1375144"/>
-              <a:gd name="connsiteX6" fmla="*/ 148856 w 2289545"/>
-              <a:gd name="connsiteY6" fmla="*/ 1226288 h 1375144"/>
-              <a:gd name="connsiteX7" fmla="*/ 155945 w 2289545"/>
-              <a:gd name="connsiteY7" fmla="*/ 1205023 h 1375144"/>
-              <a:gd name="connsiteX8" fmla="*/ 170121 w 2289545"/>
-              <a:gd name="connsiteY8" fmla="*/ 1183758 h 1375144"/>
-              <a:gd name="connsiteX9" fmla="*/ 191387 w 2289545"/>
-              <a:gd name="connsiteY9" fmla="*/ 1141228 h 1375144"/>
-              <a:gd name="connsiteX10" fmla="*/ 233917 w 2289545"/>
-              <a:gd name="connsiteY10" fmla="*/ 1056167 h 1375144"/>
-              <a:gd name="connsiteX11" fmla="*/ 255182 w 2289545"/>
-              <a:gd name="connsiteY11" fmla="*/ 1041990 h 1375144"/>
-              <a:gd name="connsiteX12" fmla="*/ 290624 w 2289545"/>
-              <a:gd name="connsiteY12" fmla="*/ 999460 h 1375144"/>
-              <a:gd name="connsiteX13" fmla="*/ 304800 w 2289545"/>
-              <a:gd name="connsiteY13" fmla="*/ 978195 h 1375144"/>
-              <a:gd name="connsiteX14" fmla="*/ 326066 w 2289545"/>
-              <a:gd name="connsiteY14" fmla="*/ 956930 h 1375144"/>
-              <a:gd name="connsiteX15" fmla="*/ 340242 w 2289545"/>
-              <a:gd name="connsiteY15" fmla="*/ 935665 h 1375144"/>
-              <a:gd name="connsiteX16" fmla="*/ 361507 w 2289545"/>
-              <a:gd name="connsiteY16" fmla="*/ 921488 h 1375144"/>
-              <a:gd name="connsiteX17" fmla="*/ 404038 w 2289545"/>
-              <a:gd name="connsiteY17" fmla="*/ 857693 h 1375144"/>
-              <a:gd name="connsiteX18" fmla="*/ 418214 w 2289545"/>
-              <a:gd name="connsiteY18" fmla="*/ 836428 h 1375144"/>
-              <a:gd name="connsiteX19" fmla="*/ 439480 w 2289545"/>
-              <a:gd name="connsiteY19" fmla="*/ 822251 h 1375144"/>
-              <a:gd name="connsiteX20" fmla="*/ 474921 w 2289545"/>
-              <a:gd name="connsiteY20" fmla="*/ 786809 h 1375144"/>
-              <a:gd name="connsiteX21" fmla="*/ 489098 w 2289545"/>
-              <a:gd name="connsiteY21" fmla="*/ 765544 h 1375144"/>
-              <a:gd name="connsiteX22" fmla="*/ 510363 w 2289545"/>
-              <a:gd name="connsiteY22" fmla="*/ 751367 h 1375144"/>
-              <a:gd name="connsiteX23" fmla="*/ 552893 w 2289545"/>
-              <a:gd name="connsiteY23" fmla="*/ 715925 h 1375144"/>
-              <a:gd name="connsiteX24" fmla="*/ 609600 w 2289545"/>
-              <a:gd name="connsiteY24" fmla="*/ 666307 h 1375144"/>
-              <a:gd name="connsiteX25" fmla="*/ 694661 w 2289545"/>
-              <a:gd name="connsiteY25" fmla="*/ 609600 h 1375144"/>
-              <a:gd name="connsiteX26" fmla="*/ 715926 w 2289545"/>
-              <a:gd name="connsiteY26" fmla="*/ 595423 h 1375144"/>
-              <a:gd name="connsiteX27" fmla="*/ 737191 w 2289545"/>
-              <a:gd name="connsiteY27" fmla="*/ 581246 h 1375144"/>
-              <a:gd name="connsiteX28" fmla="*/ 765545 w 2289545"/>
-              <a:gd name="connsiteY28" fmla="*/ 559981 h 1375144"/>
-              <a:gd name="connsiteX29" fmla="*/ 808075 w 2289545"/>
-              <a:gd name="connsiteY29" fmla="*/ 531628 h 1375144"/>
-              <a:gd name="connsiteX30" fmla="*/ 829340 w 2289545"/>
-              <a:gd name="connsiteY30" fmla="*/ 517451 h 1375144"/>
-              <a:gd name="connsiteX31" fmla="*/ 850605 w 2289545"/>
-              <a:gd name="connsiteY31" fmla="*/ 503274 h 1375144"/>
-              <a:gd name="connsiteX32" fmla="*/ 893135 w 2289545"/>
-              <a:gd name="connsiteY32" fmla="*/ 489097 h 1375144"/>
-              <a:gd name="connsiteX33" fmla="*/ 935666 w 2289545"/>
-              <a:gd name="connsiteY33" fmla="*/ 460744 h 1375144"/>
-              <a:gd name="connsiteX34" fmla="*/ 978196 w 2289545"/>
-              <a:gd name="connsiteY34" fmla="*/ 446567 h 1375144"/>
-              <a:gd name="connsiteX35" fmla="*/ 1020726 w 2289545"/>
-              <a:gd name="connsiteY35" fmla="*/ 425302 h 1375144"/>
-              <a:gd name="connsiteX36" fmla="*/ 1056168 w 2289545"/>
-              <a:gd name="connsiteY36" fmla="*/ 418214 h 1375144"/>
-              <a:gd name="connsiteX37" fmla="*/ 1098698 w 2289545"/>
-              <a:gd name="connsiteY37" fmla="*/ 404037 h 1375144"/>
-              <a:gd name="connsiteX38" fmla="*/ 1141228 w 2289545"/>
-              <a:gd name="connsiteY38" fmla="*/ 389860 h 1375144"/>
-              <a:gd name="connsiteX39" fmla="*/ 1183759 w 2289545"/>
-              <a:gd name="connsiteY39" fmla="*/ 375683 h 1375144"/>
-              <a:gd name="connsiteX40" fmla="*/ 1247554 w 2289545"/>
-              <a:gd name="connsiteY40" fmla="*/ 347330 h 1375144"/>
-              <a:gd name="connsiteX41" fmla="*/ 1268819 w 2289545"/>
-              <a:gd name="connsiteY41" fmla="*/ 340242 h 1375144"/>
-              <a:gd name="connsiteX42" fmla="*/ 1311349 w 2289545"/>
-              <a:gd name="connsiteY42" fmla="*/ 311888 h 1375144"/>
-              <a:gd name="connsiteX43" fmla="*/ 1353880 w 2289545"/>
-              <a:gd name="connsiteY43" fmla="*/ 290623 h 1375144"/>
-              <a:gd name="connsiteX44" fmla="*/ 1396410 w 2289545"/>
-              <a:gd name="connsiteY44" fmla="*/ 262270 h 1375144"/>
-              <a:gd name="connsiteX45" fmla="*/ 1438940 w 2289545"/>
-              <a:gd name="connsiteY45" fmla="*/ 248093 h 1375144"/>
-              <a:gd name="connsiteX46" fmla="*/ 1488559 w 2289545"/>
-              <a:gd name="connsiteY46" fmla="*/ 219739 h 1375144"/>
-              <a:gd name="connsiteX47" fmla="*/ 1509824 w 2289545"/>
-              <a:gd name="connsiteY47" fmla="*/ 205563 h 1375144"/>
-              <a:gd name="connsiteX48" fmla="*/ 1531089 w 2289545"/>
-              <a:gd name="connsiteY48" fmla="*/ 198474 h 1375144"/>
-              <a:gd name="connsiteX49" fmla="*/ 1573619 w 2289545"/>
-              <a:gd name="connsiteY49" fmla="*/ 177209 h 1375144"/>
-              <a:gd name="connsiteX50" fmla="*/ 1616149 w 2289545"/>
-              <a:gd name="connsiteY50" fmla="*/ 148856 h 1375144"/>
-              <a:gd name="connsiteX51" fmla="*/ 1637414 w 2289545"/>
-              <a:gd name="connsiteY51" fmla="*/ 141767 h 1375144"/>
-              <a:gd name="connsiteX52" fmla="*/ 1658680 w 2289545"/>
-              <a:gd name="connsiteY52" fmla="*/ 127590 h 1375144"/>
-              <a:gd name="connsiteX53" fmla="*/ 1701210 w 2289545"/>
-              <a:gd name="connsiteY53" fmla="*/ 113414 h 1375144"/>
-              <a:gd name="connsiteX54" fmla="*/ 1722475 w 2289545"/>
-              <a:gd name="connsiteY54" fmla="*/ 99237 h 1375144"/>
-              <a:gd name="connsiteX55" fmla="*/ 1786270 w 2289545"/>
-              <a:gd name="connsiteY55" fmla="*/ 77972 h 1375144"/>
-              <a:gd name="connsiteX56" fmla="*/ 1807535 w 2289545"/>
-              <a:gd name="connsiteY56" fmla="*/ 70883 h 1375144"/>
-              <a:gd name="connsiteX57" fmla="*/ 1828800 w 2289545"/>
-              <a:gd name="connsiteY57" fmla="*/ 63795 h 1375144"/>
-              <a:gd name="connsiteX58" fmla="*/ 1850066 w 2289545"/>
-              <a:gd name="connsiteY58" fmla="*/ 49618 h 1375144"/>
-              <a:gd name="connsiteX59" fmla="*/ 1899684 w 2289545"/>
-              <a:gd name="connsiteY59" fmla="*/ 35442 h 1375144"/>
-              <a:gd name="connsiteX60" fmla="*/ 1942214 w 2289545"/>
-              <a:gd name="connsiteY60" fmla="*/ 21265 h 1375144"/>
-              <a:gd name="connsiteX61" fmla="*/ 1963480 w 2289545"/>
-              <a:gd name="connsiteY61" fmla="*/ 14177 h 1375144"/>
-              <a:gd name="connsiteX62" fmla="*/ 2076893 w 2289545"/>
-              <a:gd name="connsiteY62" fmla="*/ 21265 h 1375144"/>
-              <a:gd name="connsiteX63" fmla="*/ 2147777 w 2289545"/>
-              <a:gd name="connsiteY63" fmla="*/ 21265 h 1375144"/>
-              <a:gd name="connsiteX64" fmla="*/ 2225749 w 2289545"/>
-              <a:gd name="connsiteY64" fmla="*/ 7088 h 1375144"/>
-              <a:gd name="connsiteX65" fmla="*/ 2289545 w 2289545"/>
-              <a:gd name="connsiteY65" fmla="*/ 0 h 1375144"/>
-            </a:gdLst>
-            <a:ahLst/>
-            <a:cxnLst>
-              <a:cxn ang="0">
-                <a:pos x="connsiteX0" y="connsiteY0"/>
-              </a:cxn>
-              <a:cxn ang="0">
-                <a:pos x="connsiteX1" y="connsiteY1"/>
-              </a:cxn>
-              <a:cxn ang="0">
-                <a:pos x="connsiteX2" y="connsiteY2"/>
-              </a:cxn>
-              <a:cxn ang="0">
-                <a:pos x="connsiteX3" y="connsiteY3"/>
-              </a:cxn>
-              <a:cxn ang="0">
-                <a:pos x="connsiteX4" y="connsiteY4"/>
-              </a:cxn>
-              <a:cxn ang="0">
-                <a:pos x="connsiteX5" y="connsiteY5"/>
-              </a:cxn>
-              <a:cxn ang="0">
-                <a:pos x="connsiteX6" y="connsiteY6"/>
-              </a:cxn>
-              <a:cxn ang="0">
-                <a:pos x="connsiteX7" y="connsiteY7"/>
-              </a:cxn>
-              <a:cxn ang="0">
-                <a:pos x="connsiteX8" y="connsiteY8"/>
-              </a:cxn>
-              <a:cxn ang="0">
-                <a:pos x="connsiteX9" y="connsiteY9"/>
-              </a:cxn>
-              <a:cxn ang="0">
-                <a:pos x="connsiteX10" y="connsiteY10"/>
-              </a:cxn>
-              <a:cxn ang="0">
-                <a:pos x="connsiteX11" y="connsiteY11"/>
-              </a:cxn>
-              <a:cxn ang="0">
-                <a:pos x="connsiteX12" y="connsiteY12"/>
-              </a:cxn>
-              <a:cxn ang="0">
-                <a:pos x="connsiteX13" y="connsiteY13"/>
-              </a:cxn>
-              <a:cxn ang="0">
-                <a:pos x="connsiteX14" y="connsiteY14"/>
-              </a:cxn>
-              <a:cxn ang="0">
-                <a:pos x="connsiteX15" y="connsiteY15"/>
-              </a:cxn>
-              <a:cxn ang="0">
-                <a:pos x="connsiteX16" y="connsiteY16"/>
-              </a:cxn>
-              <a:cxn ang="0">
-                <a:pos x="connsiteX17" y="connsiteY17"/>
-              </a:cxn>
-              <a:cxn ang="0">
-                <a:pos x="connsiteX18" y="connsiteY18"/>
-              </a:cxn>
-              <a:cxn ang="0">
-                <a:pos x="connsiteX19" y="connsiteY19"/>
-              </a:cxn>
-              <a:cxn ang="0">
-                <a:pos x="connsiteX20" y="connsiteY20"/>
-              </a:cxn>
-              <a:cxn ang="0">
-                <a:pos x="connsiteX21" y="connsiteY21"/>
-              </a:cxn>
-              <a:cxn ang="0">
-                <a:pos x="connsiteX22" y="connsiteY22"/>
-              </a:cxn>
-              <a:cxn ang="0">
-                <a:pos x="connsiteX23" y="connsiteY23"/>
-              </a:cxn>
-              <a:cxn ang="0">
-                <a:pos x="connsiteX24" y="connsiteY24"/>
-              </a:cxn>
-              <a:cxn ang="0">
-                <a:pos x="connsiteX25" y="connsiteY25"/>
-              </a:cxn>
-              <a:cxn ang="0">
-                <a:pos x="connsiteX26" y="connsiteY26"/>
-              </a:cxn>
-              <a:cxn ang="0">
-                <a:pos x="connsiteX27" y="connsiteY27"/>
-              </a:cxn>
-              <a:cxn ang="0">
-                <a:pos x="connsiteX28" y="connsiteY28"/>
-              </a:cxn>
-              <a:cxn ang="0">
-                <a:pos x="connsiteX29" y="connsiteY29"/>
-              </a:cxn>
-              <a:cxn ang="0">
-                <a:pos x="connsiteX30" y="connsiteY30"/>
-              </a:cxn>
-              <a:cxn ang="0">
-                <a:pos x="connsiteX31" y="connsiteY31"/>
-              </a:cxn>
-              <a:cxn ang="0">
-                <a:pos x="connsiteX32" y="connsiteY32"/>
-              </a:cxn>
-              <a:cxn ang="0">
-                <a:pos x="connsiteX33" y="connsiteY33"/>
-              </a:cxn>
-              <a:cxn ang="0">
-                <a:pos x="connsiteX34" y="connsiteY34"/>
-              </a:cxn>
-              <a:cxn ang="0">
-                <a:pos x="connsiteX35" y="connsiteY35"/>
-              </a:cxn>
-              <a:cxn ang="0">
-                <a:pos x="connsiteX36" y="connsiteY36"/>
-              </a:cxn>
-              <a:cxn ang="0">
-                <a:pos x="connsiteX37" y="connsiteY37"/>
-              </a:cxn>
-              <a:cxn ang="0">
-                <a:pos x="connsiteX38" y="connsiteY38"/>
-              </a:cxn>
-              <a:cxn ang="0">
-                <a:pos x="connsiteX39" y="connsiteY39"/>
-              </a:cxn>
-              <a:cxn ang="0">
-                <a:pos x="connsiteX40" y="connsiteY40"/>
-              </a:cxn>
-              <a:cxn ang="0">
-                <a:pos x="connsiteX41" y="connsiteY41"/>
-              </a:cxn>
-              <a:cxn ang="0">
-                <a:pos x="connsiteX42" y="connsiteY42"/>
-              </a:cxn>
-              <a:cxn ang="0">
-                <a:pos x="connsiteX43" y="connsiteY43"/>
-              </a:cxn>
-              <a:cxn ang="0">
-                <a:pos x="connsiteX44" y="connsiteY44"/>
-              </a:cxn>
-              <a:cxn ang="0">
-                <a:pos x="connsiteX45" y="connsiteY45"/>
-              </a:cxn>
-              <a:cxn ang="0">
-                <a:pos x="connsiteX46" y="connsiteY46"/>
-              </a:cxn>
-              <a:cxn ang="0">
-                <a:pos x="connsiteX47" y="connsiteY47"/>
-              </a:cxn>
-              <a:cxn ang="0">
-                <a:pos x="connsiteX48" y="connsiteY48"/>
-              </a:cxn>
-              <a:cxn ang="0">
-                <a:pos x="connsiteX49" y="connsiteY49"/>
-              </a:cxn>
-              <a:cxn ang="0">
-                <a:pos x="connsiteX50" y="connsiteY50"/>
-              </a:cxn>
-              <a:cxn ang="0">
-                <a:pos x="connsiteX51" y="connsiteY51"/>
-              </a:cxn>
-              <a:cxn ang="0">
-                <a:pos x="connsiteX52" y="connsiteY52"/>
-              </a:cxn>
-              <a:cxn ang="0">
-                <a:pos x="connsiteX53" y="connsiteY53"/>
-              </a:cxn>
-              <a:cxn ang="0">
-                <a:pos x="connsiteX54" y="connsiteY54"/>
-              </a:cxn>
-              <a:cxn ang="0">
-                <a:pos x="connsiteX55" y="connsiteY55"/>
-              </a:cxn>
-              <a:cxn ang="0">
-                <a:pos x="connsiteX56" y="connsiteY56"/>
-              </a:cxn>
-              <a:cxn ang="0">
-                <a:pos x="connsiteX57" y="connsiteY57"/>
-              </a:cxn>
-              <a:cxn ang="0">
-                <a:pos x="connsiteX58" y="connsiteY58"/>
-              </a:cxn>
-              <a:cxn ang="0">
-                <a:pos x="connsiteX59" y="connsiteY59"/>
-              </a:cxn>
-              <a:cxn ang="0">
-                <a:pos x="connsiteX60" y="connsiteY60"/>
-              </a:cxn>
-              <a:cxn ang="0">
-                <a:pos x="connsiteX61" y="connsiteY61"/>
-              </a:cxn>
-              <a:cxn ang="0">
-                <a:pos x="connsiteX62" y="connsiteY62"/>
-              </a:cxn>
-              <a:cxn ang="0">
-                <a:pos x="connsiteX63" y="connsiteY63"/>
-              </a:cxn>
-              <a:cxn ang="0">
-                <a:pos x="connsiteX64" y="connsiteY64"/>
-              </a:cxn>
-              <a:cxn ang="0">
-                <a:pos x="connsiteX65" y="connsiteY65"/>
-              </a:cxn>
-            </a:cxnLst>
-            <a:rect l="l" t="t" r="r" b="b"/>
-            <a:pathLst>
-              <a:path w="2289545" h="1375144">
-                <a:moveTo>
-                  <a:pt x="0" y="1375144"/>
-                </a:moveTo>
-                <a:cubicBezTo>
-                  <a:pt x="16540" y="1372781"/>
-                  <a:pt x="34351" y="1374842"/>
-                  <a:pt x="49619" y="1368056"/>
-                </a:cubicBezTo>
-                <a:cubicBezTo>
-                  <a:pt x="57404" y="1364596"/>
-                  <a:pt x="57772" y="1352814"/>
-                  <a:pt x="63796" y="1346790"/>
-                </a:cubicBezTo>
-                <a:cubicBezTo>
-                  <a:pt x="69820" y="1340766"/>
-                  <a:pt x="77973" y="1337339"/>
-                  <a:pt x="85061" y="1332614"/>
-                </a:cubicBezTo>
-                <a:lnTo>
-                  <a:pt x="113414" y="1290083"/>
-                </a:lnTo>
-                <a:cubicBezTo>
-                  <a:pt x="118140" y="1282995"/>
-                  <a:pt x="124897" y="1276900"/>
-                  <a:pt x="127591" y="1268818"/>
-                </a:cubicBezTo>
-                <a:cubicBezTo>
-                  <a:pt x="145410" y="1215367"/>
-                  <a:pt x="121374" y="1281252"/>
-                  <a:pt x="148856" y="1226288"/>
-                </a:cubicBezTo>
-                <a:cubicBezTo>
-                  <a:pt x="152198" y="1219605"/>
-                  <a:pt x="152603" y="1211706"/>
-                  <a:pt x="155945" y="1205023"/>
-                </a:cubicBezTo>
-                <a:cubicBezTo>
-                  <a:pt x="159755" y="1197403"/>
-                  <a:pt x="166311" y="1191378"/>
-                  <a:pt x="170121" y="1183758"/>
-                </a:cubicBezTo>
-                <a:cubicBezTo>
-                  <a:pt x="199464" y="1125072"/>
-                  <a:pt x="150764" y="1202161"/>
-                  <a:pt x="191387" y="1141228"/>
-                </a:cubicBezTo>
-                <a:cubicBezTo>
-                  <a:pt x="199474" y="1116965"/>
-                  <a:pt x="210359" y="1071873"/>
-                  <a:pt x="233917" y="1056167"/>
-                </a:cubicBezTo>
-                <a:lnTo>
-                  <a:pt x="255182" y="1041990"/>
-                </a:lnTo>
-                <a:cubicBezTo>
-                  <a:pt x="290385" y="989186"/>
-                  <a:pt x="245137" y="1054046"/>
-                  <a:pt x="290624" y="999460"/>
-                </a:cubicBezTo>
-                <a:cubicBezTo>
-                  <a:pt x="296078" y="992915"/>
-                  <a:pt x="299346" y="984739"/>
-                  <a:pt x="304800" y="978195"/>
-                </a:cubicBezTo>
-                <a:cubicBezTo>
-                  <a:pt x="311218" y="970494"/>
-                  <a:pt x="319648" y="964631"/>
-                  <a:pt x="326066" y="956930"/>
-                </a:cubicBezTo>
-                <a:cubicBezTo>
-                  <a:pt x="331520" y="950386"/>
-                  <a:pt x="334218" y="941689"/>
-                  <a:pt x="340242" y="935665"/>
-                </a:cubicBezTo>
-                <a:cubicBezTo>
-                  <a:pt x="346266" y="929641"/>
-                  <a:pt x="354419" y="926214"/>
-                  <a:pt x="361507" y="921488"/>
-                </a:cubicBezTo>
-                <a:lnTo>
-                  <a:pt x="404038" y="857693"/>
-                </a:lnTo>
-                <a:cubicBezTo>
-                  <a:pt x="408763" y="850605"/>
-                  <a:pt x="411126" y="841153"/>
-                  <a:pt x="418214" y="836428"/>
-                </a:cubicBezTo>
-                <a:lnTo>
-                  <a:pt x="439480" y="822251"/>
-                </a:lnTo>
-                <a:cubicBezTo>
-                  <a:pt x="477280" y="765549"/>
-                  <a:pt x="427669" y="834061"/>
-                  <a:pt x="474921" y="786809"/>
-                </a:cubicBezTo>
-                <a:cubicBezTo>
-                  <a:pt x="480945" y="780785"/>
-                  <a:pt x="483074" y="771568"/>
-                  <a:pt x="489098" y="765544"/>
-                </a:cubicBezTo>
-                <a:cubicBezTo>
-                  <a:pt x="495122" y="759520"/>
-                  <a:pt x="503818" y="756821"/>
-                  <a:pt x="510363" y="751367"/>
-                </a:cubicBezTo>
-                <a:cubicBezTo>
-                  <a:pt x="564941" y="705885"/>
-                  <a:pt x="500096" y="751124"/>
-                  <a:pt x="552893" y="715925"/>
-                </a:cubicBezTo>
-                <a:cubicBezTo>
-                  <a:pt x="576521" y="680484"/>
-                  <a:pt x="559982" y="699385"/>
-                  <a:pt x="609600" y="666307"/>
-                </a:cubicBezTo>
-                <a:lnTo>
-                  <a:pt x="694661" y="609600"/>
-                </a:lnTo>
-                <a:lnTo>
-                  <a:pt x="715926" y="595423"/>
-                </a:lnTo>
-                <a:cubicBezTo>
-                  <a:pt x="723014" y="590697"/>
-                  <a:pt x="730376" y="586357"/>
-                  <a:pt x="737191" y="581246"/>
-                </a:cubicBezTo>
-                <a:cubicBezTo>
-                  <a:pt x="746642" y="574158"/>
-                  <a:pt x="755866" y="566756"/>
-                  <a:pt x="765545" y="559981"/>
-                </a:cubicBezTo>
-                <a:cubicBezTo>
-                  <a:pt x="779503" y="550210"/>
-                  <a:pt x="793898" y="541079"/>
-                  <a:pt x="808075" y="531628"/>
-                </a:cubicBezTo>
-                <a:lnTo>
-                  <a:pt x="829340" y="517451"/>
-                </a:lnTo>
-                <a:cubicBezTo>
-                  <a:pt x="836428" y="512725"/>
-                  <a:pt x="842523" y="505968"/>
-                  <a:pt x="850605" y="503274"/>
-                </a:cubicBezTo>
-                <a:cubicBezTo>
-                  <a:pt x="864782" y="498548"/>
-                  <a:pt x="880701" y="497386"/>
-                  <a:pt x="893135" y="489097"/>
-                </a:cubicBezTo>
-                <a:cubicBezTo>
-                  <a:pt x="907312" y="479646"/>
-                  <a:pt x="919502" y="466132"/>
-                  <a:pt x="935666" y="460744"/>
-                </a:cubicBezTo>
-                <a:cubicBezTo>
-                  <a:pt x="949843" y="456018"/>
-                  <a:pt x="965762" y="454856"/>
-                  <a:pt x="978196" y="446567"/>
-                </a:cubicBezTo>
-                <a:cubicBezTo>
-                  <a:pt x="998986" y="432707"/>
-                  <a:pt x="997248" y="431171"/>
-                  <a:pt x="1020726" y="425302"/>
-                </a:cubicBezTo>
-                <a:cubicBezTo>
-                  <a:pt x="1032414" y="422380"/>
-                  <a:pt x="1044545" y="421384"/>
-                  <a:pt x="1056168" y="418214"/>
-                </a:cubicBezTo>
-                <a:cubicBezTo>
-                  <a:pt x="1070585" y="414282"/>
-                  <a:pt x="1084521" y="408763"/>
-                  <a:pt x="1098698" y="404037"/>
-                </a:cubicBezTo>
-                <a:lnTo>
-                  <a:pt x="1141228" y="389860"/>
-                </a:lnTo>
-                <a:cubicBezTo>
-                  <a:pt x="1141232" y="389859"/>
-                  <a:pt x="1183756" y="375685"/>
-                  <a:pt x="1183759" y="375683"/>
-                </a:cubicBezTo>
-                <a:cubicBezTo>
-                  <a:pt x="1217457" y="353219"/>
-                  <a:pt x="1196943" y="364200"/>
-                  <a:pt x="1247554" y="347330"/>
-                </a:cubicBezTo>
-                <a:lnTo>
-                  <a:pt x="1268819" y="340242"/>
-                </a:lnTo>
-                <a:cubicBezTo>
-                  <a:pt x="1309130" y="299931"/>
-                  <a:pt x="1270316" y="332406"/>
-                  <a:pt x="1311349" y="311888"/>
-                </a:cubicBezTo>
-                <a:cubicBezTo>
-                  <a:pt x="1366303" y="284410"/>
-                  <a:pt x="1300437" y="308436"/>
-                  <a:pt x="1353880" y="290623"/>
-                </a:cubicBezTo>
-                <a:cubicBezTo>
-                  <a:pt x="1368057" y="281172"/>
-                  <a:pt x="1380246" y="267658"/>
-                  <a:pt x="1396410" y="262270"/>
-                </a:cubicBezTo>
-                <a:lnTo>
-                  <a:pt x="1438940" y="248093"/>
-                </a:lnTo>
-                <a:cubicBezTo>
-                  <a:pt x="1490738" y="213560"/>
-                  <a:pt x="1425619" y="255704"/>
-                  <a:pt x="1488559" y="219739"/>
-                </a:cubicBezTo>
-                <a:cubicBezTo>
-                  <a:pt x="1495956" y="215512"/>
-                  <a:pt x="1502204" y="209373"/>
-                  <a:pt x="1509824" y="205563"/>
-                </a:cubicBezTo>
-                <a:cubicBezTo>
-                  <a:pt x="1516507" y="202221"/>
-                  <a:pt x="1524406" y="201816"/>
-                  <a:pt x="1531089" y="198474"/>
-                </a:cubicBezTo>
-                <a:cubicBezTo>
-                  <a:pt x="1586045" y="170995"/>
-                  <a:pt x="1520176" y="195023"/>
-                  <a:pt x="1573619" y="177209"/>
-                </a:cubicBezTo>
-                <a:cubicBezTo>
-                  <a:pt x="1587796" y="167758"/>
-                  <a:pt x="1599985" y="154244"/>
-                  <a:pt x="1616149" y="148856"/>
-                </a:cubicBezTo>
-                <a:cubicBezTo>
-                  <a:pt x="1623237" y="146493"/>
-                  <a:pt x="1630731" y="145109"/>
-                  <a:pt x="1637414" y="141767"/>
-                </a:cubicBezTo>
-                <a:cubicBezTo>
-                  <a:pt x="1645034" y="137957"/>
-                  <a:pt x="1650895" y="131050"/>
-                  <a:pt x="1658680" y="127590"/>
-                </a:cubicBezTo>
-                <a:cubicBezTo>
-                  <a:pt x="1672336" y="121521"/>
-                  <a:pt x="1701210" y="113414"/>
-                  <a:pt x="1701210" y="113414"/>
-                </a:cubicBezTo>
-                <a:cubicBezTo>
-                  <a:pt x="1708298" y="108688"/>
-                  <a:pt x="1714690" y="102697"/>
-                  <a:pt x="1722475" y="99237"/>
-                </a:cubicBezTo>
-                <a:cubicBezTo>
-                  <a:pt x="1722490" y="99230"/>
-                  <a:pt x="1775630" y="81519"/>
-                  <a:pt x="1786270" y="77972"/>
-                </a:cubicBezTo>
-                <a:lnTo>
-                  <a:pt x="1807535" y="70883"/>
-                </a:lnTo>
-                <a:lnTo>
-                  <a:pt x="1828800" y="63795"/>
-                </a:lnTo>
-                <a:cubicBezTo>
-                  <a:pt x="1835889" y="59069"/>
-                  <a:pt x="1842446" y="53428"/>
-                  <a:pt x="1850066" y="49618"/>
-                </a:cubicBezTo>
-                <a:cubicBezTo>
-                  <a:pt x="1861976" y="43663"/>
-                  <a:pt x="1888329" y="38849"/>
-                  <a:pt x="1899684" y="35442"/>
-                </a:cubicBezTo>
-                <a:cubicBezTo>
-                  <a:pt x="1913997" y="31148"/>
-                  <a:pt x="1928037" y="25991"/>
-                  <a:pt x="1942214" y="21265"/>
-                </a:cubicBezTo>
-                <a:lnTo>
-                  <a:pt x="1963480" y="14177"/>
-                </a:lnTo>
-                <a:cubicBezTo>
-                  <a:pt x="2001284" y="16540"/>
-                  <a:pt x="2039015" y="21265"/>
-                  <a:pt x="2076893" y="21265"/>
-                </a:cubicBezTo>
-                <a:cubicBezTo>
-                  <a:pt x="2163792" y="21265"/>
-                  <a:pt x="2081921" y="4801"/>
-                  <a:pt x="2147777" y="21265"/>
-                </a:cubicBezTo>
-                <a:cubicBezTo>
-                  <a:pt x="2186255" y="8439"/>
-                  <a:pt x="2163817" y="14374"/>
-                  <a:pt x="2225749" y="7088"/>
-                </a:cubicBezTo>
-                <a:lnTo>
-                  <a:pt x="2289545" y="0"/>
-                </a:lnTo>
-              </a:path>
-            </a:pathLst>
-          </a:custGeom>
-          <a:noFill/>
-          <a:ln>
-            <a:solidFill>
-              <a:schemeClr val="accent4">
-                <a:lumMod val="75000"/>
-              </a:schemeClr>
-            </a:solidFill>
-          </a:ln>
-        </p:spPr>
-        <p:style>
-          <a:lnRef idx="2">
-            <a:schemeClr val="accent1">
-              <a:shade val="15000"/>
-            </a:schemeClr>
-          </a:lnRef>
-          <a:fillRef idx="1">
-            <a:schemeClr val="accent1"/>
-          </a:fillRef>
-          <a:effectRef idx="0">
-            <a:schemeClr val="accent1"/>
-          </a:effectRef>
-          <a:fontRef idx="minor">
-            <a:schemeClr val="lt1"/>
-          </a:fontRef>
-        </p:style>
-        <p:txBody>
-          <a:bodyPr rtlCol="0" anchor="ctr"/>
-          <a:lstStyle/>
-          <a:p>
-            <a:pPr algn="ctr"/>
-            <a:endParaRPr lang="da-DK"/>
-          </a:p>
-        </p:txBody>
-      </p:sp>
       <mc:AlternateContent xmlns:mc="http://schemas.openxmlformats.org/markup-compatibility/2006">
         <mc:Choice xmlns:a14="http://schemas.microsoft.com/office/drawing/2010/main" Requires="a14">
           <p:sp>
             <p:nvSpPr>
-              <p:cNvPr id="52" name="TextBox 51">
+              <p:cNvPr id="43" name="TextBox 42">
                 <a:extLst>
                   <a:ext uri="{FF2B5EF4-FFF2-40B4-BE49-F238E27FC236}">
-                    <a16:creationId xmlns:a16="http://schemas.microsoft.com/office/drawing/2014/main" id="{8CFF7B25-0CE6-DB78-1AF2-875C52334C14}"/>
+                    <a16:creationId xmlns:a16="http://schemas.microsoft.com/office/drawing/2014/main" id="{8942F5A8-BD8C-8CE2-1A1B-27A74401C055}"/>
                   </a:ext>
                 </a:extLst>
               </p:cNvPr>
@@ -7313,8 +4823,8 @@
             </p:nvSpPr>
             <p:spPr>
               <a:xfrm>
-                <a:off x="2673177" y="3658997"/>
-                <a:ext cx="934358" cy="369332"/>
+                <a:off x="660745" y="747143"/>
+                <a:ext cx="873681" cy="246221"/>
               </a:xfrm>
               <a:prstGeom prst="rect">
                 <a:avLst/>
@@ -7322,89 +4832,63 @@
               <a:noFill/>
             </p:spPr>
             <p:txBody>
-              <a:bodyPr wrap="none" rtlCol="0">
+              <a:bodyPr wrap="square" rtlCol="0">
                 <a:spAutoFit/>
               </a:bodyPr>
               <a:lstStyle/>
               <a:p>
                 <a14:m>
-                  <m:oMathPara xmlns:m="http://schemas.openxmlformats.org/officeDocument/2006/math">
-                    <m:oMathParaPr>
-                      <m:jc m:val="centerGroup"/>
-                    </m:oMathParaPr>
-                    <m:oMath xmlns:m="http://schemas.openxmlformats.org/officeDocument/2006/math">
-                      <m:sSup>
-                        <m:sSupPr>
-                          <m:ctrlPr>
-                            <a:rPr lang="da-DK" b="0" i="1" smtClean="0">
-                              <a:solidFill>
-                                <a:schemeClr val="accent4">
-                                  <a:lumMod val="75000"/>
-                                </a:schemeClr>
-                              </a:solidFill>
-                              <a:latin typeface="Cambria Math" panose="02040503050406030204" pitchFamily="18" charset="0"/>
-                            </a:rPr>
-                          </m:ctrlPr>
-                        </m:sSupPr>
-                        <m:e>
-                          <m:r>
-                            <a:rPr lang="da-DK" b="0" i="1" smtClean="0">
-                              <a:solidFill>
-                                <a:schemeClr val="accent4">
-                                  <a:lumMod val="75000"/>
-                                </a:schemeClr>
-                              </a:solidFill>
-                              <a:latin typeface="Cambria Math" panose="02040503050406030204" pitchFamily="18" charset="0"/>
-                            </a:rPr>
-                            <m:t>𝑂𝐻</m:t>
-                          </m:r>
-                          <m:r>
-                            <a:rPr lang="da-DK" b="0" i="1" smtClean="0">
-                              <a:solidFill>
-                                <a:schemeClr val="accent4">
-                                  <a:lumMod val="75000"/>
-                                </a:schemeClr>
-                              </a:solidFill>
-                              <a:latin typeface="Cambria Math" panose="02040503050406030204" pitchFamily="18" charset="0"/>
-                            </a:rPr>
-                            <m:t>/</m:t>
-                          </m:r>
-                          <m:r>
-                            <a:rPr lang="da-DK" b="0" i="1" smtClean="0">
-                              <a:solidFill>
-                                <a:schemeClr val="accent4">
-                                  <a:lumMod val="75000"/>
-                                </a:schemeClr>
-                              </a:solidFill>
-                              <a:latin typeface="Cambria Math" panose="02040503050406030204" pitchFamily="18" charset="0"/>
-                            </a:rPr>
-                            <m:t>𝑂</m:t>
-                          </m:r>
-                        </m:e>
-                        <m:sup>
-                          <m:r>
-                            <a:rPr lang="da-DK" b="0" i="1" smtClean="0">
-                              <a:solidFill>
-                                <a:schemeClr val="accent4">
-                                  <a:lumMod val="75000"/>
-                                </a:schemeClr>
-                              </a:solidFill>
-                              <a:latin typeface="Cambria Math" panose="02040503050406030204" pitchFamily="18" charset="0"/>
-                            </a:rPr>
-                            <m:t>∗</m:t>
-                          </m:r>
-                        </m:sup>
-                      </m:sSup>
-                    </m:oMath>
-                  </m:oMathPara>
+                  <m:oMath xmlns:m="http://schemas.openxmlformats.org/officeDocument/2006/math">
+                    <m:sPre>
+                      <m:sPrePr>
+                        <m:ctrlPr>
+                          <a:rPr lang="da-DK" sz="1000" i="1" smtClean="0">
+                            <a:latin typeface="Cambria Math" panose="02040503050406030204" pitchFamily="18" charset="0"/>
+                            <a:cs typeface="Times New Roman" panose="02020603050405020304" pitchFamily="18" charset="0"/>
+                          </a:rPr>
+                        </m:ctrlPr>
+                      </m:sPrePr>
+                      <m:sub>
+                        <m:r>
+                          <a:rPr lang="da-DK" sz="1000" i="1">
+                            <a:latin typeface="Cambria Math" panose="02040503050406030204" pitchFamily="18" charset="0"/>
+                            <a:cs typeface="Times New Roman" panose="02020603050405020304" pitchFamily="18" charset="0"/>
+                          </a:rPr>
+                          <m:t> </m:t>
+                        </m:r>
+                      </m:sub>
+                      <m:sup>
+                        <m:r>
+                          <a:rPr lang="da-DK" sz="1000" i="1">
+                            <a:latin typeface="Cambria Math" panose="02040503050406030204" pitchFamily="18" charset="0"/>
+                          </a:rPr>
+                          <m:t>∗</m:t>
+                        </m:r>
+                      </m:sup>
+                      <m:e>
+                        <m:r>
+                          <a:rPr lang="da-DK" sz="1000" i="1">
+                            <a:latin typeface="Cambria Math" panose="02040503050406030204" pitchFamily="18" charset="0"/>
+                          </a:rPr>
+                          <m:t>𝐶𝑂</m:t>
+                        </m:r>
+                      </m:e>
+                    </m:sPre>
+                    <m:r>
+                      <a:rPr lang="da-DK" sz="1000" i="1">
+                        <a:latin typeface="Cambria Math" panose="02040503050406030204" pitchFamily="18" charset="0"/>
+                      </a:rPr>
+                      <m:t> </m:t>
+                    </m:r>
+                  </m:oMath>
                 </a14:m>
-                <a:endParaRPr lang="da-DK" dirty="0">
-                  <a:solidFill>
-                    <a:schemeClr val="accent4">
-                      <a:lumMod val="75000"/>
-                    </a:schemeClr>
-                  </a:solidFill>
-                </a:endParaRPr>
+                <a:r>
+                  <a:rPr lang="da-DK" sz="1000" dirty="0">
+                    <a:latin typeface="Times New Roman" panose="02020603050405020304" pitchFamily="18" charset="0"/>
+                    <a:cs typeface="Times New Roman" panose="02020603050405020304" pitchFamily="18" charset="0"/>
+                  </a:rPr>
+                  <a:t>creation</a:t>
+                </a:r>
               </a:p>
             </p:txBody>
           </p:sp>
@@ -7412,10 +4896,10 @@
         <mc:Fallback>
           <p:sp>
             <p:nvSpPr>
-              <p:cNvPr id="52" name="TextBox 51">
+              <p:cNvPr id="43" name="TextBox 42">
                 <a:extLst>
                   <a:ext uri="{FF2B5EF4-FFF2-40B4-BE49-F238E27FC236}">
-                    <a16:creationId xmlns:a16="http://schemas.microsoft.com/office/drawing/2014/main" id="{8CFF7B25-0CE6-DB78-1AF2-875C52334C14}"/>
+                    <a16:creationId xmlns:a16="http://schemas.microsoft.com/office/drawing/2014/main" id="{8942F5A8-BD8C-8CE2-1A1B-27A74401C055}"/>
                   </a:ext>
                 </a:extLst>
               </p:cNvPr>
@@ -7426,8 +4910,8 @@
             </p:nvSpPr>
             <p:spPr>
               <a:xfrm>
-                <a:off x="2673177" y="3658997"/>
-                <a:ext cx="934358" cy="369332"/>
+                <a:off x="660745" y="747143"/>
+                <a:ext cx="873681" cy="246221"/>
               </a:xfrm>
               <a:prstGeom prst="rect">
                 <a:avLst/>
@@ -7435,7 +4919,7 @@
               <a:blipFill>
                 <a:blip r:embed="rId11"/>
                 <a:stretch>
-                  <a:fillRect b="-13333"/>
+                  <a:fillRect b="-10000"/>
                 </a:stretch>
               </a:blipFill>
             </p:spPr>
@@ -7470,8 +4954,8 @@
         </p:nvCxnSpPr>
         <p:spPr>
           <a:xfrm>
-            <a:off x="2239924" y="3448074"/>
-            <a:ext cx="0" cy="939212"/>
+            <a:off x="2042391" y="896783"/>
+            <a:ext cx="0" cy="353714"/>
           </a:xfrm>
           <a:prstGeom prst="line">
             <a:avLst/>
@@ -7480,7 +4964,9 @@
             <a:solidFill>
               <a:schemeClr val="tx1"/>
             </a:solidFill>
-            <a:prstDash val="sysDash"/>
+            <a:prstDash val="solid"/>
+            <a:headEnd type="none" w="med" len="med"/>
+            <a:tailEnd type="triangle" w="med" len="med"/>
           </a:ln>
         </p:spPr>
         <p:style>
@@ -7514,8 +5000,8 @@
             </p:nvSpPr>
             <p:spPr>
               <a:xfrm>
-                <a:off x="1703795" y="3199409"/>
-                <a:ext cx="996876" cy="261610"/>
+                <a:off x="1580934" y="677816"/>
+                <a:ext cx="917687" cy="246221"/>
               </a:xfrm>
               <a:prstGeom prst="rect">
                 <a:avLst/>
@@ -7530,65 +5016,57 @@
               <a:p>
                 <a14:m>
                   <m:oMath xmlns:m="http://schemas.openxmlformats.org/officeDocument/2006/math">
-                    <m:r>
-                      <a:rPr lang="da-DK" sz="1100" i="1" dirty="0" smtClean="0">
-                        <a:solidFill>
-                          <a:srgbClr val="00B050"/>
-                        </a:solidFill>
-                        <a:latin typeface="Cambria Math" panose="02040503050406030204" pitchFamily="18" charset="0"/>
-                        <a:cs typeface="Times New Roman" panose="02020603050405020304" pitchFamily="18" charset="0"/>
-                      </a:rPr>
-                      <m:t>𝐶</m:t>
-                    </m:r>
-                    <m:sSup>
-                      <m:sSupPr>
+                    <m:sPre>
+                      <m:sPrePr>
                         <m:ctrlPr>
-                          <a:rPr lang="da-DK" sz="1100" i="1" dirty="0" smtClean="0">
-                            <a:solidFill>
-                              <a:srgbClr val="00B050"/>
-                            </a:solidFill>
+                          <a:rPr lang="da-DK" sz="1000" i="1">
                             <a:latin typeface="Cambria Math" panose="02040503050406030204" pitchFamily="18" charset="0"/>
                             <a:cs typeface="Times New Roman" panose="02020603050405020304" pitchFamily="18" charset="0"/>
                           </a:rPr>
                         </m:ctrlPr>
-                      </m:sSupPr>
-                      <m:e>
+                      </m:sPrePr>
+                      <m:sub>
                         <m:r>
-                          <a:rPr lang="da-DK" sz="1100" i="1" dirty="0" smtClean="0">
-                            <a:solidFill>
-                              <a:srgbClr val="00B050"/>
-                            </a:solidFill>
+                          <a:rPr lang="da-DK" sz="1000" i="1">
                             <a:latin typeface="Cambria Math" panose="02040503050406030204" pitchFamily="18" charset="0"/>
                             <a:cs typeface="Times New Roman" panose="02020603050405020304" pitchFamily="18" charset="0"/>
                           </a:rPr>
-                          <m:t>𝑂</m:t>
+                          <m:t> </m:t>
                         </m:r>
-                      </m:e>
+                      </m:sub>
                       <m:sup>
                         <m:r>
-                          <a:rPr lang="da-DK" sz="1100" b="0" i="1" dirty="0" smtClean="0">
-                            <a:solidFill>
-                              <a:srgbClr val="00B050"/>
-                            </a:solidFill>
+                          <a:rPr lang="da-DK" sz="1000" i="1">
                             <a:latin typeface="Cambria Math" panose="02040503050406030204" pitchFamily="18" charset="0"/>
-                            <a:cs typeface="Times New Roman" panose="02020603050405020304" pitchFamily="18" charset="0"/>
                           </a:rPr>
                           <m:t>∗</m:t>
                         </m:r>
                       </m:sup>
-                    </m:sSup>
+                      <m:e>
+                        <m:r>
+                          <a:rPr lang="da-DK" sz="1000" i="1">
+                            <a:latin typeface="Cambria Math" panose="02040503050406030204" pitchFamily="18" charset="0"/>
+                          </a:rPr>
+                          <m:t>𝐶𝑂</m:t>
+                        </m:r>
+                      </m:e>
+                    </m:sPre>
                   </m:oMath>
                 </a14:m>
                 <a:r>
-                  <a:rPr lang="da-DK" sz="1100" dirty="0">
-                    <a:solidFill>
-                      <a:srgbClr val="00B050"/>
-                    </a:solidFill>
+                  <a:rPr lang="da-DK" sz="1000" dirty="0">
                     <a:latin typeface="Times New Roman" panose="02020603050405020304" pitchFamily="18" charset="0"/>
                     <a:cs typeface="Times New Roman" panose="02020603050405020304" pitchFamily="18" charset="0"/>
                   </a:rPr>
                   <a:t> oxidation</a:t>
                 </a:r>
+                <a:endParaRPr lang="da-DK" sz="1000" dirty="0">
+                  <a:solidFill>
+                    <a:srgbClr val="00B050"/>
+                  </a:solidFill>
+                  <a:latin typeface="Times New Roman" panose="02020603050405020304" pitchFamily="18" charset="0"/>
+                  <a:cs typeface="Times New Roman" panose="02020603050405020304" pitchFamily="18" charset="0"/>
+                </a:endParaRPr>
               </a:p>
             </p:txBody>
           </p:sp>
@@ -7610,8 +5088,8 @@
             </p:nvSpPr>
             <p:spPr>
               <a:xfrm>
-                <a:off x="1703795" y="3199409"/>
-                <a:ext cx="996876" cy="261610"/>
+                <a:off x="1580934" y="677816"/>
+                <a:ext cx="917687" cy="246221"/>
               </a:xfrm>
               <a:prstGeom prst="rect">
                 <a:avLst/>
@@ -7619,7 +5097,7 @@
               <a:blipFill>
                 <a:blip r:embed="rId12"/>
                 <a:stretch>
-                  <a:fillRect b="-19048"/>
+                  <a:fillRect b="-15000"/>
                 </a:stretch>
               </a:blipFill>
             </p:spPr>
@@ -7638,10 +5116,826 @@
           </p:sp>
         </mc:Fallback>
       </mc:AlternateContent>
+      <mc:AlternateContent xmlns:mc="http://schemas.openxmlformats.org/markup-compatibility/2006">
+        <mc:Choice xmlns:a14="http://schemas.microsoft.com/office/drawing/2010/main" Requires="a14">
+          <p:sp>
+            <p:nvSpPr>
+              <p:cNvPr id="40" name="TextBox 39">
+                <a:extLst>
+                  <a:ext uri="{FF2B5EF4-FFF2-40B4-BE49-F238E27FC236}">
+                    <a16:creationId xmlns:a16="http://schemas.microsoft.com/office/drawing/2014/main" id="{39001473-CAEA-B904-2EE7-711C6E1D141C}"/>
+                  </a:ext>
+                </a:extLst>
+              </p:cNvPr>
+              <p:cNvSpPr txBox="1"/>
+              <p:nvPr/>
+            </p:nvSpPr>
+            <p:spPr>
+              <a:xfrm>
+                <a:off x="1956286" y="143391"/>
+                <a:ext cx="660181" cy="279307"/>
+              </a:xfrm>
+              <a:prstGeom prst="rect">
+                <a:avLst/>
+              </a:prstGeom>
+              <a:noFill/>
+            </p:spPr>
+            <p:txBody>
+              <a:bodyPr wrap="none" rtlCol="0">
+                <a:spAutoFit/>
+              </a:bodyPr>
+              <a:lstStyle/>
+              <a:p>
+                <a14:m>
+                  <m:oMathPara xmlns:m="http://schemas.openxmlformats.org/officeDocument/2006/math">
+                    <m:oMathParaPr>
+                      <m:jc m:val="centerGroup"/>
+                    </m:oMathParaPr>
+                    <m:oMath xmlns:m="http://schemas.openxmlformats.org/officeDocument/2006/math">
+                      <m:sSubSup>
+                        <m:sSubSupPr>
+                          <m:ctrlPr>
+                            <a:rPr lang="da-DK" sz="1100" b="1" i="1">
+                              <a:latin typeface="Cambria Math" panose="02040503050406030204" pitchFamily="18" charset="0"/>
+                              <a:cs typeface="Times New Roman" panose="02020603050405020304" pitchFamily="18" charset="0"/>
+                            </a:rPr>
+                          </m:ctrlPr>
+                        </m:sSubSupPr>
+                        <m:e>
+                          <m:r>
+                            <a:rPr lang="da-DK" sz="1100" b="1" i="1">
+                              <a:latin typeface="Cambria Math" panose="02040503050406030204" pitchFamily="18" charset="0"/>
+                              <a:cs typeface="Times New Roman" panose="02020603050405020304" pitchFamily="18" charset="0"/>
+                            </a:rPr>
+                            <m:t>𝑼</m:t>
+                          </m:r>
+                        </m:e>
+                        <m:sub>
+                          <m:r>
+                            <a:rPr lang="da-DK" sz="1100" b="1" i="1">
+                              <a:latin typeface="Cambria Math" panose="02040503050406030204" pitchFamily="18" charset="0"/>
+                              <a:cs typeface="Times New Roman" panose="02020603050405020304" pitchFamily="18" charset="0"/>
+                            </a:rPr>
+                            <m:t>𝑨𝒏𝒐𝒅𝒆</m:t>
+                          </m:r>
+                        </m:sub>
+                        <m:sup>
+                          <m:r>
+                            <a:rPr lang="da-DK" sz="1100" b="1" i="1">
+                              <a:latin typeface="Cambria Math" panose="02040503050406030204" pitchFamily="18" charset="0"/>
+                              <a:cs typeface="Times New Roman" panose="02020603050405020304" pitchFamily="18" charset="0"/>
+                            </a:rPr>
+                            <m:t>𝑨𝒄𝒕𝒖𝒂𝒍</m:t>
+                          </m:r>
+                        </m:sup>
+                      </m:sSubSup>
+                    </m:oMath>
+                  </m:oMathPara>
+                </a14:m>
+                <a:endParaRPr lang="da-DK" sz="1100" b="1" dirty="0">
+                  <a:latin typeface="Times New Roman" panose="02020603050405020304" pitchFamily="18" charset="0"/>
+                  <a:cs typeface="Times New Roman" panose="02020603050405020304" pitchFamily="18" charset="0"/>
+                </a:endParaRPr>
+              </a:p>
+            </p:txBody>
+          </p:sp>
+        </mc:Choice>
+        <mc:Fallback>
+          <p:sp>
+            <p:nvSpPr>
+              <p:cNvPr id="40" name="TextBox 39">
+                <a:extLst>
+                  <a:ext uri="{FF2B5EF4-FFF2-40B4-BE49-F238E27FC236}">
+                    <a16:creationId xmlns:a16="http://schemas.microsoft.com/office/drawing/2014/main" id="{39001473-CAEA-B904-2EE7-711C6E1D141C}"/>
+                  </a:ext>
+                </a:extLst>
+              </p:cNvPr>
+              <p:cNvSpPr txBox="1">
+                <a:spLocks noRot="1" noChangeAspect="1" noMove="1" noResize="1" noEditPoints="1" noAdjustHandles="1" noChangeArrowheads="1" noChangeShapeType="1" noTextEdit="1"/>
+              </p:cNvSpPr>
+              <p:nvPr/>
+            </p:nvSpPr>
+            <p:spPr>
+              <a:xfrm>
+                <a:off x="1956286" y="143391"/>
+                <a:ext cx="660181" cy="279307"/>
+              </a:xfrm>
+              <a:prstGeom prst="rect">
+                <a:avLst/>
+              </a:prstGeom>
+              <a:blipFill>
+                <a:blip r:embed="rId13"/>
+                <a:stretch>
+                  <a:fillRect/>
+                </a:stretch>
+              </a:blipFill>
+            </p:spPr>
+            <p:txBody>
+              <a:bodyPr/>
+              <a:lstStyle/>
+              <a:p>
+                <a:r>
+                  <a:rPr lang="da-DK">
+                    <a:noFill/>
+                  </a:rPr>
+                  <a:t> </a:t>
+                </a:r>
+              </a:p>
+            </p:txBody>
+          </p:sp>
+        </mc:Fallback>
+      </mc:AlternateContent>
+      <p:cxnSp>
+        <p:nvCxnSpPr>
+          <p:cNvPr id="3" name="Straight Connector 2">
+            <a:extLst>
+              <a:ext uri="{FF2B5EF4-FFF2-40B4-BE49-F238E27FC236}">
+                <a16:creationId xmlns:a16="http://schemas.microsoft.com/office/drawing/2014/main" id="{EB1C92B1-97F4-14D5-8A02-2E8904E81FAF}"/>
+              </a:ext>
+            </a:extLst>
+          </p:cNvPr>
+          <p:cNvCxnSpPr>
+            <a:cxnSpLocks/>
+          </p:cNvCxnSpPr>
+          <p:nvPr/>
+        </p:nvCxnSpPr>
+        <p:spPr>
+          <a:xfrm>
+            <a:off x="1294939" y="1388311"/>
+            <a:ext cx="3125972" cy="0"/>
+          </a:xfrm>
+          <a:prstGeom prst="line">
+            <a:avLst/>
+          </a:prstGeom>
+          <a:ln w="76200">
+            <a:solidFill>
+              <a:srgbClr val="FD7201"/>
+            </a:solidFill>
+          </a:ln>
+        </p:spPr>
+        <p:style>
+          <a:lnRef idx="1">
+            <a:schemeClr val="accent1"/>
+          </a:lnRef>
+          <a:fillRef idx="0">
+            <a:schemeClr val="accent1"/>
+          </a:fillRef>
+          <a:effectRef idx="0">
+            <a:schemeClr val="accent1"/>
+          </a:effectRef>
+          <a:fontRef idx="minor">
+            <a:schemeClr val="tx1"/>
+          </a:fontRef>
+        </p:style>
+      </p:cxnSp>
+      <p:cxnSp>
+        <p:nvCxnSpPr>
+          <p:cNvPr id="4" name="Straight Connector 3">
+            <a:extLst>
+              <a:ext uri="{FF2B5EF4-FFF2-40B4-BE49-F238E27FC236}">
+                <a16:creationId xmlns:a16="http://schemas.microsoft.com/office/drawing/2014/main" id="{CF3770E6-8BD6-677C-AFE9-29BC0DBC465F}"/>
+              </a:ext>
+            </a:extLst>
+          </p:cNvPr>
+          <p:cNvCxnSpPr>
+            <a:cxnSpLocks/>
+          </p:cNvCxnSpPr>
+          <p:nvPr/>
+        </p:nvCxnSpPr>
+        <p:spPr>
+          <a:xfrm>
+            <a:off x="2039220" y="1314920"/>
+            <a:ext cx="2381695" cy="0"/>
+          </a:xfrm>
+          <a:prstGeom prst="line">
+            <a:avLst/>
+          </a:prstGeom>
+          <a:ln w="76200">
+            <a:solidFill>
+              <a:schemeClr val="accent4">
+                <a:lumMod val="75000"/>
+              </a:schemeClr>
+            </a:solidFill>
+          </a:ln>
+        </p:spPr>
+        <p:style>
+          <a:lnRef idx="1">
+            <a:schemeClr val="accent1"/>
+          </a:lnRef>
+          <a:fillRef idx="0">
+            <a:schemeClr val="accent1"/>
+          </a:fillRef>
+          <a:effectRef idx="0">
+            <a:schemeClr val="accent1"/>
+          </a:effectRef>
+          <a:fontRef idx="minor">
+            <a:schemeClr val="tx1"/>
+          </a:fontRef>
+        </p:style>
+      </p:cxnSp>
+      <p:cxnSp>
+        <p:nvCxnSpPr>
+          <p:cNvPr id="10" name="Straight Connector 9">
+            <a:extLst>
+              <a:ext uri="{FF2B5EF4-FFF2-40B4-BE49-F238E27FC236}">
+                <a16:creationId xmlns:a16="http://schemas.microsoft.com/office/drawing/2014/main" id="{AE984378-154D-7BCB-73BA-F3B811FD62EF}"/>
+              </a:ext>
+            </a:extLst>
+          </p:cNvPr>
+          <p:cNvCxnSpPr>
+            <a:cxnSpLocks/>
+          </p:cNvCxnSpPr>
+          <p:nvPr/>
+        </p:nvCxnSpPr>
+        <p:spPr>
+          <a:xfrm>
+            <a:off x="270546" y="1388662"/>
+            <a:ext cx="590400" cy="0"/>
+          </a:xfrm>
+          <a:prstGeom prst="line">
+            <a:avLst/>
+          </a:prstGeom>
+          <a:ln w="76200">
+            <a:solidFill>
+              <a:srgbClr val="00B0F0"/>
+            </a:solidFill>
+          </a:ln>
+        </p:spPr>
+        <p:style>
+          <a:lnRef idx="1">
+            <a:schemeClr val="accent1"/>
+          </a:lnRef>
+          <a:fillRef idx="0">
+            <a:schemeClr val="accent1"/>
+          </a:fillRef>
+          <a:effectRef idx="0">
+            <a:schemeClr val="accent1"/>
+          </a:effectRef>
+          <a:fontRef idx="minor">
+            <a:schemeClr val="tx1"/>
+          </a:fontRef>
+        </p:style>
+      </p:cxnSp>
+      <mc:AlternateContent xmlns:mc="http://schemas.openxmlformats.org/markup-compatibility/2006">
+        <mc:Choice xmlns:a14="http://schemas.microsoft.com/office/drawing/2010/main" Requires="a14">
+          <p:sp>
+            <p:nvSpPr>
+              <p:cNvPr id="42" name="TextBox 41">
+                <a:extLst>
+                  <a:ext uri="{FF2B5EF4-FFF2-40B4-BE49-F238E27FC236}">
+                    <a16:creationId xmlns:a16="http://schemas.microsoft.com/office/drawing/2014/main" id="{342BE46B-BEB2-11D2-151D-0E70D2627029}"/>
+                  </a:ext>
+                </a:extLst>
+              </p:cNvPr>
+              <p:cNvSpPr txBox="1"/>
+              <p:nvPr/>
+            </p:nvSpPr>
+            <p:spPr>
+              <a:xfrm>
+                <a:off x="3139404" y="165962"/>
+                <a:ext cx="746743" cy="262059"/>
+              </a:xfrm>
+              <a:prstGeom prst="rect">
+                <a:avLst/>
+              </a:prstGeom>
+              <a:noFill/>
+            </p:spPr>
+            <p:txBody>
+              <a:bodyPr wrap="none" rtlCol="0">
+                <a:spAutoFit/>
+              </a:bodyPr>
+              <a:lstStyle/>
+              <a:p>
+                <a14:m>
+                  <m:oMathPara xmlns:m="http://schemas.openxmlformats.org/officeDocument/2006/math">
+                    <m:oMathParaPr>
+                      <m:jc m:val="centerGroup"/>
+                    </m:oMathParaPr>
+                    <m:oMath xmlns:m="http://schemas.openxmlformats.org/officeDocument/2006/math">
+                      <m:sSubSup>
+                        <m:sSubSupPr>
+                          <m:ctrlPr>
+                            <a:rPr lang="da-DK" sz="1100" b="1" i="1">
+                              <a:latin typeface="Cambria Math" panose="02040503050406030204" pitchFamily="18" charset="0"/>
+                              <a:cs typeface="Times New Roman" panose="02020603050405020304" pitchFamily="18" charset="0"/>
+                            </a:rPr>
+                          </m:ctrlPr>
+                        </m:sSubSupPr>
+                        <m:e>
+                          <m:r>
+                            <a:rPr lang="da-DK" sz="1100" b="1" i="1">
+                              <a:latin typeface="Cambria Math" panose="02040503050406030204" pitchFamily="18" charset="0"/>
+                              <a:cs typeface="Times New Roman" panose="02020603050405020304" pitchFamily="18" charset="0"/>
+                            </a:rPr>
+                            <m:t>𝑼</m:t>
+                          </m:r>
+                        </m:e>
+                        <m:sub>
+                          <m:r>
+                            <a:rPr lang="da-DK" sz="1100" b="1" i="1">
+                              <a:latin typeface="Cambria Math" panose="02040503050406030204" pitchFamily="18" charset="0"/>
+                              <a:cs typeface="Times New Roman" panose="02020603050405020304" pitchFamily="18" charset="0"/>
+                            </a:rPr>
+                            <m:t>𝑪𝒂𝒕𝒉𝒐𝒅𝒆</m:t>
+                          </m:r>
+                        </m:sub>
+                        <m:sup>
+                          <m:r>
+                            <a:rPr lang="da-DK" sz="1100" b="1" i="1">
+                              <a:latin typeface="Cambria Math" panose="02040503050406030204" pitchFamily="18" charset="0"/>
+                              <a:cs typeface="Times New Roman" panose="02020603050405020304" pitchFamily="18" charset="0"/>
+                            </a:rPr>
+                            <m:t> </m:t>
+                          </m:r>
+                        </m:sup>
+                      </m:sSubSup>
+                    </m:oMath>
+                  </m:oMathPara>
+                </a14:m>
+                <a:endParaRPr lang="da-DK" sz="1100" b="1" dirty="0">
+                  <a:latin typeface="Times New Roman" panose="02020603050405020304" pitchFamily="18" charset="0"/>
+                  <a:cs typeface="Times New Roman" panose="02020603050405020304" pitchFamily="18" charset="0"/>
+                </a:endParaRPr>
+              </a:p>
+            </p:txBody>
+          </p:sp>
+        </mc:Choice>
+        <mc:Fallback>
+          <p:sp>
+            <p:nvSpPr>
+              <p:cNvPr id="42" name="TextBox 41">
+                <a:extLst>
+                  <a:ext uri="{FF2B5EF4-FFF2-40B4-BE49-F238E27FC236}">
+                    <a16:creationId xmlns:a16="http://schemas.microsoft.com/office/drawing/2014/main" id="{342BE46B-BEB2-11D2-151D-0E70D2627029}"/>
+                  </a:ext>
+                </a:extLst>
+              </p:cNvPr>
+              <p:cNvSpPr txBox="1">
+                <a:spLocks noRot="1" noChangeAspect="1" noMove="1" noResize="1" noEditPoints="1" noAdjustHandles="1" noChangeArrowheads="1" noChangeShapeType="1" noTextEdit="1"/>
+              </p:cNvSpPr>
+              <p:nvPr/>
+            </p:nvSpPr>
+            <p:spPr>
+              <a:xfrm>
+                <a:off x="3139404" y="165962"/>
+                <a:ext cx="746743" cy="262059"/>
+              </a:xfrm>
+              <a:prstGeom prst="rect">
+                <a:avLst/>
+              </a:prstGeom>
+              <a:blipFill>
+                <a:blip r:embed="rId14"/>
+                <a:stretch>
+                  <a:fillRect/>
+                </a:stretch>
+              </a:blipFill>
+            </p:spPr>
+            <p:txBody>
+              <a:bodyPr/>
+              <a:lstStyle/>
+              <a:p>
+                <a:r>
+                  <a:rPr lang="da-DK">
+                    <a:noFill/>
+                  </a:rPr>
+                  <a:t> </a:t>
+                </a:r>
+              </a:p>
+            </p:txBody>
+          </p:sp>
+        </mc:Fallback>
+      </mc:AlternateContent>
+      <p:cxnSp>
+        <p:nvCxnSpPr>
+          <p:cNvPr id="16" name="Straight Connector 15">
+            <a:extLst>
+              <a:ext uri="{FF2B5EF4-FFF2-40B4-BE49-F238E27FC236}">
+                <a16:creationId xmlns:a16="http://schemas.microsoft.com/office/drawing/2014/main" id="{F87B3677-087E-B9C6-A52E-B9E447CFF6DB}"/>
+              </a:ext>
+            </a:extLst>
+          </p:cNvPr>
+          <p:cNvCxnSpPr>
+            <a:cxnSpLocks/>
+          </p:cNvCxnSpPr>
+          <p:nvPr/>
+        </p:nvCxnSpPr>
+        <p:spPr>
+          <a:xfrm flipV="1">
+            <a:off x="3477418" y="489866"/>
+            <a:ext cx="0" cy="942754"/>
+          </a:xfrm>
+          <a:prstGeom prst="line">
+            <a:avLst/>
+          </a:prstGeom>
+          <a:ln w="6350">
+            <a:solidFill>
+              <a:schemeClr val="tx1"/>
+            </a:solidFill>
+            <a:prstDash val="solid"/>
+          </a:ln>
+        </p:spPr>
+        <p:style>
+          <a:lnRef idx="1">
+            <a:schemeClr val="dk1"/>
+          </a:lnRef>
+          <a:fillRef idx="0">
+            <a:schemeClr val="dk1"/>
+          </a:fillRef>
+          <a:effectRef idx="0">
+            <a:schemeClr val="dk1"/>
+          </a:effectRef>
+          <a:fontRef idx="minor">
+            <a:schemeClr val="tx1"/>
+          </a:fontRef>
+        </p:style>
+      </p:cxnSp>
+      <p:cxnSp>
+        <p:nvCxnSpPr>
+          <p:cNvPr id="17" name="Straight Connector 16">
+            <a:extLst>
+              <a:ext uri="{FF2B5EF4-FFF2-40B4-BE49-F238E27FC236}">
+                <a16:creationId xmlns:a16="http://schemas.microsoft.com/office/drawing/2014/main" id="{3AF1155A-FA14-7812-6D84-9706CB22ADC1}"/>
+              </a:ext>
+            </a:extLst>
+          </p:cNvPr>
+          <p:cNvCxnSpPr>
+            <a:cxnSpLocks/>
+          </p:cNvCxnSpPr>
+          <p:nvPr/>
+        </p:nvCxnSpPr>
+        <p:spPr>
+          <a:xfrm>
+            <a:off x="860139" y="1407726"/>
+            <a:ext cx="435691" cy="0"/>
+          </a:xfrm>
+          <a:prstGeom prst="line">
+            <a:avLst/>
+          </a:prstGeom>
+          <a:ln w="38100">
+            <a:solidFill>
+              <a:srgbClr val="00B0F0"/>
+            </a:solidFill>
+          </a:ln>
+        </p:spPr>
+        <p:style>
+          <a:lnRef idx="1">
+            <a:schemeClr val="accent1"/>
+          </a:lnRef>
+          <a:fillRef idx="0">
+            <a:schemeClr val="accent1"/>
+          </a:fillRef>
+          <a:effectRef idx="0">
+            <a:schemeClr val="accent1"/>
+          </a:effectRef>
+          <a:fontRef idx="minor">
+            <a:schemeClr val="tx1"/>
+          </a:fontRef>
+        </p:style>
+      </p:cxnSp>
+      <p:cxnSp>
+        <p:nvCxnSpPr>
+          <p:cNvPr id="20" name="Straight Connector 19">
+            <a:extLst>
+              <a:ext uri="{FF2B5EF4-FFF2-40B4-BE49-F238E27FC236}">
+                <a16:creationId xmlns:a16="http://schemas.microsoft.com/office/drawing/2014/main" id="{6E71CD46-BB1E-C046-C60C-86093999691E}"/>
+              </a:ext>
+            </a:extLst>
+          </p:cNvPr>
+          <p:cNvCxnSpPr>
+            <a:cxnSpLocks/>
+          </p:cNvCxnSpPr>
+          <p:nvPr/>
+        </p:nvCxnSpPr>
+        <p:spPr>
+          <a:xfrm>
+            <a:off x="860139" y="1369486"/>
+            <a:ext cx="435691" cy="0"/>
+          </a:xfrm>
+          <a:prstGeom prst="line">
+            <a:avLst/>
+          </a:prstGeom>
+          <a:ln w="38100">
+            <a:solidFill>
+              <a:srgbClr val="FD7201"/>
+            </a:solidFill>
+          </a:ln>
+        </p:spPr>
+        <p:style>
+          <a:lnRef idx="1">
+            <a:schemeClr val="accent1"/>
+          </a:lnRef>
+          <a:fillRef idx="0">
+            <a:schemeClr val="accent1"/>
+          </a:fillRef>
+          <a:effectRef idx="0">
+            <a:schemeClr val="accent1"/>
+          </a:effectRef>
+          <a:fontRef idx="minor">
+            <a:schemeClr val="tx1"/>
+          </a:fontRef>
+        </p:style>
+      </p:cxnSp>
+      <mc:AlternateContent xmlns:mc="http://schemas.openxmlformats.org/markup-compatibility/2006">
+        <mc:Choice xmlns:a14="http://schemas.microsoft.com/office/drawing/2010/main" Requires="a14">
+          <p:sp>
+            <p:nvSpPr>
+              <p:cNvPr id="27" name="TextBox 26">
+                <a:extLst>
+                  <a:ext uri="{FF2B5EF4-FFF2-40B4-BE49-F238E27FC236}">
+                    <a16:creationId xmlns:a16="http://schemas.microsoft.com/office/drawing/2014/main" id="{DCEDC940-55B9-A2B4-C211-7CBAB814AB97}"/>
+                  </a:ext>
+                </a:extLst>
+              </p:cNvPr>
+              <p:cNvSpPr txBox="1"/>
+              <p:nvPr/>
+            </p:nvSpPr>
+            <p:spPr>
+              <a:xfrm>
+                <a:off x="2624836" y="1077272"/>
+                <a:ext cx="514564" cy="169277"/>
+              </a:xfrm>
+              <a:prstGeom prst="rect">
+                <a:avLst/>
+              </a:prstGeom>
+              <a:noFill/>
+            </p:spPr>
+            <p:txBody>
+              <a:bodyPr wrap="none" lIns="0" tIns="0" rIns="0" bIns="0" rtlCol="0">
+                <a:spAutoFit/>
+              </a:bodyPr>
+              <a:lstStyle/>
+              <a:p>
+                <a14:m>
+                  <m:oMathPara xmlns:m="http://schemas.openxmlformats.org/officeDocument/2006/math">
+                    <m:oMathParaPr>
+                      <m:jc m:val="centerGroup"/>
+                    </m:oMathParaPr>
+                    <m:oMath xmlns:m="http://schemas.openxmlformats.org/officeDocument/2006/math">
+                      <m:sPre>
+                        <m:sPrePr>
+                          <m:ctrlPr>
+                            <a:rPr lang="da-DK" sz="1100" i="1">
+                              <a:solidFill>
+                                <a:schemeClr val="accent4">
+                                  <a:lumMod val="75000"/>
+                                </a:schemeClr>
+                              </a:solidFill>
+                              <a:latin typeface="Cambria Math" panose="02040503050406030204" pitchFamily="18" charset="0"/>
+                            </a:rPr>
+                          </m:ctrlPr>
+                        </m:sPrePr>
+                        <m:sub>
+                          <m:r>
+                            <a:rPr lang="da-DK" sz="1100" i="1">
+                              <a:solidFill>
+                                <a:schemeClr val="accent4">
+                                  <a:lumMod val="75000"/>
+                                </a:schemeClr>
+                              </a:solidFill>
+                              <a:latin typeface="Cambria Math" panose="02040503050406030204" pitchFamily="18" charset="0"/>
+                            </a:rPr>
+                            <m:t> </m:t>
+                          </m:r>
+                        </m:sub>
+                        <m:sup>
+                          <m:r>
+                            <a:rPr lang="da-DK" sz="1100" i="1">
+                              <a:solidFill>
+                                <a:schemeClr val="accent4">
+                                  <a:lumMod val="75000"/>
+                                </a:schemeClr>
+                              </a:solidFill>
+                              <a:latin typeface="Cambria Math" panose="02040503050406030204" pitchFamily="18" charset="0"/>
+                            </a:rPr>
+                            <m:t>∗</m:t>
+                          </m:r>
+                        </m:sup>
+                        <m:e>
+                          <m:r>
+                            <a:rPr lang="da-DK" sz="1100" i="1">
+                              <a:solidFill>
+                                <a:schemeClr val="accent4">
+                                  <a:lumMod val="75000"/>
+                                </a:schemeClr>
+                              </a:solidFill>
+                              <a:latin typeface="Cambria Math" panose="02040503050406030204" pitchFamily="18" charset="0"/>
+                            </a:rPr>
+                            <m:t>𝑂𝐻</m:t>
+                          </m:r>
+                        </m:e>
+                      </m:sPre>
+                      <m:r>
+                        <a:rPr lang="da-DK" sz="1100" i="1">
+                          <a:solidFill>
+                            <a:schemeClr val="accent4">
+                              <a:lumMod val="75000"/>
+                            </a:schemeClr>
+                          </a:solidFill>
+                          <a:latin typeface="Cambria Math" panose="02040503050406030204" pitchFamily="18" charset="0"/>
+                        </a:rPr>
+                        <m:t>/</m:t>
+                      </m:r>
+                      <m:sPre>
+                        <m:sPrePr>
+                          <m:ctrlPr>
+                            <a:rPr lang="da-DK" sz="1100" i="1">
+                              <a:solidFill>
+                                <a:schemeClr val="accent4">
+                                  <a:lumMod val="75000"/>
+                                </a:schemeClr>
+                              </a:solidFill>
+                              <a:latin typeface="Cambria Math" panose="02040503050406030204" pitchFamily="18" charset="0"/>
+                            </a:rPr>
+                          </m:ctrlPr>
+                        </m:sPrePr>
+                        <m:sub>
+                          <m:r>
+                            <a:rPr lang="da-DK" sz="1100" i="1">
+                              <a:solidFill>
+                                <a:schemeClr val="accent4">
+                                  <a:lumMod val="75000"/>
+                                </a:schemeClr>
+                              </a:solidFill>
+                              <a:latin typeface="Cambria Math" panose="02040503050406030204" pitchFamily="18" charset="0"/>
+                            </a:rPr>
+                            <m:t> </m:t>
+                          </m:r>
+                        </m:sub>
+                        <m:sup>
+                          <m:r>
+                            <a:rPr lang="da-DK" sz="1100" i="1">
+                              <a:solidFill>
+                                <a:schemeClr val="accent4">
+                                  <a:lumMod val="75000"/>
+                                </a:schemeClr>
+                              </a:solidFill>
+                              <a:latin typeface="Cambria Math" panose="02040503050406030204" pitchFamily="18" charset="0"/>
+                            </a:rPr>
+                            <m:t>∗</m:t>
+                          </m:r>
+                        </m:sup>
+                        <m:e>
+                          <m:r>
+                            <a:rPr lang="da-DK" sz="1100" i="1">
+                              <a:solidFill>
+                                <a:schemeClr val="accent4">
+                                  <a:lumMod val="75000"/>
+                                </a:schemeClr>
+                              </a:solidFill>
+                              <a:latin typeface="Cambria Math" panose="02040503050406030204" pitchFamily="18" charset="0"/>
+                            </a:rPr>
+                            <m:t>𝑂</m:t>
+                          </m:r>
+                        </m:e>
+                      </m:sPre>
+                    </m:oMath>
+                  </m:oMathPara>
+                </a14:m>
+                <a:endParaRPr lang="da-DK" sz="1100" dirty="0">
+                  <a:solidFill>
+                    <a:schemeClr val="accent4">
+                      <a:lumMod val="75000"/>
+                    </a:schemeClr>
+                  </a:solidFill>
+                </a:endParaRPr>
+              </a:p>
+            </p:txBody>
+          </p:sp>
+        </mc:Choice>
+        <mc:Fallback>
+          <p:sp>
+            <p:nvSpPr>
+              <p:cNvPr id="27" name="TextBox 26">
+                <a:extLst>
+                  <a:ext uri="{FF2B5EF4-FFF2-40B4-BE49-F238E27FC236}">
+                    <a16:creationId xmlns:a16="http://schemas.microsoft.com/office/drawing/2014/main" id="{DCEDC940-55B9-A2B4-C211-7CBAB814AB97}"/>
+                  </a:ext>
+                </a:extLst>
+              </p:cNvPr>
+              <p:cNvSpPr txBox="1">
+                <a:spLocks noRot="1" noChangeAspect="1" noMove="1" noResize="1" noEditPoints="1" noAdjustHandles="1" noChangeArrowheads="1" noChangeShapeType="1" noTextEdit="1"/>
+              </p:cNvSpPr>
+              <p:nvPr/>
+            </p:nvSpPr>
+            <p:spPr>
+              <a:xfrm>
+                <a:off x="2624836" y="1077272"/>
+                <a:ext cx="514564" cy="169277"/>
+              </a:xfrm>
+              <a:prstGeom prst="rect">
+                <a:avLst/>
+              </a:prstGeom>
+              <a:blipFill>
+                <a:blip r:embed="rId15"/>
+                <a:stretch>
+                  <a:fillRect r="-4762" b="-42857"/>
+                </a:stretch>
+              </a:blipFill>
+            </p:spPr>
+            <p:txBody>
+              <a:bodyPr/>
+              <a:lstStyle/>
+              <a:p>
+                <a:r>
+                  <a:rPr lang="da-DK">
+                    <a:noFill/>
+                  </a:rPr>
+                  <a:t> </a:t>
+                </a:r>
+              </a:p>
+            </p:txBody>
+          </p:sp>
+        </mc:Fallback>
+      </mc:AlternateContent>
+      <p:cxnSp>
+        <p:nvCxnSpPr>
+          <p:cNvPr id="70" name="Straight Connector 69">
+            <a:extLst>
+              <a:ext uri="{FF2B5EF4-FFF2-40B4-BE49-F238E27FC236}">
+                <a16:creationId xmlns:a16="http://schemas.microsoft.com/office/drawing/2014/main" id="{C39295BF-57D0-0193-DA81-E7C185C74D47}"/>
+              </a:ext>
+            </a:extLst>
+          </p:cNvPr>
+          <p:cNvCxnSpPr>
+            <a:cxnSpLocks/>
+          </p:cNvCxnSpPr>
+          <p:nvPr/>
+        </p:nvCxnSpPr>
+        <p:spPr>
+          <a:xfrm>
+            <a:off x="1077980" y="967619"/>
+            <a:ext cx="0" cy="353714"/>
+          </a:xfrm>
+          <a:prstGeom prst="line">
+            <a:avLst/>
+          </a:prstGeom>
+          <a:ln>
+            <a:solidFill>
+              <a:schemeClr val="tx1"/>
+            </a:solidFill>
+            <a:prstDash val="solid"/>
+            <a:headEnd type="none" w="med" len="med"/>
+            <a:tailEnd type="triangle" w="med" len="med"/>
+          </a:ln>
+        </p:spPr>
+        <p:style>
+          <a:lnRef idx="1">
+            <a:schemeClr val="accent1"/>
+          </a:lnRef>
+          <a:fillRef idx="0">
+            <a:schemeClr val="accent1"/>
+          </a:fillRef>
+          <a:effectRef idx="0">
+            <a:schemeClr val="accent1"/>
+          </a:effectRef>
+          <a:fontRef idx="minor">
+            <a:schemeClr val="tx1"/>
+          </a:fontRef>
+        </p:style>
+      </p:cxnSp>
+      <p:cxnSp>
+        <p:nvCxnSpPr>
+          <p:cNvPr id="23" name="Straight Connector 22">
+            <a:extLst>
+              <a:ext uri="{FF2B5EF4-FFF2-40B4-BE49-F238E27FC236}">
+                <a16:creationId xmlns:a16="http://schemas.microsoft.com/office/drawing/2014/main" id="{6D8EFC2D-C423-F4BC-3807-79D30923AF70}"/>
+              </a:ext>
+            </a:extLst>
+          </p:cNvPr>
+          <p:cNvCxnSpPr>
+            <a:cxnSpLocks/>
+          </p:cNvCxnSpPr>
+          <p:nvPr/>
+        </p:nvCxnSpPr>
+        <p:spPr>
+          <a:xfrm flipV="1">
+            <a:off x="702324" y="489866"/>
+            <a:ext cx="0" cy="942754"/>
+          </a:xfrm>
+          <a:prstGeom prst="line">
+            <a:avLst/>
+          </a:prstGeom>
+          <a:ln/>
+        </p:spPr>
+        <p:style>
+          <a:lnRef idx="1">
+            <a:schemeClr val="dk1"/>
+          </a:lnRef>
+          <a:fillRef idx="0">
+            <a:schemeClr val="dk1"/>
+          </a:fillRef>
+          <a:effectRef idx="0">
+            <a:schemeClr val="dk1"/>
+          </a:effectRef>
+          <a:fontRef idx="minor">
+            <a:schemeClr val="tx1"/>
+          </a:fontRef>
+        </p:style>
+      </p:cxnSp>
     </p:spTree>
     <p:extLst>
       <p:ext uri="{BB962C8B-B14F-4D97-AF65-F5344CB8AC3E}">
-        <p14:creationId xmlns:p14="http://schemas.microsoft.com/office/powerpoint/2010/main" val="3672904358"/>
+        <p14:creationId xmlns:p14="http://schemas.microsoft.com/office/powerpoint/2010/main" val="2703940780"/>
       </p:ext>
     </p:extLst>
   </p:cSld>

--- a/Writing/Thesis_Figures/Coverage vs Potential.pptx
+++ b/Writing/Thesis_Figures/Coverage vs Potential.pptx
@@ -3706,7 +3706,7 @@
                     <a:latin typeface="Times New Roman" panose="02020603050405020304" pitchFamily="18" charset="0"/>
                     <a:cs typeface="Times New Roman" panose="02020603050405020304" pitchFamily="18" charset="0"/>
                   </a:rPr>
-                  <a:t>Potential U vs CHE </a:t>
+                  <a:t>Potential U vs RHE </a:t>
                 </a:r>
                 <a14:m>
                   <m:oMath xmlns:m="http://schemas.openxmlformats.org/officeDocument/2006/math">
@@ -3802,7 +3802,7 @@
             </p:nvSpPr>
             <p:spPr>
               <a:xfrm>
-                <a:off x="817621" y="1420791"/>
+                <a:off x="817621" y="1412529"/>
                 <a:ext cx="295274" cy="261610"/>
               </a:xfrm>
               <a:prstGeom prst="rect">
@@ -3853,7 +3853,7 @@
             </p:nvSpPr>
             <p:spPr>
               <a:xfrm>
-                <a:off x="817621" y="1420791"/>
+                <a:off x="817621" y="1412529"/>
                 <a:ext cx="295274" cy="261610"/>
               </a:xfrm>
               <a:prstGeom prst="rect">
@@ -3940,8 +3940,8 @@
             </p:nvSpPr>
             <p:spPr>
               <a:xfrm>
-                <a:off x="3277811" y="1404268"/>
-                <a:ext cx="402674" cy="261610"/>
+                <a:off x="3205141" y="1412529"/>
+                <a:ext cx="559769" cy="261610"/>
               </a:xfrm>
               <a:prstGeom prst="rect">
                 <a:avLst/>
@@ -3961,10 +3961,16 @@
                     </m:oMathParaPr>
                     <m:oMath xmlns:m="http://schemas.openxmlformats.org/officeDocument/2006/math">
                       <m:r>
-                        <a:rPr lang="da-DK" sz="1100" i="1">
+                        <a:rPr lang="da-DK" sz="1100" i="1" smtClean="0">
                           <a:latin typeface="Cambria Math" panose="02040503050406030204" pitchFamily="18" charset="0"/>
                         </a:rPr>
                         <m:t>1.2</m:t>
+                      </m:r>
+                      <m:r>
+                        <a:rPr lang="da-DK" sz="1100" b="0" i="1" smtClean="0">
+                          <a:latin typeface="Cambria Math" panose="02040503050406030204" pitchFamily="18" charset="0"/>
+                        </a:rPr>
+                        <m:t>27</m:t>
                       </m:r>
                     </m:oMath>
                   </m:oMathPara>
@@ -3991,8 +3997,8 @@
             </p:nvSpPr>
             <p:spPr>
               <a:xfrm>
-                <a:off x="3277811" y="1404268"/>
-                <a:ext cx="402674" cy="261610"/>
+                <a:off x="3205141" y="1412529"/>
+                <a:ext cx="559769" cy="261610"/>
               </a:xfrm>
               <a:prstGeom prst="rect">
                 <a:avLst/>
@@ -5133,7 +5139,7 @@
             <p:spPr>
               <a:xfrm>
                 <a:off x="1956286" y="143391"/>
-                <a:ext cx="660181" cy="279307"/>
+                <a:ext cx="687431" cy="279307"/>
               </a:xfrm>
               <a:prstGeom prst="rect">
                 <a:avLst/>
@@ -5155,7 +5161,7 @@
                       <m:sSubSup>
                         <m:sSubSupPr>
                           <m:ctrlPr>
-                            <a:rPr lang="da-DK" sz="1100" b="1" i="1">
+                            <a:rPr lang="da-DK" sz="1100" b="1" i="1" smtClean="0">
                               <a:latin typeface="Cambria Math" panose="02040503050406030204" pitchFamily="18" charset="0"/>
                               <a:cs typeface="Times New Roman" panose="02020603050405020304" pitchFamily="18" charset="0"/>
                             </a:rPr>
@@ -5181,11 +5187,11 @@
                         </m:sub>
                         <m:sup>
                           <m:r>
-                            <a:rPr lang="da-DK" sz="1100" b="1" i="1">
+                            <a:rPr lang="da-DK" sz="1100" b="1" i="1" smtClean="0">
                               <a:latin typeface="Cambria Math" panose="02040503050406030204" pitchFamily="18" charset="0"/>
                               <a:cs typeface="Times New Roman" panose="02020603050405020304" pitchFamily="18" charset="0"/>
                             </a:rPr>
-                            <m:t>𝑨𝒄𝒕𝒖𝒂𝒍</m:t>
+                            <m:t>𝑴𝒊𝒅𝒅𝒍𝒆</m:t>
                           </m:r>
                         </m:sup>
                       </m:sSubSup>
@@ -5218,7 +5224,7 @@
             <p:spPr>
               <a:xfrm>
                 <a:off x="1956286" y="143391"/>
-                <a:ext cx="660181" cy="279307"/>
+                <a:ext cx="687431" cy="279307"/>
               </a:xfrm>
               <a:prstGeom prst="rect">
                 <a:avLst/>
@@ -5932,6 +5938,152 @@
           </a:fontRef>
         </p:style>
       </p:cxnSp>
+      <mc:AlternateContent xmlns:mc="http://schemas.openxmlformats.org/markup-compatibility/2006">
+        <mc:Choice xmlns:a14="http://schemas.microsoft.com/office/drawing/2010/main" Requires="a14">
+          <p:sp>
+            <p:nvSpPr>
+              <p:cNvPr id="79" name="TextBox 78">
+                <a:extLst>
+                  <a:ext uri="{FF2B5EF4-FFF2-40B4-BE49-F238E27FC236}">
+                    <a16:creationId xmlns:a16="http://schemas.microsoft.com/office/drawing/2014/main" id="{597A7F0E-70A0-2EA8-F8D2-171859E57B09}"/>
+                  </a:ext>
+                </a:extLst>
+              </p:cNvPr>
+              <p:cNvSpPr txBox="1"/>
+              <p:nvPr/>
+            </p:nvSpPr>
+            <p:spPr>
+              <a:xfrm>
+                <a:off x="288708" y="1412529"/>
+                <a:ext cx="665567" cy="261610"/>
+              </a:xfrm>
+              <a:prstGeom prst="rect">
+                <a:avLst/>
+              </a:prstGeom>
+              <a:noFill/>
+            </p:spPr>
+            <p:txBody>
+              <a:bodyPr wrap="none" rtlCol="0">
+                <a:spAutoFit/>
+              </a:bodyPr>
+              <a:lstStyle/>
+              <a:p>
+                <a14:m>
+                  <m:oMathPara xmlns:m="http://schemas.openxmlformats.org/officeDocument/2006/math">
+                    <m:oMathParaPr>
+                      <m:jc m:val="centerGroup"/>
+                    </m:oMathParaPr>
+                    <m:oMath xmlns:m="http://schemas.openxmlformats.org/officeDocument/2006/math">
+                      <m:r>
+                        <a:rPr lang="da-DK" sz="1100" b="0" i="1" smtClean="0">
+                          <a:latin typeface="Cambria Math" panose="02040503050406030204" pitchFamily="18" charset="0"/>
+                        </a:rPr>
+                        <m:t>−0</m:t>
+                      </m:r>
+                      <m:r>
+                        <a:rPr lang="da-DK" sz="1100" i="1" smtClean="0">
+                          <a:latin typeface="Cambria Math" panose="02040503050406030204" pitchFamily="18" charset="0"/>
+                        </a:rPr>
+                        <m:t>.</m:t>
+                      </m:r>
+                      <m:r>
+                        <a:rPr lang="da-DK" sz="1100" b="0" i="1" smtClean="0">
+                          <a:latin typeface="Cambria Math" panose="02040503050406030204" pitchFamily="18" charset="0"/>
+                        </a:rPr>
+                        <m:t>171</m:t>
+                      </m:r>
+                    </m:oMath>
+                  </m:oMathPara>
+                </a14:m>
+                <a:endParaRPr lang="da-DK" sz="1100" dirty="0"/>
+              </a:p>
+            </p:txBody>
+          </p:sp>
+        </mc:Choice>
+        <mc:Fallback>
+          <p:sp>
+            <p:nvSpPr>
+              <p:cNvPr id="79" name="TextBox 78">
+                <a:extLst>
+                  <a:ext uri="{FF2B5EF4-FFF2-40B4-BE49-F238E27FC236}">
+                    <a16:creationId xmlns:a16="http://schemas.microsoft.com/office/drawing/2014/main" id="{597A7F0E-70A0-2EA8-F8D2-171859E57B09}"/>
+                  </a:ext>
+                </a:extLst>
+              </p:cNvPr>
+              <p:cNvSpPr txBox="1">
+                <a:spLocks noRot="1" noChangeAspect="1" noMove="1" noResize="1" noEditPoints="1" noAdjustHandles="1" noChangeArrowheads="1" noChangeShapeType="1" noTextEdit="1"/>
+              </p:cNvSpPr>
+              <p:nvPr/>
+            </p:nvSpPr>
+            <p:spPr>
+              <a:xfrm>
+                <a:off x="288708" y="1412529"/>
+                <a:ext cx="665567" cy="261610"/>
+              </a:xfrm>
+              <a:prstGeom prst="rect">
+                <a:avLst/>
+              </a:prstGeom>
+              <a:blipFill>
+                <a:blip r:embed="rId16"/>
+                <a:stretch>
+                  <a:fillRect/>
+                </a:stretch>
+              </a:blipFill>
+            </p:spPr>
+            <p:txBody>
+              <a:bodyPr/>
+              <a:lstStyle/>
+              <a:p>
+                <a:r>
+                  <a:rPr lang="da-DK">
+                    <a:noFill/>
+                  </a:rPr>
+                  <a:t> </a:t>
+                </a:r>
+              </a:p>
+            </p:txBody>
+          </p:sp>
+        </mc:Fallback>
+      </mc:AlternateContent>
+      <p:cxnSp>
+        <p:nvCxnSpPr>
+          <p:cNvPr id="80" name="Straight Connector 79">
+            <a:extLst>
+              <a:ext uri="{FF2B5EF4-FFF2-40B4-BE49-F238E27FC236}">
+                <a16:creationId xmlns:a16="http://schemas.microsoft.com/office/drawing/2014/main" id="{AA1E579B-ED7C-9D5F-68EB-B5BAF445F310}"/>
+              </a:ext>
+            </a:extLst>
+          </p:cNvPr>
+          <p:cNvCxnSpPr>
+            <a:cxnSpLocks/>
+          </p:cNvCxnSpPr>
+          <p:nvPr/>
+        </p:nvCxnSpPr>
+        <p:spPr>
+          <a:xfrm flipV="1">
+            <a:off x="965258" y="1350436"/>
+            <a:ext cx="0" cy="79200"/>
+          </a:xfrm>
+          <a:prstGeom prst="line">
+            <a:avLst/>
+          </a:prstGeom>
+          <a:ln/>
+        </p:spPr>
+        <p:style>
+          <a:lnRef idx="1">
+            <a:schemeClr val="dk1"/>
+          </a:lnRef>
+          <a:fillRef idx="0">
+            <a:schemeClr val="dk1"/>
+          </a:fillRef>
+          <a:effectRef idx="0">
+            <a:schemeClr val="dk1"/>
+          </a:effectRef>
+          <a:fontRef idx="minor">
+            <a:schemeClr val="tx1"/>
+          </a:fontRef>
+        </p:style>
+      </p:cxnSp>
     </p:spTree>
     <p:extLst>
       <p:ext uri="{BB962C8B-B14F-4D97-AF65-F5344CB8AC3E}">

--- a/Writing/Thesis_Figures/Coverage vs Potential.pptx
+++ b/Writing/Thesis_Figures/Coverage vs Potential.pptx
@@ -107,6 +107,11 @@
       </a:defRPr>
     </a:lvl9pPr>
   </p:defaultTextStyle>
+  <p:extLst>
+    <p:ext uri="{EFAFB233-063F-42B5-8137-9DF3F51BA10A}">
+      <p15:sldGuideLst xmlns:p15="http://schemas.microsoft.com/office/powerpoint/2012/main"/>
+    </p:ext>
+  </p:extLst>
 </p:presentation>
 </file>
 
@@ -192,7 +197,7 @@
           <a:p>
             <a:fld id="{7E4BB161-6267-C445-BC81-AB27B91176B9}" type="datetimeFigureOut">
               <a:rPr lang="da-DK" smtClean="0"/>
-              <a:t>30.08.2023</a:t>
+              <a:t>07.09.2023</a:t>
             </a:fld>
             <a:endParaRPr lang="da-DK"/>
           </a:p>
@@ -896,7 +901,7 @@
           <a:p>
             <a:fld id="{400C526F-8F77-6B40-B8A1-3042D0049435}" type="datetimeFigureOut">
               <a:rPr lang="da-DK" smtClean="0"/>
-              <a:t>30.08.2023</a:t>
+              <a:t>07.09.2023</a:t>
             </a:fld>
             <a:endParaRPr lang="da-DK"/>
           </a:p>
@@ -1066,7 +1071,7 @@
           <a:p>
             <a:fld id="{400C526F-8F77-6B40-B8A1-3042D0049435}" type="datetimeFigureOut">
               <a:rPr lang="da-DK" smtClean="0"/>
-              <a:t>30.08.2023</a:t>
+              <a:t>07.09.2023</a:t>
             </a:fld>
             <a:endParaRPr lang="da-DK"/>
           </a:p>
@@ -1246,7 +1251,7 @@
           <a:p>
             <a:fld id="{400C526F-8F77-6B40-B8A1-3042D0049435}" type="datetimeFigureOut">
               <a:rPr lang="da-DK" smtClean="0"/>
-              <a:t>30.08.2023</a:t>
+              <a:t>07.09.2023</a:t>
             </a:fld>
             <a:endParaRPr lang="da-DK"/>
           </a:p>
@@ -1416,7 +1421,7 @@
           <a:p>
             <a:fld id="{400C526F-8F77-6B40-B8A1-3042D0049435}" type="datetimeFigureOut">
               <a:rPr lang="da-DK" smtClean="0"/>
-              <a:t>30.08.2023</a:t>
+              <a:t>07.09.2023</a:t>
             </a:fld>
             <a:endParaRPr lang="da-DK"/>
           </a:p>
@@ -1662,7 +1667,7 @@
           <a:p>
             <a:fld id="{400C526F-8F77-6B40-B8A1-3042D0049435}" type="datetimeFigureOut">
               <a:rPr lang="da-DK" smtClean="0"/>
-              <a:t>30.08.2023</a:t>
+              <a:t>07.09.2023</a:t>
             </a:fld>
             <a:endParaRPr lang="da-DK"/>
           </a:p>
@@ -1894,7 +1899,7 @@
           <a:p>
             <a:fld id="{400C526F-8F77-6B40-B8A1-3042D0049435}" type="datetimeFigureOut">
               <a:rPr lang="da-DK" smtClean="0"/>
-              <a:t>30.08.2023</a:t>
+              <a:t>07.09.2023</a:t>
             </a:fld>
             <a:endParaRPr lang="da-DK"/>
           </a:p>
@@ -2261,7 +2266,7 @@
           <a:p>
             <a:fld id="{400C526F-8F77-6B40-B8A1-3042D0049435}" type="datetimeFigureOut">
               <a:rPr lang="da-DK" smtClean="0"/>
-              <a:t>30.08.2023</a:t>
+              <a:t>07.09.2023</a:t>
             </a:fld>
             <a:endParaRPr lang="da-DK"/>
           </a:p>
@@ -2379,7 +2384,7 @@
           <a:p>
             <a:fld id="{400C526F-8F77-6B40-B8A1-3042D0049435}" type="datetimeFigureOut">
               <a:rPr lang="da-DK" smtClean="0"/>
-              <a:t>30.08.2023</a:t>
+              <a:t>07.09.2023</a:t>
             </a:fld>
             <a:endParaRPr lang="da-DK"/>
           </a:p>
@@ -2474,7 +2479,7 @@
           <a:p>
             <a:fld id="{400C526F-8F77-6B40-B8A1-3042D0049435}" type="datetimeFigureOut">
               <a:rPr lang="da-DK" smtClean="0"/>
-              <a:t>30.08.2023</a:t>
+              <a:t>07.09.2023</a:t>
             </a:fld>
             <a:endParaRPr lang="da-DK"/>
           </a:p>
@@ -2751,7 +2756,7 @@
           <a:p>
             <a:fld id="{400C526F-8F77-6B40-B8A1-3042D0049435}" type="datetimeFigureOut">
               <a:rPr lang="da-DK" smtClean="0"/>
-              <a:t>30.08.2023</a:t>
+              <a:t>07.09.2023</a:t>
             </a:fld>
             <a:endParaRPr lang="da-DK"/>
           </a:p>
@@ -3008,7 +3013,7 @@
           <a:p>
             <a:fld id="{400C526F-8F77-6B40-B8A1-3042D0049435}" type="datetimeFigureOut">
               <a:rPr lang="da-DK" smtClean="0"/>
-              <a:t>30.08.2023</a:t>
+              <a:t>07.09.2023</a:t>
             </a:fld>
             <a:endParaRPr lang="da-DK"/>
           </a:p>
@@ -3221,7 +3226,7 @@
           <a:p>
             <a:fld id="{400C526F-8F77-6B40-B8A1-3042D0049435}" type="datetimeFigureOut">
               <a:rPr lang="da-DK" smtClean="0"/>
-              <a:t>30.08.2023</a:t>
+              <a:t>07.09.2023</a:t>
             </a:fld>
             <a:endParaRPr lang="da-DK"/>
           </a:p>
@@ -3671,8 +3676,8 @@
           </a:fontRef>
         </p:style>
       </p:cxnSp>
-      <mc:AlternateContent xmlns:mc="http://schemas.openxmlformats.org/markup-compatibility/2006">
-        <mc:Choice xmlns:a14="http://schemas.microsoft.com/office/drawing/2010/main" Requires="a14">
+      <mc:AlternateContent xmlns:mc="http://schemas.openxmlformats.org/markup-compatibility/2006" xmlns:a14="http://schemas.microsoft.com/office/drawing/2010/main">
+        <mc:Choice Requires="a14">
           <p:sp>
             <p:nvSpPr>
               <p:cNvPr id="9" name="TextBox 8">
@@ -3741,7 +3746,7 @@
             </p:txBody>
           </p:sp>
         </mc:Choice>
-        <mc:Fallback>
+        <mc:Fallback xmlns="">
           <p:sp>
             <p:nvSpPr>
               <p:cNvPr id="9" name="TextBox 8">
@@ -3786,8 +3791,8 @@
           </p:sp>
         </mc:Fallback>
       </mc:AlternateContent>
-      <mc:AlternateContent xmlns:mc="http://schemas.openxmlformats.org/markup-compatibility/2006">
-        <mc:Choice xmlns:a14="http://schemas.microsoft.com/office/drawing/2010/main" Requires="a14">
+      <mc:AlternateContent xmlns:mc="http://schemas.openxmlformats.org/markup-compatibility/2006" xmlns:a14="http://schemas.microsoft.com/office/drawing/2010/main">
+        <mc:Choice Requires="a14">
           <p:sp>
             <p:nvSpPr>
               <p:cNvPr id="14" name="TextBox 13">
@@ -3816,6 +3821,7 @@
               </a:bodyPr>
               <a:lstStyle/>
               <a:p>
+                <a:pPr/>
                 <a14:m>
                   <m:oMathPara xmlns:m="http://schemas.openxmlformats.org/officeDocument/2006/math">
                     <m:oMathParaPr>
@@ -3836,7 +3842,7 @@
             </p:txBody>
           </p:sp>
         </mc:Choice>
-        <mc:Fallback>
+        <mc:Fallback xmlns="">
           <p:sp>
             <p:nvSpPr>
               <p:cNvPr id="14" name="TextBox 13">
@@ -3924,8 +3930,8 @@
           </a:fontRef>
         </p:style>
       </p:cxnSp>
-      <mc:AlternateContent xmlns:mc="http://schemas.openxmlformats.org/markup-compatibility/2006">
-        <mc:Choice xmlns:a14="http://schemas.microsoft.com/office/drawing/2010/main" Requires="a14">
+      <mc:AlternateContent xmlns:mc="http://schemas.openxmlformats.org/markup-compatibility/2006" xmlns:a14="http://schemas.microsoft.com/office/drawing/2010/main">
+        <mc:Choice Requires="a14">
           <p:sp>
             <p:nvSpPr>
               <p:cNvPr id="22" name="TextBox 21">
@@ -3954,6 +3960,7 @@
               </a:bodyPr>
               <a:lstStyle/>
               <a:p>
+                <a:pPr/>
                 <a14:m>
                   <m:oMathPara xmlns:m="http://schemas.openxmlformats.org/officeDocument/2006/math">
                     <m:oMathParaPr>
@@ -3980,7 +3987,7 @@
             </p:txBody>
           </p:sp>
         </mc:Choice>
-        <mc:Fallback>
+        <mc:Fallback xmlns="">
           <p:sp>
             <p:nvSpPr>
               <p:cNvPr id="22" name="TextBox 21">
@@ -4176,7 +4183,7 @@
             <p:spPr>
               <a:xfrm>
                 <a:off x="1193528" y="293174"/>
-                <a:ext cx="658986" cy="246221"/>
+                <a:ext cx="658986" cy="259495"/>
               </a:xfrm>
               <a:prstGeom prst="rect">
                 <a:avLst/>
@@ -4189,6 +4196,7 @@
               </a:bodyPr>
               <a:lstStyle/>
               <a:p>
+                <a:pPr/>
                 <a14:m>
                   <m:oMathPara xmlns:m="http://schemas.openxmlformats.org/officeDocument/2006/math">
                     <m:oMathParaPr>
@@ -4198,7 +4206,7 @@
                       <m:sSub>
                         <m:sSubPr>
                           <m:ctrlPr>
-                            <a:rPr lang="da-DK" sz="1000" b="1" i="1">
+                            <a:rPr lang="da-DK" sz="1000" b="1" i="1" smtClean="0">
                               <a:solidFill>
                                 <a:srgbClr val="FF0000"/>
                               </a:solidFill>
@@ -4228,8 +4236,45 @@
                               <a:latin typeface="Cambria Math" panose="02040503050406030204" pitchFamily="18" charset="0"/>
                               <a:cs typeface="Times New Roman" panose="02020603050405020304" pitchFamily="18" charset="0"/>
                             </a:rPr>
-                            <m:t>𝑶𝑷</m:t>
+                            <m:t>𝑶</m:t>
                           </m:r>
+                          <m:sSub>
+                            <m:sSubPr>
+                              <m:ctrlPr>
+                                <a:rPr lang="da-DK" sz="1000" b="1" i="1" smtClean="0">
+                                  <a:solidFill>
+                                    <a:srgbClr val="FF0000"/>
+                                  </a:solidFill>
+                                  <a:latin typeface="Cambria Math" panose="02040503050406030204" pitchFamily="18" charset="0"/>
+                                  <a:cs typeface="Times New Roman" panose="02020603050405020304" pitchFamily="18" charset="0"/>
+                                </a:rPr>
+                              </m:ctrlPr>
+                            </m:sSubPr>
+                            <m:e>
+                              <m:r>
+                                <a:rPr lang="da-DK" sz="1000" b="1" i="1">
+                                  <a:solidFill>
+                                    <a:srgbClr val="FF0000"/>
+                                  </a:solidFill>
+                                  <a:latin typeface="Cambria Math" panose="02040503050406030204" pitchFamily="18" charset="0"/>
+                                  <a:cs typeface="Times New Roman" panose="02020603050405020304" pitchFamily="18" charset="0"/>
+                                </a:rPr>
+                                <m:t>𝑷</m:t>
+                              </m:r>
+                            </m:e>
+                            <m:sub>
+                              <m:r>
+                                <a:rPr lang="da-DK" sz="1000" b="1" i="1" smtClean="0">
+                                  <a:solidFill>
+                                    <a:srgbClr val="FF0000"/>
+                                  </a:solidFill>
+                                  <a:latin typeface="Cambria Math" panose="02040503050406030204" pitchFamily="18" charset="0"/>
+                                  <a:cs typeface="Times New Roman" panose="02020603050405020304" pitchFamily="18" charset="0"/>
+                                </a:rPr>
+                                <m:t>𝑻</m:t>
+                              </m:r>
+                            </m:sub>
+                          </m:sSub>
                         </m:sub>
                       </m:sSub>
                     </m:oMath>
@@ -4264,7 +4309,7 @@
             <p:spPr>
               <a:xfrm>
                 <a:off x="1193528" y="293174"/>
-                <a:ext cx="658986" cy="246221"/>
+                <a:ext cx="658986" cy="259495"/>
               </a:xfrm>
               <a:prstGeom prst="rect">
                 <a:avLst/>
@@ -4291,8 +4336,8 @@
           </p:sp>
         </mc:Fallback>
       </mc:AlternateContent>
-      <mc:AlternateContent xmlns:mc="http://schemas.openxmlformats.org/markup-compatibility/2006">
-        <mc:Choice xmlns:a14="http://schemas.microsoft.com/office/drawing/2010/main" Requires="a14">
+      <mc:AlternateContent xmlns:mc="http://schemas.openxmlformats.org/markup-compatibility/2006" xmlns:a14="http://schemas.microsoft.com/office/drawing/2010/main">
+        <mc:Choice Requires="a14">
           <p:sp>
             <p:nvSpPr>
               <p:cNvPr id="33" name="TextBox 32">
@@ -4321,6 +4366,7 @@
               </a:bodyPr>
               <a:lstStyle/>
               <a:p>
+                <a:pPr/>
                 <a14:m>
                   <m:oMathPara xmlns:m="http://schemas.openxmlformats.org/officeDocument/2006/math">
                     <m:oMathParaPr>
@@ -4378,7 +4424,7 @@
             </p:txBody>
           </p:sp>
         </mc:Choice>
-        <mc:Fallback>
+        <mc:Fallback xmlns="">
           <p:sp>
             <p:nvSpPr>
               <p:cNvPr id="33" name="TextBox 32">
@@ -4423,8 +4469,8 @@
           </p:sp>
         </mc:Fallback>
       </mc:AlternateContent>
-      <mc:AlternateContent xmlns:mc="http://schemas.openxmlformats.org/markup-compatibility/2006">
-        <mc:Choice xmlns:a14="http://schemas.microsoft.com/office/drawing/2010/main" Requires="a14">
+      <mc:AlternateContent xmlns:mc="http://schemas.openxmlformats.org/markup-compatibility/2006" xmlns:a14="http://schemas.microsoft.com/office/drawing/2010/main">
+        <mc:Choice Requires="a14">
           <p:sp>
             <p:nvSpPr>
               <p:cNvPr id="35" name="TextBox 34">
@@ -4453,6 +4499,7 @@
               </a:bodyPr>
               <a:lstStyle/>
               <a:p>
+                <a:pPr/>
                 <a14:m>
                   <m:oMathPara xmlns:m="http://schemas.openxmlformats.org/officeDocument/2006/math">
                     <m:oMathParaPr>
@@ -4501,7 +4548,7 @@
             </p:txBody>
           </p:sp>
         </mc:Choice>
-        <mc:Fallback>
+        <mc:Fallback xmlns="">
           <p:sp>
             <p:nvSpPr>
               <p:cNvPr id="35" name="TextBox 34">
@@ -4546,8 +4593,8 @@
           </p:sp>
         </mc:Fallback>
       </mc:AlternateContent>
-      <mc:AlternateContent xmlns:mc="http://schemas.openxmlformats.org/markup-compatibility/2006">
-        <mc:Choice xmlns:a14="http://schemas.microsoft.com/office/drawing/2010/main" Requires="a14">
+      <mc:AlternateContent xmlns:mc="http://schemas.openxmlformats.org/markup-compatibility/2006" xmlns:a14="http://schemas.microsoft.com/office/drawing/2010/main">
+        <mc:Choice Requires="a14">
           <p:sp>
             <p:nvSpPr>
               <p:cNvPr id="37" name="TextBox 36">
@@ -4576,6 +4623,7 @@
               </a:bodyPr>
               <a:lstStyle/>
               <a:p>
+                <a:pPr/>
                 <a14:m>
                   <m:oMathPara xmlns:m="http://schemas.openxmlformats.org/officeDocument/2006/math">
                     <m:oMathParaPr>
@@ -4639,7 +4687,7 @@
             </p:txBody>
           </p:sp>
         </mc:Choice>
-        <mc:Fallback>
+        <mc:Fallback xmlns="">
           <p:sp>
             <p:nvSpPr>
               <p:cNvPr id="37" name="TextBox 36">
@@ -4684,8 +4732,8 @@
           </p:sp>
         </mc:Fallback>
       </mc:AlternateContent>
-      <mc:AlternateContent xmlns:mc="http://schemas.openxmlformats.org/markup-compatibility/2006">
-        <mc:Choice xmlns:a14="http://schemas.microsoft.com/office/drawing/2010/main" Requires="a14">
+      <mc:AlternateContent xmlns:mc="http://schemas.openxmlformats.org/markup-compatibility/2006" xmlns:a14="http://schemas.microsoft.com/office/drawing/2010/main">
+        <mc:Choice Requires="a14">
           <p:sp>
             <p:nvSpPr>
               <p:cNvPr id="38" name="TextBox 37">
@@ -4714,6 +4762,7 @@
               </a:bodyPr>
               <a:lstStyle/>
               <a:p>
+                <a:pPr/>
                 <a14:m>
                   <m:oMathPara xmlns:m="http://schemas.openxmlformats.org/officeDocument/2006/math">
                     <m:oMathParaPr>
@@ -4768,7 +4817,7 @@
             </p:txBody>
           </p:sp>
         </mc:Choice>
-        <mc:Fallback>
+        <mc:Fallback xmlns="">
           <p:sp>
             <p:nvSpPr>
               <p:cNvPr id="38" name="TextBox 37">
@@ -4813,8 +4862,8 @@
           </p:sp>
         </mc:Fallback>
       </mc:AlternateContent>
-      <mc:AlternateContent xmlns:mc="http://schemas.openxmlformats.org/markup-compatibility/2006">
-        <mc:Choice xmlns:a14="http://schemas.microsoft.com/office/drawing/2010/main" Requires="a14">
+      <mc:AlternateContent xmlns:mc="http://schemas.openxmlformats.org/markup-compatibility/2006" xmlns:a14="http://schemas.microsoft.com/office/drawing/2010/main">
+        <mc:Choice Requires="a14">
           <p:sp>
             <p:nvSpPr>
               <p:cNvPr id="43" name="TextBox 42">
@@ -4899,7 +4948,7 @@
             </p:txBody>
           </p:sp>
         </mc:Choice>
-        <mc:Fallback>
+        <mc:Fallback xmlns="">
           <p:sp>
             <p:nvSpPr>
               <p:cNvPr id="43" name="TextBox 42">
@@ -4990,8 +5039,8 @@
           </a:fontRef>
         </p:style>
       </p:cxnSp>
-      <mc:AlternateContent xmlns:mc="http://schemas.openxmlformats.org/markup-compatibility/2006">
-        <mc:Choice xmlns:a14="http://schemas.microsoft.com/office/drawing/2010/main" Requires="a14">
+      <mc:AlternateContent xmlns:mc="http://schemas.openxmlformats.org/markup-compatibility/2006" xmlns:a14="http://schemas.microsoft.com/office/drawing/2010/main">
+        <mc:Choice Requires="a14">
           <p:sp>
             <p:nvSpPr>
               <p:cNvPr id="55" name="TextBox 54">
@@ -5077,7 +5126,7 @@
             </p:txBody>
           </p:sp>
         </mc:Choice>
-        <mc:Fallback>
+        <mc:Fallback xmlns="">
           <p:sp>
             <p:nvSpPr>
               <p:cNvPr id="55" name="TextBox 54">
@@ -5122,8 +5171,8 @@
           </p:sp>
         </mc:Fallback>
       </mc:AlternateContent>
-      <mc:AlternateContent xmlns:mc="http://schemas.openxmlformats.org/markup-compatibility/2006">
-        <mc:Choice xmlns:a14="http://schemas.microsoft.com/office/drawing/2010/main" Requires="a14">
+      <mc:AlternateContent xmlns:mc="http://schemas.openxmlformats.org/markup-compatibility/2006" xmlns:a14="http://schemas.microsoft.com/office/drawing/2010/main">
+        <mc:Choice Requires="a14">
           <p:sp>
             <p:nvSpPr>
               <p:cNvPr id="40" name="TextBox 39">
@@ -5152,6 +5201,7 @@
               </a:bodyPr>
               <a:lstStyle/>
               <a:p>
+                <a:pPr/>
                 <a14:m>
                   <m:oMathPara xmlns:m="http://schemas.openxmlformats.org/officeDocument/2006/math">
                     <m:oMathParaPr>
@@ -5206,7 +5256,7 @@
             </p:txBody>
           </p:sp>
         </mc:Choice>
-        <mc:Fallback>
+        <mc:Fallback xmlns="">
           <p:sp>
             <p:nvSpPr>
               <p:cNvPr id="40" name="TextBox 39">
@@ -5382,8 +5432,8 @@
           </a:fontRef>
         </p:style>
       </p:cxnSp>
-      <mc:AlternateContent xmlns:mc="http://schemas.openxmlformats.org/markup-compatibility/2006">
-        <mc:Choice xmlns:a14="http://schemas.microsoft.com/office/drawing/2010/main" Requires="a14">
+      <mc:AlternateContent xmlns:mc="http://schemas.openxmlformats.org/markup-compatibility/2006" xmlns:a14="http://schemas.microsoft.com/office/drawing/2010/main">
+        <mc:Choice Requires="a14">
           <p:sp>
             <p:nvSpPr>
               <p:cNvPr id="42" name="TextBox 41">
@@ -5412,6 +5462,7 @@
               </a:bodyPr>
               <a:lstStyle/>
               <a:p>
+                <a:pPr/>
                 <a14:m>
                   <m:oMathPara xmlns:m="http://schemas.openxmlformats.org/officeDocument/2006/math">
                     <m:oMathParaPr>
@@ -5466,7 +5517,7 @@
             </p:txBody>
           </p:sp>
         </mc:Choice>
-        <mc:Fallback>
+        <mc:Fallback xmlns="">
           <p:sp>
             <p:nvSpPr>
               <p:cNvPr id="42" name="TextBox 41">
@@ -5641,8 +5692,8 @@
           </a:fontRef>
         </p:style>
       </p:cxnSp>
-      <mc:AlternateContent xmlns:mc="http://schemas.openxmlformats.org/markup-compatibility/2006">
-        <mc:Choice xmlns:a14="http://schemas.microsoft.com/office/drawing/2010/main" Requires="a14">
+      <mc:AlternateContent xmlns:mc="http://schemas.openxmlformats.org/markup-compatibility/2006" xmlns:a14="http://schemas.microsoft.com/office/drawing/2010/main">
+        <mc:Choice Requires="a14">
           <p:sp>
             <p:nvSpPr>
               <p:cNvPr id="27" name="TextBox 26">
@@ -5671,6 +5722,7 @@
               </a:bodyPr>
               <a:lstStyle/>
               <a:p>
+                <a:pPr/>
                 <a14:m>
                   <m:oMathPara xmlns:m="http://schemas.openxmlformats.org/officeDocument/2006/math">
                     <m:oMathParaPr>
@@ -5808,7 +5860,7 @@
             </p:txBody>
           </p:sp>
         </mc:Choice>
-        <mc:Fallback>
+        <mc:Fallback xmlns="">
           <p:sp>
             <p:nvSpPr>
               <p:cNvPr id="27" name="TextBox 26">
@@ -5938,8 +5990,8 @@
           </a:fontRef>
         </p:style>
       </p:cxnSp>
-      <mc:AlternateContent xmlns:mc="http://schemas.openxmlformats.org/markup-compatibility/2006">
-        <mc:Choice xmlns:a14="http://schemas.microsoft.com/office/drawing/2010/main" Requires="a14">
+      <mc:AlternateContent xmlns:mc="http://schemas.openxmlformats.org/markup-compatibility/2006" xmlns:a14="http://schemas.microsoft.com/office/drawing/2010/main">
+        <mc:Choice Requires="a14">
           <p:sp>
             <p:nvSpPr>
               <p:cNvPr id="79" name="TextBox 78">
@@ -5968,6 +6020,7 @@
               </a:bodyPr>
               <a:lstStyle/>
               <a:p>
+                <a:pPr/>
                 <a14:m>
                   <m:oMathPara xmlns:m="http://schemas.openxmlformats.org/officeDocument/2006/math">
                     <m:oMathParaPr>
@@ -6000,7 +6053,7 @@
             </p:txBody>
           </p:sp>
         </mc:Choice>
-        <mc:Fallback>
+        <mc:Fallback xmlns="">
           <p:sp>
             <p:nvSpPr>
               <p:cNvPr id="79" name="TextBox 78">

--- a/Writing/Thesis_Figures/Coverage vs Potential.pptx
+++ b/Writing/Thesis_Figures/Coverage vs Potential.pptx
@@ -197,7 +197,7 @@
           <a:p>
             <a:fld id="{7E4BB161-6267-C445-BC81-AB27B91176B9}" type="datetimeFigureOut">
               <a:rPr lang="da-DK" smtClean="0"/>
-              <a:t>07.09.2023</a:t>
+              <a:t>21.10.2023</a:t>
             </a:fld>
             <a:endParaRPr lang="da-DK"/>
           </a:p>
@@ -730,6 +730,28 @@
             <a:endParaRPr lang="da-DK" dirty="0"/>
           </a:p>
           <a:p>
+            <a:r>
+              <a:rPr lang="da-DK" dirty="0"/>
+              <a:t>H binds from: minus </a:t>
+            </a:r>
+            <a:r>
+              <a:rPr lang="da-DK" dirty="0" err="1"/>
+              <a:t>infinity</a:t>
+            </a:r>
+            <a:r>
+              <a:rPr lang="da-DK" dirty="0"/>
+              <a:t> to 0.40 V</a:t>
+            </a:r>
+          </a:p>
+          <a:p>
+            <a:r>
+              <a:rPr lang="da-DK" dirty="0"/>
+              <a:t>COOH binds from: 0 to </a:t>
+            </a:r>
+            <a:r>
+              <a:rPr lang="da-DK" dirty="0" err="1"/>
+              <a:t>infinity</a:t>
+            </a:r>
             <a:endParaRPr lang="da-DK" dirty="0"/>
           </a:p>
         </p:txBody>
@@ -901,7 +923,7 @@
           <a:p>
             <a:fld id="{400C526F-8F77-6B40-B8A1-3042D0049435}" type="datetimeFigureOut">
               <a:rPr lang="da-DK" smtClean="0"/>
-              <a:t>07.09.2023</a:t>
+              <a:t>21.10.2023</a:t>
             </a:fld>
             <a:endParaRPr lang="da-DK"/>
           </a:p>
@@ -1071,7 +1093,7 @@
           <a:p>
             <a:fld id="{400C526F-8F77-6B40-B8A1-3042D0049435}" type="datetimeFigureOut">
               <a:rPr lang="da-DK" smtClean="0"/>
-              <a:t>07.09.2023</a:t>
+              <a:t>21.10.2023</a:t>
             </a:fld>
             <a:endParaRPr lang="da-DK"/>
           </a:p>
@@ -1251,7 +1273,7 @@
           <a:p>
             <a:fld id="{400C526F-8F77-6B40-B8A1-3042D0049435}" type="datetimeFigureOut">
               <a:rPr lang="da-DK" smtClean="0"/>
-              <a:t>07.09.2023</a:t>
+              <a:t>21.10.2023</a:t>
             </a:fld>
             <a:endParaRPr lang="da-DK"/>
           </a:p>
@@ -1421,7 +1443,7 @@
           <a:p>
             <a:fld id="{400C526F-8F77-6B40-B8A1-3042D0049435}" type="datetimeFigureOut">
               <a:rPr lang="da-DK" smtClean="0"/>
-              <a:t>07.09.2023</a:t>
+              <a:t>21.10.2023</a:t>
             </a:fld>
             <a:endParaRPr lang="da-DK"/>
           </a:p>
@@ -1667,7 +1689,7 @@
           <a:p>
             <a:fld id="{400C526F-8F77-6B40-B8A1-3042D0049435}" type="datetimeFigureOut">
               <a:rPr lang="da-DK" smtClean="0"/>
-              <a:t>07.09.2023</a:t>
+              <a:t>21.10.2023</a:t>
             </a:fld>
             <a:endParaRPr lang="da-DK"/>
           </a:p>
@@ -1899,7 +1921,7 @@
           <a:p>
             <a:fld id="{400C526F-8F77-6B40-B8A1-3042D0049435}" type="datetimeFigureOut">
               <a:rPr lang="da-DK" smtClean="0"/>
-              <a:t>07.09.2023</a:t>
+              <a:t>21.10.2023</a:t>
             </a:fld>
             <a:endParaRPr lang="da-DK"/>
           </a:p>
@@ -2266,7 +2288,7 @@
           <a:p>
             <a:fld id="{400C526F-8F77-6B40-B8A1-3042D0049435}" type="datetimeFigureOut">
               <a:rPr lang="da-DK" smtClean="0"/>
-              <a:t>07.09.2023</a:t>
+              <a:t>21.10.2023</a:t>
             </a:fld>
             <a:endParaRPr lang="da-DK"/>
           </a:p>
@@ -2384,7 +2406,7 @@
           <a:p>
             <a:fld id="{400C526F-8F77-6B40-B8A1-3042D0049435}" type="datetimeFigureOut">
               <a:rPr lang="da-DK" smtClean="0"/>
-              <a:t>07.09.2023</a:t>
+              <a:t>21.10.2023</a:t>
             </a:fld>
             <a:endParaRPr lang="da-DK"/>
           </a:p>
@@ -2479,7 +2501,7 @@
           <a:p>
             <a:fld id="{400C526F-8F77-6B40-B8A1-3042D0049435}" type="datetimeFigureOut">
               <a:rPr lang="da-DK" smtClean="0"/>
-              <a:t>07.09.2023</a:t>
+              <a:t>21.10.2023</a:t>
             </a:fld>
             <a:endParaRPr lang="da-DK"/>
           </a:p>
@@ -2756,7 +2778,7 @@
           <a:p>
             <a:fld id="{400C526F-8F77-6B40-B8A1-3042D0049435}" type="datetimeFigureOut">
               <a:rPr lang="da-DK" smtClean="0"/>
-              <a:t>07.09.2023</a:t>
+              <a:t>21.10.2023</a:t>
             </a:fld>
             <a:endParaRPr lang="da-DK"/>
           </a:p>
@@ -3013,7 +3035,7 @@
           <a:p>
             <a:fld id="{400C526F-8F77-6B40-B8A1-3042D0049435}" type="datetimeFigureOut">
               <a:rPr lang="da-DK" smtClean="0"/>
-              <a:t>07.09.2023</a:t>
+              <a:t>21.10.2023</a:t>
             </a:fld>
             <a:endParaRPr lang="da-DK"/>
           </a:p>
@@ -3226,7 +3248,7 @@
           <a:p>
             <a:fld id="{400C526F-8F77-6B40-B8A1-3042D0049435}" type="datetimeFigureOut">
               <a:rPr lang="da-DK" smtClean="0"/>
-              <a:t>07.09.2023</a:t>
+              <a:t>21.10.2023</a:t>
             </a:fld>
             <a:endParaRPr lang="da-DK"/>
           </a:p>
@@ -3676,8 +3698,8 @@
           </a:fontRef>
         </p:style>
       </p:cxnSp>
-      <mc:AlternateContent xmlns:mc="http://schemas.openxmlformats.org/markup-compatibility/2006" xmlns:a14="http://schemas.microsoft.com/office/drawing/2010/main">
-        <mc:Choice Requires="a14">
+      <mc:AlternateContent xmlns:mc="http://schemas.openxmlformats.org/markup-compatibility/2006">
+        <mc:Choice xmlns:a14="http://schemas.microsoft.com/office/drawing/2010/main" Requires="a14">
           <p:sp>
             <p:nvSpPr>
               <p:cNvPr id="9" name="TextBox 8">
@@ -3692,7 +3714,7 @@
             </p:nvSpPr>
             <p:spPr>
               <a:xfrm>
-                <a:off x="1675620" y="1538615"/>
+                <a:off x="1675620" y="1570365"/>
                 <a:ext cx="1531188" cy="261610"/>
               </a:xfrm>
               <a:prstGeom prst="rect">
@@ -3746,7 +3768,7 @@
             </p:txBody>
           </p:sp>
         </mc:Choice>
-        <mc:Fallback xmlns="">
+        <mc:Fallback>
           <p:sp>
             <p:nvSpPr>
               <p:cNvPr id="9" name="TextBox 8">
@@ -3763,7 +3785,7 @@
             </p:nvSpPr>
             <p:spPr>
               <a:xfrm>
-                <a:off x="1675620" y="1538615"/>
+                <a:off x="1675620" y="1570365"/>
                 <a:ext cx="1531188" cy="261610"/>
               </a:xfrm>
               <a:prstGeom prst="rect">
@@ -3772,7 +3794,7 @@
               <a:blipFill>
                 <a:blip r:embed="rId3"/>
                 <a:stretch>
-                  <a:fillRect b="-18182"/>
+                  <a:fillRect b="-13636"/>
                 </a:stretch>
               </a:blipFill>
             </p:spPr>
@@ -3791,8 +3813,8 @@
           </p:sp>
         </mc:Fallback>
       </mc:AlternateContent>
-      <mc:AlternateContent xmlns:mc="http://schemas.openxmlformats.org/markup-compatibility/2006" xmlns:a14="http://schemas.microsoft.com/office/drawing/2010/main">
-        <mc:Choice Requires="a14">
+      <mc:AlternateContent xmlns:mc="http://schemas.openxmlformats.org/markup-compatibility/2006">
+        <mc:Choice xmlns:a14="http://schemas.microsoft.com/office/drawing/2010/main" Requires="a14">
           <p:sp>
             <p:nvSpPr>
               <p:cNvPr id="14" name="TextBox 13">
@@ -3807,7 +3829,7 @@
             </p:nvSpPr>
             <p:spPr>
               <a:xfrm>
-                <a:off x="817621" y="1412529"/>
+                <a:off x="817621" y="1415737"/>
                 <a:ext cx="295274" cy="261610"/>
               </a:xfrm>
               <a:prstGeom prst="rect">
@@ -3842,7 +3864,7 @@
             </p:txBody>
           </p:sp>
         </mc:Choice>
-        <mc:Fallback xmlns="">
+        <mc:Fallback>
           <p:sp>
             <p:nvSpPr>
               <p:cNvPr id="14" name="TextBox 13">
@@ -3859,7 +3881,7 @@
             </p:nvSpPr>
             <p:spPr>
               <a:xfrm>
-                <a:off x="817621" y="1412529"/>
+                <a:off x="817621" y="1415737"/>
                 <a:ext cx="295274" cy="261610"/>
               </a:xfrm>
               <a:prstGeom prst="rect">
@@ -3903,7 +3925,7 @@
         </p:nvCxnSpPr>
         <p:spPr>
           <a:xfrm flipV="1">
-            <a:off x="3473880" y="1379463"/>
+            <a:off x="4039030" y="1379463"/>
             <a:ext cx="0" cy="49619"/>
           </a:xfrm>
           <a:prstGeom prst="line">
@@ -3930,8 +3952,8 @@
           </a:fontRef>
         </p:style>
       </p:cxnSp>
-      <mc:AlternateContent xmlns:mc="http://schemas.openxmlformats.org/markup-compatibility/2006" xmlns:a14="http://schemas.microsoft.com/office/drawing/2010/main">
-        <mc:Choice Requires="a14">
+      <mc:AlternateContent xmlns:mc="http://schemas.openxmlformats.org/markup-compatibility/2006">
+        <mc:Choice xmlns:a14="http://schemas.microsoft.com/office/drawing/2010/main" Requires="a14">
           <p:sp>
             <p:nvSpPr>
               <p:cNvPr id="22" name="TextBox 21">
@@ -3946,7 +3968,7 @@
             </p:nvSpPr>
             <p:spPr>
               <a:xfrm>
-                <a:off x="3205141" y="1412529"/>
+                <a:off x="3770291" y="1415737"/>
                 <a:ext cx="559769" cy="261610"/>
               </a:xfrm>
               <a:prstGeom prst="rect">
@@ -3987,7 +4009,7 @@
             </p:txBody>
           </p:sp>
         </mc:Choice>
-        <mc:Fallback xmlns="">
+        <mc:Fallback>
           <p:sp>
             <p:nvSpPr>
               <p:cNvPr id="22" name="TextBox 21">
@@ -4004,7 +4026,7 @@
             </p:nvSpPr>
             <p:spPr>
               <a:xfrm>
-                <a:off x="3205141" y="1412529"/>
+                <a:off x="3770291" y="1415737"/>
                 <a:ext cx="559769" cy="261610"/>
               </a:xfrm>
               <a:prstGeom prst="rect">
@@ -4034,50 +4056,6 @@
       </mc:AlternateContent>
       <p:cxnSp>
         <p:nvCxnSpPr>
-          <p:cNvPr id="26" name="Straight Connector 25">
-            <a:extLst>
-              <a:ext uri="{FF2B5EF4-FFF2-40B4-BE49-F238E27FC236}">
-                <a16:creationId xmlns:a16="http://schemas.microsoft.com/office/drawing/2014/main" id="{FDAFFCD5-9C44-EBD3-27D9-81B7FB7EE290}"/>
-              </a:ext>
-            </a:extLst>
-          </p:cNvPr>
-          <p:cNvCxnSpPr>
-            <a:cxnSpLocks/>
-          </p:cNvCxnSpPr>
-          <p:nvPr/>
-        </p:nvCxnSpPr>
-        <p:spPr>
-          <a:xfrm flipV="1">
-            <a:off x="2272394" y="489866"/>
-            <a:ext cx="0" cy="939212"/>
-          </a:xfrm>
-          <a:prstGeom prst="line">
-            <a:avLst/>
-          </a:prstGeom>
-          <a:ln w="6350">
-            <a:solidFill>
-              <a:schemeClr val="tx1"/>
-            </a:solidFill>
-            <a:prstDash val="sysDash"/>
-          </a:ln>
-        </p:spPr>
-        <p:style>
-          <a:lnRef idx="1">
-            <a:schemeClr val="dk1"/>
-          </a:lnRef>
-          <a:fillRef idx="0">
-            <a:schemeClr val="dk1"/>
-          </a:fillRef>
-          <a:effectRef idx="0">
-            <a:schemeClr val="dk1"/>
-          </a:effectRef>
-          <a:fontRef idx="minor">
-            <a:schemeClr val="tx1"/>
-          </a:fontRef>
-        </p:style>
-      </p:cxnSp>
-      <p:cxnSp>
-        <p:nvCxnSpPr>
           <p:cNvPr id="28" name="Straight Arrow Connector 27">
             <a:extLst>
               <a:ext uri="{FF2B5EF4-FFF2-40B4-BE49-F238E27FC236}">
@@ -4092,8 +4070,8 @@
         </p:nvCxnSpPr>
         <p:spPr>
           <a:xfrm>
-            <a:off x="2528963" y="311081"/>
-            <a:ext cx="702000" cy="0"/>
+            <a:off x="1444625" y="560744"/>
+            <a:ext cx="1898650" cy="0"/>
           </a:xfrm>
           <a:prstGeom prst="straightConnector1">
             <a:avLst/>
@@ -4136,9 +4114,9 @@
           <p:nvPr/>
         </p:nvCxnSpPr>
         <p:spPr>
-          <a:xfrm>
-            <a:off x="1046980" y="296987"/>
-            <a:ext cx="979200" cy="0"/>
+          <a:xfrm flipV="1">
+            <a:off x="792452" y="560744"/>
+            <a:ext cx="525000" cy="3812"/>
           </a:xfrm>
           <a:prstGeom prst="straightConnector1">
             <a:avLst/>
@@ -4182,8 +4160,8 @@
             </p:nvSpPr>
             <p:spPr>
               <a:xfrm>
-                <a:off x="1193528" y="293174"/>
-                <a:ext cx="658986" cy="259495"/>
+                <a:off x="783825" y="537879"/>
+                <a:ext cx="542253" cy="259943"/>
               </a:xfrm>
               <a:prstGeom prst="rect">
                 <a:avLst/>
@@ -4203,8 +4181,8 @@
                       <m:jc m:val="centerGroup"/>
                     </m:oMathParaPr>
                     <m:oMath xmlns:m="http://schemas.openxmlformats.org/officeDocument/2006/math">
-                      <m:sSub>
-                        <m:sSubPr>
+                      <m:sSubSup>
+                        <m:sSubSupPr>
                           <m:ctrlPr>
                             <a:rPr lang="da-DK" sz="1000" b="1" i="1" smtClean="0">
                               <a:solidFill>
@@ -4214,7 +4192,7 @@
                               <a:cs typeface="Times New Roman" panose="02020603050405020304" pitchFamily="18" charset="0"/>
                             </a:rPr>
                           </m:ctrlPr>
-                        </m:sSubPr>
+                        </m:sSubSupPr>
                         <m:e>
                           <m:r>
                             <a:rPr lang="da-DK" sz="1000" b="1" i="1">
@@ -4229,54 +4207,29 @@
                         </m:e>
                         <m:sub>
                           <m:r>
-                            <a:rPr lang="da-DK" sz="1000" b="1" i="1">
+                            <a:rPr lang="da-DK" sz="1000" b="1" i="1" smtClean="0">
                               <a:solidFill>
                                 <a:srgbClr val="FF0000"/>
                               </a:solidFill>
                               <a:latin typeface="Cambria Math" panose="02040503050406030204" pitchFamily="18" charset="0"/>
                               <a:cs typeface="Times New Roman" panose="02020603050405020304" pitchFamily="18" charset="0"/>
                             </a:rPr>
-                            <m:t>𝑶</m:t>
+                            <m:t>𝑨𝒏𝒐𝒅𝒆</m:t>
                           </m:r>
-                          <m:sSub>
-                            <m:sSubPr>
-                              <m:ctrlPr>
-                                <a:rPr lang="da-DK" sz="1000" b="1" i="1" smtClean="0">
-                                  <a:solidFill>
-                                    <a:srgbClr val="FF0000"/>
-                                  </a:solidFill>
-                                  <a:latin typeface="Cambria Math" panose="02040503050406030204" pitchFamily="18" charset="0"/>
-                                  <a:cs typeface="Times New Roman" panose="02020603050405020304" pitchFamily="18" charset="0"/>
-                                </a:rPr>
-                              </m:ctrlPr>
-                            </m:sSubPr>
-                            <m:e>
-                              <m:r>
-                                <a:rPr lang="da-DK" sz="1000" b="1" i="1">
-                                  <a:solidFill>
-                                    <a:srgbClr val="FF0000"/>
-                                  </a:solidFill>
-                                  <a:latin typeface="Cambria Math" panose="02040503050406030204" pitchFamily="18" charset="0"/>
-                                  <a:cs typeface="Times New Roman" panose="02020603050405020304" pitchFamily="18" charset="0"/>
-                                </a:rPr>
-                                <m:t>𝑷</m:t>
-                              </m:r>
-                            </m:e>
-                            <m:sub>
-                              <m:r>
-                                <a:rPr lang="da-DK" sz="1000" b="1" i="1" smtClean="0">
-                                  <a:solidFill>
-                                    <a:srgbClr val="FF0000"/>
-                                  </a:solidFill>
-                                  <a:latin typeface="Cambria Math" panose="02040503050406030204" pitchFamily="18" charset="0"/>
-                                  <a:cs typeface="Times New Roman" panose="02020603050405020304" pitchFamily="18" charset="0"/>
-                                </a:rPr>
-                                <m:t>𝑻</m:t>
-                              </m:r>
-                            </m:sub>
-                          </m:sSub>
                         </m:sub>
-                      </m:sSub>
+                        <m:sup>
+                          <m:r>
+                            <a:rPr lang="da-DK" sz="1000" b="1" i="1" smtClean="0">
+                              <a:solidFill>
+                                <a:srgbClr val="FF0000"/>
+                              </a:solidFill>
+                              <a:latin typeface="Cambria Math" panose="02040503050406030204" pitchFamily="18" charset="0"/>
+                              <a:cs typeface="Times New Roman" panose="02020603050405020304" pitchFamily="18" charset="0"/>
+                            </a:rPr>
+                            <m:t>𝑶𝑷</m:t>
+                          </m:r>
+                        </m:sup>
+                      </m:sSubSup>
                     </m:oMath>
                   </m:oMathPara>
                 </a14:m>
@@ -4308,8 +4261,8 @@
             </p:nvSpPr>
             <p:spPr>
               <a:xfrm>
-                <a:off x="1193528" y="293174"/>
-                <a:ext cx="658986" cy="259495"/>
+                <a:off x="783825" y="537879"/>
+                <a:ext cx="542253" cy="259943"/>
               </a:xfrm>
               <a:prstGeom prst="rect">
                 <a:avLst/>
@@ -4317,7 +4270,7 @@
               <a:blipFill>
                 <a:blip r:embed="rId6"/>
                 <a:stretch>
-                  <a:fillRect/>
+                  <a:fillRect b="-4762"/>
                 </a:stretch>
               </a:blipFill>
             </p:spPr>
@@ -4336,8 +4289,8 @@
           </p:sp>
         </mc:Fallback>
       </mc:AlternateContent>
-      <mc:AlternateContent xmlns:mc="http://schemas.openxmlformats.org/markup-compatibility/2006" xmlns:a14="http://schemas.microsoft.com/office/drawing/2010/main">
-        <mc:Choice Requires="a14">
+      <mc:AlternateContent xmlns:mc="http://schemas.openxmlformats.org/markup-compatibility/2006">
+        <mc:Choice xmlns:a14="http://schemas.microsoft.com/office/drawing/2010/main" Requires="a14">
           <p:sp>
             <p:nvSpPr>
               <p:cNvPr id="33" name="TextBox 32">
@@ -4352,7 +4305,7 @@
             </p:nvSpPr>
             <p:spPr>
               <a:xfrm>
-                <a:off x="2671411" y="293175"/>
+                <a:off x="2202419" y="551601"/>
                 <a:ext cx="376723" cy="246221"/>
               </a:xfrm>
               <a:prstGeom prst="rect">
@@ -4424,7 +4377,7 @@
             </p:txBody>
           </p:sp>
         </mc:Choice>
-        <mc:Fallback xmlns="">
+        <mc:Fallback>
           <p:sp>
             <p:nvSpPr>
               <p:cNvPr id="33" name="TextBox 32">
@@ -4441,7 +4394,7 @@
             </p:nvSpPr>
             <p:spPr>
               <a:xfrm>
-                <a:off x="2671411" y="293175"/>
+                <a:off x="2202419" y="551601"/>
                 <a:ext cx="376723" cy="246221"/>
               </a:xfrm>
               <a:prstGeom prst="rect">
@@ -4593,8 +4546,8 @@
           </p:sp>
         </mc:Fallback>
       </mc:AlternateContent>
-      <mc:AlternateContent xmlns:mc="http://schemas.openxmlformats.org/markup-compatibility/2006" xmlns:a14="http://schemas.microsoft.com/office/drawing/2010/main">
-        <mc:Choice Requires="a14">
+      <mc:AlternateContent xmlns:mc="http://schemas.openxmlformats.org/markup-compatibility/2006">
+        <mc:Choice xmlns:a14="http://schemas.microsoft.com/office/drawing/2010/main" Requires="a14">
           <p:sp>
             <p:nvSpPr>
               <p:cNvPr id="37" name="TextBox 36">
@@ -4609,7 +4562,7 @@
             </p:nvSpPr>
             <p:spPr>
               <a:xfrm>
-                <a:off x="1336755" y="1120030"/>
+                <a:off x="1419305" y="1126380"/>
                 <a:ext cx="654666" cy="261610"/>
               </a:xfrm>
               <a:prstGeom prst="rect">
@@ -4687,7 +4640,7 @@
             </p:txBody>
           </p:sp>
         </mc:Choice>
-        <mc:Fallback xmlns="">
+        <mc:Fallback>
           <p:sp>
             <p:nvSpPr>
               <p:cNvPr id="37" name="TextBox 36">
@@ -4704,7 +4657,7 @@
             </p:nvSpPr>
             <p:spPr>
               <a:xfrm>
-                <a:off x="1336755" y="1120030"/>
+                <a:off x="1419305" y="1126380"/>
                 <a:ext cx="654666" cy="261610"/>
               </a:xfrm>
               <a:prstGeom prst="rect">
@@ -4713,7 +4666,7 @@
               <a:blipFill>
                 <a:blip r:embed="rId9"/>
                 <a:stretch>
-                  <a:fillRect b="-4762"/>
+                  <a:fillRect b="-4545"/>
                 </a:stretch>
               </a:blipFill>
             </p:spPr>
@@ -4732,8 +4685,8 @@
           </p:sp>
         </mc:Fallback>
       </mc:AlternateContent>
-      <mc:AlternateContent xmlns:mc="http://schemas.openxmlformats.org/markup-compatibility/2006" xmlns:a14="http://schemas.microsoft.com/office/drawing/2010/main">
-        <mc:Choice Requires="a14">
+      <mc:AlternateContent xmlns:mc="http://schemas.openxmlformats.org/markup-compatibility/2006">
+        <mc:Choice xmlns:a14="http://schemas.microsoft.com/office/drawing/2010/main" Requires="a14">
           <p:sp>
             <p:nvSpPr>
               <p:cNvPr id="38" name="TextBox 37">
@@ -4748,7 +4701,7 @@
             </p:nvSpPr>
             <p:spPr>
               <a:xfrm>
-                <a:off x="352997" y="144028"/>
+                <a:off x="352997" y="159612"/>
                 <a:ext cx="748345" cy="305918"/>
               </a:xfrm>
               <a:prstGeom prst="rect">
@@ -4817,7 +4770,7 @@
             </p:txBody>
           </p:sp>
         </mc:Choice>
-        <mc:Fallback xmlns="">
+        <mc:Fallback>
           <p:sp>
             <p:nvSpPr>
               <p:cNvPr id="38" name="TextBox 37">
@@ -4834,7 +4787,7 @@
             </p:nvSpPr>
             <p:spPr>
               <a:xfrm>
-                <a:off x="352997" y="144028"/>
+                <a:off x="352997" y="159612"/>
                 <a:ext cx="748345" cy="305918"/>
               </a:xfrm>
               <a:prstGeom prst="rect">
@@ -4862,8 +4815,8 @@
           </p:sp>
         </mc:Fallback>
       </mc:AlternateContent>
-      <mc:AlternateContent xmlns:mc="http://schemas.openxmlformats.org/markup-compatibility/2006" xmlns:a14="http://schemas.microsoft.com/office/drawing/2010/main">
-        <mc:Choice Requires="a14">
+      <mc:AlternateContent xmlns:mc="http://schemas.openxmlformats.org/markup-compatibility/2006">
+        <mc:Choice xmlns:a14="http://schemas.microsoft.com/office/drawing/2010/main" Requires="a14">
           <p:sp>
             <p:nvSpPr>
               <p:cNvPr id="43" name="TextBox 42">
@@ -4878,7 +4831,7 @@
             </p:nvSpPr>
             <p:spPr>
               <a:xfrm>
-                <a:off x="660745" y="747143"/>
+                <a:off x="619586" y="925535"/>
                 <a:ext cx="873681" cy="246221"/>
               </a:xfrm>
               <a:prstGeom prst="rect">
@@ -4948,7 +4901,7 @@
             </p:txBody>
           </p:sp>
         </mc:Choice>
-        <mc:Fallback xmlns="">
+        <mc:Fallback>
           <p:sp>
             <p:nvSpPr>
               <p:cNvPr id="43" name="TextBox 42">
@@ -4965,7 +4918,7 @@
             </p:nvSpPr>
             <p:spPr>
               <a:xfrm>
-                <a:off x="660745" y="747143"/>
+                <a:off x="619586" y="925535"/>
                 <a:ext cx="873681" cy="246221"/>
               </a:xfrm>
               <a:prstGeom prst="rect">
@@ -4974,7 +4927,7 @@
               <a:blipFill>
                 <a:blip r:embed="rId11"/>
                 <a:stretch>
-                  <a:fillRect b="-10000"/>
+                  <a:fillRect b="-9524"/>
                 </a:stretch>
               </a:blipFill>
             </p:spPr>
@@ -5009,8 +4962,8 @@
         </p:nvCxnSpPr>
         <p:spPr>
           <a:xfrm>
-            <a:off x="2042391" y="896783"/>
-            <a:ext cx="0" cy="353714"/>
+            <a:off x="2042391" y="1033308"/>
+            <a:ext cx="0" cy="216000"/>
           </a:xfrm>
           <a:prstGeom prst="line">
             <a:avLst/>
@@ -5039,8 +4992,8 @@
           </a:fontRef>
         </p:style>
       </p:cxnSp>
-      <mc:AlternateContent xmlns:mc="http://schemas.openxmlformats.org/markup-compatibility/2006" xmlns:a14="http://schemas.microsoft.com/office/drawing/2010/main">
-        <mc:Choice Requires="a14">
+      <mc:AlternateContent xmlns:mc="http://schemas.openxmlformats.org/markup-compatibility/2006">
+        <mc:Choice xmlns:a14="http://schemas.microsoft.com/office/drawing/2010/main" Requires="a14">
           <p:sp>
             <p:nvSpPr>
               <p:cNvPr id="55" name="TextBox 54">
@@ -5055,7 +5008,7 @@
             </p:nvSpPr>
             <p:spPr>
               <a:xfrm>
-                <a:off x="1580934" y="677816"/>
+                <a:off x="1580934" y="817516"/>
                 <a:ext cx="917687" cy="246221"/>
               </a:xfrm>
               <a:prstGeom prst="rect">
@@ -5126,7 +5079,7 @@
             </p:txBody>
           </p:sp>
         </mc:Choice>
-        <mc:Fallback xmlns="">
+        <mc:Fallback>
           <p:sp>
             <p:nvSpPr>
               <p:cNvPr id="55" name="TextBox 54">
@@ -5143,7 +5096,7 @@
             </p:nvSpPr>
             <p:spPr>
               <a:xfrm>
-                <a:off x="1580934" y="677816"/>
+                <a:off x="1580934" y="817516"/>
                 <a:ext cx="917687" cy="246221"/>
               </a:xfrm>
               <a:prstGeom prst="rect">
@@ -5171,8 +5124,8 @@
           </p:sp>
         </mc:Fallback>
       </mc:AlternateContent>
-      <mc:AlternateContent xmlns:mc="http://schemas.openxmlformats.org/markup-compatibility/2006" xmlns:a14="http://schemas.microsoft.com/office/drawing/2010/main">
-        <mc:Choice Requires="a14">
+      <mc:AlternateContent xmlns:mc="http://schemas.openxmlformats.org/markup-compatibility/2006">
+        <mc:Choice xmlns:a14="http://schemas.microsoft.com/office/drawing/2010/main" Requires="a14">
           <p:sp>
             <p:nvSpPr>
               <p:cNvPr id="40" name="TextBox 39">
@@ -5187,8 +5140,8 @@
             </p:nvSpPr>
             <p:spPr>
               <a:xfrm>
-                <a:off x="1956286" y="143391"/>
-                <a:ext cx="687431" cy="279307"/>
+                <a:off x="991807" y="186223"/>
+                <a:ext cx="782009" cy="279307"/>
               </a:xfrm>
               <a:prstGeom prst="rect">
                 <a:avLst/>
@@ -5241,7 +5194,7 @@
                               <a:latin typeface="Cambria Math" panose="02040503050406030204" pitchFamily="18" charset="0"/>
                               <a:cs typeface="Times New Roman" panose="02020603050405020304" pitchFamily="18" charset="0"/>
                             </a:rPr>
-                            <m:t>𝑴𝒊𝒅𝒅𝒍𝒆</m:t>
+                            <m:t>𝑹𝒆𝒂𝒍𝒊𝒔𝒕𝒊𝒄</m:t>
                           </m:r>
                         </m:sup>
                       </m:sSubSup>
@@ -5256,7 +5209,7 @@
             </p:txBody>
           </p:sp>
         </mc:Choice>
-        <mc:Fallback xmlns="">
+        <mc:Fallback>
           <p:sp>
             <p:nvSpPr>
               <p:cNvPr id="40" name="TextBox 39">
@@ -5273,8 +5226,8 @@
             </p:nvSpPr>
             <p:spPr>
               <a:xfrm>
-                <a:off x="1956286" y="143391"/>
-                <a:ext cx="687431" cy="279307"/>
+                <a:off x="991807" y="186223"/>
+                <a:ext cx="782009" cy="279307"/>
               </a:xfrm>
               <a:prstGeom prst="rect">
                 <a:avLst/>
@@ -5405,8 +5358,8 @@
         </p:nvCxnSpPr>
         <p:spPr>
           <a:xfrm>
-            <a:off x="270546" y="1388662"/>
-            <a:ext cx="590400" cy="0"/>
+            <a:off x="295946" y="1388662"/>
+            <a:ext cx="666000" cy="0"/>
           </a:xfrm>
           <a:prstGeom prst="line">
             <a:avLst/>
@@ -5432,8 +5385,8 @@
           </a:fontRef>
         </p:style>
       </p:cxnSp>
-      <mc:AlternateContent xmlns:mc="http://schemas.openxmlformats.org/markup-compatibility/2006" xmlns:a14="http://schemas.microsoft.com/office/drawing/2010/main">
-        <mc:Choice Requires="a14">
+      <mc:AlternateContent xmlns:mc="http://schemas.openxmlformats.org/markup-compatibility/2006">
+        <mc:Choice xmlns:a14="http://schemas.microsoft.com/office/drawing/2010/main" Requires="a14">
           <p:sp>
             <p:nvSpPr>
               <p:cNvPr id="42" name="TextBox 41">
@@ -5448,8 +5401,8 @@
             </p:nvSpPr>
             <p:spPr>
               <a:xfrm>
-                <a:off x="3139404" y="165962"/>
-                <a:ext cx="746743" cy="262059"/>
+                <a:off x="3704554" y="159612"/>
+                <a:ext cx="770788" cy="305918"/>
               </a:xfrm>
               <a:prstGeom prst="rect">
                 <a:avLst/>
@@ -5472,7 +5425,7 @@
                       <m:sSubSup>
                         <m:sSubSupPr>
                           <m:ctrlPr>
-                            <a:rPr lang="da-DK" sz="1100" b="1" i="1">
+                            <a:rPr lang="da-DK" sz="1100" b="1" i="1" smtClean="0">
                               <a:latin typeface="Cambria Math" panose="02040503050406030204" pitchFamily="18" charset="0"/>
                               <a:cs typeface="Times New Roman" panose="02020603050405020304" pitchFamily="18" charset="0"/>
                             </a:rPr>
@@ -5498,6 +5451,13 @@
                         </m:sub>
                         <m:sup>
                           <m:r>
+                            <a:rPr lang="da-DK" sz="1100" b="1" i="1" smtClean="0">
+                              <a:latin typeface="Cambria Math" panose="02040503050406030204" pitchFamily="18" charset="0"/>
+                              <a:cs typeface="Times New Roman" panose="02020603050405020304" pitchFamily="18" charset="0"/>
+                            </a:rPr>
+                            <m:t>𝑶𝒑𝒕𝒊𝒎𝒂𝒍</m:t>
+                          </m:r>
+                          <m:r>
                             <a:rPr lang="da-DK" sz="1100" b="1" i="1">
                               <a:latin typeface="Cambria Math" panose="02040503050406030204" pitchFamily="18" charset="0"/>
                               <a:cs typeface="Times New Roman" panose="02020603050405020304" pitchFamily="18" charset="0"/>
@@ -5517,7 +5477,7 @@
             </p:txBody>
           </p:sp>
         </mc:Choice>
-        <mc:Fallback xmlns="">
+        <mc:Fallback>
           <p:sp>
             <p:nvSpPr>
               <p:cNvPr id="42" name="TextBox 41">
@@ -5534,8 +5494,8 @@
             </p:nvSpPr>
             <p:spPr>
               <a:xfrm>
-                <a:off x="3139404" y="165962"/>
-                <a:ext cx="746743" cy="262059"/>
+                <a:off x="3704554" y="159612"/>
+                <a:ext cx="770788" cy="305918"/>
               </a:xfrm>
               <a:prstGeom prst="rect">
                 <a:avLst/>
@@ -5578,7 +5538,7 @@
         </p:nvCxnSpPr>
         <p:spPr>
           <a:xfrm flipV="1">
-            <a:off x="3477418" y="489866"/>
+            <a:off x="4042568" y="489866"/>
             <a:ext cx="0" cy="942754"/>
           </a:xfrm>
           <a:prstGeom prst="line">
@@ -5622,7 +5582,7 @@
         </p:nvCxnSpPr>
         <p:spPr>
           <a:xfrm>
-            <a:off x="860139" y="1407726"/>
+            <a:off x="968089" y="1407726"/>
             <a:ext cx="435691" cy="0"/>
           </a:xfrm>
           <a:prstGeom prst="line">
@@ -5665,7 +5625,7 @@
         </p:nvCxnSpPr>
         <p:spPr>
           <a:xfrm>
-            <a:off x="860139" y="1369486"/>
+            <a:off x="964914" y="1369486"/>
             <a:ext cx="435691" cy="0"/>
           </a:xfrm>
           <a:prstGeom prst="line">
@@ -5692,8 +5652,8 @@
           </a:fontRef>
         </p:style>
       </p:cxnSp>
-      <mc:AlternateContent xmlns:mc="http://schemas.openxmlformats.org/markup-compatibility/2006" xmlns:a14="http://schemas.microsoft.com/office/drawing/2010/main">
-        <mc:Choice Requires="a14">
+      <mc:AlternateContent xmlns:mc="http://schemas.openxmlformats.org/markup-compatibility/2006">
+        <mc:Choice xmlns:a14="http://schemas.microsoft.com/office/drawing/2010/main" Requires="a14">
           <p:sp>
             <p:nvSpPr>
               <p:cNvPr id="27" name="TextBox 26">
@@ -5708,7 +5668,7 @@
             </p:nvSpPr>
             <p:spPr>
               <a:xfrm>
-                <a:off x="2624836" y="1077272"/>
+                <a:off x="2460758" y="1096175"/>
                 <a:ext cx="514564" cy="169277"/>
               </a:xfrm>
               <a:prstGeom prst="rect">
@@ -5860,7 +5820,7 @@
             </p:txBody>
           </p:sp>
         </mc:Choice>
-        <mc:Fallback xmlns="">
+        <mc:Fallback>
           <p:sp>
             <p:nvSpPr>
               <p:cNvPr id="27" name="TextBox 26">
@@ -5877,7 +5837,7 @@
             </p:nvSpPr>
             <p:spPr>
               <a:xfrm>
-                <a:off x="2624836" y="1077272"/>
+                <a:off x="2460758" y="1096175"/>
                 <a:ext cx="514564" cy="169277"/>
               </a:xfrm>
               <a:prstGeom prst="rect">
@@ -5886,7 +5846,7 @@
               <a:blipFill>
                 <a:blip r:embed="rId15"/>
                 <a:stretch>
-                  <a:fillRect r="-4762" b="-42857"/>
+                  <a:fillRect t="-7143" r="-4762" b="-35714"/>
                 </a:stretch>
               </a:blipFill>
             </p:spPr>
@@ -5921,8 +5881,8 @@
         </p:nvCxnSpPr>
         <p:spPr>
           <a:xfrm>
-            <a:off x="1077980" y="967619"/>
-            <a:ext cx="0" cy="353714"/>
+            <a:off x="1182755" y="1120030"/>
+            <a:ext cx="0" cy="201303"/>
           </a:xfrm>
           <a:prstGeom prst="line">
             <a:avLst/>
@@ -5990,8 +5950,8 @@
           </a:fontRef>
         </p:style>
       </p:cxnSp>
-      <mc:AlternateContent xmlns:mc="http://schemas.openxmlformats.org/markup-compatibility/2006" xmlns:a14="http://schemas.microsoft.com/office/drawing/2010/main">
-        <mc:Choice Requires="a14">
+      <mc:AlternateContent xmlns:mc="http://schemas.openxmlformats.org/markup-compatibility/2006">
+        <mc:Choice xmlns:a14="http://schemas.microsoft.com/office/drawing/2010/main" Requires="a14">
           <p:sp>
             <p:nvSpPr>
               <p:cNvPr id="79" name="TextBox 78">
@@ -6006,7 +5966,7 @@
             </p:nvSpPr>
             <p:spPr>
               <a:xfrm>
-                <a:off x="288708" y="1412529"/>
+                <a:off x="288708" y="1415737"/>
                 <a:ext cx="665567" cy="261610"/>
               </a:xfrm>
               <a:prstGeom prst="rect">
@@ -6053,7 +6013,7 @@
             </p:txBody>
           </p:sp>
         </mc:Choice>
-        <mc:Fallback xmlns="">
+        <mc:Fallback>
           <p:sp>
             <p:nvSpPr>
               <p:cNvPr id="79" name="TextBox 78">
@@ -6070,7 +6030,7 @@
             </p:nvSpPr>
             <p:spPr>
               <a:xfrm>
-                <a:off x="288708" y="1412529"/>
+                <a:off x="288708" y="1415737"/>
                 <a:ext cx="665567" cy="261610"/>
               </a:xfrm>
               <a:prstGeom prst="rect">
@@ -6121,6 +6081,673 @@
             <a:avLst/>
           </a:prstGeom>
           <a:ln/>
+        </p:spPr>
+        <p:style>
+          <a:lnRef idx="1">
+            <a:schemeClr val="dk1"/>
+          </a:lnRef>
+          <a:fillRef idx="0">
+            <a:schemeClr val="dk1"/>
+          </a:fillRef>
+          <a:effectRef idx="0">
+            <a:schemeClr val="dk1"/>
+          </a:effectRef>
+          <a:fontRef idx="minor">
+            <a:schemeClr val="tx1"/>
+          </a:fontRef>
+        </p:style>
+      </p:cxnSp>
+      <p:cxnSp>
+        <p:nvCxnSpPr>
+          <p:cNvPr id="2" name="Straight Connector 1">
+            <a:extLst>
+              <a:ext uri="{FF2B5EF4-FFF2-40B4-BE49-F238E27FC236}">
+                <a16:creationId xmlns:a16="http://schemas.microsoft.com/office/drawing/2014/main" id="{58A3ECE4-67C4-0C72-5964-D407052AD3D9}"/>
+              </a:ext>
+            </a:extLst>
+          </p:cNvPr>
+          <p:cNvCxnSpPr>
+            <a:cxnSpLocks/>
+          </p:cNvCxnSpPr>
+          <p:nvPr/>
+        </p:nvCxnSpPr>
+        <p:spPr>
+          <a:xfrm flipV="1">
+            <a:off x="1400233" y="1350436"/>
+            <a:ext cx="0" cy="79200"/>
+          </a:xfrm>
+          <a:prstGeom prst="line">
+            <a:avLst/>
+          </a:prstGeom>
+          <a:ln/>
+        </p:spPr>
+        <p:style>
+          <a:lnRef idx="1">
+            <a:schemeClr val="dk1"/>
+          </a:lnRef>
+          <a:fillRef idx="0">
+            <a:schemeClr val="dk1"/>
+          </a:fillRef>
+          <a:effectRef idx="0">
+            <a:schemeClr val="dk1"/>
+          </a:effectRef>
+          <a:fontRef idx="minor">
+            <a:schemeClr val="tx1"/>
+          </a:fontRef>
+        </p:style>
+      </p:cxnSp>
+      <mc:AlternateContent xmlns:mc="http://schemas.openxmlformats.org/markup-compatibility/2006">
+        <mc:Choice xmlns:a14="http://schemas.microsoft.com/office/drawing/2010/main" Requires="a14">
+          <p:sp>
+            <p:nvSpPr>
+              <p:cNvPr id="6" name="TextBox 5">
+                <a:extLst>
+                  <a:ext uri="{FF2B5EF4-FFF2-40B4-BE49-F238E27FC236}">
+                    <a16:creationId xmlns:a16="http://schemas.microsoft.com/office/drawing/2014/main" id="{5F23478F-CF48-625E-8395-EFF909BE617E}"/>
+                  </a:ext>
+                </a:extLst>
+              </p:cNvPr>
+              <p:cNvSpPr txBox="1"/>
+              <p:nvPr/>
+            </p:nvSpPr>
+            <p:spPr>
+              <a:xfrm>
+                <a:off x="1164727" y="1415737"/>
+                <a:ext cx="401274" cy="261610"/>
+              </a:xfrm>
+              <a:prstGeom prst="rect">
+                <a:avLst/>
+              </a:prstGeom>
+              <a:noFill/>
+            </p:spPr>
+            <p:txBody>
+              <a:bodyPr wrap="square" rtlCol="0">
+                <a:spAutoFit/>
+              </a:bodyPr>
+              <a:lstStyle/>
+              <a:p>
+                <a:pPr/>
+                <a14:m>
+                  <m:oMathPara xmlns:m="http://schemas.openxmlformats.org/officeDocument/2006/math">
+                    <m:oMathParaPr>
+                      <m:jc m:val="centerGroup"/>
+                    </m:oMathParaPr>
+                    <m:oMath xmlns:m="http://schemas.openxmlformats.org/officeDocument/2006/math">
+                      <m:r>
+                        <a:rPr lang="da-DK" sz="1100" i="1" smtClean="0">
+                          <a:latin typeface="Cambria Math" panose="02040503050406030204" pitchFamily="18" charset="0"/>
+                        </a:rPr>
+                        <m:t>0</m:t>
+                      </m:r>
+                      <m:r>
+                        <a:rPr lang="da-DK" sz="1100" b="0" i="1" smtClean="0">
+                          <a:latin typeface="Cambria Math" panose="02040503050406030204" pitchFamily="18" charset="0"/>
+                        </a:rPr>
+                        <m:t>.40</m:t>
+                      </m:r>
+                    </m:oMath>
+                  </m:oMathPara>
+                </a14:m>
+                <a:endParaRPr lang="da-DK" sz="1100" dirty="0"/>
+              </a:p>
+            </p:txBody>
+          </p:sp>
+        </mc:Choice>
+        <mc:Fallback>
+          <p:sp>
+            <p:nvSpPr>
+              <p:cNvPr id="6" name="TextBox 5">
+                <a:extLst>
+                  <a:ext uri="{FF2B5EF4-FFF2-40B4-BE49-F238E27FC236}">
+                    <a16:creationId xmlns:a16="http://schemas.microsoft.com/office/drawing/2014/main" id="{5F23478F-CF48-625E-8395-EFF909BE617E}"/>
+                  </a:ext>
+                </a:extLst>
+              </p:cNvPr>
+              <p:cNvSpPr txBox="1">
+                <a:spLocks noRot="1" noChangeAspect="1" noMove="1" noResize="1" noEditPoints="1" noAdjustHandles="1" noChangeArrowheads="1" noChangeShapeType="1" noTextEdit="1"/>
+              </p:cNvSpPr>
+              <p:nvPr/>
+            </p:nvSpPr>
+            <p:spPr>
+              <a:xfrm>
+                <a:off x="1164727" y="1415737"/>
+                <a:ext cx="401274" cy="261610"/>
+              </a:xfrm>
+              <a:prstGeom prst="rect">
+                <a:avLst/>
+              </a:prstGeom>
+              <a:blipFill>
+                <a:blip r:embed="rId17"/>
+                <a:stretch>
+                  <a:fillRect/>
+                </a:stretch>
+              </a:blipFill>
+            </p:spPr>
+            <p:txBody>
+              <a:bodyPr/>
+              <a:lstStyle/>
+              <a:p>
+                <a:r>
+                  <a:rPr lang="da-DK">
+                    <a:noFill/>
+                  </a:rPr>
+                  <a:t> </a:t>
+                </a:r>
+              </a:p>
+            </p:txBody>
+          </p:sp>
+        </mc:Fallback>
+      </mc:AlternateContent>
+      <mc:AlternateContent xmlns:mc="http://schemas.openxmlformats.org/markup-compatibility/2006">
+        <mc:Choice xmlns:a14="http://schemas.microsoft.com/office/drawing/2010/main" Requires="a14">
+          <p:sp>
+            <p:nvSpPr>
+              <p:cNvPr id="7" name="TextBox 6">
+                <a:extLst>
+                  <a:ext uri="{FF2B5EF4-FFF2-40B4-BE49-F238E27FC236}">
+                    <a16:creationId xmlns:a16="http://schemas.microsoft.com/office/drawing/2014/main" id="{2F791B0A-E749-43B7-19AF-0A6881E44945}"/>
+                  </a:ext>
+                </a:extLst>
+              </p:cNvPr>
+              <p:cNvSpPr txBox="1"/>
+              <p:nvPr/>
+            </p:nvSpPr>
+            <p:spPr>
+              <a:xfrm>
+                <a:off x="3199127" y="1415737"/>
+                <a:ext cx="481222" cy="261610"/>
+              </a:xfrm>
+              <a:prstGeom prst="rect">
+                <a:avLst/>
+              </a:prstGeom>
+              <a:noFill/>
+            </p:spPr>
+            <p:txBody>
+              <a:bodyPr wrap="none" rtlCol="0">
+                <a:spAutoFit/>
+              </a:bodyPr>
+              <a:lstStyle/>
+              <a:p>
+                <a:pPr/>
+                <a14:m>
+                  <m:oMathPara xmlns:m="http://schemas.openxmlformats.org/officeDocument/2006/math">
+                    <m:oMathParaPr>
+                      <m:jc m:val="centerGroup"/>
+                    </m:oMathParaPr>
+                    <m:oMath xmlns:m="http://schemas.openxmlformats.org/officeDocument/2006/math">
+                      <m:r>
+                        <a:rPr lang="da-DK" sz="1100" b="0" i="1" smtClean="0">
+                          <a:latin typeface="Cambria Math" panose="02040503050406030204" pitchFamily="18" charset="0"/>
+                        </a:rPr>
+                        <m:t>0</m:t>
+                      </m:r>
+                      <m:r>
+                        <a:rPr lang="da-DK" sz="1100" i="1" smtClean="0">
+                          <a:latin typeface="Cambria Math" panose="02040503050406030204" pitchFamily="18" charset="0"/>
+                        </a:rPr>
+                        <m:t>.</m:t>
+                      </m:r>
+                      <m:r>
+                        <a:rPr lang="da-DK" sz="1100" i="1" smtClean="0">
+                          <a:latin typeface="Cambria Math" panose="02040503050406030204" pitchFamily="18" charset="0"/>
+                        </a:rPr>
+                        <m:t>9</m:t>
+                      </m:r>
+                      <m:r>
+                        <a:rPr lang="da-DK" sz="1100" b="0" i="0" smtClean="0">
+                          <a:latin typeface="Cambria Math" panose="02040503050406030204" pitchFamily="18" charset="0"/>
+                        </a:rPr>
+                        <m:t>0</m:t>
+                      </m:r>
+                    </m:oMath>
+                  </m:oMathPara>
+                </a14:m>
+                <a:endParaRPr lang="da-DK" sz="1100" dirty="0"/>
+              </a:p>
+            </p:txBody>
+          </p:sp>
+        </mc:Choice>
+        <mc:Fallback>
+          <p:sp>
+            <p:nvSpPr>
+              <p:cNvPr id="7" name="TextBox 6">
+                <a:extLst>
+                  <a:ext uri="{FF2B5EF4-FFF2-40B4-BE49-F238E27FC236}">
+                    <a16:creationId xmlns:a16="http://schemas.microsoft.com/office/drawing/2014/main" id="{2F791B0A-E749-43B7-19AF-0A6881E44945}"/>
+                  </a:ext>
+                </a:extLst>
+              </p:cNvPr>
+              <p:cNvSpPr txBox="1">
+                <a:spLocks noRot="1" noChangeAspect="1" noMove="1" noResize="1" noEditPoints="1" noAdjustHandles="1" noChangeArrowheads="1" noChangeShapeType="1" noTextEdit="1"/>
+              </p:cNvSpPr>
+              <p:nvPr/>
+            </p:nvSpPr>
+            <p:spPr>
+              <a:xfrm>
+                <a:off x="3199127" y="1415737"/>
+                <a:ext cx="481222" cy="261610"/>
+              </a:xfrm>
+              <a:prstGeom prst="rect">
+                <a:avLst/>
+              </a:prstGeom>
+              <a:blipFill>
+                <a:blip r:embed="rId18"/>
+                <a:stretch>
+                  <a:fillRect/>
+                </a:stretch>
+              </a:blipFill>
+            </p:spPr>
+            <p:txBody>
+              <a:bodyPr/>
+              <a:lstStyle/>
+              <a:p>
+                <a:r>
+                  <a:rPr lang="da-DK">
+                    <a:noFill/>
+                  </a:rPr>
+                  <a:t> </a:t>
+                </a:r>
+              </a:p>
+            </p:txBody>
+          </p:sp>
+        </mc:Fallback>
+      </mc:AlternateContent>
+      <p:cxnSp>
+        <p:nvCxnSpPr>
+          <p:cNvPr id="8" name="Straight Connector 7">
+            <a:extLst>
+              <a:ext uri="{FF2B5EF4-FFF2-40B4-BE49-F238E27FC236}">
+                <a16:creationId xmlns:a16="http://schemas.microsoft.com/office/drawing/2014/main" id="{98050EE1-6990-6D26-CCD2-FF1553818D32}"/>
+              </a:ext>
+            </a:extLst>
+          </p:cNvPr>
+          <p:cNvCxnSpPr>
+            <a:cxnSpLocks/>
+          </p:cNvCxnSpPr>
+          <p:nvPr/>
+        </p:nvCxnSpPr>
+        <p:spPr>
+          <a:xfrm flipV="1">
+            <a:off x="3409989" y="498475"/>
+            <a:ext cx="0" cy="936000"/>
+          </a:xfrm>
+          <a:prstGeom prst="line">
+            <a:avLst/>
+          </a:prstGeom>
+          <a:ln>
+            <a:prstDash val="dash"/>
+          </a:ln>
+        </p:spPr>
+        <p:style>
+          <a:lnRef idx="1">
+            <a:schemeClr val="dk1"/>
+          </a:lnRef>
+          <a:fillRef idx="0">
+            <a:schemeClr val="dk1"/>
+          </a:fillRef>
+          <a:effectRef idx="0">
+            <a:schemeClr val="dk1"/>
+          </a:effectRef>
+          <a:fontRef idx="minor">
+            <a:schemeClr val="tx1"/>
+          </a:fontRef>
+        </p:style>
+      </p:cxnSp>
+      <mc:AlternateContent xmlns:mc="http://schemas.openxmlformats.org/markup-compatibility/2006">
+        <mc:Choice xmlns:a14="http://schemas.microsoft.com/office/drawing/2010/main" Requires="a14">
+          <p:sp>
+            <p:nvSpPr>
+              <p:cNvPr id="12" name="TextBox 11">
+                <a:extLst>
+                  <a:ext uri="{FF2B5EF4-FFF2-40B4-BE49-F238E27FC236}">
+                    <a16:creationId xmlns:a16="http://schemas.microsoft.com/office/drawing/2014/main" id="{93878E95-F7DC-F6A0-A2F0-DC61CAD400F4}"/>
+                  </a:ext>
+                </a:extLst>
+              </p:cNvPr>
+              <p:cNvSpPr txBox="1"/>
+              <p:nvPr/>
+            </p:nvSpPr>
+            <p:spPr>
+              <a:xfrm>
+                <a:off x="3005991" y="186223"/>
+                <a:ext cx="804451" cy="279307"/>
+              </a:xfrm>
+              <a:prstGeom prst="rect">
+                <a:avLst/>
+              </a:prstGeom>
+              <a:noFill/>
+            </p:spPr>
+            <p:txBody>
+              <a:bodyPr wrap="none" rtlCol="0">
+                <a:spAutoFit/>
+              </a:bodyPr>
+              <a:lstStyle/>
+              <a:p>
+                <a:pPr/>
+                <a14:m>
+                  <m:oMathPara xmlns:m="http://schemas.openxmlformats.org/officeDocument/2006/math">
+                    <m:oMathParaPr>
+                      <m:jc m:val="centerGroup"/>
+                    </m:oMathParaPr>
+                    <m:oMath xmlns:m="http://schemas.openxmlformats.org/officeDocument/2006/math">
+                      <m:sSubSup>
+                        <m:sSubSupPr>
+                          <m:ctrlPr>
+                            <a:rPr lang="da-DK" sz="1100" b="1" i="1" smtClean="0">
+                              <a:latin typeface="Cambria Math" panose="02040503050406030204" pitchFamily="18" charset="0"/>
+                              <a:cs typeface="Times New Roman" panose="02020603050405020304" pitchFamily="18" charset="0"/>
+                            </a:rPr>
+                          </m:ctrlPr>
+                        </m:sSubSupPr>
+                        <m:e>
+                          <m:r>
+                            <a:rPr lang="da-DK" sz="1100" b="1" i="1">
+                              <a:latin typeface="Cambria Math" panose="02040503050406030204" pitchFamily="18" charset="0"/>
+                              <a:cs typeface="Times New Roman" panose="02020603050405020304" pitchFamily="18" charset="0"/>
+                            </a:rPr>
+                            <m:t>𝑼</m:t>
+                          </m:r>
+                        </m:e>
+                        <m:sub>
+                          <m:r>
+                            <a:rPr lang="da-DK" sz="1100" b="1" i="1">
+                              <a:latin typeface="Cambria Math" panose="02040503050406030204" pitchFamily="18" charset="0"/>
+                              <a:cs typeface="Times New Roman" panose="02020603050405020304" pitchFamily="18" charset="0"/>
+                            </a:rPr>
+                            <m:t>𝑪𝒂𝒕𝒉𝒐𝒅𝒆</m:t>
+                          </m:r>
+                        </m:sub>
+                        <m:sup>
+                          <m:r>
+                            <a:rPr lang="da-DK" sz="1100" b="1" i="1" smtClean="0">
+                              <a:latin typeface="Cambria Math" panose="02040503050406030204" pitchFamily="18" charset="0"/>
+                              <a:cs typeface="Times New Roman" panose="02020603050405020304" pitchFamily="18" charset="0"/>
+                            </a:rPr>
+                            <m:t>𝑹𝒆𝒂𝒍𝒊𝒔𝒕𝒊𝒄</m:t>
+                          </m:r>
+                          <m:r>
+                            <a:rPr lang="da-DK" sz="1100" b="1" i="1">
+                              <a:latin typeface="Cambria Math" panose="02040503050406030204" pitchFamily="18" charset="0"/>
+                              <a:cs typeface="Times New Roman" panose="02020603050405020304" pitchFamily="18" charset="0"/>
+                            </a:rPr>
+                            <m:t> </m:t>
+                          </m:r>
+                        </m:sup>
+                      </m:sSubSup>
+                    </m:oMath>
+                  </m:oMathPara>
+                </a14:m>
+                <a:endParaRPr lang="da-DK" sz="1100" b="1" dirty="0">
+                  <a:latin typeface="Times New Roman" panose="02020603050405020304" pitchFamily="18" charset="0"/>
+                  <a:cs typeface="Times New Roman" panose="02020603050405020304" pitchFamily="18" charset="0"/>
+                </a:endParaRPr>
+              </a:p>
+            </p:txBody>
+          </p:sp>
+        </mc:Choice>
+        <mc:Fallback>
+          <p:sp>
+            <p:nvSpPr>
+              <p:cNvPr id="12" name="TextBox 11">
+                <a:extLst>
+                  <a:ext uri="{FF2B5EF4-FFF2-40B4-BE49-F238E27FC236}">
+                    <a16:creationId xmlns:a16="http://schemas.microsoft.com/office/drawing/2014/main" id="{93878E95-F7DC-F6A0-A2F0-DC61CAD400F4}"/>
+                  </a:ext>
+                </a:extLst>
+              </p:cNvPr>
+              <p:cNvSpPr txBox="1">
+                <a:spLocks noRot="1" noChangeAspect="1" noMove="1" noResize="1" noEditPoints="1" noAdjustHandles="1" noChangeArrowheads="1" noChangeShapeType="1" noTextEdit="1"/>
+              </p:cNvSpPr>
+              <p:nvPr/>
+            </p:nvSpPr>
+            <p:spPr>
+              <a:xfrm>
+                <a:off x="3005991" y="186223"/>
+                <a:ext cx="804451" cy="279307"/>
+              </a:xfrm>
+              <a:prstGeom prst="rect">
+                <a:avLst/>
+              </a:prstGeom>
+              <a:blipFill>
+                <a:blip r:embed="rId19"/>
+                <a:stretch>
+                  <a:fillRect/>
+                </a:stretch>
+              </a:blipFill>
+            </p:spPr>
+            <p:txBody>
+              <a:bodyPr/>
+              <a:lstStyle/>
+              <a:p>
+                <a:r>
+                  <a:rPr lang="da-DK">
+                    <a:noFill/>
+                  </a:rPr>
+                  <a:t> </a:t>
+                </a:r>
+              </a:p>
+            </p:txBody>
+          </p:sp>
+        </mc:Fallback>
+      </mc:AlternateContent>
+      <p:cxnSp>
+        <p:nvCxnSpPr>
+          <p:cNvPr id="15" name="Straight Arrow Connector 14">
+            <a:extLst>
+              <a:ext uri="{FF2B5EF4-FFF2-40B4-BE49-F238E27FC236}">
+                <a16:creationId xmlns:a16="http://schemas.microsoft.com/office/drawing/2014/main" id="{F123DE69-5AF5-53D1-7EE0-C27E9F298EA3}"/>
+              </a:ext>
+            </a:extLst>
+          </p:cNvPr>
+          <p:cNvCxnSpPr>
+            <a:cxnSpLocks/>
+          </p:cNvCxnSpPr>
+          <p:nvPr/>
+        </p:nvCxnSpPr>
+        <p:spPr>
+          <a:xfrm flipV="1">
+            <a:off x="3462010" y="560744"/>
+            <a:ext cx="525000" cy="3812"/>
+          </a:xfrm>
+          <a:prstGeom prst="straightConnector1">
+            <a:avLst/>
+          </a:prstGeom>
+          <a:ln w="6350">
+            <a:solidFill>
+              <a:srgbClr val="FF0000"/>
+            </a:solidFill>
+            <a:headEnd type="triangle" w="med" len="med"/>
+            <a:tailEnd type="triangle" w="med" len="med"/>
+          </a:ln>
+        </p:spPr>
+        <p:style>
+          <a:lnRef idx="1">
+            <a:schemeClr val="accent1"/>
+          </a:lnRef>
+          <a:fillRef idx="0">
+            <a:schemeClr val="accent1"/>
+          </a:fillRef>
+          <a:effectRef idx="0">
+            <a:schemeClr val="accent1"/>
+          </a:effectRef>
+          <a:fontRef idx="minor">
+            <a:schemeClr val="tx1"/>
+          </a:fontRef>
+        </p:style>
+      </p:cxnSp>
+      <mc:AlternateContent xmlns:mc="http://schemas.openxmlformats.org/markup-compatibility/2006">
+        <mc:Choice xmlns:a14="http://schemas.microsoft.com/office/drawing/2010/main" Requires="a14">
+          <p:sp>
+            <p:nvSpPr>
+              <p:cNvPr id="18" name="TextBox 17">
+                <a:extLst>
+                  <a:ext uri="{FF2B5EF4-FFF2-40B4-BE49-F238E27FC236}">
+                    <a16:creationId xmlns:a16="http://schemas.microsoft.com/office/drawing/2014/main" id="{CAF50345-27BE-AF2C-0071-7755E10B06E8}"/>
+                  </a:ext>
+                </a:extLst>
+              </p:cNvPr>
+              <p:cNvSpPr txBox="1"/>
+              <p:nvPr/>
+            </p:nvSpPr>
+            <p:spPr>
+              <a:xfrm>
+                <a:off x="3424808" y="537879"/>
+                <a:ext cx="542253" cy="259943"/>
+              </a:xfrm>
+              <a:prstGeom prst="rect">
+                <a:avLst/>
+              </a:prstGeom>
+              <a:noFill/>
+            </p:spPr>
+            <p:txBody>
+              <a:bodyPr wrap="square" rtlCol="0">
+                <a:spAutoFit/>
+              </a:bodyPr>
+              <a:lstStyle/>
+              <a:p>
+                <a:pPr/>
+                <a14:m>
+                  <m:oMathPara xmlns:m="http://schemas.openxmlformats.org/officeDocument/2006/math">
+                    <m:oMathParaPr>
+                      <m:jc m:val="centerGroup"/>
+                    </m:oMathParaPr>
+                    <m:oMath xmlns:m="http://schemas.openxmlformats.org/officeDocument/2006/math">
+                      <m:sSubSup>
+                        <m:sSubSupPr>
+                          <m:ctrlPr>
+                            <a:rPr lang="da-DK" sz="1000" b="1" i="1" smtClean="0">
+                              <a:solidFill>
+                                <a:srgbClr val="FF0000"/>
+                              </a:solidFill>
+                              <a:latin typeface="Cambria Math" panose="02040503050406030204" pitchFamily="18" charset="0"/>
+                              <a:cs typeface="Times New Roman" panose="02020603050405020304" pitchFamily="18" charset="0"/>
+                            </a:rPr>
+                          </m:ctrlPr>
+                        </m:sSubSupPr>
+                        <m:e>
+                          <m:r>
+                            <a:rPr lang="da-DK" sz="1000" b="1" i="1">
+                              <a:solidFill>
+                                <a:srgbClr val="FF0000"/>
+                              </a:solidFill>
+                              <a:latin typeface="Cambria Math" panose="02040503050406030204" pitchFamily="18" charset="0"/>
+                              <a:cs typeface="Times New Roman" panose="02020603050405020304" pitchFamily="18" charset="0"/>
+                            </a:rPr>
+                            <m:t>𝑼</m:t>
+                          </m:r>
+                        </m:e>
+                        <m:sub>
+                          <m:r>
+                            <a:rPr lang="da-DK" sz="1000" b="1" i="1" smtClean="0">
+                              <a:solidFill>
+                                <a:srgbClr val="FF0000"/>
+                              </a:solidFill>
+                              <a:latin typeface="Cambria Math" panose="02040503050406030204" pitchFamily="18" charset="0"/>
+                              <a:cs typeface="Times New Roman" panose="02020603050405020304" pitchFamily="18" charset="0"/>
+                            </a:rPr>
+                            <m:t>𝑪𝒂𝒕𝒉𝒐𝒅𝒆</m:t>
+                          </m:r>
+                        </m:sub>
+                        <m:sup>
+                          <m:r>
+                            <a:rPr lang="da-DK" sz="1000" b="1" i="1" smtClean="0">
+                              <a:solidFill>
+                                <a:srgbClr val="FF0000"/>
+                              </a:solidFill>
+                              <a:latin typeface="Cambria Math" panose="02040503050406030204" pitchFamily="18" charset="0"/>
+                              <a:cs typeface="Times New Roman" panose="02020603050405020304" pitchFamily="18" charset="0"/>
+                            </a:rPr>
+                            <m:t>𝑶𝑷</m:t>
+                          </m:r>
+                        </m:sup>
+                      </m:sSubSup>
+                    </m:oMath>
+                  </m:oMathPara>
+                </a14:m>
+                <a:endParaRPr lang="da-DK" sz="1000" b="1" dirty="0">
+                  <a:solidFill>
+                    <a:srgbClr val="FF0000"/>
+                  </a:solidFill>
+                  <a:latin typeface="Times New Roman" panose="02020603050405020304" pitchFamily="18" charset="0"/>
+                  <a:cs typeface="Times New Roman" panose="02020603050405020304" pitchFamily="18" charset="0"/>
+                </a:endParaRPr>
+              </a:p>
+            </p:txBody>
+          </p:sp>
+        </mc:Choice>
+        <mc:Fallback>
+          <p:sp>
+            <p:nvSpPr>
+              <p:cNvPr id="18" name="TextBox 17">
+                <a:extLst>
+                  <a:ext uri="{FF2B5EF4-FFF2-40B4-BE49-F238E27FC236}">
+                    <a16:creationId xmlns:a16="http://schemas.microsoft.com/office/drawing/2014/main" id="{CAF50345-27BE-AF2C-0071-7755E10B06E8}"/>
+                  </a:ext>
+                </a:extLst>
+              </p:cNvPr>
+              <p:cNvSpPr txBox="1">
+                <a:spLocks noRot="1" noChangeAspect="1" noMove="1" noResize="1" noEditPoints="1" noAdjustHandles="1" noChangeArrowheads="1" noChangeShapeType="1" noTextEdit="1"/>
+              </p:cNvSpPr>
+              <p:nvPr/>
+            </p:nvSpPr>
+            <p:spPr>
+              <a:xfrm>
+                <a:off x="3424808" y="537879"/>
+                <a:ext cx="542253" cy="259943"/>
+              </a:xfrm>
+              <a:prstGeom prst="rect">
+                <a:avLst/>
+              </a:prstGeom>
+              <a:blipFill>
+                <a:blip r:embed="rId20"/>
+                <a:stretch>
+                  <a:fillRect r="-11364" b="-4762"/>
+                </a:stretch>
+              </a:blipFill>
+            </p:spPr>
+            <p:txBody>
+              <a:bodyPr/>
+              <a:lstStyle/>
+              <a:p>
+                <a:r>
+                  <a:rPr lang="da-DK">
+                    <a:noFill/>
+                  </a:rPr>
+                  <a:t> </a:t>
+                </a:r>
+              </a:p>
+            </p:txBody>
+          </p:sp>
+        </mc:Fallback>
+      </mc:AlternateContent>
+      <p:cxnSp>
+        <p:nvCxnSpPr>
+          <p:cNvPr id="26" name="Straight Connector 25">
+            <a:extLst>
+              <a:ext uri="{FF2B5EF4-FFF2-40B4-BE49-F238E27FC236}">
+                <a16:creationId xmlns:a16="http://schemas.microsoft.com/office/drawing/2014/main" id="{FDAFFCD5-9C44-EBD3-27D9-81B7FB7EE290}"/>
+              </a:ext>
+            </a:extLst>
+          </p:cNvPr>
+          <p:cNvCxnSpPr>
+            <a:cxnSpLocks/>
+          </p:cNvCxnSpPr>
+          <p:nvPr/>
+        </p:nvCxnSpPr>
+        <p:spPr>
+          <a:xfrm flipV="1">
+            <a:off x="1373869" y="489866"/>
+            <a:ext cx="0" cy="939212"/>
+          </a:xfrm>
+          <a:prstGeom prst="line">
+            <a:avLst/>
+          </a:prstGeom>
+          <a:ln w="6350">
+            <a:solidFill>
+              <a:schemeClr val="tx1"/>
+            </a:solidFill>
+            <a:prstDash val="dash"/>
+          </a:ln>
         </p:spPr>
         <p:style>
           <a:lnRef idx="1">

--- a/Writing/Thesis_Figures/Coverage vs Potential.pptx
+++ b/Writing/Thesis_Figures/Coverage vs Potential.pptx
@@ -197,7 +197,7 @@
           <a:p>
             <a:fld id="{7E4BB161-6267-C445-BC81-AB27B91176B9}" type="datetimeFigureOut">
               <a:rPr lang="da-DK" smtClean="0"/>
-              <a:t>21.10.2023</a:t>
+              <a:t>22.11.2023</a:t>
             </a:fld>
             <a:endParaRPr lang="da-DK"/>
           </a:p>
@@ -923,7 +923,7 @@
           <a:p>
             <a:fld id="{400C526F-8F77-6B40-B8A1-3042D0049435}" type="datetimeFigureOut">
               <a:rPr lang="da-DK" smtClean="0"/>
-              <a:t>21.10.2023</a:t>
+              <a:t>22.11.2023</a:t>
             </a:fld>
             <a:endParaRPr lang="da-DK"/>
           </a:p>
@@ -1093,7 +1093,7 @@
           <a:p>
             <a:fld id="{400C526F-8F77-6B40-B8A1-3042D0049435}" type="datetimeFigureOut">
               <a:rPr lang="da-DK" smtClean="0"/>
-              <a:t>21.10.2023</a:t>
+              <a:t>22.11.2023</a:t>
             </a:fld>
             <a:endParaRPr lang="da-DK"/>
           </a:p>
@@ -1273,7 +1273,7 @@
           <a:p>
             <a:fld id="{400C526F-8F77-6B40-B8A1-3042D0049435}" type="datetimeFigureOut">
               <a:rPr lang="da-DK" smtClean="0"/>
-              <a:t>21.10.2023</a:t>
+              <a:t>22.11.2023</a:t>
             </a:fld>
             <a:endParaRPr lang="da-DK"/>
           </a:p>
@@ -1443,7 +1443,7 @@
           <a:p>
             <a:fld id="{400C526F-8F77-6B40-B8A1-3042D0049435}" type="datetimeFigureOut">
               <a:rPr lang="da-DK" smtClean="0"/>
-              <a:t>21.10.2023</a:t>
+              <a:t>22.11.2023</a:t>
             </a:fld>
             <a:endParaRPr lang="da-DK"/>
           </a:p>
@@ -1689,7 +1689,7 @@
           <a:p>
             <a:fld id="{400C526F-8F77-6B40-B8A1-3042D0049435}" type="datetimeFigureOut">
               <a:rPr lang="da-DK" smtClean="0"/>
-              <a:t>21.10.2023</a:t>
+              <a:t>22.11.2023</a:t>
             </a:fld>
             <a:endParaRPr lang="da-DK"/>
           </a:p>
@@ -1921,7 +1921,7 @@
           <a:p>
             <a:fld id="{400C526F-8F77-6B40-B8A1-3042D0049435}" type="datetimeFigureOut">
               <a:rPr lang="da-DK" smtClean="0"/>
-              <a:t>21.10.2023</a:t>
+              <a:t>22.11.2023</a:t>
             </a:fld>
             <a:endParaRPr lang="da-DK"/>
           </a:p>
@@ -2288,7 +2288,7 @@
           <a:p>
             <a:fld id="{400C526F-8F77-6B40-B8A1-3042D0049435}" type="datetimeFigureOut">
               <a:rPr lang="da-DK" smtClean="0"/>
-              <a:t>21.10.2023</a:t>
+              <a:t>22.11.2023</a:t>
             </a:fld>
             <a:endParaRPr lang="da-DK"/>
           </a:p>
@@ -2406,7 +2406,7 @@
           <a:p>
             <a:fld id="{400C526F-8F77-6B40-B8A1-3042D0049435}" type="datetimeFigureOut">
               <a:rPr lang="da-DK" smtClean="0"/>
-              <a:t>21.10.2023</a:t>
+              <a:t>22.11.2023</a:t>
             </a:fld>
             <a:endParaRPr lang="da-DK"/>
           </a:p>
@@ -2501,7 +2501,7 @@
           <a:p>
             <a:fld id="{400C526F-8F77-6B40-B8A1-3042D0049435}" type="datetimeFigureOut">
               <a:rPr lang="da-DK" smtClean="0"/>
-              <a:t>21.10.2023</a:t>
+              <a:t>22.11.2023</a:t>
             </a:fld>
             <a:endParaRPr lang="da-DK"/>
           </a:p>
@@ -2778,7 +2778,7 @@
           <a:p>
             <a:fld id="{400C526F-8F77-6B40-B8A1-3042D0049435}" type="datetimeFigureOut">
               <a:rPr lang="da-DK" smtClean="0"/>
-              <a:t>21.10.2023</a:t>
+              <a:t>22.11.2023</a:t>
             </a:fld>
             <a:endParaRPr lang="da-DK"/>
           </a:p>
@@ -3035,7 +3035,7 @@
           <a:p>
             <a:fld id="{400C526F-8F77-6B40-B8A1-3042D0049435}" type="datetimeFigureOut">
               <a:rPr lang="da-DK" smtClean="0"/>
-              <a:t>21.10.2023</a:t>
+              <a:t>22.11.2023</a:t>
             </a:fld>
             <a:endParaRPr lang="da-DK"/>
           </a:p>
@@ -3248,7 +3248,7 @@
           <a:p>
             <a:fld id="{400C526F-8F77-6B40-B8A1-3042D0049435}" type="datetimeFigureOut">
               <a:rPr lang="da-DK" smtClean="0"/>
-              <a:t>21.10.2023</a:t>
+              <a:t>22.11.2023</a:t>
             </a:fld>
             <a:endParaRPr lang="da-DK"/>
           </a:p>
@@ -3698,8 +3698,8 @@
           </a:fontRef>
         </p:style>
       </p:cxnSp>
-      <mc:AlternateContent xmlns:mc="http://schemas.openxmlformats.org/markup-compatibility/2006">
-        <mc:Choice xmlns:a14="http://schemas.microsoft.com/office/drawing/2010/main" Requires="a14">
+      <mc:AlternateContent xmlns:mc="http://schemas.openxmlformats.org/markup-compatibility/2006" xmlns:a14="http://schemas.microsoft.com/office/drawing/2010/main">
+        <mc:Choice Requires="a14">
           <p:sp>
             <p:nvSpPr>
               <p:cNvPr id="9" name="TextBox 8">
@@ -3768,7 +3768,7 @@
             </p:txBody>
           </p:sp>
         </mc:Choice>
-        <mc:Fallback>
+        <mc:Fallback xmlns="">
           <p:sp>
             <p:nvSpPr>
               <p:cNvPr id="9" name="TextBox 8">
@@ -3813,8 +3813,8 @@
           </p:sp>
         </mc:Fallback>
       </mc:AlternateContent>
-      <mc:AlternateContent xmlns:mc="http://schemas.openxmlformats.org/markup-compatibility/2006">
-        <mc:Choice xmlns:a14="http://schemas.microsoft.com/office/drawing/2010/main" Requires="a14">
+      <mc:AlternateContent xmlns:mc="http://schemas.openxmlformats.org/markup-compatibility/2006" xmlns:a14="http://schemas.microsoft.com/office/drawing/2010/main">
+        <mc:Choice Requires="a14">
           <p:sp>
             <p:nvSpPr>
               <p:cNvPr id="14" name="TextBox 13">
@@ -3864,7 +3864,7 @@
             </p:txBody>
           </p:sp>
         </mc:Choice>
-        <mc:Fallback>
+        <mc:Fallback xmlns="">
           <p:sp>
             <p:nvSpPr>
               <p:cNvPr id="14" name="TextBox 13">
@@ -3952,8 +3952,8 @@
           </a:fontRef>
         </p:style>
       </p:cxnSp>
-      <mc:AlternateContent xmlns:mc="http://schemas.openxmlformats.org/markup-compatibility/2006">
-        <mc:Choice xmlns:a14="http://schemas.microsoft.com/office/drawing/2010/main" Requires="a14">
+      <mc:AlternateContent xmlns:mc="http://schemas.openxmlformats.org/markup-compatibility/2006" xmlns:a14="http://schemas.microsoft.com/office/drawing/2010/main">
+        <mc:Choice Requires="a14">
           <p:sp>
             <p:nvSpPr>
               <p:cNvPr id="22" name="TextBox 21">
@@ -4009,7 +4009,7 @@
             </p:txBody>
           </p:sp>
         </mc:Choice>
-        <mc:Fallback>
+        <mc:Fallback xmlns="">
           <p:sp>
             <p:nvSpPr>
               <p:cNvPr id="22" name="TextBox 21">
@@ -4144,8 +4144,8 @@
           </a:fontRef>
         </p:style>
       </p:cxnSp>
-      <mc:AlternateContent xmlns:mc="http://schemas.openxmlformats.org/markup-compatibility/2006">
-        <mc:Choice xmlns:a14="http://schemas.microsoft.com/office/drawing/2010/main" Requires="a14">
+      <mc:AlternateContent xmlns:mc="http://schemas.openxmlformats.org/markup-compatibility/2006" xmlns:a14="http://schemas.microsoft.com/office/drawing/2010/main">
+        <mc:Choice Requires="a14">
           <p:sp>
             <p:nvSpPr>
               <p:cNvPr id="32" name="TextBox 31">
@@ -4244,7 +4244,7 @@
             </p:txBody>
           </p:sp>
         </mc:Choice>
-        <mc:Fallback>
+        <mc:Fallback xmlns="">
           <p:sp>
             <p:nvSpPr>
               <p:cNvPr id="32" name="TextBox 31">
@@ -4289,8 +4289,8 @@
           </p:sp>
         </mc:Fallback>
       </mc:AlternateContent>
-      <mc:AlternateContent xmlns:mc="http://schemas.openxmlformats.org/markup-compatibility/2006">
-        <mc:Choice xmlns:a14="http://schemas.microsoft.com/office/drawing/2010/main" Requires="a14">
+      <mc:AlternateContent xmlns:mc="http://schemas.openxmlformats.org/markup-compatibility/2006" xmlns:a14="http://schemas.microsoft.com/office/drawing/2010/main">
+        <mc:Choice Requires="a14">
           <p:sp>
             <p:nvSpPr>
               <p:cNvPr id="33" name="TextBox 32">
@@ -4377,7 +4377,7 @@
             </p:txBody>
           </p:sp>
         </mc:Choice>
-        <mc:Fallback>
+        <mc:Fallback xmlns="">
           <p:sp>
             <p:nvSpPr>
               <p:cNvPr id="33" name="TextBox 32">
@@ -4546,8 +4546,8 @@
           </p:sp>
         </mc:Fallback>
       </mc:AlternateContent>
-      <mc:AlternateContent xmlns:mc="http://schemas.openxmlformats.org/markup-compatibility/2006">
-        <mc:Choice xmlns:a14="http://schemas.microsoft.com/office/drawing/2010/main" Requires="a14">
+      <mc:AlternateContent xmlns:mc="http://schemas.openxmlformats.org/markup-compatibility/2006" xmlns:a14="http://schemas.microsoft.com/office/drawing/2010/main">
+        <mc:Choice Requires="a14">
           <p:sp>
             <p:nvSpPr>
               <p:cNvPr id="37" name="TextBox 36">
@@ -4640,7 +4640,7 @@
             </p:txBody>
           </p:sp>
         </mc:Choice>
-        <mc:Fallback>
+        <mc:Fallback xmlns="">
           <p:sp>
             <p:nvSpPr>
               <p:cNvPr id="37" name="TextBox 36">
@@ -4702,7 +4702,7 @@
             <p:spPr>
               <a:xfrm>
                 <a:off x="352997" y="159612"/>
-                <a:ext cx="748345" cy="305918"/>
+                <a:ext cx="645753" cy="279244"/>
               </a:xfrm>
               <a:prstGeom prst="rect">
                 <a:avLst/>
@@ -4725,7 +4725,7 @@
                       <m:sSubSup>
                         <m:sSubSupPr>
                           <m:ctrlPr>
-                            <a:rPr lang="da-DK" sz="1100" b="1" i="1">
+                            <a:rPr lang="da-DK" sz="1100" b="1" i="1" smtClean="0">
                               <a:latin typeface="Cambria Math" panose="02040503050406030204" pitchFamily="18" charset="0"/>
                               <a:cs typeface="Times New Roman" panose="02020603050405020304" pitchFamily="18" charset="0"/>
                             </a:rPr>
@@ -4751,11 +4751,11 @@
                         </m:sub>
                         <m:sup>
                           <m:r>
-                            <a:rPr lang="da-DK" sz="1100" b="1" i="1">
+                            <a:rPr lang="da-DK" sz="1100" b="1" i="1" smtClean="0">
                               <a:latin typeface="Cambria Math" panose="02040503050406030204" pitchFamily="18" charset="0"/>
                               <a:cs typeface="Times New Roman" panose="02020603050405020304" pitchFamily="18" charset="0"/>
                             </a:rPr>
-                            <m:t>𝑶𝒑𝒕𝒊𝒎𝒂𝒍</m:t>
+                            <m:t>𝑰𝒅𝒆𝒂𝒍</m:t>
                           </m:r>
                         </m:sup>
                       </m:sSubSup>
@@ -4788,7 +4788,7 @@
             <p:spPr>
               <a:xfrm>
                 <a:off x="352997" y="159612"/>
-                <a:ext cx="748345" cy="305918"/>
+                <a:ext cx="645753" cy="279244"/>
               </a:xfrm>
               <a:prstGeom prst="rect">
                 <a:avLst/>
@@ -4815,8 +4815,8 @@
           </p:sp>
         </mc:Fallback>
       </mc:AlternateContent>
-      <mc:AlternateContent xmlns:mc="http://schemas.openxmlformats.org/markup-compatibility/2006">
-        <mc:Choice xmlns:a14="http://schemas.microsoft.com/office/drawing/2010/main" Requires="a14">
+      <mc:AlternateContent xmlns:mc="http://schemas.openxmlformats.org/markup-compatibility/2006" xmlns:a14="http://schemas.microsoft.com/office/drawing/2010/main">
+        <mc:Choice Requires="a14">
           <p:sp>
             <p:nvSpPr>
               <p:cNvPr id="43" name="TextBox 42">
@@ -4901,7 +4901,7 @@
             </p:txBody>
           </p:sp>
         </mc:Choice>
-        <mc:Fallback>
+        <mc:Fallback xmlns="">
           <p:sp>
             <p:nvSpPr>
               <p:cNvPr id="43" name="TextBox 42">
@@ -4992,8 +4992,8 @@
           </a:fontRef>
         </p:style>
       </p:cxnSp>
-      <mc:AlternateContent xmlns:mc="http://schemas.openxmlformats.org/markup-compatibility/2006">
-        <mc:Choice xmlns:a14="http://schemas.microsoft.com/office/drawing/2010/main" Requires="a14">
+      <mc:AlternateContent xmlns:mc="http://schemas.openxmlformats.org/markup-compatibility/2006" xmlns:a14="http://schemas.microsoft.com/office/drawing/2010/main">
+        <mc:Choice Requires="a14">
           <p:sp>
             <p:nvSpPr>
               <p:cNvPr id="55" name="TextBox 54">
@@ -5079,7 +5079,7 @@
             </p:txBody>
           </p:sp>
         </mc:Choice>
-        <mc:Fallback>
+        <mc:Fallback xmlns="">
           <p:sp>
             <p:nvSpPr>
               <p:cNvPr id="55" name="TextBox 54">
@@ -5141,7 +5141,7 @@
             <p:spPr>
               <a:xfrm>
                 <a:off x="991807" y="186223"/>
-                <a:ext cx="782009" cy="279307"/>
+                <a:ext cx="748345" cy="305918"/>
               </a:xfrm>
               <a:prstGeom prst="rect">
                 <a:avLst/>
@@ -5194,7 +5194,7 @@
                               <a:latin typeface="Cambria Math" panose="02040503050406030204" pitchFamily="18" charset="0"/>
                               <a:cs typeface="Times New Roman" panose="02020603050405020304" pitchFamily="18" charset="0"/>
                             </a:rPr>
-                            <m:t>𝑹𝒆𝒂𝒍𝒊𝒔𝒕𝒊𝒄</m:t>
+                            <m:t>𝑶𝒑𝒕𝒊𝒎𝒂𝒍</m:t>
                           </m:r>
                         </m:sup>
                       </m:sSubSup>
@@ -5227,7 +5227,7 @@
             <p:spPr>
               <a:xfrm>
                 <a:off x="991807" y="186223"/>
-                <a:ext cx="782009" cy="279307"/>
+                <a:ext cx="748345" cy="305918"/>
               </a:xfrm>
               <a:prstGeom prst="rect">
                 <a:avLst/>
@@ -5402,7 +5402,7 @@
             <p:spPr>
               <a:xfrm>
                 <a:off x="3704554" y="159612"/>
-                <a:ext cx="770788" cy="305918"/>
+                <a:ext cx="746743" cy="279244"/>
               </a:xfrm>
               <a:prstGeom prst="rect">
                 <a:avLst/>
@@ -5455,7 +5455,7 @@
                               <a:latin typeface="Cambria Math" panose="02040503050406030204" pitchFamily="18" charset="0"/>
                               <a:cs typeface="Times New Roman" panose="02020603050405020304" pitchFamily="18" charset="0"/>
                             </a:rPr>
-                            <m:t>𝑶𝒑𝒕𝒊𝒎𝒂𝒍</m:t>
+                            <m:t>𝑰𝒅𝒆𝒂𝒍</m:t>
                           </m:r>
                           <m:r>
                             <a:rPr lang="da-DK" sz="1100" b="1" i="1">
@@ -5495,7 +5495,7 @@
             <p:spPr>
               <a:xfrm>
                 <a:off x="3704554" y="159612"/>
-                <a:ext cx="770788" cy="305918"/>
+                <a:ext cx="746743" cy="279244"/>
               </a:xfrm>
               <a:prstGeom prst="rect">
                 <a:avLst/>
@@ -5652,8 +5652,8 @@
           </a:fontRef>
         </p:style>
       </p:cxnSp>
-      <mc:AlternateContent xmlns:mc="http://schemas.openxmlformats.org/markup-compatibility/2006">
-        <mc:Choice xmlns:a14="http://schemas.microsoft.com/office/drawing/2010/main" Requires="a14">
+      <mc:AlternateContent xmlns:mc="http://schemas.openxmlformats.org/markup-compatibility/2006" xmlns:a14="http://schemas.microsoft.com/office/drawing/2010/main">
+        <mc:Choice Requires="a14">
           <p:sp>
             <p:nvSpPr>
               <p:cNvPr id="27" name="TextBox 26">
@@ -5820,7 +5820,7 @@
             </p:txBody>
           </p:sp>
         </mc:Choice>
-        <mc:Fallback>
+        <mc:Fallback xmlns="">
           <p:sp>
             <p:nvSpPr>
               <p:cNvPr id="27" name="TextBox 26">
@@ -5950,8 +5950,8 @@
           </a:fontRef>
         </p:style>
       </p:cxnSp>
-      <mc:AlternateContent xmlns:mc="http://schemas.openxmlformats.org/markup-compatibility/2006">
-        <mc:Choice xmlns:a14="http://schemas.microsoft.com/office/drawing/2010/main" Requires="a14">
+      <mc:AlternateContent xmlns:mc="http://schemas.openxmlformats.org/markup-compatibility/2006" xmlns:a14="http://schemas.microsoft.com/office/drawing/2010/main">
+        <mc:Choice Requires="a14">
           <p:sp>
             <p:nvSpPr>
               <p:cNvPr id="79" name="TextBox 78">
@@ -6013,7 +6013,7 @@
             </p:txBody>
           </p:sp>
         </mc:Choice>
-        <mc:Fallback>
+        <mc:Fallback xmlns="">
           <p:sp>
             <p:nvSpPr>
               <p:cNvPr id="79" name="TextBox 78">
@@ -6136,8 +6136,8 @@
           </a:fontRef>
         </p:style>
       </p:cxnSp>
-      <mc:AlternateContent xmlns:mc="http://schemas.openxmlformats.org/markup-compatibility/2006">
-        <mc:Choice xmlns:a14="http://schemas.microsoft.com/office/drawing/2010/main" Requires="a14">
+      <mc:AlternateContent xmlns:mc="http://schemas.openxmlformats.org/markup-compatibility/2006" xmlns:a14="http://schemas.microsoft.com/office/drawing/2010/main">
+        <mc:Choice Requires="a14">
           <p:sp>
             <p:nvSpPr>
               <p:cNvPr id="6" name="TextBox 5">
@@ -6193,7 +6193,7 @@
             </p:txBody>
           </p:sp>
         </mc:Choice>
-        <mc:Fallback>
+        <mc:Fallback xmlns="">
           <p:sp>
             <p:nvSpPr>
               <p:cNvPr id="6" name="TextBox 5">
@@ -6238,8 +6238,8 @@
           </p:sp>
         </mc:Fallback>
       </mc:AlternateContent>
-      <mc:AlternateContent xmlns:mc="http://schemas.openxmlformats.org/markup-compatibility/2006">
-        <mc:Choice xmlns:a14="http://schemas.microsoft.com/office/drawing/2010/main" Requires="a14">
+      <mc:AlternateContent xmlns:mc="http://schemas.openxmlformats.org/markup-compatibility/2006" xmlns:a14="http://schemas.microsoft.com/office/drawing/2010/main">
+        <mc:Choice Requires="a14">
           <p:sp>
             <p:nvSpPr>
               <p:cNvPr id="7" name="TextBox 6">
@@ -6285,13 +6285,7 @@
                         <a:rPr lang="da-DK" sz="1100" i="1" smtClean="0">
                           <a:latin typeface="Cambria Math" panose="02040503050406030204" pitchFamily="18" charset="0"/>
                         </a:rPr>
-                        <m:t>.</m:t>
-                      </m:r>
-                      <m:r>
-                        <a:rPr lang="da-DK" sz="1100" i="1" smtClean="0">
-                          <a:latin typeface="Cambria Math" panose="02040503050406030204" pitchFamily="18" charset="0"/>
-                        </a:rPr>
-                        <m:t>9</m:t>
+                        <m:t>.9</m:t>
                       </m:r>
                       <m:r>
                         <a:rPr lang="da-DK" sz="1100" b="0" i="0" smtClean="0">
@@ -6307,7 +6301,7 @@
             </p:txBody>
           </p:sp>
         </mc:Choice>
-        <mc:Fallback>
+        <mc:Fallback xmlns="">
           <p:sp>
             <p:nvSpPr>
               <p:cNvPr id="7" name="TextBox 6">
@@ -6410,7 +6404,7 @@
             <p:spPr>
               <a:xfrm>
                 <a:off x="3005991" y="186223"/>
-                <a:ext cx="804451" cy="279307"/>
+                <a:ext cx="770788" cy="305918"/>
               </a:xfrm>
               <a:prstGeom prst="rect">
                 <a:avLst/>
@@ -6463,7 +6457,7 @@
                               <a:latin typeface="Cambria Math" panose="02040503050406030204" pitchFamily="18" charset="0"/>
                               <a:cs typeface="Times New Roman" panose="02020603050405020304" pitchFamily="18" charset="0"/>
                             </a:rPr>
-                            <m:t>𝑹𝒆𝒂𝒍𝒊𝒔𝒕𝒊𝒄</m:t>
+                            <m:t>𝑶𝒑𝒕𝒊𝒎𝒂𝒍</m:t>
                           </m:r>
                           <m:r>
                             <a:rPr lang="da-DK" sz="1100" b="1" i="1">
@@ -6503,7 +6497,7 @@
             <p:spPr>
               <a:xfrm>
                 <a:off x="3005991" y="186223"/>
-                <a:ext cx="804451" cy="279307"/>
+                <a:ext cx="770788" cy="305918"/>
               </a:xfrm>
               <a:prstGeom prst="rect">
                 <a:avLst/>
@@ -6575,8 +6569,8 @@
           </a:fontRef>
         </p:style>
       </p:cxnSp>
-      <mc:AlternateContent xmlns:mc="http://schemas.openxmlformats.org/markup-compatibility/2006">
-        <mc:Choice xmlns:a14="http://schemas.microsoft.com/office/drawing/2010/main" Requires="a14">
+      <mc:AlternateContent xmlns:mc="http://schemas.openxmlformats.org/markup-compatibility/2006" xmlns:a14="http://schemas.microsoft.com/office/drawing/2010/main">
+        <mc:Choice Requires="a14">
           <p:sp>
             <p:nvSpPr>
               <p:cNvPr id="18" name="TextBox 17">
@@ -6675,7 +6669,7 @@
             </p:txBody>
           </p:sp>
         </mc:Choice>
-        <mc:Fallback>
+        <mc:Fallback xmlns="">
           <p:sp>
             <p:nvSpPr>
               <p:cNvPr id="18" name="TextBox 17">
